--- a/papers/review/GraphSAGE Review.pptx
+++ b/papers/review/GraphSAGE Review.pptx
@@ -5,7 +5,7 @@
     <p:sldMasterId id="2147483648" r:id="rId1"/>
   </p:sldMasterIdLst>
   <p:notesMasterIdLst>
-    <p:notesMasterId r:id="rId13"/>
+    <p:notesMasterId r:id="rId26"/>
   </p:notesMasterIdLst>
   <p:sldIdLst>
     <p:sldId id="256" r:id="rId2"/>
@@ -19,6 +19,19 @@
     <p:sldId id="265" r:id="rId10"/>
     <p:sldId id="266" r:id="rId11"/>
     <p:sldId id="267" r:id="rId12"/>
+    <p:sldId id="268" r:id="rId13"/>
+    <p:sldId id="269" r:id="rId14"/>
+    <p:sldId id="270" r:id="rId15"/>
+    <p:sldId id="271" r:id="rId16"/>
+    <p:sldId id="272" r:id="rId17"/>
+    <p:sldId id="274" r:id="rId18"/>
+    <p:sldId id="273" r:id="rId19"/>
+    <p:sldId id="275" r:id="rId20"/>
+    <p:sldId id="282" r:id="rId21"/>
+    <p:sldId id="278" r:id="rId22"/>
+    <p:sldId id="279" r:id="rId23"/>
+    <p:sldId id="280" r:id="rId24"/>
+    <p:sldId id="281" r:id="rId25"/>
   </p:sldIdLst>
   <p:sldSz cx="12192000" cy="6858000"/>
   <p:notesSz cx="6858000" cy="9144000"/>
@@ -218,7 +231,7 @@
           <a:p>
             <a:fld id="{B4BAEF34-DDA1-41A6-94BB-1D7567B3088F}" type="datetimeFigureOut">
               <a:rPr lang="ko-KR" altLang="en-US" smtClean="0"/>
-              <a:t>2023-01-22</a:t>
+              <a:t>2023-01-23</a:t>
             </a:fld>
             <a:endParaRPr lang="ko-KR" altLang="en-US"/>
           </a:p>
@@ -614,16 +627,24 @@
           <a:lstStyle/>
           <a:p>
             <a:r>
-              <a:rPr lang="en-US" altLang="ko-KR" dirty="0"/>
-              <a:t>3.2 </a:t>
-            </a:r>
-            <a:r>
-              <a:rPr lang="ko-KR" altLang="en-US" dirty="0"/>
-              <a:t>그래프세이지 모델의 파라미터 학습방법은</a:t>
-            </a:r>
-            <a:r>
-              <a:rPr lang="en-US" altLang="ko-KR" dirty="0"/>
-              <a:t>..</a:t>
+              <a:rPr lang="ko-KR" altLang="en-US" dirty="0"/>
+              <a:t>이것이 </a:t>
+            </a:r>
+            <a:r>
+              <a:rPr lang="en-US" altLang="ko-KR" dirty="0" err="1"/>
+              <a:t>graphSAGE</a:t>
+            </a:r>
+            <a:r>
+              <a:rPr lang="en-US" altLang="ko-KR" dirty="0"/>
+              <a:t> </a:t>
+            </a:r>
+            <a:r>
+              <a:rPr lang="ko-KR" altLang="en-US" dirty="0"/>
+              <a:t>모델 파라미터 학습을 위한 손실함수</a:t>
+            </a:r>
+            <a:r>
+              <a:rPr lang="en-US" altLang="ko-KR" dirty="0"/>
+              <a:t>.</a:t>
             </a:r>
           </a:p>
           <a:p>
@@ -631,16 +652,20 @@
           </a:p>
           <a:p>
             <a:r>
-              <a:rPr lang="ko-KR" altLang="en-US" dirty="0"/>
-              <a:t>최종 아웃풋 </a:t>
-            </a:r>
-            <a:r>
-              <a:rPr lang="en-US" altLang="ko-KR" dirty="0"/>
-              <a:t>rep Zu</a:t>
-            </a:r>
-            <a:r>
-              <a:rPr lang="ko-KR" altLang="en-US" dirty="0"/>
-              <a:t>에 그래프 기반 손실함수를 적용해서 학습한다</a:t>
+              <a:rPr lang="en-US" altLang="ko-KR" dirty="0"/>
+              <a:t> v</a:t>
+            </a:r>
+            <a:r>
+              <a:rPr lang="ko-KR" altLang="en-US" dirty="0"/>
+              <a:t>는 랜덤워크를 통해 뽑은 고정된 숫자의 </a:t>
+            </a:r>
+            <a:r>
+              <a:rPr lang="en-US" altLang="ko-KR" dirty="0"/>
+              <a:t>u </a:t>
+            </a:r>
+            <a:r>
+              <a:rPr lang="ko-KR" altLang="en-US" dirty="0"/>
+              <a:t>이웃을 의미</a:t>
             </a:r>
             <a:r>
               <a:rPr lang="en-US" altLang="ko-KR" dirty="0"/>
@@ -649,20 +674,20 @@
           </a:p>
           <a:p>
             <a:r>
-              <a:rPr lang="en-US" altLang="ko-KR" dirty="0"/>
-              <a:t>SGD</a:t>
-            </a:r>
-            <a:r>
-              <a:rPr lang="ko-KR" altLang="en-US" dirty="0"/>
-              <a:t>를 활용해서 </a:t>
-            </a:r>
-            <a:r>
-              <a:rPr lang="en-US" altLang="ko-KR" dirty="0"/>
-              <a:t>W </a:t>
-            </a:r>
-            <a:r>
-              <a:rPr lang="ko-KR" altLang="en-US" dirty="0"/>
-              <a:t>매트릭스를 튜닝한다</a:t>
+              <a:rPr lang="en-US" altLang="ko-KR" dirty="0" err="1"/>
+              <a:t>Vn</a:t>
+            </a:r>
+            <a:r>
+              <a:rPr lang="ko-KR" altLang="en-US" dirty="0"/>
+              <a:t>은 </a:t>
+            </a:r>
+            <a:r>
+              <a:rPr lang="en-US" altLang="ko-KR" dirty="0"/>
+              <a:t>negative </a:t>
+            </a:r>
+            <a:r>
+              <a:rPr lang="ko-KR" altLang="en-US" dirty="0"/>
+              <a:t>노드로 이웃이 아닌 노드를 의미</a:t>
             </a:r>
             <a:r>
               <a:rPr lang="en-US" altLang="ko-KR" dirty="0"/>
@@ -672,23 +697,152 @@
           <a:p>
             <a:r>
               <a:rPr lang="ko-KR" altLang="en-US" dirty="0"/>
-              <a:t>로스 </a:t>
+              <a:t>시그마는 </a:t>
             </a:r>
             <a:r>
               <a:rPr lang="ko-KR" altLang="en-US" dirty="0" err="1"/>
-              <a:t>펑션은</a:t>
-            </a:r>
-            <a:r>
-              <a:rPr lang="ko-KR" altLang="en-US" dirty="0"/>
-              <a:t> 가까운 노드는 비슷한 </a:t>
-            </a:r>
-            <a:r>
-              <a:rPr lang="en-US" altLang="ko-KR" dirty="0"/>
-              <a:t>rep</a:t>
-            </a:r>
-            <a:r>
-              <a:rPr lang="ko-KR" altLang="en-US" dirty="0"/>
-              <a:t>을 가지게 하는 역할을 한다</a:t>
+              <a:t>시그모이드</a:t>
+            </a:r>
+            <a:endParaRPr lang="en-US" altLang="ko-KR" dirty="0"/>
+          </a:p>
+          <a:p>
+            <a:r>
+              <a:rPr lang="en-US" altLang="ko-KR" dirty="0" err="1"/>
+              <a:t>Pn</a:t>
+            </a:r>
+            <a:r>
+              <a:rPr lang="ko-KR" altLang="en-US" dirty="0"/>
+              <a:t>은 </a:t>
+            </a:r>
+            <a:r>
+              <a:rPr lang="en-US" altLang="ko-KR" dirty="0"/>
+              <a:t>negative</a:t>
+            </a:r>
+            <a:r>
+              <a:rPr lang="ko-KR" altLang="en-US" dirty="0"/>
+              <a:t> </a:t>
+            </a:r>
+            <a:r>
+              <a:rPr lang="en-US" altLang="ko-KR" dirty="0"/>
+              <a:t>sampling</a:t>
+            </a:r>
+            <a:r>
+              <a:rPr lang="ko-KR" altLang="en-US" dirty="0"/>
+              <a:t> </a:t>
+            </a:r>
+            <a:r>
+              <a:rPr lang="en-US" altLang="ko-KR" dirty="0"/>
+              <a:t>distribution</a:t>
+            </a:r>
+          </a:p>
+          <a:p>
+            <a:r>
+              <a:rPr lang="en-US" altLang="ko-KR" dirty="0"/>
+              <a:t>Q</a:t>
+            </a:r>
+            <a:r>
+              <a:rPr lang="ko-KR" altLang="en-US" dirty="0"/>
+              <a:t>는 </a:t>
+            </a:r>
+            <a:r>
+              <a:rPr lang="en-US" altLang="ko-KR" dirty="0"/>
+              <a:t>negative sample</a:t>
+            </a:r>
+            <a:r>
+              <a:rPr lang="ko-KR" altLang="en-US" dirty="0"/>
+              <a:t>의 개수</a:t>
+            </a:r>
+            <a:endParaRPr lang="en-US" altLang="ko-KR" dirty="0"/>
+          </a:p>
+          <a:p>
+            <a:endParaRPr lang="en-US" altLang="ko-KR" dirty="0"/>
+          </a:p>
+          <a:p>
+            <a:r>
+              <a:rPr lang="ko-KR" altLang="en-US" dirty="0"/>
+              <a:t>이전 </a:t>
+            </a:r>
+            <a:r>
+              <a:rPr lang="ko-KR" altLang="en-US" dirty="0" err="1"/>
+              <a:t>임베딩</a:t>
+            </a:r>
+            <a:r>
+              <a:rPr lang="ko-KR" altLang="en-US" dirty="0"/>
+              <a:t> 방식과 다르게</a:t>
+            </a:r>
+            <a:r>
+              <a:rPr lang="en-US" altLang="ko-KR" dirty="0"/>
+              <a:t>, loss function</a:t>
+            </a:r>
+            <a:r>
+              <a:rPr lang="ko-KR" altLang="en-US" dirty="0"/>
+              <a:t>이 적용되는 </a:t>
+            </a:r>
+            <a:r>
+              <a:rPr lang="en-US" altLang="ko-KR" dirty="0"/>
+              <a:t>Zu</a:t>
+            </a:r>
+            <a:r>
+              <a:rPr lang="ko-KR" altLang="en-US" dirty="0"/>
+              <a:t>는 노드의 이웃으로 부터 얻어지는 </a:t>
+            </a:r>
+            <a:r>
+              <a:rPr lang="en-US" altLang="ko-KR" dirty="0"/>
+              <a:t>features</a:t>
+            </a:r>
+            <a:r>
+              <a:rPr lang="ko-KR" altLang="en-US" dirty="0"/>
+              <a:t>로 인해 생성된다</a:t>
+            </a:r>
+            <a:r>
+              <a:rPr lang="en-US" altLang="ko-KR" dirty="0"/>
+              <a:t>.</a:t>
+            </a:r>
+          </a:p>
+          <a:p>
+            <a:r>
+              <a:rPr lang="ko-KR" altLang="en-US" dirty="0"/>
+              <a:t>이런 </a:t>
+            </a:r>
+            <a:r>
+              <a:rPr lang="en-US" altLang="ko-KR" dirty="0"/>
+              <a:t>loss function</a:t>
+            </a:r>
+            <a:r>
+              <a:rPr lang="ko-KR" altLang="en-US" dirty="0"/>
+              <a:t>으로 </a:t>
+            </a:r>
+            <a:r>
+              <a:rPr lang="ko-KR" altLang="en-US" dirty="0" err="1"/>
+              <a:t>이웃노드는</a:t>
+            </a:r>
+            <a:r>
+              <a:rPr lang="ko-KR" altLang="en-US" dirty="0"/>
+              <a:t> 유사도가 높은 </a:t>
+            </a:r>
+            <a:r>
+              <a:rPr lang="ko-KR" altLang="en-US" dirty="0" err="1"/>
+              <a:t>임베딩을</a:t>
+            </a:r>
+            <a:r>
+              <a:rPr lang="ko-KR" altLang="en-US" dirty="0"/>
+              <a:t> 갖도록</a:t>
+            </a:r>
+            <a:r>
+              <a:rPr lang="en-US" altLang="ko-KR" dirty="0"/>
+              <a:t>, </a:t>
+            </a:r>
+            <a:r>
+              <a:rPr lang="ko-KR" altLang="en-US" dirty="0"/>
+              <a:t>이웃이 아닌 노드는 유사도가 낮은 </a:t>
+            </a:r>
+            <a:r>
+              <a:rPr lang="ko-KR" altLang="en-US" dirty="0" err="1"/>
+              <a:t>임베딩을</a:t>
+            </a:r>
+            <a:r>
+              <a:rPr lang="ko-KR" altLang="en-US" dirty="0"/>
+              <a:t> 갖도록 학습이 이루어진다</a:t>
             </a:r>
             <a:r>
               <a:rPr lang="en-US" altLang="ko-KR" dirty="0"/>
@@ -727,6 +881,2192 @@
     <p:extLst>
       <p:ext uri="{BB962C8B-B14F-4D97-AF65-F5344CB8AC3E}">
         <p14:creationId xmlns:p14="http://schemas.microsoft.com/office/powerpoint/2010/main" val="207543088"/>
+      </p:ext>
+    </p:extLst>
+  </p:cSld>
+  <p:clrMapOvr>
+    <a:masterClrMapping/>
+  </p:clrMapOvr>
+</p:notes>
+</file>
+
+<file path=ppt/notesSlides/notesSlide11.xml><?xml version="1.0" encoding="utf-8"?>
+<p:notes xmlns:a="http://schemas.openxmlformats.org/drawingml/2006/main" xmlns:r="http://schemas.openxmlformats.org/officeDocument/2006/relationships" xmlns:p="http://schemas.openxmlformats.org/presentationml/2006/main">
+  <p:cSld>
+    <p:spTree>
+      <p:nvGrpSpPr>
+        <p:cNvPr id="1" name=""/>
+        <p:cNvGrpSpPr/>
+        <p:nvPr/>
+      </p:nvGrpSpPr>
+      <p:grpSpPr>
+        <a:xfrm>
+          <a:off x="0" y="0"/>
+          <a:ext cx="0" cy="0"/>
+          <a:chOff x="0" y="0"/>
+          <a:chExt cx="0" cy="0"/>
+        </a:xfrm>
+      </p:grpSpPr>
+      <p:sp>
+        <p:nvSpPr>
+          <p:cNvPr id="2" name="슬라이드 이미지 개체 틀 1"/>
+          <p:cNvSpPr>
+            <a:spLocks noGrp="1" noRot="1" noChangeAspect="1"/>
+          </p:cNvSpPr>
+          <p:nvPr>
+            <p:ph type="sldImg"/>
+          </p:nvPr>
+        </p:nvSpPr>
+        <p:spPr/>
+      </p:sp>
+      <p:sp>
+        <p:nvSpPr>
+          <p:cNvPr id="3" name="슬라이드 노트 개체 틀 2"/>
+          <p:cNvSpPr>
+            <a:spLocks noGrp="1"/>
+          </p:cNvSpPr>
+          <p:nvPr>
+            <p:ph type="body" idx="1"/>
+          </p:nvPr>
+        </p:nvSpPr>
+        <p:spPr/>
+        <p:txBody>
+          <a:bodyPr/>
+          <a:lstStyle/>
+          <a:p>
+            <a:r>
+              <a:rPr lang="ko-KR" altLang="en-US" dirty="0"/>
+              <a:t>이것이 </a:t>
+            </a:r>
+            <a:r>
+              <a:rPr lang="en-US" altLang="ko-KR" dirty="0" err="1"/>
+              <a:t>graphSAGE</a:t>
+            </a:r>
+            <a:r>
+              <a:rPr lang="en-US" altLang="ko-KR" dirty="0"/>
+              <a:t> </a:t>
+            </a:r>
+            <a:r>
+              <a:rPr lang="ko-KR" altLang="en-US" dirty="0"/>
+              <a:t>모델 파라미터 학습을 위한 손실함수</a:t>
+            </a:r>
+            <a:r>
+              <a:rPr lang="en-US" altLang="ko-KR" dirty="0"/>
+              <a:t>.</a:t>
+            </a:r>
+          </a:p>
+          <a:p>
+            <a:endParaRPr lang="en-US" altLang="ko-KR" dirty="0"/>
+          </a:p>
+          <a:p>
+            <a:r>
+              <a:rPr lang="en-US" altLang="ko-KR" dirty="0"/>
+              <a:t> v</a:t>
+            </a:r>
+            <a:r>
+              <a:rPr lang="ko-KR" altLang="en-US" dirty="0"/>
+              <a:t>는 랜덤워크를 통해 뽑은 고정된 숫자의 </a:t>
+            </a:r>
+            <a:r>
+              <a:rPr lang="en-US" altLang="ko-KR" dirty="0"/>
+              <a:t>u </a:t>
+            </a:r>
+            <a:r>
+              <a:rPr lang="ko-KR" altLang="en-US" dirty="0"/>
+              <a:t>이웃을 의미</a:t>
+            </a:r>
+            <a:r>
+              <a:rPr lang="en-US" altLang="ko-KR" dirty="0"/>
+              <a:t>.</a:t>
+            </a:r>
+          </a:p>
+          <a:p>
+            <a:r>
+              <a:rPr lang="en-US" altLang="ko-KR" dirty="0" err="1"/>
+              <a:t>Vn</a:t>
+            </a:r>
+            <a:r>
+              <a:rPr lang="ko-KR" altLang="en-US" dirty="0"/>
+              <a:t>은 </a:t>
+            </a:r>
+            <a:r>
+              <a:rPr lang="en-US" altLang="ko-KR" dirty="0"/>
+              <a:t>negative </a:t>
+            </a:r>
+            <a:r>
+              <a:rPr lang="ko-KR" altLang="en-US" dirty="0"/>
+              <a:t>노드로 이웃이 아닌 노드를 의미</a:t>
+            </a:r>
+            <a:r>
+              <a:rPr lang="en-US" altLang="ko-KR" dirty="0"/>
+              <a:t>.</a:t>
+            </a:r>
+          </a:p>
+          <a:p>
+            <a:r>
+              <a:rPr lang="ko-KR" altLang="en-US" dirty="0"/>
+              <a:t>시그마는 </a:t>
+            </a:r>
+            <a:r>
+              <a:rPr lang="ko-KR" altLang="en-US" dirty="0" err="1"/>
+              <a:t>시그모이드</a:t>
+            </a:r>
+            <a:endParaRPr lang="en-US" altLang="ko-KR" dirty="0"/>
+          </a:p>
+          <a:p>
+            <a:r>
+              <a:rPr lang="en-US" altLang="ko-KR" dirty="0" err="1"/>
+              <a:t>Pn</a:t>
+            </a:r>
+            <a:r>
+              <a:rPr lang="ko-KR" altLang="en-US" dirty="0"/>
+              <a:t>은 </a:t>
+            </a:r>
+            <a:r>
+              <a:rPr lang="en-US" altLang="ko-KR" dirty="0"/>
+              <a:t>negative</a:t>
+            </a:r>
+            <a:r>
+              <a:rPr lang="ko-KR" altLang="en-US" dirty="0"/>
+              <a:t> </a:t>
+            </a:r>
+            <a:r>
+              <a:rPr lang="en-US" altLang="ko-KR" dirty="0"/>
+              <a:t>sampling</a:t>
+            </a:r>
+            <a:r>
+              <a:rPr lang="ko-KR" altLang="en-US" dirty="0"/>
+              <a:t> </a:t>
+            </a:r>
+            <a:r>
+              <a:rPr lang="en-US" altLang="ko-KR" dirty="0"/>
+              <a:t>distribution</a:t>
+            </a:r>
+          </a:p>
+          <a:p>
+            <a:r>
+              <a:rPr lang="en-US" altLang="ko-KR" dirty="0"/>
+              <a:t>Q</a:t>
+            </a:r>
+            <a:r>
+              <a:rPr lang="ko-KR" altLang="en-US" dirty="0"/>
+              <a:t>는 </a:t>
+            </a:r>
+            <a:r>
+              <a:rPr lang="en-US" altLang="ko-KR" dirty="0"/>
+              <a:t>negative sample</a:t>
+            </a:r>
+            <a:r>
+              <a:rPr lang="ko-KR" altLang="en-US" dirty="0"/>
+              <a:t>의 개수</a:t>
+            </a:r>
+            <a:endParaRPr lang="en-US" altLang="ko-KR" dirty="0"/>
+          </a:p>
+          <a:p>
+            <a:endParaRPr lang="en-US" altLang="ko-KR" dirty="0"/>
+          </a:p>
+          <a:p>
+            <a:r>
+              <a:rPr lang="ko-KR" altLang="en-US" dirty="0"/>
+              <a:t>이전 </a:t>
+            </a:r>
+            <a:r>
+              <a:rPr lang="ko-KR" altLang="en-US" dirty="0" err="1"/>
+              <a:t>임베딩</a:t>
+            </a:r>
+            <a:r>
+              <a:rPr lang="ko-KR" altLang="en-US" dirty="0"/>
+              <a:t> 방식과 다르게</a:t>
+            </a:r>
+            <a:r>
+              <a:rPr lang="en-US" altLang="ko-KR" dirty="0"/>
+              <a:t>, loss function</a:t>
+            </a:r>
+            <a:r>
+              <a:rPr lang="ko-KR" altLang="en-US" dirty="0"/>
+              <a:t>이 적용되는 </a:t>
+            </a:r>
+            <a:r>
+              <a:rPr lang="en-US" altLang="ko-KR" dirty="0"/>
+              <a:t>Zu</a:t>
+            </a:r>
+            <a:r>
+              <a:rPr lang="ko-KR" altLang="en-US" dirty="0"/>
+              <a:t>는 노드의 이웃으로 부터 얻어지는 </a:t>
+            </a:r>
+            <a:r>
+              <a:rPr lang="en-US" altLang="ko-KR" dirty="0"/>
+              <a:t>features</a:t>
+            </a:r>
+            <a:r>
+              <a:rPr lang="ko-KR" altLang="en-US" dirty="0"/>
+              <a:t>로 인해 생성된다</a:t>
+            </a:r>
+            <a:r>
+              <a:rPr lang="en-US" altLang="ko-KR" dirty="0"/>
+              <a:t>.</a:t>
+            </a:r>
+          </a:p>
+          <a:p>
+            <a:r>
+              <a:rPr lang="ko-KR" altLang="en-US" dirty="0"/>
+              <a:t>이런 </a:t>
+            </a:r>
+            <a:r>
+              <a:rPr lang="en-US" altLang="ko-KR" dirty="0"/>
+              <a:t>loss function</a:t>
+            </a:r>
+            <a:r>
+              <a:rPr lang="ko-KR" altLang="en-US" dirty="0"/>
+              <a:t>으로 </a:t>
+            </a:r>
+            <a:r>
+              <a:rPr lang="ko-KR" altLang="en-US" dirty="0" err="1"/>
+              <a:t>이웃노드는</a:t>
+            </a:r>
+            <a:r>
+              <a:rPr lang="ko-KR" altLang="en-US" dirty="0"/>
+              <a:t> 유사도가 높은 </a:t>
+            </a:r>
+            <a:r>
+              <a:rPr lang="ko-KR" altLang="en-US" dirty="0" err="1"/>
+              <a:t>임베딩을</a:t>
+            </a:r>
+            <a:r>
+              <a:rPr lang="ko-KR" altLang="en-US" dirty="0"/>
+              <a:t> 갖도록</a:t>
+            </a:r>
+            <a:r>
+              <a:rPr lang="en-US" altLang="ko-KR" dirty="0"/>
+              <a:t>, </a:t>
+            </a:r>
+            <a:r>
+              <a:rPr lang="ko-KR" altLang="en-US" dirty="0"/>
+              <a:t>이웃이 아닌 노드는 유사도가 낮은 </a:t>
+            </a:r>
+            <a:r>
+              <a:rPr lang="ko-KR" altLang="en-US" dirty="0" err="1"/>
+              <a:t>임베딩을</a:t>
+            </a:r>
+            <a:r>
+              <a:rPr lang="ko-KR" altLang="en-US" dirty="0"/>
+              <a:t> 갖도록 학습이 이루어진다</a:t>
+            </a:r>
+            <a:r>
+              <a:rPr lang="en-US" altLang="ko-KR" dirty="0"/>
+              <a:t>.</a:t>
+            </a:r>
+          </a:p>
+          <a:p>
+            <a:endParaRPr lang="en-US" altLang="ko-KR" dirty="0"/>
+          </a:p>
+        </p:txBody>
+      </p:sp>
+      <p:sp>
+        <p:nvSpPr>
+          <p:cNvPr id="4" name="슬라이드 번호 개체 틀 3"/>
+          <p:cNvSpPr>
+            <a:spLocks noGrp="1"/>
+          </p:cNvSpPr>
+          <p:nvPr>
+            <p:ph type="sldNum" sz="quarter" idx="5"/>
+          </p:nvPr>
+        </p:nvSpPr>
+        <p:spPr/>
+        <p:txBody>
+          <a:bodyPr/>
+          <a:lstStyle/>
+          <a:p>
+            <a:fld id="{E3508E54-26A4-461A-9177-07CC1B35B5F2}" type="slidenum">
+              <a:rPr lang="ko-KR" altLang="en-US" smtClean="0"/>
+              <a:t>12</a:t>
+            </a:fld>
+            <a:endParaRPr lang="ko-KR" altLang="en-US"/>
+          </a:p>
+        </p:txBody>
+      </p:sp>
+    </p:spTree>
+    <p:extLst>
+      <p:ext uri="{BB962C8B-B14F-4D97-AF65-F5344CB8AC3E}">
+        <p14:creationId xmlns:p14="http://schemas.microsoft.com/office/powerpoint/2010/main" val="3574568103"/>
+      </p:ext>
+    </p:extLst>
+  </p:cSld>
+  <p:clrMapOvr>
+    <a:masterClrMapping/>
+  </p:clrMapOvr>
+</p:notes>
+</file>
+
+<file path=ppt/notesSlides/notesSlide12.xml><?xml version="1.0" encoding="utf-8"?>
+<p:notes xmlns:a="http://schemas.openxmlformats.org/drawingml/2006/main" xmlns:r="http://schemas.openxmlformats.org/officeDocument/2006/relationships" xmlns:p="http://schemas.openxmlformats.org/presentationml/2006/main">
+  <p:cSld>
+    <p:spTree>
+      <p:nvGrpSpPr>
+        <p:cNvPr id="1" name=""/>
+        <p:cNvGrpSpPr/>
+        <p:nvPr/>
+      </p:nvGrpSpPr>
+      <p:grpSpPr>
+        <a:xfrm>
+          <a:off x="0" y="0"/>
+          <a:ext cx="0" cy="0"/>
+          <a:chOff x="0" y="0"/>
+          <a:chExt cx="0" cy="0"/>
+        </a:xfrm>
+      </p:grpSpPr>
+      <p:sp>
+        <p:nvSpPr>
+          <p:cNvPr id="2" name="슬라이드 이미지 개체 틀 1"/>
+          <p:cNvSpPr>
+            <a:spLocks noGrp="1" noRot="1" noChangeAspect="1"/>
+          </p:cNvSpPr>
+          <p:nvPr>
+            <p:ph type="sldImg"/>
+          </p:nvPr>
+        </p:nvSpPr>
+        <p:spPr/>
+      </p:sp>
+      <p:sp>
+        <p:nvSpPr>
+          <p:cNvPr id="3" name="슬라이드 노트 개체 틀 2"/>
+          <p:cNvSpPr>
+            <a:spLocks noGrp="1"/>
+          </p:cNvSpPr>
+          <p:nvPr>
+            <p:ph type="body" idx="1"/>
+          </p:nvPr>
+        </p:nvSpPr>
+        <p:spPr/>
+        <p:txBody>
+          <a:bodyPr/>
+          <a:lstStyle/>
+          <a:p>
+            <a:r>
+              <a:rPr lang="ko-KR" altLang="en-US" dirty="0"/>
+              <a:t>그래프에서 노드는 </a:t>
+            </a:r>
+            <a:r>
+              <a:rPr lang="ko-KR" altLang="en-US" dirty="0" err="1"/>
+              <a:t>순서라는게</a:t>
+            </a:r>
+            <a:r>
+              <a:rPr lang="ko-KR" altLang="en-US" dirty="0"/>
+              <a:t> 없다</a:t>
+            </a:r>
+            <a:r>
+              <a:rPr lang="en-US" altLang="ko-KR" dirty="0"/>
+              <a:t>.</a:t>
+            </a:r>
+          </a:p>
+          <a:p>
+            <a:r>
+              <a:rPr lang="ko-KR" altLang="en-US" dirty="0"/>
+              <a:t>그래서 </a:t>
+            </a:r>
+            <a:r>
+              <a:rPr lang="en-US" altLang="ko-KR" dirty="0" err="1"/>
+              <a:t>agg</a:t>
+            </a:r>
+            <a:r>
+              <a:rPr lang="en-US" altLang="ko-KR" dirty="0"/>
+              <a:t> </a:t>
+            </a:r>
+            <a:r>
+              <a:rPr lang="en-US" altLang="ko-KR" dirty="0" err="1"/>
+              <a:t>fuc</a:t>
+            </a:r>
+            <a:r>
+              <a:rPr lang="ko-KR" altLang="en-US" dirty="0"/>
+              <a:t>은 </a:t>
+            </a:r>
+            <a:r>
+              <a:rPr lang="en-US" altLang="ko-KR" dirty="0"/>
+              <a:t>permutation invariant </a:t>
+            </a:r>
+            <a:r>
+              <a:rPr lang="ko-KR" altLang="en-US" dirty="0"/>
+              <a:t>해야함</a:t>
+            </a:r>
+            <a:r>
+              <a:rPr lang="en-US" altLang="ko-KR" dirty="0"/>
+              <a:t>.</a:t>
+            </a:r>
+          </a:p>
+        </p:txBody>
+      </p:sp>
+      <p:sp>
+        <p:nvSpPr>
+          <p:cNvPr id="4" name="슬라이드 번호 개체 틀 3"/>
+          <p:cNvSpPr>
+            <a:spLocks noGrp="1"/>
+          </p:cNvSpPr>
+          <p:nvPr>
+            <p:ph type="sldNum" sz="quarter" idx="5"/>
+          </p:nvPr>
+        </p:nvSpPr>
+        <p:spPr/>
+        <p:txBody>
+          <a:bodyPr/>
+          <a:lstStyle/>
+          <a:p>
+            <a:fld id="{E3508E54-26A4-461A-9177-07CC1B35B5F2}" type="slidenum">
+              <a:rPr lang="ko-KR" altLang="en-US" smtClean="0"/>
+              <a:t>13</a:t>
+            </a:fld>
+            <a:endParaRPr lang="ko-KR" altLang="en-US"/>
+          </a:p>
+        </p:txBody>
+      </p:sp>
+    </p:spTree>
+    <p:extLst>
+      <p:ext uri="{BB962C8B-B14F-4D97-AF65-F5344CB8AC3E}">
+        <p14:creationId xmlns:p14="http://schemas.microsoft.com/office/powerpoint/2010/main" val="4050126385"/>
+      </p:ext>
+    </p:extLst>
+  </p:cSld>
+  <p:clrMapOvr>
+    <a:masterClrMapping/>
+  </p:clrMapOvr>
+</p:notes>
+</file>
+
+<file path=ppt/notesSlides/notesSlide13.xml><?xml version="1.0" encoding="utf-8"?>
+<p:notes xmlns:a="http://schemas.openxmlformats.org/drawingml/2006/main" xmlns:r="http://schemas.openxmlformats.org/officeDocument/2006/relationships" xmlns:p="http://schemas.openxmlformats.org/presentationml/2006/main">
+  <p:cSld>
+    <p:spTree>
+      <p:nvGrpSpPr>
+        <p:cNvPr id="1" name=""/>
+        <p:cNvGrpSpPr/>
+        <p:nvPr/>
+      </p:nvGrpSpPr>
+      <p:grpSpPr>
+        <a:xfrm>
+          <a:off x="0" y="0"/>
+          <a:ext cx="0" cy="0"/>
+          <a:chOff x="0" y="0"/>
+          <a:chExt cx="0" cy="0"/>
+        </a:xfrm>
+      </p:grpSpPr>
+      <p:sp>
+        <p:nvSpPr>
+          <p:cNvPr id="2" name="슬라이드 이미지 개체 틀 1"/>
+          <p:cNvSpPr>
+            <a:spLocks noGrp="1" noRot="1" noChangeAspect="1"/>
+          </p:cNvSpPr>
+          <p:nvPr>
+            <p:ph type="sldImg"/>
+          </p:nvPr>
+        </p:nvSpPr>
+        <p:spPr/>
+      </p:sp>
+      <p:sp>
+        <p:nvSpPr>
+          <p:cNvPr id="3" name="슬라이드 노트 개체 틀 2"/>
+          <p:cNvSpPr>
+            <a:spLocks noGrp="1"/>
+          </p:cNvSpPr>
+          <p:nvPr>
+            <p:ph type="body" idx="1"/>
+          </p:nvPr>
+        </p:nvSpPr>
+        <p:spPr/>
+        <p:txBody>
+          <a:bodyPr/>
+          <a:lstStyle/>
+          <a:p>
+            <a:r>
+              <a:rPr lang="ko-KR" altLang="en-US" dirty="0"/>
+              <a:t>평균 </a:t>
+            </a:r>
+            <a:r>
+              <a:rPr lang="en-US" altLang="ko-KR" dirty="0" err="1"/>
+              <a:t>agg</a:t>
+            </a:r>
+            <a:r>
+              <a:rPr lang="en-US" altLang="ko-KR" dirty="0"/>
+              <a:t> </a:t>
+            </a:r>
+            <a:r>
+              <a:rPr lang="en-US" altLang="ko-KR" dirty="0" err="1"/>
+              <a:t>fuc</a:t>
+            </a:r>
+            <a:endParaRPr lang="en-US" altLang="ko-KR" dirty="0"/>
+          </a:p>
+          <a:p>
+            <a:endParaRPr lang="en-US" altLang="ko-KR" dirty="0"/>
+          </a:p>
+          <a:p>
+            <a:r>
+              <a:rPr lang="ko-KR" altLang="en-US" dirty="0"/>
+              <a:t>타겟 노드와 이웃 노드의 </a:t>
+            </a:r>
+            <a:r>
+              <a:rPr lang="en-US" altLang="ko-KR" dirty="0"/>
+              <a:t>rep </a:t>
+            </a:r>
+            <a:r>
+              <a:rPr lang="ko-KR" altLang="en-US" dirty="0"/>
+              <a:t>값을 평균하여 사용한다</a:t>
+            </a:r>
+            <a:r>
+              <a:rPr lang="en-US" altLang="ko-KR" dirty="0"/>
+              <a:t>.</a:t>
+            </a:r>
+          </a:p>
+        </p:txBody>
+      </p:sp>
+      <p:sp>
+        <p:nvSpPr>
+          <p:cNvPr id="4" name="슬라이드 번호 개체 틀 3"/>
+          <p:cNvSpPr>
+            <a:spLocks noGrp="1"/>
+          </p:cNvSpPr>
+          <p:nvPr>
+            <p:ph type="sldNum" sz="quarter" idx="5"/>
+          </p:nvPr>
+        </p:nvSpPr>
+        <p:spPr/>
+        <p:txBody>
+          <a:bodyPr/>
+          <a:lstStyle/>
+          <a:p>
+            <a:fld id="{E3508E54-26A4-461A-9177-07CC1B35B5F2}" type="slidenum">
+              <a:rPr lang="ko-KR" altLang="en-US" smtClean="0"/>
+              <a:t>14</a:t>
+            </a:fld>
+            <a:endParaRPr lang="ko-KR" altLang="en-US"/>
+          </a:p>
+        </p:txBody>
+      </p:sp>
+    </p:spTree>
+    <p:extLst>
+      <p:ext uri="{BB962C8B-B14F-4D97-AF65-F5344CB8AC3E}">
+        <p14:creationId xmlns:p14="http://schemas.microsoft.com/office/powerpoint/2010/main" val="2366234184"/>
+      </p:ext>
+    </p:extLst>
+  </p:cSld>
+  <p:clrMapOvr>
+    <a:masterClrMapping/>
+  </p:clrMapOvr>
+</p:notes>
+</file>
+
+<file path=ppt/notesSlides/notesSlide14.xml><?xml version="1.0" encoding="utf-8"?>
+<p:notes xmlns:a="http://schemas.openxmlformats.org/drawingml/2006/main" xmlns:r="http://schemas.openxmlformats.org/officeDocument/2006/relationships" xmlns:p="http://schemas.openxmlformats.org/presentationml/2006/main">
+  <p:cSld>
+    <p:spTree>
+      <p:nvGrpSpPr>
+        <p:cNvPr id="1" name=""/>
+        <p:cNvGrpSpPr/>
+        <p:nvPr/>
+      </p:nvGrpSpPr>
+      <p:grpSpPr>
+        <a:xfrm>
+          <a:off x="0" y="0"/>
+          <a:ext cx="0" cy="0"/>
+          <a:chOff x="0" y="0"/>
+          <a:chExt cx="0" cy="0"/>
+        </a:xfrm>
+      </p:grpSpPr>
+      <p:sp>
+        <p:nvSpPr>
+          <p:cNvPr id="2" name="슬라이드 이미지 개체 틀 1"/>
+          <p:cNvSpPr>
+            <a:spLocks noGrp="1" noRot="1" noChangeAspect="1"/>
+          </p:cNvSpPr>
+          <p:nvPr>
+            <p:ph type="sldImg"/>
+          </p:nvPr>
+        </p:nvSpPr>
+        <p:spPr/>
+      </p:sp>
+      <p:sp>
+        <p:nvSpPr>
+          <p:cNvPr id="3" name="슬라이드 노트 개체 틀 2"/>
+          <p:cNvSpPr>
+            <a:spLocks noGrp="1"/>
+          </p:cNvSpPr>
+          <p:nvPr>
+            <p:ph type="body" idx="1"/>
+          </p:nvPr>
+        </p:nvSpPr>
+        <p:spPr/>
+        <p:txBody>
+          <a:bodyPr/>
+          <a:lstStyle/>
+          <a:p>
+            <a:r>
+              <a:rPr lang="en-US" altLang="ko-KR" dirty="0"/>
+              <a:t>LSTM</a:t>
+            </a:r>
+            <a:r>
+              <a:rPr lang="ko-KR" altLang="en-US" dirty="0"/>
+              <a:t> </a:t>
+            </a:r>
+            <a:r>
+              <a:rPr lang="en-US" altLang="ko-KR" dirty="0" err="1"/>
+              <a:t>agg</a:t>
+            </a:r>
+            <a:r>
+              <a:rPr lang="en-US" altLang="ko-KR" dirty="0"/>
+              <a:t> </a:t>
+            </a:r>
+            <a:r>
+              <a:rPr lang="en-US" altLang="ko-KR" dirty="0" err="1"/>
+              <a:t>fuc</a:t>
+            </a:r>
+            <a:endParaRPr lang="en-US" altLang="ko-KR" dirty="0"/>
+          </a:p>
+          <a:p>
+            <a:endParaRPr lang="en-US" altLang="ko-KR" dirty="0"/>
+          </a:p>
+          <a:p>
+            <a:r>
+              <a:rPr lang="ko-KR" altLang="en-US" dirty="0"/>
+              <a:t>평균방식 대비 </a:t>
+            </a:r>
+            <a:r>
+              <a:rPr lang="en-US" altLang="ko-KR" dirty="0"/>
+              <a:t>LSTM</a:t>
+            </a:r>
+            <a:r>
+              <a:rPr lang="ko-KR" altLang="en-US" dirty="0"/>
+              <a:t>은 표현력이 강하다</a:t>
+            </a:r>
+            <a:r>
+              <a:rPr lang="en-US" altLang="ko-KR" dirty="0"/>
+              <a:t>.</a:t>
+            </a:r>
+          </a:p>
+          <a:p>
+            <a:r>
+              <a:rPr lang="ko-KR" altLang="en-US" dirty="0"/>
+              <a:t>하지만 기본적으로 </a:t>
+            </a:r>
+            <a:r>
+              <a:rPr lang="en-US" altLang="ko-KR" dirty="0"/>
+              <a:t>permutation invariant </a:t>
+            </a:r>
+            <a:r>
+              <a:rPr lang="ko-KR" altLang="en-US" dirty="0"/>
+              <a:t>하지 않다는 성질이 있는데</a:t>
+            </a:r>
+            <a:r>
+              <a:rPr lang="en-US" altLang="ko-KR" dirty="0"/>
+              <a:t>,</a:t>
+            </a:r>
+          </a:p>
+          <a:p>
+            <a:r>
+              <a:rPr lang="ko-KR" altLang="en-US" dirty="0"/>
+              <a:t>여기서는 </a:t>
+            </a:r>
+            <a:r>
+              <a:rPr lang="en-US" altLang="ko-KR" dirty="0"/>
+              <a:t>LSTM</a:t>
+            </a:r>
+            <a:r>
+              <a:rPr lang="ko-KR" altLang="en-US" dirty="0"/>
+              <a:t>을 이웃에 </a:t>
+            </a:r>
+            <a:r>
+              <a:rPr lang="en-US" altLang="ko-KR" dirty="0"/>
+              <a:t>random permutation</a:t>
+            </a:r>
+            <a:r>
+              <a:rPr lang="ko-KR" altLang="en-US" dirty="0"/>
+              <a:t>을 적용함으로써 순서가 없는 집합에도 </a:t>
+            </a:r>
+            <a:r>
+              <a:rPr lang="en-US" altLang="ko-KR" dirty="0"/>
+              <a:t>LSTM</a:t>
+            </a:r>
+            <a:r>
+              <a:rPr lang="ko-KR" altLang="en-US" dirty="0"/>
+              <a:t>을 적용하였다</a:t>
+            </a:r>
+            <a:r>
+              <a:rPr lang="en-US" altLang="ko-KR" dirty="0"/>
+              <a:t>.</a:t>
+            </a:r>
+          </a:p>
+        </p:txBody>
+      </p:sp>
+      <p:sp>
+        <p:nvSpPr>
+          <p:cNvPr id="4" name="슬라이드 번호 개체 틀 3"/>
+          <p:cNvSpPr>
+            <a:spLocks noGrp="1"/>
+          </p:cNvSpPr>
+          <p:nvPr>
+            <p:ph type="sldNum" sz="quarter" idx="5"/>
+          </p:nvPr>
+        </p:nvSpPr>
+        <p:spPr/>
+        <p:txBody>
+          <a:bodyPr/>
+          <a:lstStyle/>
+          <a:p>
+            <a:fld id="{E3508E54-26A4-461A-9177-07CC1B35B5F2}" type="slidenum">
+              <a:rPr lang="ko-KR" altLang="en-US" smtClean="0"/>
+              <a:t>15</a:t>
+            </a:fld>
+            <a:endParaRPr lang="ko-KR" altLang="en-US"/>
+          </a:p>
+        </p:txBody>
+      </p:sp>
+    </p:spTree>
+    <p:extLst>
+      <p:ext uri="{BB962C8B-B14F-4D97-AF65-F5344CB8AC3E}">
+        <p14:creationId xmlns:p14="http://schemas.microsoft.com/office/powerpoint/2010/main" val="2821477719"/>
+      </p:ext>
+    </p:extLst>
+  </p:cSld>
+  <p:clrMapOvr>
+    <a:masterClrMapping/>
+  </p:clrMapOvr>
+</p:notes>
+</file>
+
+<file path=ppt/notesSlides/notesSlide15.xml><?xml version="1.0" encoding="utf-8"?>
+<p:notes xmlns:a="http://schemas.openxmlformats.org/drawingml/2006/main" xmlns:r="http://schemas.openxmlformats.org/officeDocument/2006/relationships" xmlns:p="http://schemas.openxmlformats.org/presentationml/2006/main">
+  <p:cSld>
+    <p:spTree>
+      <p:nvGrpSpPr>
+        <p:cNvPr id="1" name=""/>
+        <p:cNvGrpSpPr/>
+        <p:nvPr/>
+      </p:nvGrpSpPr>
+      <p:grpSpPr>
+        <a:xfrm>
+          <a:off x="0" y="0"/>
+          <a:ext cx="0" cy="0"/>
+          <a:chOff x="0" y="0"/>
+          <a:chExt cx="0" cy="0"/>
+        </a:xfrm>
+      </p:grpSpPr>
+      <p:sp>
+        <p:nvSpPr>
+          <p:cNvPr id="2" name="슬라이드 이미지 개체 틀 1"/>
+          <p:cNvSpPr>
+            <a:spLocks noGrp="1" noRot="1" noChangeAspect="1"/>
+          </p:cNvSpPr>
+          <p:nvPr>
+            <p:ph type="sldImg"/>
+          </p:nvPr>
+        </p:nvSpPr>
+        <p:spPr/>
+      </p:sp>
+      <p:sp>
+        <p:nvSpPr>
+          <p:cNvPr id="3" name="슬라이드 노트 개체 틀 2"/>
+          <p:cNvSpPr>
+            <a:spLocks noGrp="1"/>
+          </p:cNvSpPr>
+          <p:nvPr>
+            <p:ph type="body" idx="1"/>
+          </p:nvPr>
+        </p:nvSpPr>
+        <p:spPr/>
+        <p:txBody>
+          <a:bodyPr/>
+          <a:lstStyle/>
+          <a:p>
+            <a:r>
+              <a:rPr lang="en-US" altLang="ko-KR" dirty="0"/>
+              <a:t>LSTM</a:t>
+            </a:r>
+            <a:r>
+              <a:rPr lang="ko-KR" altLang="en-US" dirty="0"/>
+              <a:t> </a:t>
+            </a:r>
+            <a:r>
+              <a:rPr lang="en-US" altLang="ko-KR" dirty="0" err="1"/>
+              <a:t>agg</a:t>
+            </a:r>
+            <a:r>
+              <a:rPr lang="en-US" altLang="ko-KR" dirty="0"/>
+              <a:t> </a:t>
+            </a:r>
+            <a:r>
+              <a:rPr lang="en-US" altLang="ko-KR" dirty="0" err="1"/>
+              <a:t>fuc</a:t>
+            </a:r>
+            <a:endParaRPr lang="en-US" altLang="ko-KR" dirty="0"/>
+          </a:p>
+          <a:p>
+            <a:endParaRPr lang="en-US" altLang="ko-KR" dirty="0"/>
+          </a:p>
+          <a:p>
+            <a:r>
+              <a:rPr lang="ko-KR" altLang="en-US" dirty="0"/>
+              <a:t>평균방식 대비 </a:t>
+            </a:r>
+            <a:r>
+              <a:rPr lang="en-US" altLang="ko-KR" dirty="0"/>
+              <a:t>LSTM</a:t>
+            </a:r>
+            <a:r>
+              <a:rPr lang="ko-KR" altLang="en-US" dirty="0"/>
+              <a:t>은 표현력이 강하다</a:t>
+            </a:r>
+            <a:r>
+              <a:rPr lang="en-US" altLang="ko-KR" dirty="0"/>
+              <a:t>.</a:t>
+            </a:r>
+          </a:p>
+          <a:p>
+            <a:r>
+              <a:rPr lang="ko-KR" altLang="en-US" dirty="0"/>
+              <a:t>하지만 기본적으로 </a:t>
+            </a:r>
+            <a:r>
+              <a:rPr lang="en-US" altLang="ko-KR" dirty="0"/>
+              <a:t>permutation invariant </a:t>
+            </a:r>
+            <a:r>
+              <a:rPr lang="ko-KR" altLang="en-US" dirty="0"/>
+              <a:t>하지 않다는 성질이 있는데</a:t>
+            </a:r>
+            <a:r>
+              <a:rPr lang="en-US" altLang="ko-KR" dirty="0"/>
+              <a:t>,</a:t>
+            </a:r>
+          </a:p>
+          <a:p>
+            <a:r>
+              <a:rPr lang="ko-KR" altLang="en-US" dirty="0"/>
+              <a:t>여기서는 </a:t>
+            </a:r>
+            <a:r>
+              <a:rPr lang="en-US" altLang="ko-KR" dirty="0"/>
+              <a:t>LSTM</a:t>
+            </a:r>
+            <a:r>
+              <a:rPr lang="ko-KR" altLang="en-US" dirty="0"/>
+              <a:t>을 이웃에 </a:t>
+            </a:r>
+            <a:r>
+              <a:rPr lang="en-US" altLang="ko-KR" dirty="0"/>
+              <a:t>random permutation</a:t>
+            </a:r>
+            <a:r>
+              <a:rPr lang="ko-KR" altLang="en-US" dirty="0"/>
+              <a:t>을 적용함으로써 순서가 없는 집합에도 </a:t>
+            </a:r>
+            <a:r>
+              <a:rPr lang="en-US" altLang="ko-KR" dirty="0"/>
+              <a:t>LSTM</a:t>
+            </a:r>
+            <a:r>
+              <a:rPr lang="ko-KR" altLang="en-US" dirty="0"/>
+              <a:t>을 적용하였다</a:t>
+            </a:r>
+            <a:r>
+              <a:rPr lang="en-US" altLang="ko-KR" dirty="0"/>
+              <a:t>.</a:t>
+            </a:r>
+          </a:p>
+          <a:p>
+            <a:r>
+              <a:rPr lang="en-US" altLang="ko-KR" dirty="0"/>
+              <a:t>Max pooling</a:t>
+            </a:r>
+            <a:r>
+              <a:rPr lang="ko-KR" altLang="en-US" dirty="0"/>
+              <a:t>을 적용함으로써 이웃 노드의 다른 측면을 효과적으로 </a:t>
+            </a:r>
+            <a:r>
+              <a:rPr lang="ko-KR" altLang="en-US" dirty="0" err="1"/>
+              <a:t>캡쳐하게</a:t>
+            </a:r>
+            <a:r>
+              <a:rPr lang="ko-KR" altLang="en-US" dirty="0"/>
+              <a:t> 된다</a:t>
+            </a:r>
+            <a:r>
+              <a:rPr lang="en-US" altLang="ko-KR" dirty="0"/>
+              <a:t>.</a:t>
+            </a:r>
+          </a:p>
+        </p:txBody>
+      </p:sp>
+      <p:sp>
+        <p:nvSpPr>
+          <p:cNvPr id="4" name="슬라이드 번호 개체 틀 3"/>
+          <p:cNvSpPr>
+            <a:spLocks noGrp="1"/>
+          </p:cNvSpPr>
+          <p:nvPr>
+            <p:ph type="sldNum" sz="quarter" idx="5"/>
+          </p:nvPr>
+        </p:nvSpPr>
+        <p:spPr/>
+        <p:txBody>
+          <a:bodyPr/>
+          <a:lstStyle/>
+          <a:p>
+            <a:fld id="{E3508E54-26A4-461A-9177-07CC1B35B5F2}" type="slidenum">
+              <a:rPr lang="ko-KR" altLang="en-US" smtClean="0"/>
+              <a:t>16</a:t>
+            </a:fld>
+            <a:endParaRPr lang="ko-KR" altLang="en-US"/>
+          </a:p>
+        </p:txBody>
+      </p:sp>
+    </p:spTree>
+    <p:extLst>
+      <p:ext uri="{BB962C8B-B14F-4D97-AF65-F5344CB8AC3E}">
+        <p14:creationId xmlns:p14="http://schemas.microsoft.com/office/powerpoint/2010/main" val="2304543178"/>
+      </p:ext>
+    </p:extLst>
+  </p:cSld>
+  <p:clrMapOvr>
+    <a:masterClrMapping/>
+  </p:clrMapOvr>
+</p:notes>
+</file>
+
+<file path=ppt/notesSlides/notesSlide16.xml><?xml version="1.0" encoding="utf-8"?>
+<p:notes xmlns:a="http://schemas.openxmlformats.org/drawingml/2006/main" xmlns:r="http://schemas.openxmlformats.org/officeDocument/2006/relationships" xmlns:p="http://schemas.openxmlformats.org/presentationml/2006/main">
+  <p:cSld>
+    <p:spTree>
+      <p:nvGrpSpPr>
+        <p:cNvPr id="1" name=""/>
+        <p:cNvGrpSpPr/>
+        <p:nvPr/>
+      </p:nvGrpSpPr>
+      <p:grpSpPr>
+        <a:xfrm>
+          <a:off x="0" y="0"/>
+          <a:ext cx="0" cy="0"/>
+          <a:chOff x="0" y="0"/>
+          <a:chExt cx="0" cy="0"/>
+        </a:xfrm>
+      </p:grpSpPr>
+      <p:sp>
+        <p:nvSpPr>
+          <p:cNvPr id="2" name="슬라이드 이미지 개체 틀 1"/>
+          <p:cNvSpPr>
+            <a:spLocks noGrp="1" noRot="1" noChangeAspect="1"/>
+          </p:cNvSpPr>
+          <p:nvPr>
+            <p:ph type="sldImg"/>
+          </p:nvPr>
+        </p:nvSpPr>
+        <p:spPr/>
+      </p:sp>
+      <p:sp>
+        <p:nvSpPr>
+          <p:cNvPr id="3" name="슬라이드 노트 개체 틀 2"/>
+          <p:cNvSpPr>
+            <a:spLocks noGrp="1"/>
+          </p:cNvSpPr>
+          <p:nvPr>
+            <p:ph type="body" idx="1"/>
+          </p:nvPr>
+        </p:nvSpPr>
+        <p:spPr/>
+        <p:txBody>
+          <a:bodyPr/>
+          <a:lstStyle/>
+          <a:p>
+            <a:r>
+              <a:rPr lang="ko-KR" altLang="en-US" dirty="0"/>
+              <a:t>그래프세이지 성능 평가를 위해 세가지 벤치마크가 있음</a:t>
+            </a:r>
+            <a:r>
+              <a:rPr lang="en-US" altLang="ko-KR" dirty="0"/>
+              <a:t>.</a:t>
+            </a:r>
+          </a:p>
+          <a:p>
+            <a:r>
+              <a:rPr lang="ko-KR" altLang="en-US" dirty="0"/>
+              <a:t>학술 논문 분류</a:t>
+            </a:r>
+            <a:endParaRPr lang="en-US" altLang="ko-KR" dirty="0"/>
+          </a:p>
+          <a:p>
+            <a:r>
+              <a:rPr lang="ko-KR" altLang="en-US" dirty="0" err="1"/>
+              <a:t>레딧</a:t>
+            </a:r>
+            <a:r>
+              <a:rPr lang="ko-KR" altLang="en-US" dirty="0"/>
+              <a:t> </a:t>
+            </a:r>
+            <a:r>
+              <a:rPr lang="en-US" altLang="ko-KR" dirty="0"/>
+              <a:t>SNS </a:t>
+            </a:r>
+            <a:r>
+              <a:rPr lang="ko-KR" altLang="en-US" dirty="0"/>
+              <a:t>게시물 커뮤니티 분류</a:t>
+            </a:r>
+            <a:endParaRPr lang="en-US" altLang="ko-KR" dirty="0"/>
+          </a:p>
+          <a:p>
+            <a:r>
+              <a:rPr lang="ko-KR" altLang="en-US" dirty="0"/>
+              <a:t>생물학 단백질 상호작용 그래프에서 단백질 함수 분류</a:t>
+            </a:r>
+            <a:endParaRPr lang="en-US" altLang="ko-KR" dirty="0"/>
+          </a:p>
+        </p:txBody>
+      </p:sp>
+      <p:sp>
+        <p:nvSpPr>
+          <p:cNvPr id="4" name="슬라이드 번호 개체 틀 3"/>
+          <p:cNvSpPr>
+            <a:spLocks noGrp="1"/>
+          </p:cNvSpPr>
+          <p:nvPr>
+            <p:ph type="sldNum" sz="quarter" idx="5"/>
+          </p:nvPr>
+        </p:nvSpPr>
+        <p:spPr/>
+        <p:txBody>
+          <a:bodyPr/>
+          <a:lstStyle/>
+          <a:p>
+            <a:fld id="{E3508E54-26A4-461A-9177-07CC1B35B5F2}" type="slidenum">
+              <a:rPr lang="ko-KR" altLang="en-US" smtClean="0"/>
+              <a:t>17</a:t>
+            </a:fld>
+            <a:endParaRPr lang="ko-KR" altLang="en-US"/>
+          </a:p>
+        </p:txBody>
+      </p:sp>
+    </p:spTree>
+    <p:extLst>
+      <p:ext uri="{BB962C8B-B14F-4D97-AF65-F5344CB8AC3E}">
+        <p14:creationId xmlns:p14="http://schemas.microsoft.com/office/powerpoint/2010/main" val="3777560251"/>
+      </p:ext>
+    </p:extLst>
+  </p:cSld>
+  <p:clrMapOvr>
+    <a:masterClrMapping/>
+  </p:clrMapOvr>
+</p:notes>
+</file>
+
+<file path=ppt/notesSlides/notesSlide17.xml><?xml version="1.0" encoding="utf-8"?>
+<p:notes xmlns:a="http://schemas.openxmlformats.org/drawingml/2006/main" xmlns:r="http://schemas.openxmlformats.org/officeDocument/2006/relationships" xmlns:p="http://schemas.openxmlformats.org/presentationml/2006/main">
+  <p:cSld>
+    <p:spTree>
+      <p:nvGrpSpPr>
+        <p:cNvPr id="1" name=""/>
+        <p:cNvGrpSpPr/>
+        <p:nvPr/>
+      </p:nvGrpSpPr>
+      <p:grpSpPr>
+        <a:xfrm>
+          <a:off x="0" y="0"/>
+          <a:ext cx="0" cy="0"/>
+          <a:chOff x="0" y="0"/>
+          <a:chExt cx="0" cy="0"/>
+        </a:xfrm>
+      </p:grpSpPr>
+      <p:sp>
+        <p:nvSpPr>
+          <p:cNvPr id="2" name="슬라이드 이미지 개체 틀 1"/>
+          <p:cNvSpPr>
+            <a:spLocks noGrp="1" noRot="1" noChangeAspect="1"/>
+          </p:cNvSpPr>
+          <p:nvPr>
+            <p:ph type="sldImg"/>
+          </p:nvPr>
+        </p:nvSpPr>
+        <p:spPr/>
+      </p:sp>
+      <p:sp>
+        <p:nvSpPr>
+          <p:cNvPr id="3" name="슬라이드 노트 개체 틀 2"/>
+          <p:cNvSpPr>
+            <a:spLocks noGrp="1"/>
+          </p:cNvSpPr>
+          <p:nvPr>
+            <p:ph type="body" idx="1"/>
+          </p:nvPr>
+        </p:nvSpPr>
+        <p:spPr/>
+        <p:txBody>
+          <a:bodyPr/>
+          <a:lstStyle/>
+          <a:p>
+            <a:r>
+              <a:rPr lang="ko-KR" altLang="en-US" dirty="0"/>
+              <a:t>베이스라인 알고리즘</a:t>
+            </a:r>
+            <a:endParaRPr lang="en-US" altLang="ko-KR" dirty="0"/>
+          </a:p>
+        </p:txBody>
+      </p:sp>
+      <p:sp>
+        <p:nvSpPr>
+          <p:cNvPr id="4" name="슬라이드 번호 개체 틀 3"/>
+          <p:cNvSpPr>
+            <a:spLocks noGrp="1"/>
+          </p:cNvSpPr>
+          <p:nvPr>
+            <p:ph type="sldNum" sz="quarter" idx="5"/>
+          </p:nvPr>
+        </p:nvSpPr>
+        <p:spPr/>
+        <p:txBody>
+          <a:bodyPr/>
+          <a:lstStyle/>
+          <a:p>
+            <a:fld id="{E3508E54-26A4-461A-9177-07CC1B35B5F2}" type="slidenum">
+              <a:rPr lang="ko-KR" altLang="en-US" smtClean="0"/>
+              <a:t>18</a:t>
+            </a:fld>
+            <a:endParaRPr lang="ko-KR" altLang="en-US"/>
+          </a:p>
+        </p:txBody>
+      </p:sp>
+    </p:spTree>
+    <p:extLst>
+      <p:ext uri="{BB962C8B-B14F-4D97-AF65-F5344CB8AC3E}">
+        <p14:creationId xmlns:p14="http://schemas.microsoft.com/office/powerpoint/2010/main" val="2539255683"/>
+      </p:ext>
+    </p:extLst>
+  </p:cSld>
+  <p:clrMapOvr>
+    <a:masterClrMapping/>
+  </p:clrMapOvr>
+</p:notes>
+</file>
+
+<file path=ppt/notesSlides/notesSlide18.xml><?xml version="1.0" encoding="utf-8"?>
+<p:notes xmlns:a="http://schemas.openxmlformats.org/drawingml/2006/main" xmlns:r="http://schemas.openxmlformats.org/officeDocument/2006/relationships" xmlns:p="http://schemas.openxmlformats.org/presentationml/2006/main">
+  <p:cSld>
+    <p:spTree>
+      <p:nvGrpSpPr>
+        <p:cNvPr id="1" name=""/>
+        <p:cNvGrpSpPr/>
+        <p:nvPr/>
+      </p:nvGrpSpPr>
+      <p:grpSpPr>
+        <a:xfrm>
+          <a:off x="0" y="0"/>
+          <a:ext cx="0" cy="0"/>
+          <a:chOff x="0" y="0"/>
+          <a:chExt cx="0" cy="0"/>
+        </a:xfrm>
+      </p:grpSpPr>
+      <p:sp>
+        <p:nvSpPr>
+          <p:cNvPr id="2" name="슬라이드 이미지 개체 틀 1"/>
+          <p:cNvSpPr>
+            <a:spLocks noGrp="1" noRot="1" noChangeAspect="1"/>
+          </p:cNvSpPr>
+          <p:nvPr>
+            <p:ph type="sldImg"/>
+          </p:nvPr>
+        </p:nvSpPr>
+        <p:spPr/>
+      </p:sp>
+      <p:sp>
+        <p:nvSpPr>
+          <p:cNvPr id="3" name="슬라이드 노트 개체 틀 2"/>
+          <p:cNvSpPr>
+            <a:spLocks noGrp="1"/>
+          </p:cNvSpPr>
+          <p:nvPr>
+            <p:ph type="body" idx="1"/>
+          </p:nvPr>
+        </p:nvSpPr>
+        <p:spPr/>
+        <p:txBody>
+          <a:bodyPr/>
+          <a:lstStyle/>
+          <a:p>
+            <a:r>
+              <a:rPr lang="ko-KR" altLang="en-US" dirty="0"/>
+              <a:t>첫번째 두 실험은 정보가 늘어나는 그래프에서 분류 문제임</a:t>
+            </a:r>
+            <a:endParaRPr lang="en-US" altLang="ko-KR" dirty="0"/>
+          </a:p>
+          <a:p>
+            <a:r>
+              <a:rPr lang="ko-KR" altLang="en-US" dirty="0"/>
+              <a:t>여기서는 노드의 전체적인 구조를 잘 파악하고 </a:t>
+            </a:r>
+            <a:r>
+              <a:rPr lang="ko-KR" altLang="en-US" dirty="0" err="1"/>
+              <a:t>분류해주는게</a:t>
+            </a:r>
+            <a:r>
+              <a:rPr lang="ko-KR" altLang="en-US" dirty="0"/>
+              <a:t> 중요함</a:t>
+            </a:r>
+            <a:r>
+              <a:rPr lang="en-US" altLang="ko-KR" dirty="0"/>
+              <a:t>.</a:t>
+            </a:r>
+          </a:p>
+          <a:p>
+            <a:endParaRPr lang="en-US" altLang="ko-KR" dirty="0"/>
+          </a:p>
+          <a:p>
+            <a:r>
+              <a:rPr lang="en-US" altLang="ko-KR" dirty="0"/>
+              <a:t>Citation data </a:t>
+            </a:r>
+            <a:r>
+              <a:rPr lang="ko-KR" altLang="en-US" dirty="0"/>
+              <a:t>첫번째로 대규모 인용 데이터셋에서 논문 주제 범주를 예측하는 일</a:t>
+            </a:r>
+            <a:r>
+              <a:rPr lang="en-US" altLang="ko-KR" dirty="0"/>
+              <a:t>. </a:t>
+            </a:r>
+            <a:r>
+              <a:rPr lang="ko-KR" altLang="en-US" dirty="0"/>
+              <a:t>총 </a:t>
+            </a:r>
+            <a:r>
+              <a:rPr lang="en-US" altLang="ko-KR" dirty="0"/>
+              <a:t>6</a:t>
+            </a:r>
+            <a:r>
+              <a:rPr lang="ko-KR" altLang="en-US" dirty="0"/>
+              <a:t>개의 레이블이 있고</a:t>
+            </a:r>
+            <a:r>
+              <a:rPr lang="en-US" altLang="ko-KR" dirty="0"/>
+              <a:t>, 30</a:t>
+            </a:r>
+            <a:r>
+              <a:rPr lang="ko-KR" altLang="en-US" dirty="0"/>
+              <a:t>만개의 노드와 평균 </a:t>
+            </a:r>
+            <a:r>
+              <a:rPr lang="en-US" altLang="ko-KR" dirty="0"/>
+              <a:t>9</a:t>
+            </a:r>
+            <a:r>
+              <a:rPr lang="ko-KR" altLang="en-US" dirty="0"/>
+              <a:t>개 </a:t>
+            </a:r>
+            <a:r>
+              <a:rPr lang="en-US" altLang="ko-KR" dirty="0"/>
+              <a:t>degree</a:t>
+            </a:r>
+            <a:r>
+              <a:rPr lang="ko-KR" altLang="en-US" dirty="0"/>
+              <a:t>를 가진 그래프</a:t>
+            </a:r>
+            <a:endParaRPr lang="en-US" altLang="ko-KR" dirty="0"/>
+          </a:p>
+          <a:p>
+            <a:endParaRPr lang="en-US" altLang="ko-KR" dirty="0"/>
+          </a:p>
+          <a:p>
+            <a:r>
+              <a:rPr lang="en-US" altLang="ko-KR" dirty="0"/>
+              <a:t>Reddit data </a:t>
+            </a:r>
+            <a:r>
+              <a:rPr lang="ko-KR" altLang="en-US" dirty="0"/>
+              <a:t>두번째 작업은 서로 다른 </a:t>
+            </a:r>
+            <a:r>
+              <a:rPr lang="ko-KR" altLang="en-US" dirty="0" err="1"/>
+              <a:t>레딧</a:t>
+            </a:r>
+            <a:r>
+              <a:rPr lang="ko-KR" altLang="en-US" dirty="0"/>
+              <a:t> 게시물이 속한 커뮤니티를 예측하는 일</a:t>
+            </a:r>
+            <a:r>
+              <a:rPr lang="en-US" altLang="ko-KR" dirty="0"/>
+              <a:t>. </a:t>
+            </a:r>
+            <a:r>
+              <a:rPr lang="ko-KR" altLang="en-US" dirty="0" err="1"/>
+              <a:t>레딧은</a:t>
+            </a:r>
+            <a:r>
+              <a:rPr lang="ko-KR" altLang="en-US" dirty="0"/>
+              <a:t> 온라인 커뮤니티</a:t>
+            </a:r>
+            <a:r>
+              <a:rPr lang="en-US" altLang="ko-KR" dirty="0"/>
+              <a:t>. </a:t>
+            </a:r>
+            <a:r>
+              <a:rPr lang="ko-KR" altLang="en-US" dirty="0"/>
+              <a:t>약 </a:t>
+            </a:r>
+            <a:r>
+              <a:rPr lang="en-US" altLang="ko-KR" dirty="0"/>
+              <a:t>23</a:t>
+            </a:r>
+            <a:r>
+              <a:rPr lang="ko-KR" altLang="en-US" dirty="0"/>
+              <a:t>만개의 노드와 평균 </a:t>
+            </a:r>
+            <a:r>
+              <a:rPr lang="en-US" altLang="ko-KR" dirty="0"/>
+              <a:t>492</a:t>
+            </a:r>
+            <a:r>
+              <a:rPr lang="ko-KR" altLang="en-US" dirty="0"/>
+              <a:t>개 </a:t>
+            </a:r>
+            <a:r>
+              <a:rPr lang="en-US" altLang="ko-KR" dirty="0"/>
+              <a:t>degree</a:t>
+            </a:r>
+            <a:r>
+              <a:rPr lang="ko-KR" altLang="en-US" dirty="0"/>
+              <a:t>를 가진 그래프</a:t>
+            </a:r>
+            <a:endParaRPr lang="en-US" altLang="ko-KR" dirty="0"/>
+          </a:p>
+          <a:p>
+            <a:endParaRPr lang="en-US" altLang="ko-KR" dirty="0"/>
+          </a:p>
+          <a:p>
+            <a:r>
+              <a:rPr lang="en-US" altLang="ko-KR" dirty="0"/>
+              <a:t>-===</a:t>
+            </a:r>
+          </a:p>
+          <a:p>
+            <a:r>
+              <a:rPr lang="ko-KR" altLang="en-US" b="0" i="0" dirty="0">
+                <a:solidFill>
+                  <a:srgbClr val="000000"/>
+                </a:solidFill>
+                <a:effectLst/>
+                <a:latin typeface="noto"/>
+              </a:rPr>
+              <a:t>표 </a:t>
+            </a:r>
+            <a:r>
+              <a:rPr lang="en-US" altLang="ko-KR" b="0" i="0" dirty="0">
+                <a:solidFill>
+                  <a:srgbClr val="000000"/>
+                </a:solidFill>
+                <a:effectLst/>
+                <a:latin typeface="noto"/>
+              </a:rPr>
+              <a:t>1</a:t>
+            </a:r>
+            <a:r>
+              <a:rPr lang="ko-KR" altLang="en-US" b="0" i="0" dirty="0">
+                <a:solidFill>
+                  <a:srgbClr val="000000"/>
+                </a:solidFill>
+                <a:effectLst/>
+                <a:latin typeface="noto"/>
+              </a:rPr>
+              <a:t>의 처음 </a:t>
+            </a:r>
+            <a:r>
+              <a:rPr lang="en-US" altLang="ko-KR" b="0" i="0" dirty="0">
+                <a:solidFill>
+                  <a:srgbClr val="000000"/>
+                </a:solidFill>
+                <a:effectLst/>
+                <a:latin typeface="noto"/>
+              </a:rPr>
+              <a:t>4</a:t>
+            </a:r>
+            <a:r>
+              <a:rPr lang="ko-KR" altLang="en-US" b="0" i="0" dirty="0">
+                <a:solidFill>
+                  <a:srgbClr val="000000"/>
+                </a:solidFill>
+                <a:effectLst/>
+                <a:latin typeface="noto"/>
+              </a:rPr>
+              <a:t>개 열은 </a:t>
+            </a:r>
+            <a:r>
+              <a:rPr lang="en-US" altLang="ko-KR" b="0" i="0" dirty="0" err="1">
+                <a:solidFill>
+                  <a:srgbClr val="000000"/>
+                </a:solidFill>
+                <a:effectLst/>
+                <a:latin typeface="noto"/>
+              </a:rPr>
+              <a:t>GraphSAGE</a:t>
+            </a:r>
+            <a:r>
+              <a:rPr lang="ko-KR" altLang="en-US" b="0" i="0" dirty="0">
+                <a:solidFill>
+                  <a:srgbClr val="000000"/>
+                </a:solidFill>
+                <a:effectLst/>
+                <a:latin typeface="noto"/>
+              </a:rPr>
+              <a:t>의 성능과 이 두 데이터 세트에 대한 기본 접근 방식을 요약한다</a:t>
+            </a:r>
+            <a:r>
+              <a:rPr lang="en-US" altLang="ko-KR" b="0" i="0" dirty="0">
+                <a:solidFill>
+                  <a:srgbClr val="000000"/>
+                </a:solidFill>
+                <a:effectLst/>
+                <a:latin typeface="noto"/>
+              </a:rPr>
+              <a:t>. </a:t>
+            </a:r>
+            <a:r>
+              <a:rPr lang="ko-KR" altLang="en-US" b="0" i="0" dirty="0">
+                <a:solidFill>
+                  <a:srgbClr val="000000"/>
+                </a:solidFill>
+                <a:effectLst/>
+                <a:latin typeface="noto"/>
+              </a:rPr>
+              <a:t>우리는 </a:t>
+            </a:r>
+            <a:r>
+              <a:rPr lang="en-US" altLang="ko-KR" b="0" i="0" dirty="0" err="1">
+                <a:solidFill>
+                  <a:srgbClr val="000000"/>
+                </a:solidFill>
+                <a:effectLst/>
+                <a:latin typeface="noto"/>
+              </a:rPr>
+              <a:t>GraphSAGE</a:t>
+            </a:r>
+            <a:r>
+              <a:rPr lang="ko-KR" altLang="en-US" b="0" i="0" dirty="0">
+                <a:solidFill>
+                  <a:srgbClr val="000000"/>
+                </a:solidFill>
+                <a:effectLst/>
+                <a:latin typeface="noto"/>
+              </a:rPr>
+              <a:t>가 모든 기준선을 상당한 차이로 능가한다는 것을 발견했고</a:t>
+            </a:r>
+            <a:r>
+              <a:rPr lang="en-US" altLang="ko-KR" b="0" i="0" dirty="0">
+                <a:solidFill>
+                  <a:srgbClr val="000000"/>
+                </a:solidFill>
+                <a:effectLst/>
+                <a:latin typeface="noto"/>
+              </a:rPr>
+              <a:t>, </a:t>
+            </a:r>
+            <a:r>
+              <a:rPr lang="ko-KR" altLang="en-US" b="0" i="0" dirty="0">
+                <a:solidFill>
+                  <a:srgbClr val="000000"/>
+                </a:solidFill>
+                <a:effectLst/>
+                <a:latin typeface="noto"/>
+              </a:rPr>
+              <a:t>훈련 가능한 신경망 집계기는 </a:t>
+            </a:r>
+            <a:r>
+              <a:rPr lang="en-US" altLang="ko-KR" b="0" i="0" dirty="0">
+                <a:solidFill>
+                  <a:srgbClr val="000000"/>
+                </a:solidFill>
+                <a:effectLst/>
+                <a:latin typeface="noto"/>
+              </a:rPr>
+              <a:t>GCN </a:t>
+            </a:r>
+            <a:r>
+              <a:rPr lang="ko-KR" altLang="en-US" b="0" i="0" dirty="0">
+                <a:solidFill>
+                  <a:srgbClr val="000000"/>
+                </a:solidFill>
+                <a:effectLst/>
+                <a:latin typeface="noto"/>
+              </a:rPr>
+              <a:t>접근 방식에 비해 상당한 이점을 제공한다</a:t>
+            </a:r>
+            <a:r>
+              <a:rPr lang="en-US" altLang="ko-KR" b="0" i="0" dirty="0">
+                <a:solidFill>
+                  <a:srgbClr val="000000"/>
+                </a:solidFill>
+                <a:effectLst/>
+                <a:latin typeface="noto"/>
+              </a:rPr>
+              <a:t>. </a:t>
+            </a:r>
+            <a:r>
+              <a:rPr lang="ko-KR" altLang="en-US" b="0" i="0" dirty="0">
+                <a:solidFill>
+                  <a:srgbClr val="000000"/>
+                </a:solidFill>
+                <a:effectLst/>
+                <a:latin typeface="noto"/>
+              </a:rPr>
+              <a:t>예를 들어</a:t>
+            </a:r>
+            <a:r>
+              <a:rPr lang="en-US" altLang="ko-KR" b="0" i="0" dirty="0">
+                <a:solidFill>
+                  <a:srgbClr val="000000"/>
+                </a:solidFill>
+                <a:effectLst/>
+                <a:latin typeface="noto"/>
+              </a:rPr>
+              <a:t>, </a:t>
+            </a:r>
+            <a:r>
+              <a:rPr lang="ko-KR" altLang="en-US" b="0" i="0" dirty="0">
+                <a:solidFill>
+                  <a:srgbClr val="000000"/>
+                </a:solidFill>
+                <a:effectLst/>
+                <a:latin typeface="noto"/>
+              </a:rPr>
+              <a:t>감독되지 않은 변형 </a:t>
+            </a:r>
+            <a:r>
+              <a:rPr lang="en-US" altLang="ko-KR" b="0" i="0" dirty="0" err="1">
+                <a:solidFill>
+                  <a:srgbClr val="000000"/>
+                </a:solidFill>
+                <a:effectLst/>
+                <a:latin typeface="noto"/>
+              </a:rPr>
+              <a:t>GraphSAGE</a:t>
+            </a:r>
+            <a:r>
+              <a:rPr lang="en-US" altLang="ko-KR" b="0" i="0" dirty="0">
+                <a:solidFill>
+                  <a:srgbClr val="000000"/>
+                </a:solidFill>
+                <a:effectLst/>
+                <a:latin typeface="noto"/>
+              </a:rPr>
+              <a:t>-pool</a:t>
+            </a:r>
+            <a:r>
+              <a:rPr lang="ko-KR" altLang="en-US" b="0" i="0" dirty="0">
+                <a:solidFill>
+                  <a:srgbClr val="000000"/>
+                </a:solidFill>
+                <a:effectLst/>
+                <a:latin typeface="noto"/>
+              </a:rPr>
+              <a:t>은 인용 데이터에서 </a:t>
+            </a:r>
+            <a:r>
+              <a:rPr lang="en-US" altLang="ko-KR" b="0" i="0" dirty="0">
+                <a:solidFill>
+                  <a:srgbClr val="000000"/>
+                </a:solidFill>
+                <a:effectLst/>
+                <a:latin typeface="noto"/>
+              </a:rPr>
+              <a:t>13.8%, </a:t>
+            </a:r>
+            <a:r>
+              <a:rPr lang="ko-KR" altLang="en-US" b="0" i="0" dirty="0" err="1">
+                <a:solidFill>
+                  <a:srgbClr val="000000"/>
+                </a:solidFill>
+                <a:effectLst/>
+                <a:latin typeface="noto"/>
+              </a:rPr>
+              <a:t>레딧</a:t>
+            </a:r>
+            <a:r>
+              <a:rPr lang="ko-KR" altLang="en-US" b="0" i="0" dirty="0">
+                <a:solidFill>
+                  <a:srgbClr val="000000"/>
+                </a:solidFill>
+                <a:effectLst/>
+                <a:latin typeface="noto"/>
+              </a:rPr>
+              <a:t> 데이터에서 </a:t>
+            </a:r>
+            <a:r>
+              <a:rPr lang="en-US" altLang="ko-KR" b="0" i="0" dirty="0">
+                <a:solidFill>
+                  <a:srgbClr val="000000"/>
+                </a:solidFill>
+                <a:effectLst/>
+                <a:latin typeface="noto"/>
+              </a:rPr>
+              <a:t>29.1%</a:t>
+            </a:r>
+            <a:r>
+              <a:rPr lang="ko-KR" altLang="en-US" b="0" i="0" dirty="0">
+                <a:solidFill>
+                  <a:srgbClr val="000000"/>
+                </a:solidFill>
+                <a:effectLst/>
+                <a:latin typeface="noto"/>
+              </a:rPr>
+              <a:t>만큼 </a:t>
+            </a:r>
+            <a:r>
+              <a:rPr lang="ko-KR" altLang="en-US" b="0" i="0" dirty="0" err="1">
+                <a:solidFill>
+                  <a:srgbClr val="000000"/>
+                </a:solidFill>
+                <a:effectLst/>
+                <a:latin typeface="noto"/>
+              </a:rPr>
+              <a:t>딥워크</a:t>
+            </a:r>
+            <a:r>
+              <a:rPr lang="ko-KR" altLang="en-US" b="0" i="0" dirty="0">
+                <a:solidFill>
+                  <a:srgbClr val="000000"/>
+                </a:solidFill>
+                <a:effectLst/>
+                <a:latin typeface="noto"/>
+              </a:rPr>
+              <a:t> </a:t>
+            </a:r>
+            <a:r>
+              <a:rPr lang="ko-KR" altLang="en-US" b="0" i="0" dirty="0" err="1">
+                <a:solidFill>
+                  <a:srgbClr val="000000"/>
+                </a:solidFill>
+                <a:effectLst/>
+                <a:latin typeface="noto"/>
+              </a:rPr>
+              <a:t>임베딩과</a:t>
+            </a:r>
+            <a:r>
+              <a:rPr lang="ko-KR" altLang="en-US" b="0" i="0" dirty="0">
+                <a:solidFill>
+                  <a:srgbClr val="000000"/>
+                </a:solidFill>
+                <a:effectLst/>
+                <a:latin typeface="noto"/>
+              </a:rPr>
+              <a:t> 원시 기능의 연결을 능가하는 반면</a:t>
+            </a:r>
+            <a:r>
+              <a:rPr lang="en-US" altLang="ko-KR" b="0" i="0" dirty="0">
+                <a:solidFill>
+                  <a:srgbClr val="000000"/>
+                </a:solidFill>
+                <a:effectLst/>
+                <a:latin typeface="noto"/>
+              </a:rPr>
+              <a:t>, </a:t>
+            </a:r>
+            <a:r>
+              <a:rPr lang="ko-KR" altLang="en-US" b="0" i="0" dirty="0">
+                <a:solidFill>
+                  <a:srgbClr val="000000"/>
+                </a:solidFill>
+                <a:effectLst/>
+                <a:latin typeface="noto"/>
+              </a:rPr>
+              <a:t>감독된 버전은 각각 </a:t>
+            </a:r>
+            <a:r>
+              <a:rPr lang="en-US" altLang="ko-KR" b="0" i="0" dirty="0">
+                <a:solidFill>
+                  <a:srgbClr val="000000"/>
+                </a:solidFill>
+                <a:effectLst/>
+                <a:latin typeface="noto"/>
+              </a:rPr>
+              <a:t>19.7%</a:t>
+            </a:r>
+            <a:r>
+              <a:rPr lang="ko-KR" altLang="en-US" b="0" i="0" dirty="0">
+                <a:solidFill>
+                  <a:srgbClr val="000000"/>
+                </a:solidFill>
+                <a:effectLst/>
+                <a:latin typeface="noto"/>
+              </a:rPr>
+              <a:t>와 </a:t>
+            </a:r>
+            <a:r>
+              <a:rPr lang="en-US" altLang="ko-KR" b="0" i="0" dirty="0">
+                <a:solidFill>
+                  <a:srgbClr val="000000"/>
+                </a:solidFill>
+                <a:effectLst/>
+                <a:latin typeface="noto"/>
+              </a:rPr>
+              <a:t>37.2%</a:t>
+            </a:r>
+            <a:r>
+              <a:rPr lang="ko-KR" altLang="en-US" b="0" i="0" dirty="0">
+                <a:solidFill>
+                  <a:srgbClr val="000000"/>
+                </a:solidFill>
+                <a:effectLst/>
+                <a:latin typeface="noto"/>
+              </a:rPr>
+              <a:t>의 이득을 제공한다</a:t>
+            </a:r>
+            <a:r>
+              <a:rPr lang="en-US" altLang="ko-KR" b="0" i="0" dirty="0">
+                <a:solidFill>
+                  <a:srgbClr val="000000"/>
+                </a:solidFill>
+                <a:effectLst/>
+                <a:latin typeface="noto"/>
+              </a:rPr>
+              <a:t>. </a:t>
+            </a:r>
+            <a:r>
+              <a:rPr lang="ko-KR" altLang="en-US" b="0" i="0" dirty="0">
+                <a:solidFill>
+                  <a:srgbClr val="000000"/>
+                </a:solidFill>
+                <a:effectLst/>
+                <a:latin typeface="noto"/>
+              </a:rPr>
+              <a:t>흥미롭게도</a:t>
+            </a:r>
+            <a:r>
+              <a:rPr lang="en-US" altLang="ko-KR" b="0" i="0" dirty="0">
+                <a:solidFill>
+                  <a:srgbClr val="000000"/>
+                </a:solidFill>
+                <a:effectLst/>
+                <a:latin typeface="noto"/>
+              </a:rPr>
+              <a:t>, LSTM </a:t>
+            </a:r>
+            <a:r>
+              <a:rPr lang="ko-KR" altLang="en-US" b="0" i="0" dirty="0">
+                <a:solidFill>
+                  <a:srgbClr val="000000"/>
+                </a:solidFill>
+                <a:effectLst/>
+                <a:latin typeface="noto"/>
+              </a:rPr>
+              <a:t>기반 </a:t>
+            </a:r>
+            <a:r>
+              <a:rPr lang="ko-KR" altLang="en-US" b="0" i="0" dirty="0" err="1">
+                <a:solidFill>
+                  <a:srgbClr val="000000"/>
+                </a:solidFill>
+                <a:effectLst/>
+                <a:latin typeface="noto"/>
+              </a:rPr>
+              <a:t>애그리게이터는</a:t>
+            </a:r>
+            <a:r>
+              <a:rPr lang="ko-KR" altLang="en-US" b="0" i="0" dirty="0">
+                <a:solidFill>
+                  <a:srgbClr val="000000"/>
+                </a:solidFill>
+                <a:effectLst/>
+                <a:latin typeface="noto"/>
+              </a:rPr>
+              <a:t> 순서가 없는 세트가 아니라 순차적 데이터를 위해 설계되었음에도 불구하고 강력한 성능을 보여준다</a:t>
+            </a:r>
+            <a:r>
+              <a:rPr lang="en-US" altLang="ko-KR" b="0" i="0" dirty="0">
+                <a:solidFill>
+                  <a:srgbClr val="000000"/>
+                </a:solidFill>
+                <a:effectLst/>
+                <a:latin typeface="noto"/>
+              </a:rPr>
+              <a:t>. </a:t>
+            </a:r>
+            <a:r>
+              <a:rPr lang="ko-KR" altLang="en-US" b="0" i="0" dirty="0">
+                <a:solidFill>
+                  <a:srgbClr val="000000"/>
+                </a:solidFill>
+                <a:effectLst/>
+                <a:latin typeface="noto"/>
+              </a:rPr>
+              <a:t>마지막으로</a:t>
+            </a:r>
+            <a:r>
+              <a:rPr lang="en-US" altLang="ko-KR" b="0" i="0" dirty="0">
+                <a:solidFill>
+                  <a:srgbClr val="000000"/>
+                </a:solidFill>
+                <a:effectLst/>
+                <a:latin typeface="noto"/>
+              </a:rPr>
+              <a:t>, </a:t>
+            </a:r>
+            <a:r>
+              <a:rPr lang="ko-KR" altLang="en-US" b="0" i="0" dirty="0">
+                <a:solidFill>
+                  <a:srgbClr val="000000"/>
+                </a:solidFill>
+                <a:effectLst/>
+                <a:latin typeface="noto"/>
+              </a:rPr>
+              <a:t>우리는 비지도 </a:t>
+            </a:r>
+            <a:r>
+              <a:rPr lang="en-US" altLang="ko-KR" b="0" i="0" dirty="0" err="1">
+                <a:solidFill>
+                  <a:srgbClr val="000000"/>
+                </a:solidFill>
+                <a:effectLst/>
+                <a:latin typeface="noto"/>
+              </a:rPr>
+              <a:t>GraphSAGE</a:t>
+            </a:r>
+            <a:r>
+              <a:rPr lang="ko-KR" altLang="en-US" b="0" i="0" dirty="0">
+                <a:solidFill>
+                  <a:srgbClr val="000000"/>
+                </a:solidFill>
+                <a:effectLst/>
+                <a:latin typeface="noto"/>
+              </a:rPr>
+              <a:t>의 성능이 완전히 지도된 버전과 합리적으로 경쟁력이 있다는 것을 알 수 있으며</a:t>
+            </a:r>
+            <a:r>
+              <a:rPr lang="en-US" altLang="ko-KR" b="0" i="0" dirty="0">
+                <a:solidFill>
+                  <a:srgbClr val="000000"/>
+                </a:solidFill>
+                <a:effectLst/>
+                <a:latin typeface="noto"/>
+              </a:rPr>
+              <a:t>, </a:t>
+            </a:r>
+            <a:r>
+              <a:rPr lang="ko-KR" altLang="en-US" b="0" i="0" dirty="0">
+                <a:solidFill>
+                  <a:srgbClr val="000000"/>
+                </a:solidFill>
+                <a:effectLst/>
+                <a:latin typeface="noto"/>
+              </a:rPr>
+              <a:t>이는 우리의 프레임워크가 </a:t>
+            </a:r>
+            <a:r>
+              <a:rPr lang="ko-KR" altLang="en-US" b="0" i="0" dirty="0" err="1">
+                <a:solidFill>
+                  <a:srgbClr val="000000"/>
+                </a:solidFill>
+                <a:effectLst/>
+                <a:latin typeface="noto"/>
+              </a:rPr>
+              <a:t>작업별</a:t>
+            </a:r>
+            <a:r>
+              <a:rPr lang="ko-KR" altLang="en-US" b="0" i="0" dirty="0">
+                <a:solidFill>
+                  <a:srgbClr val="000000"/>
+                </a:solidFill>
+                <a:effectLst/>
+                <a:latin typeface="noto"/>
+              </a:rPr>
+              <a:t> 미세 조정 없이도 강력한 성능을 달성할 수 있음을 나타낸다</a:t>
+            </a:r>
+            <a:r>
+              <a:rPr lang="en-US" altLang="ko-KR" b="0" i="0" dirty="0">
+                <a:solidFill>
+                  <a:srgbClr val="000000"/>
+                </a:solidFill>
+                <a:effectLst/>
+                <a:latin typeface="noto"/>
+              </a:rPr>
+              <a:t>.</a:t>
+            </a:r>
+            <a:endParaRPr lang="en-US" altLang="ko-KR" dirty="0"/>
+          </a:p>
+        </p:txBody>
+      </p:sp>
+      <p:sp>
+        <p:nvSpPr>
+          <p:cNvPr id="4" name="슬라이드 번호 개체 틀 3"/>
+          <p:cNvSpPr>
+            <a:spLocks noGrp="1"/>
+          </p:cNvSpPr>
+          <p:nvPr>
+            <p:ph type="sldNum" sz="quarter" idx="5"/>
+          </p:nvPr>
+        </p:nvSpPr>
+        <p:spPr/>
+        <p:txBody>
+          <a:bodyPr/>
+          <a:lstStyle/>
+          <a:p>
+            <a:fld id="{E3508E54-26A4-461A-9177-07CC1B35B5F2}" type="slidenum">
+              <a:rPr lang="ko-KR" altLang="en-US" smtClean="0"/>
+              <a:t>19</a:t>
+            </a:fld>
+            <a:endParaRPr lang="ko-KR" altLang="en-US"/>
+          </a:p>
+        </p:txBody>
+      </p:sp>
+    </p:spTree>
+    <p:extLst>
+      <p:ext uri="{BB962C8B-B14F-4D97-AF65-F5344CB8AC3E}">
+        <p14:creationId xmlns:p14="http://schemas.microsoft.com/office/powerpoint/2010/main" val="1771495962"/>
+      </p:ext>
+    </p:extLst>
+  </p:cSld>
+  <p:clrMapOvr>
+    <a:masterClrMapping/>
+  </p:clrMapOvr>
+</p:notes>
+</file>
+
+<file path=ppt/notesSlides/notesSlide19.xml><?xml version="1.0" encoding="utf-8"?>
+<p:notes xmlns:a="http://schemas.openxmlformats.org/drawingml/2006/main" xmlns:r="http://schemas.openxmlformats.org/officeDocument/2006/relationships" xmlns:p="http://schemas.openxmlformats.org/presentationml/2006/main">
+  <p:cSld>
+    <p:spTree>
+      <p:nvGrpSpPr>
+        <p:cNvPr id="1" name=""/>
+        <p:cNvGrpSpPr/>
+        <p:nvPr/>
+      </p:nvGrpSpPr>
+      <p:grpSpPr>
+        <a:xfrm>
+          <a:off x="0" y="0"/>
+          <a:ext cx="0" cy="0"/>
+          <a:chOff x="0" y="0"/>
+          <a:chExt cx="0" cy="0"/>
+        </a:xfrm>
+      </p:grpSpPr>
+      <p:sp>
+        <p:nvSpPr>
+          <p:cNvPr id="2" name="슬라이드 이미지 개체 틀 1"/>
+          <p:cNvSpPr>
+            <a:spLocks noGrp="1" noRot="1" noChangeAspect="1"/>
+          </p:cNvSpPr>
+          <p:nvPr>
+            <p:ph type="sldImg"/>
+          </p:nvPr>
+        </p:nvSpPr>
+        <p:spPr/>
+      </p:sp>
+      <p:sp>
+        <p:nvSpPr>
+          <p:cNvPr id="3" name="슬라이드 노트 개체 틀 2"/>
+          <p:cNvSpPr>
+            <a:spLocks noGrp="1"/>
+          </p:cNvSpPr>
+          <p:nvPr>
+            <p:ph type="body" idx="1"/>
+          </p:nvPr>
+        </p:nvSpPr>
+        <p:spPr/>
+        <p:txBody>
+          <a:bodyPr/>
+          <a:lstStyle/>
+          <a:p>
+            <a:r>
+              <a:rPr lang="ko-KR" altLang="en-US" dirty="0"/>
+              <a:t>실험결과</a:t>
+            </a:r>
+            <a:r>
+              <a:rPr lang="en-US" altLang="ko-KR" dirty="0"/>
+              <a:t>, </a:t>
+            </a:r>
+            <a:r>
+              <a:rPr lang="en-US" altLang="ko-KR" dirty="0" err="1"/>
+              <a:t>graphSAGE</a:t>
+            </a:r>
+            <a:r>
+              <a:rPr lang="ko-KR" altLang="en-US" dirty="0"/>
+              <a:t>를 사용했을 때 더욱 높은 성능을 얻을 수 있었다</a:t>
+            </a:r>
+            <a:r>
+              <a:rPr lang="en-US" altLang="ko-KR" dirty="0"/>
+              <a:t>.</a:t>
+            </a:r>
+          </a:p>
+          <a:p>
+            <a:r>
+              <a:rPr lang="ko-KR" altLang="en-US" dirty="0"/>
+              <a:t>베이스라인 대비 </a:t>
+            </a:r>
+            <a:r>
+              <a:rPr lang="en-US" altLang="ko-KR" dirty="0" err="1"/>
+              <a:t>graphSAGE</a:t>
+            </a:r>
+            <a:r>
+              <a:rPr lang="en-US" altLang="ko-KR" dirty="0"/>
+              <a:t> </a:t>
+            </a:r>
+            <a:r>
+              <a:rPr lang="ko-KR" altLang="en-US" dirty="0"/>
+              <a:t>결과를 살펴보면 </a:t>
+            </a:r>
+            <a:r>
+              <a:rPr lang="en-US" altLang="ko-KR" dirty="0" err="1"/>
+              <a:t>graphSAGE</a:t>
+            </a:r>
+            <a:r>
+              <a:rPr lang="en-US" altLang="ko-KR" dirty="0"/>
+              <a:t>-pool </a:t>
+            </a:r>
+            <a:r>
+              <a:rPr lang="ko-KR" altLang="en-US" dirty="0"/>
+              <a:t>방식과 </a:t>
+            </a:r>
+            <a:r>
+              <a:rPr lang="en-US" altLang="ko-KR" dirty="0" err="1"/>
+              <a:t>DeepWalk+features</a:t>
+            </a:r>
+            <a:r>
+              <a:rPr lang="ko-KR" altLang="en-US" dirty="0"/>
+              <a:t>를 비교해보자</a:t>
+            </a:r>
+            <a:r>
+              <a:rPr lang="en-US" altLang="ko-KR" dirty="0"/>
+              <a:t>.</a:t>
+            </a:r>
+          </a:p>
+          <a:p>
+            <a:r>
+              <a:rPr lang="ko-KR" altLang="en-US" dirty="0"/>
+              <a:t>이는 비지도 </a:t>
+            </a:r>
+            <a:r>
+              <a:rPr lang="en-US" altLang="ko-KR" dirty="0"/>
+              <a:t>citation </a:t>
+            </a:r>
+            <a:r>
+              <a:rPr lang="ko-KR" altLang="en-US" dirty="0"/>
+              <a:t>대비 </a:t>
+            </a:r>
+            <a:r>
+              <a:rPr lang="en-US" altLang="ko-KR" dirty="0"/>
+              <a:t>13.8%, reddit</a:t>
+            </a:r>
+            <a:r>
+              <a:rPr lang="ko-KR" altLang="en-US" dirty="0"/>
+              <a:t> 대비 </a:t>
+            </a:r>
+            <a:r>
+              <a:rPr lang="en-US" altLang="ko-KR" dirty="0"/>
+              <a:t>29.1% </a:t>
+            </a:r>
+            <a:r>
+              <a:rPr lang="ko-KR" altLang="en-US" dirty="0"/>
+              <a:t>성능이 높다</a:t>
+            </a:r>
+            <a:r>
+              <a:rPr lang="en-US" altLang="ko-KR" dirty="0"/>
+              <a:t>.</a:t>
+            </a:r>
+          </a:p>
+          <a:p>
+            <a:r>
+              <a:rPr lang="ko-KR" altLang="en-US" dirty="0"/>
+              <a:t>지도 </a:t>
+            </a:r>
+            <a:r>
+              <a:rPr lang="en-US" altLang="ko-KR" dirty="0"/>
+              <a:t>citation </a:t>
+            </a:r>
+            <a:r>
+              <a:rPr lang="ko-KR" altLang="en-US" dirty="0"/>
+              <a:t>대비 </a:t>
+            </a:r>
+            <a:r>
+              <a:rPr lang="en-US" altLang="ko-KR" dirty="0"/>
+              <a:t>19.7%, reddit</a:t>
+            </a:r>
+            <a:r>
+              <a:rPr lang="ko-KR" altLang="en-US" dirty="0"/>
+              <a:t>에서는 </a:t>
+            </a:r>
+            <a:r>
+              <a:rPr lang="en-US" altLang="ko-KR" dirty="0"/>
+              <a:t>37.2% </a:t>
+            </a:r>
+            <a:r>
+              <a:rPr lang="ko-KR" altLang="en-US" dirty="0"/>
+              <a:t>성능이 높다</a:t>
+            </a:r>
+            <a:r>
+              <a:rPr lang="en-US" altLang="ko-KR" dirty="0"/>
+              <a:t>.</a:t>
+            </a:r>
+          </a:p>
+          <a:p>
+            <a:endParaRPr lang="en-US" altLang="ko-KR" dirty="0"/>
+          </a:p>
+          <a:p>
+            <a:r>
+              <a:rPr lang="ko-KR" altLang="en-US" dirty="0"/>
+              <a:t>또한 비지도 </a:t>
+            </a:r>
+            <a:r>
+              <a:rPr lang="en-US" altLang="ko-KR" dirty="0" err="1"/>
+              <a:t>graphSAGE</a:t>
+            </a:r>
+            <a:r>
+              <a:rPr lang="en-US" altLang="ko-KR" dirty="0"/>
+              <a:t> </a:t>
+            </a:r>
+            <a:r>
+              <a:rPr lang="ko-KR" altLang="en-US" dirty="0"/>
+              <a:t>성능이 지도학습 성능과 비교했을 때 어느정도 견주어 볼만한 것을 토대로</a:t>
+            </a:r>
+            <a:r>
+              <a:rPr lang="en-US" altLang="ko-KR" dirty="0"/>
+              <a:t>, </a:t>
+            </a:r>
+            <a:r>
+              <a:rPr lang="en-US" altLang="ko-KR" dirty="0" err="1"/>
+              <a:t>graphSAGE</a:t>
+            </a:r>
+            <a:r>
+              <a:rPr lang="ko-KR" altLang="en-US" dirty="0"/>
+              <a:t>는 </a:t>
+            </a:r>
+            <a:r>
+              <a:rPr lang="en-US" altLang="ko-KR" dirty="0"/>
+              <a:t>task-specific, fine-tuning</a:t>
+            </a:r>
+            <a:r>
+              <a:rPr lang="ko-KR" altLang="en-US" dirty="0"/>
+              <a:t>이 없어도 뛰어난 성능을 보일 수 있음을 시사한다</a:t>
+            </a:r>
+            <a:r>
+              <a:rPr lang="en-US" altLang="ko-KR" dirty="0"/>
+              <a:t>.</a:t>
+            </a:r>
+          </a:p>
+        </p:txBody>
+      </p:sp>
+      <p:sp>
+        <p:nvSpPr>
+          <p:cNvPr id="4" name="슬라이드 번호 개체 틀 3"/>
+          <p:cNvSpPr>
+            <a:spLocks noGrp="1"/>
+          </p:cNvSpPr>
+          <p:nvPr>
+            <p:ph type="sldNum" sz="quarter" idx="5"/>
+          </p:nvPr>
+        </p:nvSpPr>
+        <p:spPr/>
+        <p:txBody>
+          <a:bodyPr/>
+          <a:lstStyle/>
+          <a:p>
+            <a:fld id="{E3508E54-26A4-461A-9177-07CC1B35B5F2}" type="slidenum">
+              <a:rPr lang="ko-KR" altLang="en-US" smtClean="0"/>
+              <a:t>20</a:t>
+            </a:fld>
+            <a:endParaRPr lang="ko-KR" altLang="en-US"/>
+          </a:p>
+        </p:txBody>
+      </p:sp>
+    </p:spTree>
+    <p:extLst>
+      <p:ext uri="{BB962C8B-B14F-4D97-AF65-F5344CB8AC3E}">
+        <p14:creationId xmlns:p14="http://schemas.microsoft.com/office/powerpoint/2010/main" val="1408504621"/>
       </p:ext>
     </p:extLst>
   </p:cSld>
@@ -861,6 +3201,2478 @@
     <p:extLst>
       <p:ext uri="{BB962C8B-B14F-4D97-AF65-F5344CB8AC3E}">
         <p14:creationId xmlns:p14="http://schemas.microsoft.com/office/powerpoint/2010/main" val="2244964799"/>
+      </p:ext>
+    </p:extLst>
+  </p:cSld>
+  <p:clrMapOvr>
+    <a:masterClrMapping/>
+  </p:clrMapOvr>
+</p:notes>
+</file>
+
+<file path=ppt/notesSlides/notesSlide20.xml><?xml version="1.0" encoding="utf-8"?>
+<p:notes xmlns:a="http://schemas.openxmlformats.org/drawingml/2006/main" xmlns:r="http://schemas.openxmlformats.org/officeDocument/2006/relationships" xmlns:p="http://schemas.openxmlformats.org/presentationml/2006/main">
+  <p:cSld>
+    <p:spTree>
+      <p:nvGrpSpPr>
+        <p:cNvPr id="1" name=""/>
+        <p:cNvGrpSpPr/>
+        <p:nvPr/>
+      </p:nvGrpSpPr>
+      <p:grpSpPr>
+        <a:xfrm>
+          <a:off x="0" y="0"/>
+          <a:ext cx="0" cy="0"/>
+          <a:chOff x="0" y="0"/>
+          <a:chExt cx="0" cy="0"/>
+        </a:xfrm>
+      </p:grpSpPr>
+      <p:sp>
+        <p:nvSpPr>
+          <p:cNvPr id="2" name="슬라이드 이미지 개체 틀 1"/>
+          <p:cNvSpPr>
+            <a:spLocks noGrp="1" noRot="1" noChangeAspect="1"/>
+          </p:cNvSpPr>
+          <p:nvPr>
+            <p:ph type="sldImg"/>
+          </p:nvPr>
+        </p:nvSpPr>
+        <p:spPr/>
+      </p:sp>
+      <p:sp>
+        <p:nvSpPr>
+          <p:cNvPr id="3" name="슬라이드 노트 개체 틀 2"/>
+          <p:cNvSpPr>
+            <a:spLocks noGrp="1"/>
+          </p:cNvSpPr>
+          <p:nvPr>
+            <p:ph type="body" idx="1"/>
+          </p:nvPr>
+        </p:nvSpPr>
+        <p:spPr/>
+        <p:txBody>
+          <a:bodyPr/>
+          <a:lstStyle/>
+          <a:p>
+            <a:r>
+              <a:rPr lang="ko-KR" altLang="en-US" dirty="0"/>
+              <a:t>두번째 실험은 단백질 상호작용 그래프에서 단백질 역할을 구분하는 작업으로</a:t>
+            </a:r>
+            <a:r>
+              <a:rPr lang="en-US" altLang="ko-KR" dirty="0"/>
+              <a:t>,</a:t>
+            </a:r>
+          </a:p>
+          <a:p>
+            <a:r>
+              <a:rPr lang="ko-KR" altLang="en-US" dirty="0"/>
+              <a:t>그래프 구조 보다 노드의 역할에 대한 학습이 필요한 작업에 대한 성능을 평가하는 것이다</a:t>
+            </a:r>
+            <a:r>
+              <a:rPr lang="en-US" altLang="ko-KR" dirty="0"/>
+              <a:t>.</a:t>
+            </a:r>
+          </a:p>
+          <a:p>
+            <a:endParaRPr lang="en-US" altLang="ko-KR" dirty="0"/>
+          </a:p>
+          <a:p>
+            <a:endParaRPr lang="en-US" altLang="ko-KR" dirty="0"/>
+          </a:p>
+          <a:p>
+            <a:r>
+              <a:rPr lang="ko-KR" altLang="en-US" dirty="0"/>
+              <a:t>베이스라인 성능 대비 </a:t>
+            </a:r>
+            <a:r>
+              <a:rPr lang="en-US" altLang="ko-KR" dirty="0" err="1"/>
+              <a:t>graphSAGE</a:t>
+            </a:r>
+            <a:r>
+              <a:rPr lang="en-US" altLang="ko-KR" dirty="0"/>
+              <a:t> </a:t>
+            </a:r>
+            <a:r>
+              <a:rPr lang="ko-KR" altLang="en-US" dirty="0"/>
+              <a:t>성능이 더 높고</a:t>
+            </a:r>
+            <a:r>
+              <a:rPr lang="en-US" altLang="ko-KR" dirty="0"/>
+              <a:t>,</a:t>
+            </a:r>
+          </a:p>
+          <a:p>
+            <a:r>
+              <a:rPr lang="ko-KR" altLang="en-US" dirty="0"/>
+              <a:t>그중 </a:t>
+            </a:r>
+            <a:r>
+              <a:rPr lang="en-US" altLang="ko-KR" dirty="0"/>
+              <a:t>LSTM, pool</a:t>
+            </a:r>
+            <a:r>
+              <a:rPr lang="ko-KR" altLang="en-US" dirty="0"/>
+              <a:t> </a:t>
+            </a:r>
+            <a:r>
+              <a:rPr lang="en-US" altLang="ko-KR" dirty="0" err="1"/>
+              <a:t>agg</a:t>
+            </a:r>
+            <a:r>
+              <a:rPr lang="ko-KR" altLang="en-US" dirty="0"/>
+              <a:t>를 활용한 것이 </a:t>
+            </a:r>
+            <a:r>
+              <a:rPr lang="en-US" altLang="ko-KR" dirty="0" err="1"/>
+              <a:t>gcn</a:t>
+            </a:r>
+            <a:r>
+              <a:rPr lang="en-US" altLang="ko-KR" dirty="0"/>
+              <a:t>, mean </a:t>
+            </a:r>
+            <a:r>
+              <a:rPr lang="en-US" altLang="ko-KR" dirty="0" err="1"/>
+              <a:t>agg</a:t>
+            </a:r>
+            <a:r>
+              <a:rPr lang="ko-KR" altLang="en-US" dirty="0"/>
+              <a:t>보다 높은 성능을 보였다</a:t>
+            </a:r>
+            <a:r>
+              <a:rPr lang="en-US" altLang="ko-KR" dirty="0"/>
+              <a:t>.</a:t>
+            </a:r>
+          </a:p>
+          <a:p>
+            <a:endParaRPr lang="en-US" altLang="ko-KR" dirty="0"/>
+          </a:p>
+          <a:p>
+            <a:r>
+              <a:rPr lang="en-US" altLang="ko-KR" dirty="0"/>
+              <a:t>===</a:t>
+            </a:r>
+          </a:p>
+          <a:p>
+            <a:r>
+              <a:rPr lang="ko-KR" altLang="en-US" b="0" i="0" dirty="0">
+                <a:solidFill>
+                  <a:srgbClr val="000000"/>
+                </a:solidFill>
+                <a:effectLst/>
+                <a:latin typeface="noto"/>
+              </a:rPr>
+              <a:t>이제 우리는 커뮤니티 구조보다는 노드 역할에 대한 학습이 필요한 그래프 전반에 걸쳐 일반화하는 작업을 고려한다</a:t>
+            </a:r>
+            <a:r>
+              <a:rPr lang="en-US" altLang="ko-KR" b="0" i="0" dirty="0">
+                <a:solidFill>
+                  <a:srgbClr val="000000"/>
+                </a:solidFill>
+                <a:effectLst/>
+                <a:latin typeface="noto"/>
+              </a:rPr>
+              <a:t>. </a:t>
+            </a:r>
+            <a:r>
+              <a:rPr lang="ko-KR" altLang="en-US" b="0" i="0" dirty="0">
+                <a:solidFill>
+                  <a:srgbClr val="000000"/>
+                </a:solidFill>
+                <a:effectLst/>
+                <a:latin typeface="noto"/>
+              </a:rPr>
+              <a:t>우리는 각 그래프가 다른 인간 조직에 해당하는 다양한 단백질</a:t>
+            </a:r>
+            <a:r>
+              <a:rPr lang="en-US" altLang="ko-KR" b="0" i="0" dirty="0">
+                <a:solidFill>
+                  <a:srgbClr val="000000"/>
+                </a:solidFill>
+                <a:effectLst/>
+                <a:latin typeface="noto"/>
+              </a:rPr>
+              <a:t>-</a:t>
+            </a:r>
+            <a:r>
+              <a:rPr lang="ko-KR" altLang="en-US" b="0" i="0" dirty="0">
+                <a:solidFill>
+                  <a:srgbClr val="000000"/>
+                </a:solidFill>
+                <a:effectLst/>
+                <a:latin typeface="noto"/>
+              </a:rPr>
+              <a:t>단백질 상호 작용</a:t>
+            </a:r>
+            <a:r>
+              <a:rPr lang="en-US" altLang="ko-KR" b="0" i="0" dirty="0">
+                <a:solidFill>
+                  <a:srgbClr val="000000"/>
+                </a:solidFill>
+                <a:effectLst/>
+                <a:latin typeface="noto"/>
+              </a:rPr>
+              <a:t>(PPI) </a:t>
+            </a:r>
+            <a:r>
+              <a:rPr lang="ko-KR" altLang="en-US" b="0" i="0" dirty="0">
+                <a:solidFill>
+                  <a:srgbClr val="000000"/>
+                </a:solidFill>
+                <a:effectLst/>
+                <a:latin typeface="noto"/>
+              </a:rPr>
+              <a:t>그래프에서 유전자 온톨로지의 세포 기능 측면에서 단백질 역할을 분류한다</a:t>
+            </a:r>
+            <a:r>
+              <a:rPr lang="en-US" altLang="ko-KR" b="0" i="0" dirty="0">
+                <a:solidFill>
+                  <a:srgbClr val="000000"/>
+                </a:solidFill>
+                <a:effectLst/>
+                <a:latin typeface="noto"/>
+              </a:rPr>
+              <a:t>[41]. </a:t>
+            </a:r>
+            <a:r>
+              <a:rPr lang="ko-KR" altLang="en-US" b="0" i="0" dirty="0">
+                <a:solidFill>
+                  <a:srgbClr val="000000"/>
+                </a:solidFill>
+                <a:effectLst/>
+                <a:latin typeface="noto"/>
+              </a:rPr>
+              <a:t>우리는 분자 서명 데이터베이스에서 수집한 위치 유전자 세트</a:t>
+            </a:r>
+            <a:r>
+              <a:rPr lang="en-US" altLang="ko-KR" b="0" i="0" dirty="0">
+                <a:solidFill>
+                  <a:srgbClr val="000000"/>
+                </a:solidFill>
+                <a:effectLst/>
+                <a:latin typeface="noto"/>
+              </a:rPr>
+              <a:t>, </a:t>
+            </a:r>
+            <a:r>
+              <a:rPr lang="ko-KR" altLang="en-US" b="0" i="0" dirty="0">
+                <a:solidFill>
+                  <a:srgbClr val="000000"/>
+                </a:solidFill>
+                <a:effectLst/>
+                <a:latin typeface="noto"/>
+              </a:rPr>
+              <a:t>모티브 유전자 세트 및 면역학적 서명을 특징 및 유전자 온톨로지 세트를 레이블</a:t>
+            </a:r>
+            <a:r>
+              <a:rPr lang="en-US" altLang="ko-KR" b="0" i="0" dirty="0">
+                <a:solidFill>
+                  <a:srgbClr val="000000"/>
+                </a:solidFill>
+                <a:effectLst/>
+                <a:latin typeface="noto"/>
+              </a:rPr>
+              <a:t>(</a:t>
+            </a:r>
+            <a:r>
+              <a:rPr lang="ko-KR" altLang="en-US" b="0" i="0" dirty="0">
+                <a:solidFill>
+                  <a:srgbClr val="000000"/>
+                </a:solidFill>
+                <a:effectLst/>
+                <a:latin typeface="noto"/>
+              </a:rPr>
+              <a:t>총 </a:t>
+            </a:r>
+            <a:r>
+              <a:rPr lang="en-US" altLang="ko-KR" b="0" i="0" dirty="0">
+                <a:solidFill>
+                  <a:srgbClr val="000000"/>
+                </a:solidFill>
+                <a:effectLst/>
+                <a:latin typeface="noto"/>
+              </a:rPr>
+              <a:t>121</a:t>
+            </a:r>
+            <a:r>
+              <a:rPr lang="ko-KR" altLang="en-US" b="0" i="0" dirty="0">
+                <a:solidFill>
+                  <a:srgbClr val="000000"/>
+                </a:solidFill>
+                <a:effectLst/>
+                <a:latin typeface="noto"/>
+              </a:rPr>
+              <a:t>개</a:t>
+            </a:r>
+            <a:r>
+              <a:rPr lang="en-US" altLang="ko-KR" b="0" i="0" dirty="0">
+                <a:solidFill>
+                  <a:srgbClr val="000000"/>
+                </a:solidFill>
+                <a:effectLst/>
+                <a:latin typeface="noto"/>
+              </a:rPr>
+              <a:t>)</a:t>
+            </a:r>
+            <a:r>
+              <a:rPr lang="ko-KR" altLang="en-US" b="0" i="0" dirty="0">
+                <a:solidFill>
+                  <a:srgbClr val="000000"/>
+                </a:solidFill>
+                <a:effectLst/>
+                <a:latin typeface="noto"/>
+              </a:rPr>
+              <a:t>로 사용한다</a:t>
+            </a:r>
+            <a:r>
+              <a:rPr lang="en-US" altLang="ko-KR" b="0" i="0" dirty="0">
+                <a:solidFill>
+                  <a:srgbClr val="000000"/>
+                </a:solidFill>
+                <a:effectLst/>
+                <a:latin typeface="noto"/>
+              </a:rPr>
+              <a:t>[34]. </a:t>
+            </a:r>
+            <a:r>
+              <a:rPr lang="ko-KR" altLang="en-US" b="0" i="0" dirty="0">
+                <a:solidFill>
+                  <a:srgbClr val="000000"/>
+                </a:solidFill>
+                <a:effectLst/>
+                <a:latin typeface="noto"/>
+              </a:rPr>
+              <a:t>평균 그래프에는 </a:t>
+            </a:r>
+            <a:r>
+              <a:rPr lang="en-US" altLang="ko-KR" b="0" i="0" dirty="0">
+                <a:solidFill>
+                  <a:srgbClr val="000000"/>
+                </a:solidFill>
+                <a:effectLst/>
+                <a:latin typeface="noto"/>
+              </a:rPr>
+              <a:t>2373</a:t>
+            </a:r>
+            <a:r>
+              <a:rPr lang="ko-KR" altLang="en-US" b="0" i="0" dirty="0">
+                <a:solidFill>
+                  <a:srgbClr val="000000"/>
+                </a:solidFill>
+                <a:effectLst/>
+                <a:latin typeface="noto"/>
+              </a:rPr>
+              <a:t>개의 노드가 있으며 평균 정도는 </a:t>
+            </a:r>
+            <a:r>
+              <a:rPr lang="en-US" altLang="ko-KR" b="0" i="0" dirty="0">
+                <a:solidFill>
+                  <a:srgbClr val="000000"/>
+                </a:solidFill>
+                <a:effectLst/>
+                <a:latin typeface="noto"/>
+              </a:rPr>
+              <a:t>28.8</a:t>
+            </a:r>
+            <a:r>
+              <a:rPr lang="ko-KR" altLang="en-US" b="0" i="0" dirty="0">
+                <a:solidFill>
+                  <a:srgbClr val="000000"/>
+                </a:solidFill>
+                <a:effectLst/>
+                <a:latin typeface="noto"/>
+              </a:rPr>
+              <a:t>입니다</a:t>
+            </a:r>
+            <a:r>
+              <a:rPr lang="en-US" altLang="ko-KR" b="0" i="0" dirty="0">
+                <a:solidFill>
+                  <a:srgbClr val="000000"/>
+                </a:solidFill>
+                <a:effectLst/>
+                <a:latin typeface="noto"/>
+              </a:rPr>
+              <a:t>. </a:t>
+            </a:r>
+            <a:r>
+              <a:rPr lang="ko-KR" altLang="en-US" b="0" i="0" dirty="0">
+                <a:solidFill>
+                  <a:srgbClr val="000000"/>
+                </a:solidFill>
+                <a:effectLst/>
+                <a:latin typeface="noto"/>
+              </a:rPr>
+              <a:t>우리는 </a:t>
+            </a:r>
+            <a:r>
+              <a:rPr lang="en-US" altLang="ko-KR" b="0" i="0" dirty="0">
+                <a:solidFill>
+                  <a:srgbClr val="000000"/>
+                </a:solidFill>
+                <a:effectLst/>
+                <a:latin typeface="noto"/>
+              </a:rPr>
+              <a:t>20</a:t>
+            </a:r>
+            <a:r>
+              <a:rPr lang="ko-KR" altLang="en-US" b="0" i="0" dirty="0">
+                <a:solidFill>
+                  <a:srgbClr val="000000"/>
+                </a:solidFill>
+                <a:effectLst/>
+                <a:latin typeface="noto"/>
+              </a:rPr>
+              <a:t>개의 그래프에 대한 모든 </a:t>
+            </a:r>
+            <a:r>
+              <a:rPr lang="ko-KR" altLang="en-US" b="0" i="0" dirty="0" err="1">
+                <a:solidFill>
+                  <a:srgbClr val="000000"/>
+                </a:solidFill>
+                <a:effectLst/>
+                <a:latin typeface="noto"/>
+              </a:rPr>
+              <a:t>알고리듬을</a:t>
+            </a:r>
+            <a:r>
+              <a:rPr lang="ko-KR" altLang="en-US" b="0" i="0" dirty="0">
+                <a:solidFill>
+                  <a:srgbClr val="000000"/>
+                </a:solidFill>
+                <a:effectLst/>
+                <a:latin typeface="noto"/>
+              </a:rPr>
+              <a:t> 훈련한 다음 두 개의 테스트 그래프에 대한 평균 예측 </a:t>
+            </a:r>
+            <a:r>
+              <a:rPr lang="en-US" altLang="ko-KR" b="0" i="0" dirty="0">
+                <a:solidFill>
+                  <a:srgbClr val="000000"/>
+                </a:solidFill>
+                <a:effectLst/>
+                <a:latin typeface="noto"/>
+              </a:rPr>
+              <a:t>F1 </a:t>
+            </a:r>
+            <a:r>
+              <a:rPr lang="ko-KR" altLang="en-US" b="0" i="0" dirty="0">
+                <a:solidFill>
+                  <a:srgbClr val="000000"/>
+                </a:solidFill>
+                <a:effectLst/>
+                <a:latin typeface="noto"/>
+              </a:rPr>
+              <a:t>점수를 훈련한다</a:t>
+            </a:r>
+            <a:r>
+              <a:rPr lang="en-US" altLang="ko-KR" b="0" i="0" dirty="0">
+                <a:solidFill>
+                  <a:srgbClr val="000000"/>
+                </a:solidFill>
+                <a:effectLst/>
+                <a:latin typeface="noto"/>
+              </a:rPr>
+              <a:t>(</a:t>
+            </a:r>
+            <a:r>
+              <a:rPr lang="ko-KR" altLang="en-US" b="0" i="0" dirty="0">
+                <a:solidFill>
+                  <a:srgbClr val="000000"/>
+                </a:solidFill>
+                <a:effectLst/>
+                <a:latin typeface="noto"/>
+              </a:rPr>
+              <a:t>검증에 다른 두 개의 그래프를 사용</a:t>
+            </a:r>
+            <a:r>
+              <a:rPr lang="en-US" altLang="ko-KR" b="0" i="0" dirty="0">
+                <a:solidFill>
+                  <a:srgbClr val="000000"/>
+                </a:solidFill>
+                <a:effectLst/>
+                <a:latin typeface="noto"/>
+              </a:rPr>
+              <a:t>). </a:t>
+            </a:r>
+            <a:r>
+              <a:rPr lang="ko-KR" altLang="en-US" b="0" i="0" dirty="0">
+                <a:solidFill>
+                  <a:srgbClr val="000000"/>
+                </a:solidFill>
+                <a:effectLst/>
+                <a:latin typeface="noto"/>
+              </a:rPr>
+              <a:t>표 </a:t>
+            </a:r>
+            <a:r>
+              <a:rPr lang="en-US" altLang="ko-KR" b="0" i="0" dirty="0">
+                <a:solidFill>
+                  <a:srgbClr val="000000"/>
+                </a:solidFill>
+                <a:effectLst/>
+                <a:latin typeface="noto"/>
+              </a:rPr>
+              <a:t>1</a:t>
+            </a:r>
+            <a:r>
+              <a:rPr lang="ko-KR" altLang="en-US" b="0" i="0" dirty="0">
+                <a:solidFill>
+                  <a:srgbClr val="000000"/>
+                </a:solidFill>
+                <a:effectLst/>
+                <a:latin typeface="noto"/>
+              </a:rPr>
+              <a:t>의 마지막 두 열은 이 데이터에 대한 다양한 접근 방식의 정확성을 요약한다</a:t>
+            </a:r>
+            <a:r>
+              <a:rPr lang="en-US" altLang="ko-KR" b="0" i="0" dirty="0">
+                <a:solidFill>
+                  <a:srgbClr val="000000"/>
+                </a:solidFill>
+                <a:effectLst/>
+                <a:latin typeface="noto"/>
+              </a:rPr>
+              <a:t>. </a:t>
+            </a:r>
+            <a:r>
+              <a:rPr lang="ko-KR" altLang="en-US" b="0" i="0" dirty="0">
+                <a:solidFill>
+                  <a:srgbClr val="000000"/>
+                </a:solidFill>
+                <a:effectLst/>
+                <a:latin typeface="noto"/>
+              </a:rPr>
+              <a:t>다시 한 번 우리는 </a:t>
+            </a:r>
+            <a:r>
+              <a:rPr lang="en-US" altLang="ko-KR" b="0" i="0" dirty="0">
+                <a:solidFill>
+                  <a:srgbClr val="000000"/>
+                </a:solidFill>
+                <a:effectLst/>
+                <a:latin typeface="noto"/>
+              </a:rPr>
+              <a:t>LSTM </a:t>
+            </a:r>
+            <a:r>
+              <a:rPr lang="ko-KR" altLang="en-US" b="0" i="0" dirty="0">
+                <a:solidFill>
+                  <a:srgbClr val="000000"/>
+                </a:solidFill>
+                <a:effectLst/>
+                <a:latin typeface="noto"/>
+              </a:rPr>
+              <a:t>및 </a:t>
+            </a:r>
+            <a:r>
+              <a:rPr lang="ko-KR" altLang="en-US" b="0" i="0" dirty="0" err="1">
+                <a:solidFill>
+                  <a:srgbClr val="000000"/>
+                </a:solidFill>
+                <a:effectLst/>
+                <a:latin typeface="noto"/>
+              </a:rPr>
+              <a:t>풀링</a:t>
+            </a:r>
+            <a:r>
+              <a:rPr lang="ko-KR" altLang="en-US" b="0" i="0" dirty="0">
+                <a:solidFill>
+                  <a:srgbClr val="000000"/>
+                </a:solidFill>
+                <a:effectLst/>
+                <a:latin typeface="noto"/>
+              </a:rPr>
+              <a:t> 기반 </a:t>
+            </a:r>
+            <a:r>
+              <a:rPr lang="ko-KR" altLang="en-US" b="0" i="0" dirty="0" err="1">
+                <a:solidFill>
+                  <a:srgbClr val="000000"/>
+                </a:solidFill>
+                <a:effectLst/>
+                <a:latin typeface="noto"/>
+              </a:rPr>
+              <a:t>애그리게이터가</a:t>
+            </a:r>
+            <a:r>
+              <a:rPr lang="ko-KR" altLang="en-US" b="0" i="0" dirty="0">
+                <a:solidFill>
+                  <a:srgbClr val="000000"/>
+                </a:solidFill>
+                <a:effectLst/>
+                <a:latin typeface="noto"/>
+              </a:rPr>
+              <a:t> 평균 및 </a:t>
+            </a:r>
+            <a:r>
+              <a:rPr lang="en-US" altLang="ko-KR" b="0" i="0" dirty="0">
+                <a:solidFill>
+                  <a:srgbClr val="000000"/>
+                </a:solidFill>
+                <a:effectLst/>
+                <a:latin typeface="noto"/>
+              </a:rPr>
+              <a:t>GCN </a:t>
+            </a:r>
+            <a:r>
+              <a:rPr lang="ko-KR" altLang="en-US" b="0" i="0" dirty="0">
+                <a:solidFill>
+                  <a:srgbClr val="000000"/>
+                </a:solidFill>
+                <a:effectLst/>
+                <a:latin typeface="noto"/>
+              </a:rPr>
+              <a:t>기반 </a:t>
+            </a:r>
+            <a:r>
+              <a:rPr lang="ko-KR" altLang="en-US" b="0" i="0" dirty="0" err="1">
+                <a:solidFill>
+                  <a:srgbClr val="000000"/>
+                </a:solidFill>
+                <a:effectLst/>
+                <a:latin typeface="noto"/>
+              </a:rPr>
+              <a:t>애그리게이터에</a:t>
+            </a:r>
+            <a:r>
+              <a:rPr lang="ko-KR" altLang="en-US" b="0" i="0" dirty="0">
+                <a:solidFill>
+                  <a:srgbClr val="000000"/>
+                </a:solidFill>
+                <a:effectLst/>
+                <a:latin typeface="noto"/>
+              </a:rPr>
+              <a:t> 비해 상당한 이점을 제공함으로써 </a:t>
+            </a:r>
+            <a:r>
+              <a:rPr lang="en-US" altLang="ko-KR" b="0" i="0" dirty="0" err="1">
+                <a:solidFill>
+                  <a:srgbClr val="000000"/>
+                </a:solidFill>
+                <a:effectLst/>
+                <a:latin typeface="noto"/>
+              </a:rPr>
+              <a:t>GraphSAGE</a:t>
+            </a:r>
+            <a:r>
+              <a:rPr lang="ko-KR" altLang="en-US" b="0" i="0" dirty="0">
+                <a:solidFill>
+                  <a:srgbClr val="000000"/>
+                </a:solidFill>
+                <a:effectLst/>
+                <a:latin typeface="noto"/>
+              </a:rPr>
+              <a:t>가 기준 접근 방식을 크게 능가한다는 것을 알 수 있다</a:t>
+            </a:r>
+            <a:r>
+              <a:rPr lang="en-US" altLang="ko-KR" b="0" i="0" dirty="0">
+                <a:solidFill>
+                  <a:srgbClr val="000000"/>
+                </a:solidFill>
+                <a:effectLst/>
+                <a:latin typeface="noto"/>
+              </a:rPr>
+              <a:t>.</a:t>
+            </a:r>
+            <a:endParaRPr lang="en-US" altLang="ko-KR" dirty="0"/>
+          </a:p>
+        </p:txBody>
+      </p:sp>
+      <p:sp>
+        <p:nvSpPr>
+          <p:cNvPr id="4" name="슬라이드 번호 개체 틀 3"/>
+          <p:cNvSpPr>
+            <a:spLocks noGrp="1"/>
+          </p:cNvSpPr>
+          <p:nvPr>
+            <p:ph type="sldNum" sz="quarter" idx="5"/>
+          </p:nvPr>
+        </p:nvSpPr>
+        <p:spPr/>
+        <p:txBody>
+          <a:bodyPr/>
+          <a:lstStyle/>
+          <a:p>
+            <a:fld id="{E3508E54-26A4-461A-9177-07CC1B35B5F2}" type="slidenum">
+              <a:rPr lang="ko-KR" altLang="en-US" smtClean="0"/>
+              <a:t>21</a:t>
+            </a:fld>
+            <a:endParaRPr lang="ko-KR" altLang="en-US"/>
+          </a:p>
+        </p:txBody>
+      </p:sp>
+    </p:spTree>
+    <p:extLst>
+      <p:ext uri="{BB962C8B-B14F-4D97-AF65-F5344CB8AC3E}">
+        <p14:creationId xmlns:p14="http://schemas.microsoft.com/office/powerpoint/2010/main" val="2469965868"/>
+      </p:ext>
+    </p:extLst>
+  </p:cSld>
+  <p:clrMapOvr>
+    <a:masterClrMapping/>
+  </p:clrMapOvr>
+</p:notes>
+</file>
+
+<file path=ppt/notesSlides/notesSlide21.xml><?xml version="1.0" encoding="utf-8"?>
+<p:notes xmlns:a="http://schemas.openxmlformats.org/drawingml/2006/main" xmlns:r="http://schemas.openxmlformats.org/officeDocument/2006/relationships" xmlns:p="http://schemas.openxmlformats.org/presentationml/2006/main">
+  <p:cSld>
+    <p:spTree>
+      <p:nvGrpSpPr>
+        <p:cNvPr id="1" name=""/>
+        <p:cNvGrpSpPr/>
+        <p:nvPr/>
+      </p:nvGrpSpPr>
+      <p:grpSpPr>
+        <a:xfrm>
+          <a:off x="0" y="0"/>
+          <a:ext cx="0" cy="0"/>
+          <a:chOff x="0" y="0"/>
+          <a:chExt cx="0" cy="0"/>
+        </a:xfrm>
+      </p:grpSpPr>
+      <p:sp>
+        <p:nvSpPr>
+          <p:cNvPr id="2" name="슬라이드 이미지 개체 틀 1"/>
+          <p:cNvSpPr>
+            <a:spLocks noGrp="1" noRot="1" noChangeAspect="1"/>
+          </p:cNvSpPr>
+          <p:nvPr>
+            <p:ph type="sldImg"/>
+          </p:nvPr>
+        </p:nvSpPr>
+        <p:spPr/>
+      </p:sp>
+      <p:sp>
+        <p:nvSpPr>
+          <p:cNvPr id="3" name="슬라이드 노트 개체 틀 2"/>
+          <p:cNvSpPr>
+            <a:spLocks noGrp="1"/>
+          </p:cNvSpPr>
+          <p:nvPr>
+            <p:ph type="body" idx="1"/>
+          </p:nvPr>
+        </p:nvSpPr>
+        <p:spPr/>
+        <p:txBody>
+          <a:bodyPr/>
+          <a:lstStyle/>
+          <a:p>
+            <a:r>
+              <a:rPr lang="ko-KR" altLang="en-US" dirty="0"/>
+              <a:t>런타임</a:t>
+            </a:r>
+            <a:r>
+              <a:rPr lang="en-US" altLang="ko-KR" dirty="0"/>
+              <a:t>-</a:t>
+            </a:r>
+            <a:r>
+              <a:rPr lang="ko-KR" altLang="en-US" dirty="0"/>
+              <a:t>파라미터 상관관계를 나타냄</a:t>
+            </a:r>
+            <a:r>
+              <a:rPr lang="en-US" altLang="ko-KR" dirty="0"/>
+              <a:t>.</a:t>
+            </a:r>
+          </a:p>
+          <a:p>
+            <a:endParaRPr lang="en-US" altLang="ko-KR" dirty="0"/>
+          </a:p>
+          <a:p>
+            <a:r>
+              <a:rPr lang="en-US" altLang="ko-KR" dirty="0"/>
+              <a:t>A. </a:t>
+            </a:r>
+            <a:r>
+              <a:rPr lang="ko-KR" altLang="en-US" dirty="0"/>
+              <a:t>시간에 대해서는</a:t>
+            </a:r>
+            <a:r>
+              <a:rPr lang="en-US" altLang="ko-KR" dirty="0"/>
+              <a:t>..</a:t>
+            </a:r>
+          </a:p>
+          <a:p>
+            <a:r>
+              <a:rPr lang="en-US" altLang="ko-KR" dirty="0"/>
+              <a:t>Training </a:t>
+            </a:r>
+            <a:r>
+              <a:rPr lang="ko-KR" altLang="en-US" dirty="0"/>
+              <a:t>시간은 전체적으로 비슷하다</a:t>
+            </a:r>
+            <a:r>
+              <a:rPr lang="en-US" altLang="ko-KR" dirty="0"/>
+              <a:t>.</a:t>
+            </a:r>
+          </a:p>
+          <a:p>
+            <a:r>
+              <a:rPr lang="ko-KR" altLang="en-US" dirty="0"/>
+              <a:t>하지만 추론에 걸리는 시간은</a:t>
+            </a:r>
+            <a:r>
+              <a:rPr lang="en-US" altLang="ko-KR" dirty="0"/>
+              <a:t>, DW</a:t>
+            </a:r>
+            <a:r>
+              <a:rPr lang="ko-KR" altLang="en-US" dirty="0"/>
+              <a:t>에서는 </a:t>
+            </a:r>
+            <a:r>
+              <a:rPr lang="en-US" altLang="ko-KR" dirty="0"/>
+              <a:t>100-500</a:t>
+            </a:r>
+            <a:r>
+              <a:rPr lang="ko-KR" altLang="en-US" dirty="0"/>
+              <a:t>배 느려진다</a:t>
+            </a:r>
+            <a:r>
+              <a:rPr lang="en-US" altLang="ko-KR" dirty="0"/>
+              <a:t>.</a:t>
+            </a:r>
+          </a:p>
+          <a:p>
+            <a:endParaRPr lang="en-US" altLang="ko-KR" dirty="0"/>
+          </a:p>
+          <a:p>
+            <a:r>
+              <a:rPr lang="en-US" altLang="ko-KR" dirty="0"/>
+              <a:t>B. </a:t>
+            </a:r>
+            <a:r>
+              <a:rPr lang="ko-KR" altLang="en-US" dirty="0" err="1"/>
+              <a:t>샘플링하는</a:t>
+            </a:r>
+            <a:r>
+              <a:rPr lang="ko-KR" altLang="en-US" dirty="0"/>
+              <a:t> 이웃 개수에 관해서는</a:t>
+            </a:r>
+            <a:r>
+              <a:rPr lang="en-US" altLang="ko-KR" dirty="0"/>
+              <a:t>..</a:t>
+            </a:r>
+          </a:p>
+          <a:p>
+            <a:r>
+              <a:rPr lang="ko-KR" altLang="en-US" dirty="0"/>
+              <a:t>이웃의 크기를 증가시키면 </a:t>
+            </a:r>
+            <a:r>
+              <a:rPr lang="en-US" altLang="ko-KR" dirty="0"/>
+              <a:t>F1 </a:t>
+            </a:r>
+            <a:r>
+              <a:rPr lang="ko-KR" altLang="en-US" dirty="0"/>
+              <a:t>스코어가 증가하지만</a:t>
+            </a:r>
+            <a:r>
+              <a:rPr lang="en-US" altLang="ko-KR" dirty="0"/>
+              <a:t>, </a:t>
+            </a:r>
+            <a:r>
+              <a:rPr lang="ko-KR" altLang="en-US" dirty="0"/>
+              <a:t>점점 체감하는 것을 알 수 있었다</a:t>
+            </a:r>
+            <a:r>
+              <a:rPr lang="en-US" altLang="ko-KR" dirty="0"/>
+              <a:t>.</a:t>
+            </a:r>
+          </a:p>
+          <a:p>
+            <a:endParaRPr lang="en-US" altLang="ko-KR" dirty="0"/>
+          </a:p>
+          <a:p>
+            <a:r>
+              <a:rPr lang="en-US" altLang="ko-KR" dirty="0"/>
+              <a:t>===</a:t>
+            </a:r>
+          </a:p>
+          <a:p>
+            <a:r>
+              <a:rPr lang="ko-KR" altLang="en-US" b="0" i="0" dirty="0">
+                <a:solidFill>
+                  <a:srgbClr val="000000"/>
+                </a:solidFill>
+                <a:effectLst/>
+                <a:latin typeface="noto"/>
+              </a:rPr>
+              <a:t>그림 </a:t>
+            </a:r>
+            <a:r>
+              <a:rPr lang="en-US" altLang="ko-KR" b="0" i="0" dirty="0">
+                <a:solidFill>
+                  <a:srgbClr val="000000"/>
+                </a:solidFill>
+                <a:effectLst/>
+                <a:latin typeface="noto"/>
+              </a:rPr>
+              <a:t>2.A</a:t>
+            </a:r>
+            <a:r>
+              <a:rPr lang="ko-KR" altLang="en-US" b="0" i="0" dirty="0">
+                <a:solidFill>
+                  <a:srgbClr val="000000"/>
+                </a:solidFill>
+                <a:effectLst/>
+                <a:latin typeface="noto"/>
+              </a:rPr>
+              <a:t>에는 다양한 접근 방식에 대한 교육 및 테스트 실행 시간이 요약되어 있습니다</a:t>
+            </a:r>
+            <a:r>
+              <a:rPr lang="en-US" altLang="ko-KR" b="0" i="0" dirty="0">
+                <a:solidFill>
+                  <a:srgbClr val="000000"/>
+                </a:solidFill>
+                <a:effectLst/>
+                <a:latin typeface="noto"/>
+              </a:rPr>
+              <a:t>. </a:t>
+            </a:r>
+            <a:r>
+              <a:rPr lang="ko-KR" altLang="en-US" b="0" i="0" dirty="0">
+                <a:solidFill>
+                  <a:srgbClr val="000000"/>
+                </a:solidFill>
+                <a:effectLst/>
+                <a:latin typeface="noto"/>
+              </a:rPr>
+              <a:t>방법에 대한 교육 시간은 유사하다</a:t>
+            </a:r>
+            <a:r>
+              <a:rPr lang="en-US" altLang="ko-KR" b="0" i="0" dirty="0">
+                <a:solidFill>
+                  <a:srgbClr val="000000"/>
+                </a:solidFill>
+                <a:effectLst/>
+                <a:latin typeface="noto"/>
+              </a:rPr>
+              <a:t>(</a:t>
+            </a:r>
+            <a:r>
+              <a:rPr lang="en-US" altLang="ko-KR" b="0" i="0" dirty="0" err="1">
+                <a:solidFill>
+                  <a:srgbClr val="000000"/>
+                </a:solidFill>
+                <a:effectLst/>
+                <a:latin typeface="noto"/>
+              </a:rPr>
+              <a:t>GraphSAGE</a:t>
+            </a:r>
+            <a:r>
+              <a:rPr lang="en-US" altLang="ko-KR" b="0" i="0" dirty="0">
+                <a:solidFill>
+                  <a:srgbClr val="000000"/>
+                </a:solidFill>
+                <a:effectLst/>
+                <a:latin typeface="noto"/>
+              </a:rPr>
+              <a:t>-LSTM</a:t>
+            </a:r>
+            <a:r>
+              <a:rPr lang="ko-KR" altLang="en-US" b="0" i="0" dirty="0">
+                <a:solidFill>
+                  <a:srgbClr val="000000"/>
+                </a:solidFill>
+                <a:effectLst/>
+                <a:latin typeface="noto"/>
+              </a:rPr>
+              <a:t>이 가장 느림</a:t>
+            </a:r>
+            <a:r>
+              <a:rPr lang="en-US" altLang="ko-KR" b="0" i="0" dirty="0">
+                <a:solidFill>
+                  <a:srgbClr val="000000"/>
+                </a:solidFill>
+                <a:effectLst/>
+                <a:latin typeface="noto"/>
+              </a:rPr>
+              <a:t>). </a:t>
+            </a:r>
+            <a:r>
+              <a:rPr lang="ko-KR" altLang="en-US" b="0" i="0" dirty="0">
+                <a:solidFill>
+                  <a:srgbClr val="000000"/>
+                </a:solidFill>
+                <a:effectLst/>
+                <a:latin typeface="noto"/>
+              </a:rPr>
+              <a:t>그러나 보이지 않는 노드를 포함하기 위해 새로운 랜덤 워크를 샘플링하고 새로운 </a:t>
+            </a:r>
+            <a:r>
+              <a:rPr lang="en-US" altLang="ko-KR" b="0" i="0" dirty="0">
+                <a:solidFill>
+                  <a:srgbClr val="000000"/>
+                </a:solidFill>
+                <a:effectLst/>
+                <a:latin typeface="noto"/>
+              </a:rPr>
+              <a:t>SGD </a:t>
+            </a:r>
+            <a:r>
+              <a:rPr lang="ko-KR" altLang="en-US" b="0" i="0" dirty="0">
+                <a:solidFill>
+                  <a:srgbClr val="000000"/>
+                </a:solidFill>
+                <a:effectLst/>
+                <a:latin typeface="noto"/>
+              </a:rPr>
+              <a:t>라운드를 실행해야 하는 필요성으로 인해 </a:t>
+            </a:r>
+            <a:r>
+              <a:rPr lang="en-US" altLang="ko-KR" b="0" i="0" dirty="0" err="1">
+                <a:solidFill>
+                  <a:srgbClr val="000000"/>
+                </a:solidFill>
+                <a:effectLst/>
+                <a:latin typeface="noto"/>
+              </a:rPr>
+              <a:t>DeepWalk</a:t>
+            </a:r>
+            <a:r>
+              <a:rPr lang="ko-KR" altLang="en-US" b="0" i="0" dirty="0">
+                <a:solidFill>
+                  <a:srgbClr val="000000"/>
+                </a:solidFill>
+                <a:effectLst/>
+                <a:latin typeface="noto"/>
+              </a:rPr>
+              <a:t>는 테스트 시간이 </a:t>
+            </a:r>
+            <a:r>
+              <a:rPr lang="en-US" altLang="ko-KR" b="0" i="0" dirty="0">
+                <a:solidFill>
+                  <a:srgbClr val="000000"/>
+                </a:solidFill>
+                <a:effectLst/>
+                <a:latin typeface="noto"/>
+              </a:rPr>
+              <a:t>100-500</a:t>
+            </a:r>
+            <a:r>
+              <a:rPr lang="ko-KR" altLang="en-US" b="0" i="0" dirty="0">
+                <a:solidFill>
+                  <a:srgbClr val="000000"/>
+                </a:solidFill>
+                <a:effectLst/>
+                <a:latin typeface="noto"/>
+              </a:rPr>
+              <a:t>배 느려진다</a:t>
+            </a:r>
+            <a:r>
+              <a:rPr lang="en-US" altLang="ko-KR" b="0" i="0" dirty="0">
+                <a:solidFill>
+                  <a:srgbClr val="000000"/>
+                </a:solidFill>
+                <a:effectLst/>
+                <a:latin typeface="noto"/>
+              </a:rPr>
+              <a:t>. </a:t>
+            </a:r>
+            <a:r>
+              <a:rPr lang="en-US" altLang="ko-KR" b="0" i="0" dirty="0" err="1">
+                <a:solidFill>
+                  <a:srgbClr val="000000"/>
+                </a:solidFill>
+                <a:effectLst/>
+                <a:latin typeface="noto"/>
+              </a:rPr>
+              <a:t>GraphSAGE</a:t>
+            </a:r>
+            <a:r>
+              <a:rPr lang="en-US" altLang="ko-KR" b="0" i="0" dirty="0">
+                <a:solidFill>
+                  <a:srgbClr val="000000"/>
+                </a:solidFill>
+                <a:effectLst/>
+                <a:latin typeface="noto"/>
+              </a:rPr>
+              <a:t> </a:t>
+            </a:r>
+            <a:r>
+              <a:rPr lang="ko-KR" altLang="en-US" b="0" i="0" dirty="0">
+                <a:solidFill>
+                  <a:srgbClr val="000000"/>
+                </a:solidFill>
+                <a:effectLst/>
+                <a:latin typeface="noto"/>
+              </a:rPr>
+              <a:t>변형의 경우 설정 </a:t>
+            </a:r>
+            <a:r>
+              <a:rPr lang="en-US" altLang="ko-KR" b="0" i="0" dirty="0">
+                <a:solidFill>
+                  <a:srgbClr val="000000"/>
+                </a:solidFill>
+                <a:effectLst/>
+                <a:latin typeface="noto"/>
+              </a:rPr>
+              <a:t>K = 2</a:t>
+            </a:r>
+            <a:r>
+              <a:rPr lang="ko-KR" altLang="en-US" b="0" i="0" dirty="0">
+                <a:solidFill>
+                  <a:srgbClr val="000000"/>
+                </a:solidFill>
+                <a:effectLst/>
+                <a:latin typeface="noto"/>
+              </a:rPr>
+              <a:t>가 </a:t>
+            </a:r>
+            <a:r>
+              <a:rPr lang="en-US" altLang="ko-KR" b="0" i="0" dirty="0">
+                <a:solidFill>
+                  <a:srgbClr val="000000"/>
+                </a:solidFill>
+                <a:effectLst/>
+                <a:latin typeface="noto"/>
+              </a:rPr>
+              <a:t>K = 1</a:t>
+            </a:r>
+            <a:r>
+              <a:rPr lang="ko-KR" altLang="en-US" b="0" i="0" dirty="0">
+                <a:solidFill>
+                  <a:srgbClr val="000000"/>
+                </a:solidFill>
+                <a:effectLst/>
+                <a:latin typeface="noto"/>
+              </a:rPr>
+              <a:t>에 비해 평균 약 </a:t>
+            </a:r>
+            <a:r>
+              <a:rPr lang="en-US" altLang="ko-KR" b="0" i="0" dirty="0">
+                <a:solidFill>
+                  <a:srgbClr val="000000"/>
+                </a:solidFill>
+                <a:effectLst/>
+                <a:latin typeface="noto"/>
+              </a:rPr>
+              <a:t>10-15%</a:t>
+            </a:r>
+            <a:r>
+              <a:rPr lang="ko-KR" altLang="en-US" b="0" i="0" dirty="0">
+                <a:solidFill>
+                  <a:srgbClr val="000000"/>
+                </a:solidFill>
+                <a:effectLst/>
+                <a:latin typeface="noto"/>
+              </a:rPr>
+              <a:t>의 일관된 정확도 향상을 제공한다는 것을 발견했다</a:t>
+            </a:r>
+            <a:r>
+              <a:rPr lang="en-US" altLang="ko-KR" b="0" i="0" dirty="0">
+                <a:solidFill>
+                  <a:srgbClr val="000000"/>
+                </a:solidFill>
+                <a:effectLst/>
+                <a:latin typeface="noto"/>
+              </a:rPr>
+              <a:t>. </a:t>
+            </a:r>
+            <a:r>
+              <a:rPr lang="ko-KR" altLang="en-US" b="0" i="0" dirty="0">
+                <a:solidFill>
+                  <a:srgbClr val="000000"/>
+                </a:solidFill>
+                <a:effectLst/>
+                <a:latin typeface="noto"/>
+              </a:rPr>
+              <a:t>그러나 </a:t>
+            </a:r>
+            <a:r>
+              <a:rPr lang="en-US" altLang="ko-KR" b="0" i="0" dirty="0">
+                <a:solidFill>
+                  <a:srgbClr val="000000"/>
+                </a:solidFill>
+                <a:effectLst/>
+                <a:latin typeface="noto"/>
+              </a:rPr>
+              <a:t>2</a:t>
+            </a:r>
+            <a:r>
+              <a:rPr lang="ko-KR" altLang="en-US" b="0" i="0" dirty="0">
+                <a:solidFill>
+                  <a:srgbClr val="000000"/>
+                </a:solidFill>
+                <a:effectLst/>
+                <a:latin typeface="noto"/>
+              </a:rPr>
+              <a:t>를 초과하여 </a:t>
+            </a:r>
+            <a:r>
+              <a:rPr lang="en-US" altLang="ko-KR" b="0" i="0" dirty="0">
+                <a:solidFill>
+                  <a:srgbClr val="000000"/>
+                </a:solidFill>
+                <a:effectLst/>
+                <a:latin typeface="noto"/>
+              </a:rPr>
+              <a:t>K</a:t>
+            </a:r>
+            <a:r>
+              <a:rPr lang="ko-KR" altLang="en-US" b="0" i="0" dirty="0">
+                <a:solidFill>
+                  <a:srgbClr val="000000"/>
+                </a:solidFill>
+                <a:effectLst/>
+                <a:latin typeface="noto"/>
+              </a:rPr>
+              <a:t>를 증가시키면 성능에서 한계 수익률</a:t>
+            </a:r>
+            <a:r>
+              <a:rPr lang="en-US" altLang="ko-KR" b="0" i="0" dirty="0">
+                <a:solidFill>
+                  <a:srgbClr val="000000"/>
+                </a:solidFill>
+                <a:effectLst/>
+                <a:latin typeface="noto"/>
+              </a:rPr>
+              <a:t>(0-5%)</a:t>
+            </a:r>
+            <a:r>
+              <a:rPr lang="ko-KR" altLang="en-US" b="0" i="0" dirty="0">
+                <a:solidFill>
+                  <a:srgbClr val="000000"/>
+                </a:solidFill>
+                <a:effectLst/>
+                <a:latin typeface="noto"/>
+              </a:rPr>
+              <a:t>을 제공하는 동시에 이웃 샘플 크기에 따라 런타임을 </a:t>
+            </a:r>
+            <a:r>
+              <a:rPr lang="en-US" altLang="ko-KR" b="0" i="0" dirty="0">
+                <a:solidFill>
+                  <a:srgbClr val="000000"/>
+                </a:solidFill>
+                <a:effectLst/>
+                <a:latin typeface="noto"/>
+              </a:rPr>
+              <a:t>10-100×</a:t>
+            </a:r>
+            <a:r>
+              <a:rPr lang="ko-KR" altLang="en-US" b="0" i="0" dirty="0">
+                <a:solidFill>
+                  <a:srgbClr val="000000"/>
+                </a:solidFill>
+                <a:effectLst/>
+                <a:latin typeface="noto"/>
+              </a:rPr>
+              <a:t>의 엄청나게 큰 요인으로 증가시켰다</a:t>
+            </a:r>
+            <a:r>
+              <a:rPr lang="en-US" altLang="ko-KR" b="0" i="0" dirty="0">
+                <a:solidFill>
+                  <a:srgbClr val="000000"/>
+                </a:solidFill>
+                <a:effectLst/>
+                <a:latin typeface="noto"/>
+              </a:rPr>
+              <a:t>. </a:t>
+            </a:r>
+            <a:r>
+              <a:rPr lang="ko-KR" altLang="en-US" b="0" i="0" dirty="0">
+                <a:solidFill>
+                  <a:srgbClr val="000000"/>
+                </a:solidFill>
+                <a:effectLst/>
+                <a:latin typeface="noto"/>
+              </a:rPr>
+              <a:t>우리는 또한 대규모 이웃 표본 추출에 대한 수익이 감소하는 것을 발견했다</a:t>
+            </a:r>
+            <a:r>
+              <a:rPr lang="en-US" altLang="ko-KR" b="0" i="0" dirty="0">
+                <a:solidFill>
+                  <a:srgbClr val="000000"/>
+                </a:solidFill>
+                <a:effectLst/>
+                <a:latin typeface="noto"/>
+              </a:rPr>
+              <a:t>(</a:t>
+            </a:r>
+            <a:r>
+              <a:rPr lang="ko-KR" altLang="en-US" b="0" i="0" dirty="0">
+                <a:solidFill>
+                  <a:srgbClr val="000000"/>
+                </a:solidFill>
+                <a:effectLst/>
+                <a:latin typeface="noto"/>
+              </a:rPr>
+              <a:t>그림 </a:t>
+            </a:r>
+            <a:r>
+              <a:rPr lang="en-US" altLang="ko-KR" b="0" i="0" dirty="0">
+                <a:solidFill>
+                  <a:srgbClr val="000000"/>
+                </a:solidFill>
+                <a:effectLst/>
+                <a:latin typeface="noto"/>
+              </a:rPr>
+              <a:t>2).B)</a:t>
+            </a:r>
+            <a:r>
+              <a:rPr lang="ko-KR" altLang="en-US" b="0" i="0" dirty="0">
+                <a:solidFill>
+                  <a:srgbClr val="000000"/>
+                </a:solidFill>
+                <a:effectLst/>
+                <a:latin typeface="noto"/>
+              </a:rPr>
+              <a:t>따라서 하위 샘플링 이웃에 의해 유도된 더 높은 분산에도 불구하고 </a:t>
+            </a:r>
+            <a:r>
+              <a:rPr lang="en-US" altLang="ko-KR" b="0" i="0" dirty="0" err="1">
+                <a:solidFill>
+                  <a:srgbClr val="000000"/>
+                </a:solidFill>
+                <a:effectLst/>
+                <a:latin typeface="noto"/>
+              </a:rPr>
+              <a:t>GraphSAGE</a:t>
+            </a:r>
+            <a:r>
+              <a:rPr lang="ko-KR" altLang="en-US" b="0" i="0" dirty="0">
+                <a:solidFill>
+                  <a:srgbClr val="000000"/>
+                </a:solidFill>
+                <a:effectLst/>
+                <a:latin typeface="noto"/>
+              </a:rPr>
+              <a:t>는 여전히 강력한 예측 정확도를 유지하면서 런타임을 크게 향상시킬 수 있다</a:t>
+            </a:r>
+            <a:r>
+              <a:rPr lang="en-US" altLang="ko-KR" b="0" i="0" dirty="0">
+                <a:solidFill>
+                  <a:srgbClr val="000000"/>
+                </a:solidFill>
+                <a:effectLst/>
+                <a:latin typeface="noto"/>
+              </a:rPr>
+              <a:t>.</a:t>
+            </a:r>
+            <a:endParaRPr lang="en-US" altLang="ko-KR" dirty="0"/>
+          </a:p>
+        </p:txBody>
+      </p:sp>
+      <p:sp>
+        <p:nvSpPr>
+          <p:cNvPr id="4" name="슬라이드 번호 개체 틀 3"/>
+          <p:cNvSpPr>
+            <a:spLocks noGrp="1"/>
+          </p:cNvSpPr>
+          <p:nvPr>
+            <p:ph type="sldNum" sz="quarter" idx="5"/>
+          </p:nvPr>
+        </p:nvSpPr>
+        <p:spPr/>
+        <p:txBody>
+          <a:bodyPr/>
+          <a:lstStyle/>
+          <a:p>
+            <a:fld id="{E3508E54-26A4-461A-9177-07CC1B35B5F2}" type="slidenum">
+              <a:rPr lang="ko-KR" altLang="en-US" smtClean="0"/>
+              <a:t>22</a:t>
+            </a:fld>
+            <a:endParaRPr lang="ko-KR" altLang="en-US"/>
+          </a:p>
+        </p:txBody>
+      </p:sp>
+    </p:spTree>
+    <p:extLst>
+      <p:ext uri="{BB962C8B-B14F-4D97-AF65-F5344CB8AC3E}">
+        <p14:creationId xmlns:p14="http://schemas.microsoft.com/office/powerpoint/2010/main" val="98256622"/>
+      </p:ext>
+    </p:extLst>
+  </p:cSld>
+  <p:clrMapOvr>
+    <a:masterClrMapping/>
+  </p:clrMapOvr>
+</p:notes>
+</file>
+
+<file path=ppt/notesSlides/notesSlide22.xml><?xml version="1.0" encoding="utf-8"?>
+<p:notes xmlns:a="http://schemas.openxmlformats.org/drawingml/2006/main" xmlns:r="http://schemas.openxmlformats.org/officeDocument/2006/relationships" xmlns:p="http://schemas.openxmlformats.org/presentationml/2006/main">
+  <p:cSld>
+    <p:spTree>
+      <p:nvGrpSpPr>
+        <p:cNvPr id="1" name=""/>
+        <p:cNvGrpSpPr/>
+        <p:nvPr/>
+      </p:nvGrpSpPr>
+      <p:grpSpPr>
+        <a:xfrm>
+          <a:off x="0" y="0"/>
+          <a:ext cx="0" cy="0"/>
+          <a:chOff x="0" y="0"/>
+          <a:chExt cx="0" cy="0"/>
+        </a:xfrm>
+      </p:grpSpPr>
+      <p:sp>
+        <p:nvSpPr>
+          <p:cNvPr id="2" name="슬라이드 이미지 개체 틀 1"/>
+          <p:cNvSpPr>
+            <a:spLocks noGrp="1" noRot="1" noChangeAspect="1"/>
+          </p:cNvSpPr>
+          <p:nvPr>
+            <p:ph type="sldImg"/>
+          </p:nvPr>
+        </p:nvSpPr>
+        <p:spPr/>
+      </p:sp>
+      <p:sp>
+        <p:nvSpPr>
+          <p:cNvPr id="3" name="슬라이드 노트 개체 틀 2"/>
+          <p:cNvSpPr>
+            <a:spLocks noGrp="1"/>
+          </p:cNvSpPr>
+          <p:nvPr>
+            <p:ph type="body" idx="1"/>
+          </p:nvPr>
+        </p:nvSpPr>
+        <p:spPr/>
+        <p:txBody>
+          <a:bodyPr/>
+          <a:lstStyle/>
+          <a:p>
+            <a:endParaRPr lang="en-US" altLang="ko-KR" dirty="0"/>
+          </a:p>
+          <a:p>
+            <a:endParaRPr lang="en-US" altLang="ko-KR" dirty="0"/>
+          </a:p>
+          <a:p>
+            <a:r>
+              <a:rPr lang="en-US" altLang="ko-KR" dirty="0"/>
+              <a:t>===</a:t>
+            </a:r>
+          </a:p>
+          <a:p>
+            <a:r>
+              <a:rPr lang="ko-KR" altLang="en-US" b="0" i="0" dirty="0">
+                <a:solidFill>
+                  <a:srgbClr val="000000"/>
+                </a:solidFill>
+                <a:effectLst/>
+                <a:latin typeface="noto"/>
+              </a:rPr>
+              <a:t>전반적으로</a:t>
+            </a:r>
+            <a:r>
+              <a:rPr lang="en-US" altLang="ko-KR" b="0" i="0" dirty="0">
+                <a:solidFill>
+                  <a:srgbClr val="000000"/>
+                </a:solidFill>
+                <a:effectLst/>
+                <a:latin typeface="noto"/>
+              </a:rPr>
+              <a:t>, </a:t>
+            </a:r>
+            <a:r>
+              <a:rPr lang="ko-KR" altLang="en-US" b="0" i="0" dirty="0">
+                <a:solidFill>
+                  <a:srgbClr val="000000"/>
+                </a:solidFill>
+                <a:effectLst/>
+                <a:latin typeface="noto"/>
+              </a:rPr>
+              <a:t>우리는 </a:t>
+            </a:r>
+            <a:r>
+              <a:rPr lang="en-US" altLang="ko-KR" b="0" i="0" dirty="0">
+                <a:solidFill>
+                  <a:srgbClr val="000000"/>
+                </a:solidFill>
+                <a:effectLst/>
+                <a:latin typeface="noto"/>
+              </a:rPr>
+              <a:t>LSTM </a:t>
+            </a:r>
+            <a:r>
+              <a:rPr lang="ko-KR" altLang="en-US" b="0" i="0" dirty="0">
+                <a:solidFill>
+                  <a:srgbClr val="000000"/>
+                </a:solidFill>
+                <a:effectLst/>
+                <a:latin typeface="noto"/>
+              </a:rPr>
+              <a:t>기반 및 풀 기반 </a:t>
+            </a:r>
+            <a:r>
+              <a:rPr lang="ko-KR" altLang="en-US" b="0" i="0" dirty="0" err="1">
+                <a:solidFill>
+                  <a:srgbClr val="000000"/>
+                </a:solidFill>
+                <a:effectLst/>
+                <a:latin typeface="noto"/>
+              </a:rPr>
+              <a:t>애그리게이터가</a:t>
+            </a:r>
+            <a:r>
+              <a:rPr lang="ko-KR" altLang="en-US" b="0" i="0" dirty="0">
+                <a:solidFill>
+                  <a:srgbClr val="000000"/>
+                </a:solidFill>
+                <a:effectLst/>
+                <a:latin typeface="noto"/>
+              </a:rPr>
+              <a:t> 최고 성능의 방법이었던 평균 성능과 실험 설정 수 측면에서 모두 가장 우수한 성능을 보였다</a:t>
+            </a:r>
+            <a:r>
+              <a:rPr lang="en-US" altLang="ko-KR" b="0" i="0" dirty="0">
+                <a:solidFill>
+                  <a:srgbClr val="000000"/>
+                </a:solidFill>
+                <a:effectLst/>
+                <a:latin typeface="noto"/>
+              </a:rPr>
+              <a:t>(</a:t>
+            </a:r>
+            <a:r>
+              <a:rPr lang="ko-KR" altLang="en-US" b="0" i="0" dirty="0">
+                <a:solidFill>
+                  <a:srgbClr val="000000"/>
+                </a:solidFill>
+                <a:effectLst/>
+                <a:latin typeface="noto"/>
+              </a:rPr>
+              <a:t>표 </a:t>
+            </a:r>
+            <a:r>
+              <a:rPr lang="en-US" altLang="ko-KR" b="0" i="0" dirty="0">
+                <a:solidFill>
+                  <a:srgbClr val="000000"/>
+                </a:solidFill>
+                <a:effectLst/>
+                <a:latin typeface="noto"/>
+              </a:rPr>
+              <a:t>1). </a:t>
+            </a:r>
+            <a:r>
+              <a:rPr lang="ko-KR" altLang="en-US" b="0" i="0" dirty="0">
+                <a:solidFill>
+                  <a:srgbClr val="000000"/>
+                </a:solidFill>
+                <a:effectLst/>
+                <a:latin typeface="noto"/>
+              </a:rPr>
+              <a:t>이러한 추세에 대한 보다 정량적인 통찰력을 제공하기 위해</a:t>
+            </a:r>
+            <a:r>
+              <a:rPr lang="en-US" altLang="ko-KR" b="0" i="0" dirty="0">
+                <a:solidFill>
+                  <a:srgbClr val="000000"/>
+                </a:solidFill>
+                <a:effectLst/>
+                <a:latin typeface="noto"/>
+              </a:rPr>
+              <a:t>, </a:t>
+            </a:r>
+            <a:r>
+              <a:rPr lang="ko-KR" altLang="en-US" b="0" i="0" dirty="0">
+                <a:solidFill>
+                  <a:srgbClr val="000000"/>
+                </a:solidFill>
+                <a:effectLst/>
+                <a:latin typeface="noto"/>
+              </a:rPr>
+              <a:t>우리는 </a:t>
+            </a:r>
+            <a:r>
+              <a:rPr lang="en-US" altLang="ko-KR" b="0" i="0" dirty="0">
+                <a:solidFill>
+                  <a:srgbClr val="000000"/>
+                </a:solidFill>
+                <a:effectLst/>
+                <a:latin typeface="noto"/>
+              </a:rPr>
+              <a:t>6</a:t>
+            </a:r>
+            <a:r>
+              <a:rPr lang="ko-KR" altLang="en-US" b="0" i="0" dirty="0">
+                <a:solidFill>
+                  <a:srgbClr val="000000"/>
+                </a:solidFill>
+                <a:effectLst/>
+                <a:latin typeface="noto"/>
+              </a:rPr>
+              <a:t>개의 다른 실험 설정</a:t>
+            </a:r>
+            <a:r>
+              <a:rPr lang="en-US" altLang="ko-KR" b="0" i="0" dirty="0">
+                <a:solidFill>
+                  <a:srgbClr val="000000"/>
+                </a:solidFill>
+                <a:effectLst/>
+                <a:latin typeface="noto"/>
+              </a:rPr>
+              <a:t>(</a:t>
+            </a:r>
+            <a:r>
+              <a:rPr lang="ko-KR" altLang="en-US" b="0" i="0" dirty="0">
+                <a:solidFill>
+                  <a:srgbClr val="000000"/>
+                </a:solidFill>
+                <a:effectLst/>
+                <a:latin typeface="noto"/>
+              </a:rPr>
+              <a:t>즉</a:t>
+            </a:r>
+            <a:r>
+              <a:rPr lang="en-US" altLang="ko-KR" b="0" i="0" dirty="0">
+                <a:solidFill>
+                  <a:srgbClr val="000000"/>
+                </a:solidFill>
+                <a:effectLst/>
+                <a:latin typeface="noto"/>
+              </a:rPr>
+              <a:t>, (3</a:t>
+            </a:r>
+            <a:r>
+              <a:rPr lang="ko-KR" altLang="en-US" b="0" i="0" dirty="0">
+                <a:solidFill>
+                  <a:srgbClr val="000000"/>
+                </a:solidFill>
+                <a:effectLst/>
+                <a:latin typeface="noto"/>
+              </a:rPr>
+              <a:t>개의 데이터 세트</a:t>
+            </a:r>
+            <a:r>
+              <a:rPr lang="en-US" altLang="ko-KR" b="0" i="0" dirty="0">
+                <a:solidFill>
+                  <a:srgbClr val="000000"/>
+                </a:solidFill>
+                <a:effectLst/>
+                <a:latin typeface="noto"/>
+              </a:rPr>
+              <a:t>) × (</a:t>
+            </a:r>
+            <a:r>
+              <a:rPr lang="ko-KR" altLang="en-US" b="0" i="0" dirty="0">
+                <a:solidFill>
+                  <a:srgbClr val="000000"/>
+                </a:solidFill>
+                <a:effectLst/>
+                <a:latin typeface="noto"/>
+              </a:rPr>
+              <a:t>감독되지 않은 대 감독된</a:t>
+            </a:r>
+            <a:r>
+              <a:rPr lang="en-US" altLang="ko-KR" b="0" i="0" dirty="0">
+                <a:solidFill>
+                  <a:srgbClr val="000000"/>
+                </a:solidFill>
+                <a:effectLst/>
+                <a:latin typeface="noto"/>
+              </a:rPr>
+              <a:t>)</a:t>
+            </a:r>
+            <a:r>
+              <a:rPr lang="ko-KR" altLang="en-US" b="0" i="0" dirty="0">
+                <a:solidFill>
+                  <a:srgbClr val="000000"/>
+                </a:solidFill>
+                <a:effectLst/>
+                <a:latin typeface="noto"/>
+              </a:rPr>
+              <a:t>을 각각 시험으로 간주하고 어떤 성능 추세가 일반화될 가능성이 있는지 고려한다</a:t>
+            </a:r>
+            <a:r>
+              <a:rPr lang="en-US" altLang="ko-KR" b="0" i="0" dirty="0">
+                <a:solidFill>
+                  <a:srgbClr val="000000"/>
+                </a:solidFill>
+                <a:effectLst/>
+                <a:latin typeface="noto"/>
+              </a:rPr>
+              <a:t>. </a:t>
+            </a:r>
+            <a:r>
+              <a:rPr lang="ko-KR" altLang="en-US" b="0" i="0" dirty="0">
+                <a:solidFill>
+                  <a:srgbClr val="000000"/>
+                </a:solidFill>
+                <a:effectLst/>
+                <a:latin typeface="noto"/>
+              </a:rPr>
+              <a:t>특히</a:t>
+            </a:r>
+            <a:r>
+              <a:rPr lang="en-US" altLang="ko-KR" b="0" i="0" dirty="0">
+                <a:solidFill>
+                  <a:srgbClr val="000000"/>
+                </a:solidFill>
+                <a:effectLst/>
+                <a:latin typeface="noto"/>
+              </a:rPr>
+              <a:t>, </a:t>
+            </a:r>
+            <a:r>
+              <a:rPr lang="ko-KR" altLang="en-US" b="0" i="0" dirty="0">
+                <a:solidFill>
+                  <a:srgbClr val="000000"/>
+                </a:solidFill>
+                <a:effectLst/>
+                <a:latin typeface="noto"/>
+              </a:rPr>
+              <a:t>우리는 </a:t>
+            </a:r>
+            <a:r>
+              <a:rPr lang="ko-KR" altLang="en-US" b="0" i="0" dirty="0" err="1">
+                <a:solidFill>
+                  <a:srgbClr val="000000"/>
+                </a:solidFill>
+                <a:effectLst/>
+                <a:latin typeface="noto"/>
+              </a:rPr>
+              <a:t>비모수</a:t>
+            </a:r>
+            <a:r>
+              <a:rPr lang="ko-KR" altLang="en-US" b="0" i="0" dirty="0">
+                <a:solidFill>
+                  <a:srgbClr val="000000"/>
+                </a:solidFill>
+                <a:effectLst/>
+                <a:latin typeface="noto"/>
+              </a:rPr>
+              <a:t> </a:t>
+            </a:r>
+            <a:r>
+              <a:rPr lang="en-US" altLang="ko-KR" b="0" i="0" dirty="0">
+                <a:solidFill>
+                  <a:srgbClr val="000000"/>
+                </a:solidFill>
+                <a:effectLst/>
+                <a:latin typeface="noto"/>
+              </a:rPr>
+              <a:t>Wilcoxon Signed-Rank Test[33]</a:t>
+            </a:r>
+            <a:r>
+              <a:rPr lang="ko-KR" altLang="en-US" b="0" i="0" dirty="0">
+                <a:solidFill>
+                  <a:srgbClr val="000000"/>
+                </a:solidFill>
+                <a:effectLst/>
+                <a:latin typeface="noto"/>
+              </a:rPr>
+              <a:t>를 사용하여 해당되는 경우 </a:t>
+            </a:r>
+            <a:r>
+              <a:rPr lang="en-US" altLang="ko-KR" b="0" i="0" dirty="0">
+                <a:solidFill>
+                  <a:srgbClr val="000000"/>
+                </a:solidFill>
+                <a:effectLst/>
+                <a:latin typeface="noto"/>
+              </a:rPr>
+              <a:t>T-</a:t>
+            </a:r>
+            <a:r>
+              <a:rPr lang="ko-KR" altLang="en-US" b="0" i="0" dirty="0">
+                <a:solidFill>
+                  <a:srgbClr val="000000"/>
+                </a:solidFill>
+                <a:effectLst/>
+                <a:latin typeface="noto"/>
+              </a:rPr>
+              <a:t>통계 및 </a:t>
+            </a:r>
+            <a:r>
+              <a:rPr lang="en-US" altLang="ko-KR" b="0" i="0" dirty="0">
+                <a:solidFill>
+                  <a:srgbClr val="000000"/>
+                </a:solidFill>
+                <a:effectLst/>
+                <a:latin typeface="noto"/>
+              </a:rPr>
+              <a:t>p-</a:t>
+            </a:r>
+            <a:r>
+              <a:rPr lang="ko-KR" altLang="en-US" b="0" i="0" dirty="0">
+                <a:solidFill>
+                  <a:srgbClr val="000000"/>
+                </a:solidFill>
+                <a:effectLst/>
+                <a:latin typeface="noto"/>
+              </a:rPr>
+              <a:t>값을 보고하여 시험 전반에 걸쳐 다른 </a:t>
+            </a:r>
+            <a:r>
+              <a:rPr lang="ko-KR" altLang="en-US" b="0" i="0" dirty="0" err="1">
+                <a:solidFill>
+                  <a:srgbClr val="000000"/>
+                </a:solidFill>
+                <a:effectLst/>
+                <a:latin typeface="noto"/>
+              </a:rPr>
+              <a:t>집계자</a:t>
+            </a:r>
+            <a:r>
+              <a:rPr lang="ko-KR" altLang="en-US" b="0" i="0" dirty="0">
+                <a:solidFill>
+                  <a:srgbClr val="000000"/>
+                </a:solidFill>
+                <a:effectLst/>
+                <a:latin typeface="noto"/>
+              </a:rPr>
+              <a:t> 간의 차이를 </a:t>
+            </a:r>
+            <a:r>
+              <a:rPr lang="ko-KR" altLang="en-US" b="0" i="0" dirty="0" err="1">
+                <a:solidFill>
+                  <a:srgbClr val="000000"/>
+                </a:solidFill>
+                <a:effectLst/>
+                <a:latin typeface="noto"/>
+              </a:rPr>
+              <a:t>정량화한다</a:t>
+            </a:r>
+            <a:r>
+              <a:rPr lang="en-US" altLang="ko-KR" b="0" i="0" dirty="0">
+                <a:solidFill>
+                  <a:srgbClr val="000000"/>
+                </a:solidFill>
+                <a:effectLst/>
+                <a:latin typeface="noto"/>
+              </a:rPr>
+              <a:t>. </a:t>
+            </a:r>
+            <a:r>
+              <a:rPr lang="ko-KR" altLang="en-US" b="0" i="0" dirty="0">
+                <a:solidFill>
+                  <a:srgbClr val="000000"/>
+                </a:solidFill>
+                <a:effectLst/>
+                <a:latin typeface="noto"/>
+              </a:rPr>
+              <a:t>이 방법은 순위 기반이며 기본적으로 새로운 실험 환경에서 특정 접근법이 다른 접근법을 능가할 것으로 예상하는지 여부를 테스트한다</a:t>
+            </a:r>
+            <a:r>
+              <a:rPr lang="en-US" altLang="ko-KR" b="0" i="0" dirty="0">
+                <a:solidFill>
+                  <a:srgbClr val="000000"/>
+                </a:solidFill>
+                <a:effectLst/>
+                <a:latin typeface="noto"/>
+              </a:rPr>
+              <a:t>. 6</a:t>
+            </a:r>
+            <a:r>
+              <a:rPr lang="ko-KR" altLang="en-US" b="0" i="0" dirty="0">
+                <a:solidFill>
+                  <a:srgbClr val="000000"/>
+                </a:solidFill>
+                <a:effectLst/>
+                <a:latin typeface="noto"/>
+              </a:rPr>
+              <a:t>개의 서로 다른 설정의 작은 표본 크기를 고려할 때</a:t>
+            </a:r>
+            <a:r>
+              <a:rPr lang="en-US" altLang="ko-KR" b="0" i="0" dirty="0">
+                <a:solidFill>
+                  <a:srgbClr val="000000"/>
+                </a:solidFill>
+                <a:effectLst/>
+                <a:latin typeface="noto"/>
+              </a:rPr>
+              <a:t>, </a:t>
+            </a:r>
+            <a:r>
+              <a:rPr lang="ko-KR" altLang="en-US" b="0" i="0" dirty="0">
+                <a:solidFill>
+                  <a:srgbClr val="000000"/>
+                </a:solidFill>
+                <a:effectLst/>
+                <a:latin typeface="noto"/>
+              </a:rPr>
+              <a:t>이 유의성 테스트는 다소 약하다</a:t>
+            </a:r>
+            <a:r>
+              <a:rPr lang="en-US" altLang="ko-KR" b="0" i="0" dirty="0">
+                <a:solidFill>
+                  <a:srgbClr val="000000"/>
+                </a:solidFill>
+                <a:effectLst/>
+                <a:latin typeface="noto"/>
+              </a:rPr>
+              <a:t>. </a:t>
+            </a:r>
+            <a:r>
+              <a:rPr lang="ko-KR" altLang="en-US" b="0" i="0" dirty="0">
+                <a:solidFill>
+                  <a:srgbClr val="000000"/>
+                </a:solidFill>
+                <a:effectLst/>
+                <a:latin typeface="noto"/>
+              </a:rPr>
+              <a:t>그럼에도 불구하고 </a:t>
+            </a:r>
+            <a:r>
+              <a:rPr lang="en-US" altLang="ko-KR" b="0" i="0" dirty="0">
+                <a:solidFill>
+                  <a:srgbClr val="000000"/>
+                </a:solidFill>
+                <a:effectLst/>
+                <a:latin typeface="noto"/>
+              </a:rPr>
+              <a:t>T-</a:t>
+            </a:r>
+            <a:r>
+              <a:rPr lang="ko-KR" altLang="en-US" b="0" i="0" dirty="0">
+                <a:solidFill>
+                  <a:srgbClr val="000000"/>
+                </a:solidFill>
+                <a:effectLst/>
+                <a:latin typeface="noto"/>
+              </a:rPr>
+              <a:t>통계 및 관련 </a:t>
+            </a:r>
+            <a:r>
+              <a:rPr lang="en-US" altLang="ko-KR" b="0" i="0" dirty="0">
+                <a:solidFill>
+                  <a:srgbClr val="000000"/>
+                </a:solidFill>
+                <a:effectLst/>
+                <a:latin typeface="noto"/>
+              </a:rPr>
+              <a:t>p-</a:t>
+            </a:r>
+            <a:r>
+              <a:rPr lang="ko-KR" altLang="en-US" b="0" i="0" dirty="0">
+                <a:solidFill>
+                  <a:srgbClr val="000000"/>
+                </a:solidFill>
+                <a:effectLst/>
+                <a:latin typeface="noto"/>
+              </a:rPr>
+              <a:t>값은 집계기의 상대적 성능을 평가하는 데 유용한 정량적 측정이다</a:t>
+            </a:r>
+            <a:r>
+              <a:rPr lang="en-US" altLang="ko-KR" b="0" i="0" dirty="0">
+                <a:solidFill>
+                  <a:srgbClr val="000000"/>
+                </a:solidFill>
+                <a:effectLst/>
+                <a:latin typeface="noto"/>
+              </a:rPr>
+              <a:t>. </a:t>
+            </a:r>
+            <a:r>
+              <a:rPr lang="ko-KR" altLang="en-US" b="0" i="0" dirty="0">
+                <a:solidFill>
+                  <a:srgbClr val="000000"/>
+                </a:solidFill>
+                <a:effectLst/>
+                <a:latin typeface="noto"/>
+              </a:rPr>
+              <a:t>우리는 </a:t>
+            </a:r>
+            <a:r>
+              <a:rPr lang="en-US" altLang="ko-KR" b="0" i="0" dirty="0">
+                <a:solidFill>
+                  <a:srgbClr val="000000"/>
+                </a:solidFill>
+                <a:effectLst/>
+                <a:latin typeface="noto"/>
+              </a:rPr>
+              <a:t>LSTM, </a:t>
+            </a:r>
+            <a:r>
+              <a:rPr lang="ko-KR" altLang="en-US" b="0" i="0" dirty="0">
+                <a:solidFill>
+                  <a:srgbClr val="000000"/>
+                </a:solidFill>
+                <a:effectLst/>
+                <a:latin typeface="noto"/>
+              </a:rPr>
+              <a:t>풀 기반 및 평균 기반 집계가 모두 </a:t>
+            </a:r>
+            <a:r>
+              <a:rPr lang="en-US" altLang="ko-KR" b="0" i="0" dirty="0">
+                <a:solidFill>
+                  <a:srgbClr val="000000"/>
+                </a:solidFill>
+                <a:effectLst/>
+                <a:latin typeface="noto"/>
+              </a:rPr>
+              <a:t>GCN </a:t>
+            </a:r>
+            <a:r>
+              <a:rPr lang="ko-KR" altLang="en-US" b="0" i="0" dirty="0">
+                <a:solidFill>
+                  <a:srgbClr val="000000"/>
+                </a:solidFill>
+                <a:effectLst/>
+                <a:latin typeface="noto"/>
+              </a:rPr>
+              <a:t>기반 접근 방식에 비해 통계적으로 유의미한 이득을 제공한다는 것을 알 수 있다</a:t>
+            </a:r>
+            <a:r>
+              <a:rPr lang="en-US" altLang="ko-KR" b="0" i="0" dirty="0">
+                <a:solidFill>
+                  <a:srgbClr val="000000"/>
+                </a:solidFill>
+                <a:effectLst/>
+                <a:latin typeface="noto"/>
+              </a:rPr>
+              <a:t>(T = 1.0, p = 0.02). </a:t>
+            </a:r>
+            <a:r>
+              <a:rPr lang="ko-KR" altLang="en-US" b="0" i="0" dirty="0">
+                <a:solidFill>
+                  <a:srgbClr val="000000"/>
+                </a:solidFill>
+                <a:effectLst/>
+                <a:latin typeface="noto"/>
+              </a:rPr>
+              <a:t>그러나 평균 기반 </a:t>
+            </a:r>
+            <a:r>
+              <a:rPr lang="ko-KR" altLang="en-US" b="0" i="0" dirty="0" err="1">
+                <a:solidFill>
+                  <a:srgbClr val="000000"/>
+                </a:solidFill>
+                <a:effectLst/>
+                <a:latin typeface="noto"/>
+              </a:rPr>
+              <a:t>애그리게이터에</a:t>
+            </a:r>
+            <a:r>
+              <a:rPr lang="ko-KR" altLang="en-US" b="0" i="0" dirty="0">
+                <a:solidFill>
+                  <a:srgbClr val="000000"/>
+                </a:solidFill>
+                <a:effectLst/>
+                <a:latin typeface="noto"/>
+              </a:rPr>
+              <a:t> 대한 </a:t>
+            </a:r>
+            <a:r>
+              <a:rPr lang="en-US" altLang="ko-KR" b="0" i="0" dirty="0">
+                <a:solidFill>
+                  <a:srgbClr val="000000"/>
+                </a:solidFill>
+                <a:effectLst/>
+                <a:latin typeface="noto"/>
+              </a:rPr>
+              <a:t>LSTM</a:t>
+            </a:r>
+            <a:r>
+              <a:rPr lang="ko-KR" altLang="en-US" b="0" i="0" dirty="0">
+                <a:solidFill>
+                  <a:srgbClr val="000000"/>
+                </a:solidFill>
+                <a:effectLst/>
+                <a:latin typeface="noto"/>
+              </a:rPr>
+              <a:t>과 풀 접근법의 이득은 더 미미하다</a:t>
+            </a:r>
+            <a:r>
+              <a:rPr lang="en-US" altLang="ko-KR" b="0" i="0" dirty="0">
+                <a:solidFill>
+                  <a:srgbClr val="000000"/>
+                </a:solidFill>
+                <a:effectLst/>
+                <a:latin typeface="noto"/>
+              </a:rPr>
+              <a:t>(LSTM</a:t>
+            </a:r>
+            <a:r>
+              <a:rPr lang="ko-KR" altLang="en-US" b="0" i="0" dirty="0">
+                <a:solidFill>
+                  <a:srgbClr val="000000"/>
+                </a:solidFill>
+                <a:effectLst/>
+                <a:latin typeface="noto"/>
+              </a:rPr>
+              <a:t>을 평균에 비교하는 </a:t>
+            </a:r>
+            <a:r>
+              <a:rPr lang="en-US" altLang="ko-KR" b="0" i="0" dirty="0">
+                <a:solidFill>
+                  <a:srgbClr val="000000"/>
+                </a:solidFill>
+                <a:effectLst/>
+                <a:latin typeface="noto"/>
+              </a:rPr>
+              <a:t>T = 1.5, p = 0.03, </a:t>
+            </a:r>
+            <a:r>
+              <a:rPr lang="ko-KR" altLang="en-US" b="0" i="0" dirty="0">
+                <a:solidFill>
+                  <a:srgbClr val="000000"/>
+                </a:solidFill>
+                <a:effectLst/>
+                <a:latin typeface="noto"/>
+              </a:rPr>
+              <a:t>풀을 평균에 비교하는 </a:t>
+            </a:r>
+            <a:r>
+              <a:rPr lang="en-US" altLang="ko-KR" b="0" i="0" dirty="0">
+                <a:solidFill>
+                  <a:srgbClr val="000000"/>
+                </a:solidFill>
+                <a:effectLst/>
+                <a:latin typeface="noto"/>
+              </a:rPr>
+              <a:t>T = 4.5, p = 0.10). LSTM</a:t>
+            </a:r>
+            <a:r>
+              <a:rPr lang="ko-KR" altLang="en-US" b="0" i="0" dirty="0">
+                <a:solidFill>
+                  <a:srgbClr val="000000"/>
+                </a:solidFill>
+                <a:effectLst/>
+                <a:latin typeface="noto"/>
+              </a:rPr>
+              <a:t>과 풀 접근법 사이에는 큰 차이가 없다</a:t>
+            </a:r>
+            <a:r>
+              <a:rPr lang="en-US" altLang="ko-KR" b="0" i="0" dirty="0">
+                <a:solidFill>
+                  <a:srgbClr val="000000"/>
+                </a:solidFill>
+                <a:effectLst/>
+                <a:latin typeface="noto"/>
+              </a:rPr>
+              <a:t>(T = 10.0, p = 0.46). </a:t>
+            </a:r>
+            <a:r>
+              <a:rPr lang="ko-KR" altLang="en-US" b="0" i="0" dirty="0">
+                <a:solidFill>
+                  <a:srgbClr val="000000"/>
+                </a:solidFill>
+                <a:effectLst/>
+                <a:latin typeface="noto"/>
+              </a:rPr>
+              <a:t>그러나 </a:t>
+            </a:r>
+            <a:r>
+              <a:rPr lang="en-US" altLang="ko-KR" b="0" i="0" dirty="0" err="1">
+                <a:solidFill>
+                  <a:srgbClr val="000000"/>
+                </a:solidFill>
+                <a:effectLst/>
+                <a:latin typeface="noto"/>
+              </a:rPr>
+              <a:t>GraphSAGE</a:t>
+            </a:r>
+            <a:r>
+              <a:rPr lang="en-US" altLang="ko-KR" b="0" i="0" dirty="0">
+                <a:solidFill>
+                  <a:srgbClr val="000000"/>
+                </a:solidFill>
+                <a:effectLst/>
+                <a:latin typeface="noto"/>
+              </a:rPr>
+              <a:t>-LSTM</a:t>
+            </a:r>
+            <a:r>
+              <a:rPr lang="ko-KR" altLang="en-US" b="0" i="0" dirty="0">
+                <a:solidFill>
+                  <a:srgbClr val="000000"/>
+                </a:solidFill>
+                <a:effectLst/>
+                <a:latin typeface="noto"/>
+              </a:rPr>
+              <a:t>은 </a:t>
+            </a:r>
+            <a:r>
+              <a:rPr lang="en-US" altLang="ko-KR" b="0" i="0" dirty="0" err="1">
+                <a:solidFill>
+                  <a:srgbClr val="000000"/>
+                </a:solidFill>
+                <a:effectLst/>
+                <a:latin typeface="noto"/>
+              </a:rPr>
+              <a:t>GraphSAGE</a:t>
+            </a:r>
+            <a:r>
+              <a:rPr lang="en-US" altLang="ko-KR" b="0" i="0" dirty="0">
+                <a:solidFill>
+                  <a:srgbClr val="000000"/>
+                </a:solidFill>
+                <a:effectLst/>
+                <a:latin typeface="noto"/>
+              </a:rPr>
+              <a:t>-pool</a:t>
+            </a:r>
+            <a:r>
+              <a:rPr lang="ko-KR" altLang="en-US" b="0" i="0" dirty="0">
+                <a:solidFill>
+                  <a:srgbClr val="000000"/>
+                </a:solidFill>
+                <a:effectLst/>
+                <a:latin typeface="noto"/>
+              </a:rPr>
+              <a:t>보다 상당히 느리며</a:t>
+            </a:r>
+            <a:r>
+              <a:rPr lang="en-US" altLang="ko-KR" b="0" i="0" dirty="0">
+                <a:solidFill>
+                  <a:srgbClr val="000000"/>
+                </a:solidFill>
+                <a:effectLst/>
+                <a:latin typeface="noto"/>
+              </a:rPr>
+              <a:t>(2</a:t>
+            </a:r>
+            <a:r>
+              <a:rPr lang="ko-KR" altLang="en-US" b="0" i="0" dirty="0">
+                <a:solidFill>
+                  <a:srgbClr val="000000"/>
+                </a:solidFill>
+                <a:effectLst/>
+                <a:latin typeface="noto"/>
+              </a:rPr>
+              <a:t>배 이상</a:t>
+            </a:r>
+            <a:r>
+              <a:rPr lang="en-US" altLang="ko-KR" b="0" i="0" dirty="0">
+                <a:solidFill>
+                  <a:srgbClr val="000000"/>
+                </a:solidFill>
+                <a:effectLst/>
+                <a:latin typeface="noto"/>
+              </a:rPr>
+              <a:t>), </a:t>
+            </a:r>
+            <a:r>
+              <a:rPr lang="ko-KR" altLang="en-US" b="0" i="0" dirty="0" err="1">
+                <a:solidFill>
+                  <a:srgbClr val="000000"/>
+                </a:solidFill>
+                <a:effectLst/>
+                <a:latin typeface="noto"/>
+              </a:rPr>
+              <a:t>풀링</a:t>
+            </a:r>
+            <a:r>
+              <a:rPr lang="ko-KR" altLang="en-US" b="0" i="0" dirty="0">
+                <a:solidFill>
+                  <a:srgbClr val="000000"/>
+                </a:solidFill>
+                <a:effectLst/>
+                <a:latin typeface="noto"/>
+              </a:rPr>
+              <a:t> 기반 </a:t>
+            </a:r>
+            <a:r>
+              <a:rPr lang="ko-KR" altLang="en-US" b="0" i="0" dirty="0" err="1">
+                <a:solidFill>
+                  <a:srgbClr val="000000"/>
+                </a:solidFill>
+                <a:effectLst/>
+                <a:latin typeface="noto"/>
+              </a:rPr>
+              <a:t>애그리게이터는</a:t>
+            </a:r>
+            <a:r>
+              <a:rPr lang="ko-KR" altLang="en-US" b="0" i="0" dirty="0">
+                <a:solidFill>
+                  <a:srgbClr val="000000"/>
+                </a:solidFill>
+                <a:effectLst/>
+                <a:latin typeface="noto"/>
+              </a:rPr>
+              <a:t> 전체적으로 약간의 우위를 제공할 수 있다</a:t>
+            </a:r>
+            <a:endParaRPr lang="en-US" altLang="ko-KR" dirty="0"/>
+          </a:p>
+        </p:txBody>
+      </p:sp>
+      <p:sp>
+        <p:nvSpPr>
+          <p:cNvPr id="4" name="슬라이드 번호 개체 틀 3"/>
+          <p:cNvSpPr>
+            <a:spLocks noGrp="1"/>
+          </p:cNvSpPr>
+          <p:nvPr>
+            <p:ph type="sldNum" sz="quarter" idx="5"/>
+          </p:nvPr>
+        </p:nvSpPr>
+        <p:spPr/>
+        <p:txBody>
+          <a:bodyPr/>
+          <a:lstStyle/>
+          <a:p>
+            <a:fld id="{E3508E54-26A4-461A-9177-07CC1B35B5F2}" type="slidenum">
+              <a:rPr lang="ko-KR" altLang="en-US" smtClean="0"/>
+              <a:t>23</a:t>
+            </a:fld>
+            <a:endParaRPr lang="ko-KR" altLang="en-US"/>
+          </a:p>
+        </p:txBody>
+      </p:sp>
+    </p:spTree>
+    <p:extLst>
+      <p:ext uri="{BB962C8B-B14F-4D97-AF65-F5344CB8AC3E}">
+        <p14:creationId xmlns:p14="http://schemas.microsoft.com/office/powerpoint/2010/main" val="634979794"/>
+      </p:ext>
+    </p:extLst>
+  </p:cSld>
+  <p:clrMapOvr>
+    <a:masterClrMapping/>
+  </p:clrMapOvr>
+</p:notes>
+</file>
+
+<file path=ppt/notesSlides/notesSlide23.xml><?xml version="1.0" encoding="utf-8"?>
+<p:notes xmlns:a="http://schemas.openxmlformats.org/drawingml/2006/main" xmlns:r="http://schemas.openxmlformats.org/officeDocument/2006/relationships" xmlns:p="http://schemas.openxmlformats.org/presentationml/2006/main">
+  <p:cSld>
+    <p:spTree>
+      <p:nvGrpSpPr>
+        <p:cNvPr id="1" name=""/>
+        <p:cNvGrpSpPr/>
+        <p:nvPr/>
+      </p:nvGrpSpPr>
+      <p:grpSpPr>
+        <a:xfrm>
+          <a:off x="0" y="0"/>
+          <a:ext cx="0" cy="0"/>
+          <a:chOff x="0" y="0"/>
+          <a:chExt cx="0" cy="0"/>
+        </a:xfrm>
+      </p:grpSpPr>
+      <p:sp>
+        <p:nvSpPr>
+          <p:cNvPr id="2" name="슬라이드 이미지 개체 틀 1"/>
+          <p:cNvSpPr>
+            <a:spLocks noGrp="1" noRot="1" noChangeAspect="1"/>
+          </p:cNvSpPr>
+          <p:nvPr>
+            <p:ph type="sldImg"/>
+          </p:nvPr>
+        </p:nvSpPr>
+        <p:spPr/>
+      </p:sp>
+      <p:sp>
+        <p:nvSpPr>
+          <p:cNvPr id="3" name="슬라이드 노트 개체 틀 2"/>
+          <p:cNvSpPr>
+            <a:spLocks noGrp="1"/>
+          </p:cNvSpPr>
+          <p:nvPr>
+            <p:ph type="body" idx="1"/>
+          </p:nvPr>
+        </p:nvSpPr>
+        <p:spPr/>
+        <p:txBody>
+          <a:bodyPr/>
+          <a:lstStyle/>
+          <a:p>
+            <a:pPr marL="228600" indent="-228600">
+              <a:buAutoNum type="arabicPeriod"/>
+            </a:pPr>
+            <a:r>
+              <a:rPr lang="ko-KR" altLang="en-US" dirty="0"/>
+              <a:t>그래프 세이지는 </a:t>
+            </a:r>
+            <a:r>
+              <a:rPr lang="en-US" altLang="ko-KR" dirty="0"/>
+              <a:t>inductive</a:t>
+            </a:r>
+            <a:r>
+              <a:rPr lang="ko-KR" altLang="en-US" dirty="0"/>
+              <a:t>하게 그래프 </a:t>
+            </a:r>
+            <a:r>
+              <a:rPr lang="ko-KR" altLang="en-US" dirty="0" err="1"/>
+              <a:t>인베딩을</a:t>
+            </a:r>
+            <a:r>
+              <a:rPr lang="ko-KR" altLang="en-US" dirty="0"/>
+              <a:t> 생성하는 방법론을 제공</a:t>
+            </a:r>
+            <a:endParaRPr lang="en-US" altLang="ko-KR" dirty="0"/>
+          </a:p>
+          <a:p>
+            <a:pPr marL="228600" indent="-228600">
+              <a:buAutoNum type="arabicPeriod"/>
+            </a:pPr>
+            <a:r>
+              <a:rPr lang="ko-KR" altLang="en-US" dirty="0"/>
+              <a:t>주변 노드 샘플링을 통해 성능과 런타임의 적절한 조화를 이루었고</a:t>
+            </a:r>
+            <a:endParaRPr lang="en-US" altLang="ko-KR" dirty="0"/>
+          </a:p>
+          <a:p>
+            <a:pPr marL="228600" indent="-228600">
+              <a:buAutoNum type="arabicPeriod"/>
+            </a:pPr>
+            <a:r>
+              <a:rPr lang="ko-KR" altLang="en-US" dirty="0"/>
+              <a:t>로컬 그래프 구조를 어떻게 학습할 수 있는지 인사이트를 제공했고</a:t>
+            </a:r>
+            <a:r>
+              <a:rPr lang="en-US" altLang="ko-KR" dirty="0"/>
+              <a:t>..</a:t>
+            </a:r>
+          </a:p>
+          <a:p>
+            <a:pPr marL="228600" indent="-228600">
+              <a:buAutoNum type="arabicPeriod"/>
+            </a:pPr>
+            <a:r>
+              <a:rPr lang="ko-KR" altLang="en-US" dirty="0"/>
+              <a:t>추후에는 샘플링을 </a:t>
+            </a:r>
+            <a:r>
+              <a:rPr lang="ko-KR" altLang="en-US" dirty="0" err="1"/>
+              <a:t>할때</a:t>
+            </a:r>
+            <a:r>
+              <a:rPr lang="ko-KR" altLang="en-US" dirty="0"/>
+              <a:t> 지금처럼 </a:t>
+            </a:r>
+            <a:r>
+              <a:rPr lang="ko-KR" altLang="en-US" dirty="0" err="1"/>
+              <a:t>랜덤하는게</a:t>
+            </a:r>
+            <a:r>
+              <a:rPr lang="ko-KR" altLang="en-US" dirty="0"/>
+              <a:t> 아니라 가중치 있는 이웃을 선택할 수 있도록</a:t>
+            </a:r>
+            <a:r>
+              <a:rPr lang="en-US" altLang="ko-KR" dirty="0"/>
+              <a:t>.. GAT </a:t>
+            </a:r>
+            <a:r>
+              <a:rPr lang="ko-KR" altLang="en-US" dirty="0" err="1"/>
+              <a:t>ㅇㅇ</a:t>
+            </a:r>
+            <a:r>
+              <a:rPr lang="en-US" altLang="ko-KR"/>
+              <a:t>..</a:t>
+            </a:r>
+            <a:endParaRPr lang="en-US" altLang="ko-KR" dirty="0"/>
+          </a:p>
+        </p:txBody>
+      </p:sp>
+      <p:sp>
+        <p:nvSpPr>
+          <p:cNvPr id="4" name="슬라이드 번호 개체 틀 3"/>
+          <p:cNvSpPr>
+            <a:spLocks noGrp="1"/>
+          </p:cNvSpPr>
+          <p:nvPr>
+            <p:ph type="sldNum" sz="quarter" idx="5"/>
+          </p:nvPr>
+        </p:nvSpPr>
+        <p:spPr/>
+        <p:txBody>
+          <a:bodyPr/>
+          <a:lstStyle/>
+          <a:p>
+            <a:fld id="{E3508E54-26A4-461A-9177-07CC1B35B5F2}" type="slidenum">
+              <a:rPr lang="ko-KR" altLang="en-US" smtClean="0"/>
+              <a:t>24</a:t>
+            </a:fld>
+            <a:endParaRPr lang="ko-KR" altLang="en-US"/>
+          </a:p>
+        </p:txBody>
+      </p:sp>
+    </p:spTree>
+    <p:extLst>
+      <p:ext uri="{BB962C8B-B14F-4D97-AF65-F5344CB8AC3E}">
+        <p14:creationId xmlns:p14="http://schemas.microsoft.com/office/powerpoint/2010/main" val="2553425304"/>
       </p:ext>
     </p:extLst>
   </p:cSld>
@@ -6916,8 +11728,8 @@
           </a:p>
         </p:txBody>
       </p:sp>
-      <mc:AlternateContent xmlns:mc="http://schemas.openxmlformats.org/markup-compatibility/2006">
-        <mc:Choice xmlns:a14="http://schemas.microsoft.com/office/drawing/2010/main" Requires="a14">
+      <mc:AlternateContent xmlns:mc="http://schemas.openxmlformats.org/markup-compatibility/2006" xmlns:a14="http://schemas.microsoft.com/office/drawing/2010/main">
+        <mc:Choice Requires="a14">
           <p:sp>
             <p:nvSpPr>
               <p:cNvPr id="5" name="내용 개체 틀 4">
@@ -7086,7 +11898,7 @@
             </p:txBody>
           </p:sp>
         </mc:Choice>
-        <mc:Fallback>
+        <mc:Fallback xmlns="">
           <p:sp>
             <p:nvSpPr>
               <p:cNvPr id="5" name="내용 개체 틀 4">
@@ -7326,6 +12138,1687 @@
 </p:sld>
 </file>
 
+<file path=ppt/slides/slide12.xml><?xml version="1.0" encoding="utf-8"?>
+<p:sld xmlns:a="http://schemas.openxmlformats.org/drawingml/2006/main" xmlns:r="http://schemas.openxmlformats.org/officeDocument/2006/relationships" xmlns:p="http://schemas.openxmlformats.org/presentationml/2006/main">
+  <p:cSld>
+    <p:spTree>
+      <p:nvGrpSpPr>
+        <p:cNvPr id="1" name=""/>
+        <p:cNvGrpSpPr/>
+        <p:nvPr/>
+      </p:nvGrpSpPr>
+      <p:grpSpPr>
+        <a:xfrm>
+          <a:off x="0" y="0"/>
+          <a:ext cx="0" cy="0"/>
+          <a:chOff x="0" y="0"/>
+          <a:chExt cx="0" cy="0"/>
+        </a:xfrm>
+      </p:grpSpPr>
+      <p:sp>
+        <p:nvSpPr>
+          <p:cNvPr id="2" name="제목 1">
+            <a:extLst>
+              <a:ext uri="{FF2B5EF4-FFF2-40B4-BE49-F238E27FC236}">
+                <a16:creationId xmlns:a16="http://schemas.microsoft.com/office/drawing/2014/main" id="{95CB7AEF-6056-404F-8222-D7A0008FE999}"/>
+              </a:ext>
+            </a:extLst>
+          </p:cNvPr>
+          <p:cNvSpPr>
+            <a:spLocks noGrp="1"/>
+          </p:cNvSpPr>
+          <p:nvPr>
+            <p:ph type="title"/>
+          </p:nvPr>
+        </p:nvSpPr>
+        <p:spPr/>
+        <p:txBody>
+          <a:bodyPr>
+            <a:normAutofit/>
+          </a:bodyPr>
+          <a:lstStyle/>
+          <a:p>
+            <a:r>
+              <a:rPr lang="en-US" altLang="ko-KR" sz="3600" b="1" dirty="0">
+                <a:solidFill>
+                  <a:schemeClr val="tx1">
+                    <a:lumMod val="85000"/>
+                    <a:lumOff val="15000"/>
+                  </a:schemeClr>
+                </a:solidFill>
+                <a:latin typeface="나눔스퀘어 ExtraBold"/>
+                <a:cs typeface="Arial" panose="020B0604020202020204" pitchFamily="34" charset="0"/>
+              </a:rPr>
+              <a:t>Proposed method: </a:t>
+            </a:r>
+            <a:r>
+              <a:rPr lang="en-US" altLang="ko-KR" sz="3600" b="1" dirty="0" err="1">
+                <a:solidFill>
+                  <a:schemeClr val="tx1">
+                    <a:lumMod val="85000"/>
+                    <a:lumOff val="15000"/>
+                  </a:schemeClr>
+                </a:solidFill>
+                <a:latin typeface="나눔스퀘어 ExtraBold"/>
+                <a:cs typeface="Arial" panose="020B0604020202020204" pitchFamily="34" charset="0"/>
+              </a:rPr>
+              <a:t>GraphSAGE</a:t>
+            </a:r>
+            <a:endParaRPr lang="ko-KR" altLang="en-US" sz="3600" b="1" dirty="0">
+              <a:solidFill>
+                <a:schemeClr val="tx1">
+                  <a:lumMod val="85000"/>
+                  <a:lumOff val="15000"/>
+                </a:schemeClr>
+              </a:solidFill>
+              <a:latin typeface="나눔스퀘어 ExtraBold"/>
+              <a:cs typeface="Arial" panose="020B0604020202020204" pitchFamily="34" charset="0"/>
+            </a:endParaRPr>
+          </a:p>
+        </p:txBody>
+      </p:sp>
+      <p:sp>
+        <p:nvSpPr>
+          <p:cNvPr id="4" name="슬라이드 번호 개체 틀 3">
+            <a:extLst>
+              <a:ext uri="{FF2B5EF4-FFF2-40B4-BE49-F238E27FC236}">
+                <a16:creationId xmlns:a16="http://schemas.microsoft.com/office/drawing/2014/main" id="{4705CCFD-CA4E-4794-89D0-C3DF4603C893}"/>
+              </a:ext>
+            </a:extLst>
+          </p:cNvPr>
+          <p:cNvSpPr>
+            <a:spLocks noGrp="1"/>
+          </p:cNvSpPr>
+          <p:nvPr>
+            <p:ph type="sldNum" sz="quarter" idx="12"/>
+          </p:nvPr>
+        </p:nvSpPr>
+        <p:spPr/>
+        <p:txBody>
+          <a:bodyPr/>
+          <a:lstStyle/>
+          <a:p>
+            <a:fld id="{16A93642-25BD-4471-A422-0159119E9512}" type="slidenum">
+              <a:rPr lang="ko-KR" altLang="en-US" smtClean="0"/>
+              <a:pPr/>
+              <a:t>12</a:t>
+            </a:fld>
+            <a:endParaRPr lang="ko-KR" altLang="en-US" dirty="0"/>
+          </a:p>
+        </p:txBody>
+      </p:sp>
+      <p:sp>
+        <p:nvSpPr>
+          <p:cNvPr id="5" name="내용 개체 틀 4">
+            <a:extLst>
+              <a:ext uri="{FF2B5EF4-FFF2-40B4-BE49-F238E27FC236}">
+                <a16:creationId xmlns:a16="http://schemas.microsoft.com/office/drawing/2014/main" id="{FE700DB8-5F9A-A552-32F2-B9385DF8E13A}"/>
+              </a:ext>
+            </a:extLst>
+          </p:cNvPr>
+          <p:cNvSpPr>
+            <a:spLocks noGrp="1"/>
+          </p:cNvSpPr>
+          <p:nvPr>
+            <p:ph idx="1"/>
+          </p:nvPr>
+        </p:nvSpPr>
+        <p:spPr/>
+        <p:txBody>
+          <a:bodyPr>
+            <a:normAutofit/>
+          </a:bodyPr>
+          <a:lstStyle/>
+          <a:p>
+            <a:r>
+              <a:rPr lang="en-US" altLang="ko-KR" sz="2400" dirty="0"/>
+              <a:t>3.2 Learning the parameters of </a:t>
+            </a:r>
+            <a:r>
+              <a:rPr lang="en-US" altLang="ko-KR" sz="2400" dirty="0" err="1"/>
+              <a:t>GraphSAGE</a:t>
+            </a:r>
+            <a:endParaRPr lang="en-US" altLang="ko-KR" sz="2400" dirty="0"/>
+          </a:p>
+        </p:txBody>
+      </p:sp>
+      <p:pic>
+        <p:nvPicPr>
+          <p:cNvPr id="8" name="그림 7">
+            <a:extLst>
+              <a:ext uri="{FF2B5EF4-FFF2-40B4-BE49-F238E27FC236}">
+                <a16:creationId xmlns:a16="http://schemas.microsoft.com/office/drawing/2014/main" id="{5B57BC5F-6F5F-EA99-A594-5BFA17DF7CC9}"/>
+              </a:ext>
+            </a:extLst>
+          </p:cNvPr>
+          <p:cNvPicPr>
+            <a:picLocks noChangeAspect="1"/>
+          </p:cNvPicPr>
+          <p:nvPr/>
+        </p:nvPicPr>
+        <p:blipFill>
+          <a:blip r:embed="rId3"/>
+          <a:stretch>
+            <a:fillRect/>
+          </a:stretch>
+        </p:blipFill>
+        <p:spPr>
+          <a:xfrm>
+            <a:off x="2271178" y="2803944"/>
+            <a:ext cx="7649643" cy="495369"/>
+          </a:xfrm>
+          <a:prstGeom prst="rect">
+            <a:avLst/>
+          </a:prstGeom>
+        </p:spPr>
+      </p:pic>
+      <p:sp>
+        <p:nvSpPr>
+          <p:cNvPr id="3" name="직사각형 2">
+            <a:extLst>
+              <a:ext uri="{FF2B5EF4-FFF2-40B4-BE49-F238E27FC236}">
+                <a16:creationId xmlns:a16="http://schemas.microsoft.com/office/drawing/2014/main" id="{4D80234D-FC2D-BBB8-E778-54E2E5E01248}"/>
+              </a:ext>
+            </a:extLst>
+          </p:cNvPr>
+          <p:cNvSpPr/>
+          <p:nvPr/>
+        </p:nvSpPr>
+        <p:spPr>
+          <a:xfrm>
+            <a:off x="3558721" y="2648856"/>
+            <a:ext cx="2130879" cy="754744"/>
+          </a:xfrm>
+          <a:prstGeom prst="rect">
+            <a:avLst/>
+          </a:prstGeom>
+          <a:noFill/>
+          <a:ln w="28575">
+            <a:solidFill>
+              <a:srgbClr val="FF0000"/>
+            </a:solidFill>
+          </a:ln>
+        </p:spPr>
+        <p:style>
+          <a:lnRef idx="2">
+            <a:schemeClr val="accent1">
+              <a:shade val="50000"/>
+            </a:schemeClr>
+          </a:lnRef>
+          <a:fillRef idx="1">
+            <a:schemeClr val="accent1"/>
+          </a:fillRef>
+          <a:effectRef idx="0">
+            <a:schemeClr val="accent1"/>
+          </a:effectRef>
+          <a:fontRef idx="minor">
+            <a:schemeClr val="lt1"/>
+          </a:fontRef>
+        </p:style>
+        <p:txBody>
+          <a:bodyPr rtlCol="0" anchor="ctr"/>
+          <a:lstStyle/>
+          <a:p>
+            <a:pPr algn="ctr"/>
+            <a:endParaRPr lang="ko-KR" altLang="en-US"/>
+          </a:p>
+        </p:txBody>
+      </p:sp>
+      <p:sp>
+        <p:nvSpPr>
+          <p:cNvPr id="6" name="직사각형 5">
+            <a:extLst>
+              <a:ext uri="{FF2B5EF4-FFF2-40B4-BE49-F238E27FC236}">
+                <a16:creationId xmlns:a16="http://schemas.microsoft.com/office/drawing/2014/main" id="{1FED53F4-8CBD-471B-E466-602F4E6DBDA6}"/>
+              </a:ext>
+            </a:extLst>
+          </p:cNvPr>
+          <p:cNvSpPr/>
+          <p:nvPr/>
+        </p:nvSpPr>
+        <p:spPr>
+          <a:xfrm>
+            <a:off x="7762421" y="2648856"/>
+            <a:ext cx="2331357" cy="754744"/>
+          </a:xfrm>
+          <a:prstGeom prst="rect">
+            <a:avLst/>
+          </a:prstGeom>
+          <a:noFill/>
+          <a:ln w="28575">
+            <a:solidFill>
+              <a:srgbClr val="FF0000"/>
+            </a:solidFill>
+          </a:ln>
+        </p:spPr>
+        <p:style>
+          <a:lnRef idx="2">
+            <a:schemeClr val="accent1">
+              <a:shade val="50000"/>
+            </a:schemeClr>
+          </a:lnRef>
+          <a:fillRef idx="1">
+            <a:schemeClr val="accent1"/>
+          </a:fillRef>
+          <a:effectRef idx="0">
+            <a:schemeClr val="accent1"/>
+          </a:effectRef>
+          <a:fontRef idx="minor">
+            <a:schemeClr val="lt1"/>
+          </a:fontRef>
+        </p:style>
+        <p:txBody>
+          <a:bodyPr rtlCol="0" anchor="ctr"/>
+          <a:lstStyle/>
+          <a:p>
+            <a:pPr algn="ctr"/>
+            <a:endParaRPr lang="ko-KR" altLang="en-US"/>
+          </a:p>
+        </p:txBody>
+      </p:sp>
+    </p:spTree>
+    <p:extLst>
+      <p:ext uri="{BB962C8B-B14F-4D97-AF65-F5344CB8AC3E}">
+        <p14:creationId xmlns:p14="http://schemas.microsoft.com/office/powerpoint/2010/main" val="380995663"/>
+      </p:ext>
+    </p:extLst>
+  </p:cSld>
+  <p:clrMapOvr>
+    <a:masterClrMapping/>
+  </p:clrMapOvr>
+</p:sld>
+</file>
+
+<file path=ppt/slides/slide13.xml><?xml version="1.0" encoding="utf-8"?>
+<p:sld xmlns:a="http://schemas.openxmlformats.org/drawingml/2006/main" xmlns:r="http://schemas.openxmlformats.org/officeDocument/2006/relationships" xmlns:p="http://schemas.openxmlformats.org/presentationml/2006/main">
+  <p:cSld>
+    <p:spTree>
+      <p:nvGrpSpPr>
+        <p:cNvPr id="1" name=""/>
+        <p:cNvGrpSpPr/>
+        <p:nvPr/>
+      </p:nvGrpSpPr>
+      <p:grpSpPr>
+        <a:xfrm>
+          <a:off x="0" y="0"/>
+          <a:ext cx="0" cy="0"/>
+          <a:chOff x="0" y="0"/>
+          <a:chExt cx="0" cy="0"/>
+        </a:xfrm>
+      </p:grpSpPr>
+      <p:sp>
+        <p:nvSpPr>
+          <p:cNvPr id="2" name="제목 1">
+            <a:extLst>
+              <a:ext uri="{FF2B5EF4-FFF2-40B4-BE49-F238E27FC236}">
+                <a16:creationId xmlns:a16="http://schemas.microsoft.com/office/drawing/2014/main" id="{95CB7AEF-6056-404F-8222-D7A0008FE999}"/>
+              </a:ext>
+            </a:extLst>
+          </p:cNvPr>
+          <p:cNvSpPr>
+            <a:spLocks noGrp="1"/>
+          </p:cNvSpPr>
+          <p:nvPr>
+            <p:ph type="title"/>
+          </p:nvPr>
+        </p:nvSpPr>
+        <p:spPr/>
+        <p:txBody>
+          <a:bodyPr>
+            <a:normAutofit/>
+          </a:bodyPr>
+          <a:lstStyle/>
+          <a:p>
+            <a:r>
+              <a:rPr lang="en-US" altLang="ko-KR" sz="3600" b="1" dirty="0">
+                <a:solidFill>
+                  <a:schemeClr val="tx1">
+                    <a:lumMod val="85000"/>
+                    <a:lumOff val="15000"/>
+                  </a:schemeClr>
+                </a:solidFill>
+                <a:latin typeface="나눔스퀘어 ExtraBold"/>
+                <a:cs typeface="Arial" panose="020B0604020202020204" pitchFamily="34" charset="0"/>
+              </a:rPr>
+              <a:t>Proposed method: </a:t>
+            </a:r>
+            <a:r>
+              <a:rPr lang="en-US" altLang="ko-KR" sz="3600" b="1" dirty="0" err="1">
+                <a:solidFill>
+                  <a:schemeClr val="tx1">
+                    <a:lumMod val="85000"/>
+                    <a:lumOff val="15000"/>
+                  </a:schemeClr>
+                </a:solidFill>
+                <a:latin typeface="나눔스퀘어 ExtraBold"/>
+                <a:cs typeface="Arial" panose="020B0604020202020204" pitchFamily="34" charset="0"/>
+              </a:rPr>
+              <a:t>GraphSAGE</a:t>
+            </a:r>
+            <a:endParaRPr lang="ko-KR" altLang="en-US" sz="3600" b="1" dirty="0">
+              <a:solidFill>
+                <a:schemeClr val="tx1">
+                  <a:lumMod val="85000"/>
+                  <a:lumOff val="15000"/>
+                </a:schemeClr>
+              </a:solidFill>
+              <a:latin typeface="나눔스퀘어 ExtraBold"/>
+              <a:cs typeface="Arial" panose="020B0604020202020204" pitchFamily="34" charset="0"/>
+            </a:endParaRPr>
+          </a:p>
+        </p:txBody>
+      </p:sp>
+      <p:sp>
+        <p:nvSpPr>
+          <p:cNvPr id="4" name="슬라이드 번호 개체 틀 3">
+            <a:extLst>
+              <a:ext uri="{FF2B5EF4-FFF2-40B4-BE49-F238E27FC236}">
+                <a16:creationId xmlns:a16="http://schemas.microsoft.com/office/drawing/2014/main" id="{4705CCFD-CA4E-4794-89D0-C3DF4603C893}"/>
+              </a:ext>
+            </a:extLst>
+          </p:cNvPr>
+          <p:cNvSpPr>
+            <a:spLocks noGrp="1"/>
+          </p:cNvSpPr>
+          <p:nvPr>
+            <p:ph type="sldNum" sz="quarter" idx="12"/>
+          </p:nvPr>
+        </p:nvSpPr>
+        <p:spPr/>
+        <p:txBody>
+          <a:bodyPr/>
+          <a:lstStyle/>
+          <a:p>
+            <a:fld id="{16A93642-25BD-4471-A422-0159119E9512}" type="slidenum">
+              <a:rPr lang="ko-KR" altLang="en-US" smtClean="0"/>
+              <a:pPr/>
+              <a:t>13</a:t>
+            </a:fld>
+            <a:endParaRPr lang="ko-KR" altLang="en-US" dirty="0"/>
+          </a:p>
+        </p:txBody>
+      </p:sp>
+      <p:sp>
+        <p:nvSpPr>
+          <p:cNvPr id="5" name="내용 개체 틀 4">
+            <a:extLst>
+              <a:ext uri="{FF2B5EF4-FFF2-40B4-BE49-F238E27FC236}">
+                <a16:creationId xmlns:a16="http://schemas.microsoft.com/office/drawing/2014/main" id="{FE700DB8-5F9A-A552-32F2-B9385DF8E13A}"/>
+              </a:ext>
+            </a:extLst>
+          </p:cNvPr>
+          <p:cNvSpPr>
+            <a:spLocks noGrp="1"/>
+          </p:cNvSpPr>
+          <p:nvPr>
+            <p:ph idx="1"/>
+          </p:nvPr>
+        </p:nvSpPr>
+        <p:spPr/>
+        <p:txBody>
+          <a:bodyPr>
+            <a:normAutofit/>
+          </a:bodyPr>
+          <a:lstStyle/>
+          <a:p>
+            <a:r>
+              <a:rPr lang="en-US" altLang="ko-KR" sz="2400" dirty="0"/>
+              <a:t>3.3 Aggregator</a:t>
+            </a:r>
+            <a:r>
+              <a:rPr lang="ko-KR" altLang="en-US" sz="2400" dirty="0"/>
+              <a:t> </a:t>
+            </a:r>
+            <a:r>
+              <a:rPr lang="en-US" altLang="ko-KR" sz="2400" dirty="0"/>
+              <a:t>Architectures</a:t>
+            </a:r>
+          </a:p>
+          <a:p>
+            <a:pPr lvl="1"/>
+            <a:r>
+              <a:rPr lang="en-US" altLang="ko-KR" sz="2200" dirty="0"/>
+              <a:t>A node’s neighbors have no natural ordering.</a:t>
+            </a:r>
+          </a:p>
+          <a:p>
+            <a:pPr lvl="1"/>
+            <a:r>
+              <a:rPr lang="en-US" altLang="ko-KR" sz="2200" dirty="0"/>
+              <a:t>Thus, the aggregator functions must operate over an unordered set of vectors. </a:t>
+            </a:r>
+            <a:r>
+              <a:rPr lang="en-US" altLang="ko-KR" sz="2200" dirty="0" err="1"/>
+              <a:t>a.k.a</a:t>
+            </a:r>
+            <a:r>
+              <a:rPr lang="en-US" altLang="ko-KR" sz="2200" dirty="0"/>
+              <a:t> </a:t>
+            </a:r>
+            <a:r>
+              <a:rPr lang="en-US" altLang="ko-KR" sz="2200" b="1" dirty="0"/>
+              <a:t>permutation invariant</a:t>
+            </a:r>
+          </a:p>
+        </p:txBody>
+      </p:sp>
+      <p:pic>
+        <p:nvPicPr>
+          <p:cNvPr id="7" name="그림 6">
+            <a:extLst>
+              <a:ext uri="{FF2B5EF4-FFF2-40B4-BE49-F238E27FC236}">
+                <a16:creationId xmlns:a16="http://schemas.microsoft.com/office/drawing/2014/main" id="{22EF18BB-68A7-74E7-3C88-18291FA2E4CC}"/>
+              </a:ext>
+            </a:extLst>
+          </p:cNvPr>
+          <p:cNvPicPr>
+            <a:picLocks noChangeAspect="1"/>
+          </p:cNvPicPr>
+          <p:nvPr/>
+        </p:nvPicPr>
+        <p:blipFill>
+          <a:blip r:embed="rId3"/>
+          <a:stretch>
+            <a:fillRect/>
+          </a:stretch>
+        </p:blipFill>
+        <p:spPr>
+          <a:xfrm>
+            <a:off x="3238712" y="3429000"/>
+            <a:ext cx="5714576" cy="2946347"/>
+          </a:xfrm>
+          <a:prstGeom prst="rect">
+            <a:avLst/>
+          </a:prstGeom>
+        </p:spPr>
+      </p:pic>
+      <p:sp>
+        <p:nvSpPr>
+          <p:cNvPr id="9" name="직사각형 8">
+            <a:extLst>
+              <a:ext uri="{FF2B5EF4-FFF2-40B4-BE49-F238E27FC236}">
+                <a16:creationId xmlns:a16="http://schemas.microsoft.com/office/drawing/2014/main" id="{4122C6EA-DB46-4FF0-EAAB-B5527787E1C7}"/>
+              </a:ext>
+            </a:extLst>
+          </p:cNvPr>
+          <p:cNvSpPr/>
+          <p:nvPr/>
+        </p:nvSpPr>
+        <p:spPr>
+          <a:xfrm>
+            <a:off x="3238712" y="4914900"/>
+            <a:ext cx="5580911" cy="368300"/>
+          </a:xfrm>
+          <a:prstGeom prst="rect">
+            <a:avLst/>
+          </a:prstGeom>
+          <a:noFill/>
+          <a:ln w="28575">
+            <a:solidFill>
+              <a:srgbClr val="FF0000"/>
+            </a:solidFill>
+          </a:ln>
+        </p:spPr>
+        <p:style>
+          <a:lnRef idx="2">
+            <a:schemeClr val="accent1">
+              <a:shade val="50000"/>
+            </a:schemeClr>
+          </a:lnRef>
+          <a:fillRef idx="1">
+            <a:schemeClr val="accent1"/>
+          </a:fillRef>
+          <a:effectRef idx="0">
+            <a:schemeClr val="accent1"/>
+          </a:effectRef>
+          <a:fontRef idx="minor">
+            <a:schemeClr val="lt1"/>
+          </a:fontRef>
+        </p:style>
+        <p:txBody>
+          <a:bodyPr rtlCol="0" anchor="ctr"/>
+          <a:lstStyle/>
+          <a:p>
+            <a:pPr algn="ctr"/>
+            <a:endParaRPr lang="ko-KR" altLang="en-US"/>
+          </a:p>
+        </p:txBody>
+      </p:sp>
+    </p:spTree>
+    <p:extLst>
+      <p:ext uri="{BB962C8B-B14F-4D97-AF65-F5344CB8AC3E}">
+        <p14:creationId xmlns:p14="http://schemas.microsoft.com/office/powerpoint/2010/main" val="3835398884"/>
+      </p:ext>
+    </p:extLst>
+  </p:cSld>
+  <p:clrMapOvr>
+    <a:masterClrMapping/>
+  </p:clrMapOvr>
+</p:sld>
+</file>
+
+<file path=ppt/slides/slide14.xml><?xml version="1.0" encoding="utf-8"?>
+<p:sld xmlns:a="http://schemas.openxmlformats.org/drawingml/2006/main" xmlns:r="http://schemas.openxmlformats.org/officeDocument/2006/relationships" xmlns:p="http://schemas.openxmlformats.org/presentationml/2006/main">
+  <p:cSld>
+    <p:spTree>
+      <p:nvGrpSpPr>
+        <p:cNvPr id="1" name=""/>
+        <p:cNvGrpSpPr/>
+        <p:nvPr/>
+      </p:nvGrpSpPr>
+      <p:grpSpPr>
+        <a:xfrm>
+          <a:off x="0" y="0"/>
+          <a:ext cx="0" cy="0"/>
+          <a:chOff x="0" y="0"/>
+          <a:chExt cx="0" cy="0"/>
+        </a:xfrm>
+      </p:grpSpPr>
+      <p:sp>
+        <p:nvSpPr>
+          <p:cNvPr id="2" name="제목 1">
+            <a:extLst>
+              <a:ext uri="{FF2B5EF4-FFF2-40B4-BE49-F238E27FC236}">
+                <a16:creationId xmlns:a16="http://schemas.microsoft.com/office/drawing/2014/main" id="{95CB7AEF-6056-404F-8222-D7A0008FE999}"/>
+              </a:ext>
+            </a:extLst>
+          </p:cNvPr>
+          <p:cNvSpPr>
+            <a:spLocks noGrp="1"/>
+          </p:cNvSpPr>
+          <p:nvPr>
+            <p:ph type="title"/>
+          </p:nvPr>
+        </p:nvSpPr>
+        <p:spPr/>
+        <p:txBody>
+          <a:bodyPr>
+            <a:normAutofit/>
+          </a:bodyPr>
+          <a:lstStyle/>
+          <a:p>
+            <a:r>
+              <a:rPr lang="en-US" altLang="ko-KR" sz="3600" b="1" dirty="0">
+                <a:solidFill>
+                  <a:schemeClr val="tx1">
+                    <a:lumMod val="85000"/>
+                    <a:lumOff val="15000"/>
+                  </a:schemeClr>
+                </a:solidFill>
+                <a:latin typeface="나눔스퀘어 ExtraBold"/>
+                <a:cs typeface="Arial" panose="020B0604020202020204" pitchFamily="34" charset="0"/>
+              </a:rPr>
+              <a:t>Proposed method: </a:t>
+            </a:r>
+            <a:r>
+              <a:rPr lang="en-US" altLang="ko-KR" sz="3600" b="1" dirty="0" err="1">
+                <a:solidFill>
+                  <a:schemeClr val="tx1">
+                    <a:lumMod val="85000"/>
+                    <a:lumOff val="15000"/>
+                  </a:schemeClr>
+                </a:solidFill>
+                <a:latin typeface="나눔스퀘어 ExtraBold"/>
+                <a:cs typeface="Arial" panose="020B0604020202020204" pitchFamily="34" charset="0"/>
+              </a:rPr>
+              <a:t>GraphSAGE</a:t>
+            </a:r>
+            <a:endParaRPr lang="ko-KR" altLang="en-US" sz="3600" b="1" dirty="0">
+              <a:solidFill>
+                <a:schemeClr val="tx1">
+                  <a:lumMod val="85000"/>
+                  <a:lumOff val="15000"/>
+                </a:schemeClr>
+              </a:solidFill>
+              <a:latin typeface="나눔스퀘어 ExtraBold"/>
+              <a:cs typeface="Arial" panose="020B0604020202020204" pitchFamily="34" charset="0"/>
+            </a:endParaRPr>
+          </a:p>
+        </p:txBody>
+      </p:sp>
+      <p:sp>
+        <p:nvSpPr>
+          <p:cNvPr id="4" name="슬라이드 번호 개체 틀 3">
+            <a:extLst>
+              <a:ext uri="{FF2B5EF4-FFF2-40B4-BE49-F238E27FC236}">
+                <a16:creationId xmlns:a16="http://schemas.microsoft.com/office/drawing/2014/main" id="{4705CCFD-CA4E-4794-89D0-C3DF4603C893}"/>
+              </a:ext>
+            </a:extLst>
+          </p:cNvPr>
+          <p:cNvSpPr>
+            <a:spLocks noGrp="1"/>
+          </p:cNvSpPr>
+          <p:nvPr>
+            <p:ph type="sldNum" sz="quarter" idx="12"/>
+          </p:nvPr>
+        </p:nvSpPr>
+        <p:spPr/>
+        <p:txBody>
+          <a:bodyPr/>
+          <a:lstStyle/>
+          <a:p>
+            <a:fld id="{16A93642-25BD-4471-A422-0159119E9512}" type="slidenum">
+              <a:rPr lang="ko-KR" altLang="en-US" smtClean="0"/>
+              <a:pPr/>
+              <a:t>14</a:t>
+            </a:fld>
+            <a:endParaRPr lang="ko-KR" altLang="en-US" dirty="0"/>
+          </a:p>
+        </p:txBody>
+      </p:sp>
+      <p:sp>
+        <p:nvSpPr>
+          <p:cNvPr id="5" name="내용 개체 틀 4">
+            <a:extLst>
+              <a:ext uri="{FF2B5EF4-FFF2-40B4-BE49-F238E27FC236}">
+                <a16:creationId xmlns:a16="http://schemas.microsoft.com/office/drawing/2014/main" id="{FE700DB8-5F9A-A552-32F2-B9385DF8E13A}"/>
+              </a:ext>
+            </a:extLst>
+          </p:cNvPr>
+          <p:cNvSpPr>
+            <a:spLocks noGrp="1"/>
+          </p:cNvSpPr>
+          <p:nvPr>
+            <p:ph idx="1"/>
+          </p:nvPr>
+        </p:nvSpPr>
+        <p:spPr/>
+        <p:txBody>
+          <a:bodyPr>
+            <a:normAutofit/>
+          </a:bodyPr>
+          <a:lstStyle/>
+          <a:p>
+            <a:r>
+              <a:rPr lang="en-US" altLang="ko-KR" sz="2400" dirty="0"/>
+              <a:t>3.3 Aggregator</a:t>
+            </a:r>
+            <a:r>
+              <a:rPr lang="ko-KR" altLang="en-US" sz="2400" dirty="0"/>
+              <a:t> </a:t>
+            </a:r>
+            <a:r>
+              <a:rPr lang="en-US" altLang="ko-KR" sz="2400" dirty="0"/>
+              <a:t>Architectures</a:t>
+            </a:r>
+          </a:p>
+          <a:p>
+            <a:endParaRPr lang="en-US" altLang="ko-KR" sz="2400" dirty="0"/>
+          </a:p>
+          <a:p>
+            <a:pPr lvl="1"/>
+            <a:r>
+              <a:rPr lang="en-US" altLang="ko-KR" dirty="0"/>
+              <a:t>Mean aggregator</a:t>
+            </a:r>
+          </a:p>
+        </p:txBody>
+      </p:sp>
+      <p:pic>
+        <p:nvPicPr>
+          <p:cNvPr id="6" name="그림 5">
+            <a:extLst>
+              <a:ext uri="{FF2B5EF4-FFF2-40B4-BE49-F238E27FC236}">
+                <a16:creationId xmlns:a16="http://schemas.microsoft.com/office/drawing/2014/main" id="{3D927AB2-D245-AE51-A34B-B58813FFBD8A}"/>
+              </a:ext>
+            </a:extLst>
+          </p:cNvPr>
+          <p:cNvPicPr>
+            <a:picLocks noChangeAspect="1"/>
+          </p:cNvPicPr>
+          <p:nvPr/>
+        </p:nvPicPr>
+        <p:blipFill>
+          <a:blip r:embed="rId3"/>
+          <a:stretch>
+            <a:fillRect/>
+          </a:stretch>
+        </p:blipFill>
+        <p:spPr>
+          <a:xfrm>
+            <a:off x="2941169" y="3496399"/>
+            <a:ext cx="6716062" cy="504895"/>
+          </a:xfrm>
+          <a:prstGeom prst="rect">
+            <a:avLst/>
+          </a:prstGeom>
+        </p:spPr>
+      </p:pic>
+    </p:spTree>
+    <p:extLst>
+      <p:ext uri="{BB962C8B-B14F-4D97-AF65-F5344CB8AC3E}">
+        <p14:creationId xmlns:p14="http://schemas.microsoft.com/office/powerpoint/2010/main" val="346523674"/>
+      </p:ext>
+    </p:extLst>
+  </p:cSld>
+  <p:clrMapOvr>
+    <a:masterClrMapping/>
+  </p:clrMapOvr>
+</p:sld>
+</file>
+
+<file path=ppt/slides/slide15.xml><?xml version="1.0" encoding="utf-8"?>
+<p:sld xmlns:a="http://schemas.openxmlformats.org/drawingml/2006/main" xmlns:r="http://schemas.openxmlformats.org/officeDocument/2006/relationships" xmlns:p="http://schemas.openxmlformats.org/presentationml/2006/main">
+  <p:cSld>
+    <p:spTree>
+      <p:nvGrpSpPr>
+        <p:cNvPr id="1" name=""/>
+        <p:cNvGrpSpPr/>
+        <p:nvPr/>
+      </p:nvGrpSpPr>
+      <p:grpSpPr>
+        <a:xfrm>
+          <a:off x="0" y="0"/>
+          <a:ext cx="0" cy="0"/>
+          <a:chOff x="0" y="0"/>
+          <a:chExt cx="0" cy="0"/>
+        </a:xfrm>
+      </p:grpSpPr>
+      <p:sp>
+        <p:nvSpPr>
+          <p:cNvPr id="2" name="제목 1">
+            <a:extLst>
+              <a:ext uri="{FF2B5EF4-FFF2-40B4-BE49-F238E27FC236}">
+                <a16:creationId xmlns:a16="http://schemas.microsoft.com/office/drawing/2014/main" id="{95CB7AEF-6056-404F-8222-D7A0008FE999}"/>
+              </a:ext>
+            </a:extLst>
+          </p:cNvPr>
+          <p:cNvSpPr>
+            <a:spLocks noGrp="1"/>
+          </p:cNvSpPr>
+          <p:nvPr>
+            <p:ph type="title"/>
+          </p:nvPr>
+        </p:nvSpPr>
+        <p:spPr/>
+        <p:txBody>
+          <a:bodyPr>
+            <a:normAutofit/>
+          </a:bodyPr>
+          <a:lstStyle/>
+          <a:p>
+            <a:r>
+              <a:rPr lang="en-US" altLang="ko-KR" sz="3600" b="1" dirty="0">
+                <a:solidFill>
+                  <a:schemeClr val="tx1">
+                    <a:lumMod val="85000"/>
+                    <a:lumOff val="15000"/>
+                  </a:schemeClr>
+                </a:solidFill>
+                <a:latin typeface="나눔스퀘어 ExtraBold"/>
+                <a:cs typeface="Arial" panose="020B0604020202020204" pitchFamily="34" charset="0"/>
+              </a:rPr>
+              <a:t>Proposed method: </a:t>
+            </a:r>
+            <a:r>
+              <a:rPr lang="en-US" altLang="ko-KR" sz="3600" b="1" dirty="0" err="1">
+                <a:solidFill>
+                  <a:schemeClr val="tx1">
+                    <a:lumMod val="85000"/>
+                    <a:lumOff val="15000"/>
+                  </a:schemeClr>
+                </a:solidFill>
+                <a:latin typeface="나눔스퀘어 ExtraBold"/>
+                <a:cs typeface="Arial" panose="020B0604020202020204" pitchFamily="34" charset="0"/>
+              </a:rPr>
+              <a:t>GraphSAGE</a:t>
+            </a:r>
+            <a:endParaRPr lang="ko-KR" altLang="en-US" sz="3600" b="1" dirty="0">
+              <a:solidFill>
+                <a:schemeClr val="tx1">
+                  <a:lumMod val="85000"/>
+                  <a:lumOff val="15000"/>
+                </a:schemeClr>
+              </a:solidFill>
+              <a:latin typeface="나눔스퀘어 ExtraBold"/>
+              <a:cs typeface="Arial" panose="020B0604020202020204" pitchFamily="34" charset="0"/>
+            </a:endParaRPr>
+          </a:p>
+        </p:txBody>
+      </p:sp>
+      <p:sp>
+        <p:nvSpPr>
+          <p:cNvPr id="4" name="슬라이드 번호 개체 틀 3">
+            <a:extLst>
+              <a:ext uri="{FF2B5EF4-FFF2-40B4-BE49-F238E27FC236}">
+                <a16:creationId xmlns:a16="http://schemas.microsoft.com/office/drawing/2014/main" id="{4705CCFD-CA4E-4794-89D0-C3DF4603C893}"/>
+              </a:ext>
+            </a:extLst>
+          </p:cNvPr>
+          <p:cNvSpPr>
+            <a:spLocks noGrp="1"/>
+          </p:cNvSpPr>
+          <p:nvPr>
+            <p:ph type="sldNum" sz="quarter" idx="12"/>
+          </p:nvPr>
+        </p:nvSpPr>
+        <p:spPr/>
+        <p:txBody>
+          <a:bodyPr/>
+          <a:lstStyle/>
+          <a:p>
+            <a:fld id="{16A93642-25BD-4471-A422-0159119E9512}" type="slidenum">
+              <a:rPr lang="ko-KR" altLang="en-US" smtClean="0"/>
+              <a:pPr/>
+              <a:t>15</a:t>
+            </a:fld>
+            <a:endParaRPr lang="ko-KR" altLang="en-US" dirty="0"/>
+          </a:p>
+        </p:txBody>
+      </p:sp>
+      <p:sp>
+        <p:nvSpPr>
+          <p:cNvPr id="5" name="내용 개체 틀 4">
+            <a:extLst>
+              <a:ext uri="{FF2B5EF4-FFF2-40B4-BE49-F238E27FC236}">
+                <a16:creationId xmlns:a16="http://schemas.microsoft.com/office/drawing/2014/main" id="{FE700DB8-5F9A-A552-32F2-B9385DF8E13A}"/>
+              </a:ext>
+            </a:extLst>
+          </p:cNvPr>
+          <p:cNvSpPr>
+            <a:spLocks noGrp="1"/>
+          </p:cNvSpPr>
+          <p:nvPr>
+            <p:ph idx="1"/>
+          </p:nvPr>
+        </p:nvSpPr>
+        <p:spPr/>
+        <p:txBody>
+          <a:bodyPr>
+            <a:normAutofit/>
+          </a:bodyPr>
+          <a:lstStyle/>
+          <a:p>
+            <a:r>
+              <a:rPr lang="en-US" altLang="ko-KR" sz="2400" dirty="0"/>
+              <a:t>3.3 Aggregator</a:t>
+            </a:r>
+            <a:r>
+              <a:rPr lang="ko-KR" altLang="en-US" sz="2400" dirty="0"/>
+              <a:t> </a:t>
+            </a:r>
+            <a:r>
+              <a:rPr lang="en-US" altLang="ko-KR" sz="2400" dirty="0"/>
+              <a:t>Architectures</a:t>
+            </a:r>
+          </a:p>
+          <a:p>
+            <a:endParaRPr lang="en-US" altLang="ko-KR" sz="2400" dirty="0"/>
+          </a:p>
+          <a:p>
+            <a:pPr lvl="1"/>
+            <a:r>
+              <a:rPr lang="en-US" altLang="ko-KR" dirty="0"/>
+              <a:t>LSTM aggregator</a:t>
+            </a:r>
+          </a:p>
+          <a:p>
+            <a:pPr lvl="2"/>
+            <a:r>
+              <a:rPr lang="en-US" altLang="ko-KR" dirty="0"/>
+              <a:t>Compared to the mean aggregator, LSTMs have the advantage of larger expressive capability</a:t>
+            </a:r>
+          </a:p>
+          <a:p>
+            <a:pPr lvl="2"/>
+            <a:r>
+              <a:rPr lang="en-US" altLang="ko-KR" dirty="0"/>
+              <a:t>However, it is important to note that </a:t>
+            </a:r>
+            <a:r>
+              <a:rPr lang="en-US" altLang="ko-KR" b="1" dirty="0"/>
+              <a:t>LSTMs are not permutation invariant</a:t>
+            </a:r>
+          </a:p>
+          <a:p>
+            <a:pPr lvl="2"/>
+            <a:r>
+              <a:rPr lang="en-US" altLang="ko-KR" dirty="0"/>
+              <a:t>adapt LSTMs to operate on an unordered set by simply applying the LSTMs to a random permutation of the node’s neighbors</a:t>
+            </a:r>
+            <a:endParaRPr lang="en-US" altLang="ko-KR" b="1" dirty="0"/>
+          </a:p>
+        </p:txBody>
+      </p:sp>
+    </p:spTree>
+    <p:extLst>
+      <p:ext uri="{BB962C8B-B14F-4D97-AF65-F5344CB8AC3E}">
+        <p14:creationId xmlns:p14="http://schemas.microsoft.com/office/powerpoint/2010/main" val="1895781527"/>
+      </p:ext>
+    </p:extLst>
+  </p:cSld>
+  <p:clrMapOvr>
+    <a:masterClrMapping/>
+  </p:clrMapOvr>
+</p:sld>
+</file>
+
+<file path=ppt/slides/slide16.xml><?xml version="1.0" encoding="utf-8"?>
+<p:sld xmlns:a="http://schemas.openxmlformats.org/drawingml/2006/main" xmlns:r="http://schemas.openxmlformats.org/officeDocument/2006/relationships" xmlns:p="http://schemas.openxmlformats.org/presentationml/2006/main">
+  <p:cSld>
+    <p:spTree>
+      <p:nvGrpSpPr>
+        <p:cNvPr id="1" name=""/>
+        <p:cNvGrpSpPr/>
+        <p:nvPr/>
+      </p:nvGrpSpPr>
+      <p:grpSpPr>
+        <a:xfrm>
+          <a:off x="0" y="0"/>
+          <a:ext cx="0" cy="0"/>
+          <a:chOff x="0" y="0"/>
+          <a:chExt cx="0" cy="0"/>
+        </a:xfrm>
+      </p:grpSpPr>
+      <p:sp>
+        <p:nvSpPr>
+          <p:cNvPr id="2" name="제목 1">
+            <a:extLst>
+              <a:ext uri="{FF2B5EF4-FFF2-40B4-BE49-F238E27FC236}">
+                <a16:creationId xmlns:a16="http://schemas.microsoft.com/office/drawing/2014/main" id="{95CB7AEF-6056-404F-8222-D7A0008FE999}"/>
+              </a:ext>
+            </a:extLst>
+          </p:cNvPr>
+          <p:cNvSpPr>
+            <a:spLocks noGrp="1"/>
+          </p:cNvSpPr>
+          <p:nvPr>
+            <p:ph type="title"/>
+          </p:nvPr>
+        </p:nvSpPr>
+        <p:spPr/>
+        <p:txBody>
+          <a:bodyPr>
+            <a:normAutofit/>
+          </a:bodyPr>
+          <a:lstStyle/>
+          <a:p>
+            <a:r>
+              <a:rPr lang="en-US" altLang="ko-KR" sz="3600" b="1" dirty="0">
+                <a:solidFill>
+                  <a:schemeClr val="tx1">
+                    <a:lumMod val="85000"/>
+                    <a:lumOff val="15000"/>
+                  </a:schemeClr>
+                </a:solidFill>
+                <a:latin typeface="나눔스퀘어 ExtraBold"/>
+                <a:cs typeface="Arial" panose="020B0604020202020204" pitchFamily="34" charset="0"/>
+              </a:rPr>
+              <a:t>Proposed method: </a:t>
+            </a:r>
+            <a:r>
+              <a:rPr lang="en-US" altLang="ko-KR" sz="3600" b="1" dirty="0" err="1">
+                <a:solidFill>
+                  <a:schemeClr val="tx1">
+                    <a:lumMod val="85000"/>
+                    <a:lumOff val="15000"/>
+                  </a:schemeClr>
+                </a:solidFill>
+                <a:latin typeface="나눔스퀘어 ExtraBold"/>
+                <a:cs typeface="Arial" panose="020B0604020202020204" pitchFamily="34" charset="0"/>
+              </a:rPr>
+              <a:t>GraphSAGE</a:t>
+            </a:r>
+            <a:endParaRPr lang="ko-KR" altLang="en-US" sz="3600" b="1" dirty="0">
+              <a:solidFill>
+                <a:schemeClr val="tx1">
+                  <a:lumMod val="85000"/>
+                  <a:lumOff val="15000"/>
+                </a:schemeClr>
+              </a:solidFill>
+              <a:latin typeface="나눔스퀘어 ExtraBold"/>
+              <a:cs typeface="Arial" panose="020B0604020202020204" pitchFamily="34" charset="0"/>
+            </a:endParaRPr>
+          </a:p>
+        </p:txBody>
+      </p:sp>
+      <p:sp>
+        <p:nvSpPr>
+          <p:cNvPr id="4" name="슬라이드 번호 개체 틀 3">
+            <a:extLst>
+              <a:ext uri="{FF2B5EF4-FFF2-40B4-BE49-F238E27FC236}">
+                <a16:creationId xmlns:a16="http://schemas.microsoft.com/office/drawing/2014/main" id="{4705CCFD-CA4E-4794-89D0-C3DF4603C893}"/>
+              </a:ext>
+            </a:extLst>
+          </p:cNvPr>
+          <p:cNvSpPr>
+            <a:spLocks noGrp="1"/>
+          </p:cNvSpPr>
+          <p:nvPr>
+            <p:ph type="sldNum" sz="quarter" idx="12"/>
+          </p:nvPr>
+        </p:nvSpPr>
+        <p:spPr/>
+        <p:txBody>
+          <a:bodyPr/>
+          <a:lstStyle/>
+          <a:p>
+            <a:fld id="{16A93642-25BD-4471-A422-0159119E9512}" type="slidenum">
+              <a:rPr lang="ko-KR" altLang="en-US" smtClean="0"/>
+              <a:pPr/>
+              <a:t>16</a:t>
+            </a:fld>
+            <a:endParaRPr lang="ko-KR" altLang="en-US" dirty="0"/>
+          </a:p>
+        </p:txBody>
+      </p:sp>
+      <p:sp>
+        <p:nvSpPr>
+          <p:cNvPr id="5" name="내용 개체 틀 4">
+            <a:extLst>
+              <a:ext uri="{FF2B5EF4-FFF2-40B4-BE49-F238E27FC236}">
+                <a16:creationId xmlns:a16="http://schemas.microsoft.com/office/drawing/2014/main" id="{FE700DB8-5F9A-A552-32F2-B9385DF8E13A}"/>
+              </a:ext>
+            </a:extLst>
+          </p:cNvPr>
+          <p:cNvSpPr>
+            <a:spLocks noGrp="1"/>
+          </p:cNvSpPr>
+          <p:nvPr>
+            <p:ph idx="1"/>
+          </p:nvPr>
+        </p:nvSpPr>
+        <p:spPr/>
+        <p:txBody>
+          <a:bodyPr>
+            <a:normAutofit/>
+          </a:bodyPr>
+          <a:lstStyle/>
+          <a:p>
+            <a:r>
+              <a:rPr lang="en-US" altLang="ko-KR" sz="2400" dirty="0"/>
+              <a:t>3.3 Aggregator</a:t>
+            </a:r>
+            <a:r>
+              <a:rPr lang="ko-KR" altLang="en-US" sz="2400" dirty="0"/>
+              <a:t> </a:t>
+            </a:r>
+            <a:r>
+              <a:rPr lang="en-US" altLang="ko-KR" sz="2400" dirty="0"/>
+              <a:t>Architectures</a:t>
+            </a:r>
+          </a:p>
+          <a:p>
+            <a:endParaRPr lang="en-US" altLang="ko-KR" sz="2400" dirty="0"/>
+          </a:p>
+          <a:p>
+            <a:pPr lvl="1"/>
+            <a:r>
+              <a:rPr lang="en-US" altLang="ko-KR" dirty="0"/>
+              <a:t>Pooling aggregator</a:t>
+            </a:r>
+          </a:p>
+          <a:p>
+            <a:pPr lvl="2"/>
+            <a:r>
+              <a:rPr lang="en-US" altLang="ko-KR" dirty="0"/>
+              <a:t>By applying the max-pooling operator, the model captures different aspects of the neighborhood set</a:t>
+            </a:r>
+          </a:p>
+        </p:txBody>
+      </p:sp>
+      <p:pic>
+        <p:nvPicPr>
+          <p:cNvPr id="6" name="그림 5">
+            <a:extLst>
+              <a:ext uri="{FF2B5EF4-FFF2-40B4-BE49-F238E27FC236}">
+                <a16:creationId xmlns:a16="http://schemas.microsoft.com/office/drawing/2014/main" id="{50AB07A5-C4D3-073D-831F-AB03747FBD13}"/>
+              </a:ext>
+            </a:extLst>
+          </p:cNvPr>
+          <p:cNvPicPr>
+            <a:picLocks noChangeAspect="1"/>
+          </p:cNvPicPr>
+          <p:nvPr/>
+        </p:nvPicPr>
+        <p:blipFill>
+          <a:blip r:embed="rId3"/>
+          <a:stretch>
+            <a:fillRect/>
+          </a:stretch>
+        </p:blipFill>
+        <p:spPr>
+          <a:xfrm>
+            <a:off x="2723679" y="4114800"/>
+            <a:ext cx="6744641" cy="438211"/>
+          </a:xfrm>
+          <a:prstGeom prst="rect">
+            <a:avLst/>
+          </a:prstGeom>
+        </p:spPr>
+      </p:pic>
+    </p:spTree>
+    <p:extLst>
+      <p:ext uri="{BB962C8B-B14F-4D97-AF65-F5344CB8AC3E}">
+        <p14:creationId xmlns:p14="http://schemas.microsoft.com/office/powerpoint/2010/main" val="3288757406"/>
+      </p:ext>
+    </p:extLst>
+  </p:cSld>
+  <p:clrMapOvr>
+    <a:masterClrMapping/>
+  </p:clrMapOvr>
+</p:sld>
+</file>
+
+<file path=ppt/slides/slide17.xml><?xml version="1.0" encoding="utf-8"?>
+<p:sld xmlns:a="http://schemas.openxmlformats.org/drawingml/2006/main" xmlns:r="http://schemas.openxmlformats.org/officeDocument/2006/relationships" xmlns:p="http://schemas.openxmlformats.org/presentationml/2006/main">
+  <p:cSld>
+    <p:spTree>
+      <p:nvGrpSpPr>
+        <p:cNvPr id="1" name=""/>
+        <p:cNvGrpSpPr/>
+        <p:nvPr/>
+      </p:nvGrpSpPr>
+      <p:grpSpPr>
+        <a:xfrm>
+          <a:off x="0" y="0"/>
+          <a:ext cx="0" cy="0"/>
+          <a:chOff x="0" y="0"/>
+          <a:chExt cx="0" cy="0"/>
+        </a:xfrm>
+      </p:grpSpPr>
+      <p:sp>
+        <p:nvSpPr>
+          <p:cNvPr id="2" name="제목 1">
+            <a:extLst>
+              <a:ext uri="{FF2B5EF4-FFF2-40B4-BE49-F238E27FC236}">
+                <a16:creationId xmlns:a16="http://schemas.microsoft.com/office/drawing/2014/main" id="{95CB7AEF-6056-404F-8222-D7A0008FE999}"/>
+              </a:ext>
+            </a:extLst>
+          </p:cNvPr>
+          <p:cNvSpPr>
+            <a:spLocks noGrp="1"/>
+          </p:cNvSpPr>
+          <p:nvPr>
+            <p:ph type="title"/>
+          </p:nvPr>
+        </p:nvSpPr>
+        <p:spPr/>
+        <p:txBody>
+          <a:bodyPr>
+            <a:normAutofit/>
+          </a:bodyPr>
+          <a:lstStyle/>
+          <a:p>
+            <a:r>
+              <a:rPr lang="en-US" altLang="ko-KR" sz="3600" b="1" dirty="0">
+                <a:solidFill>
+                  <a:schemeClr val="tx1">
+                    <a:lumMod val="85000"/>
+                    <a:lumOff val="15000"/>
+                  </a:schemeClr>
+                </a:solidFill>
+                <a:latin typeface="나눔스퀘어 ExtraBold"/>
+                <a:cs typeface="Arial" panose="020B0604020202020204" pitchFamily="34" charset="0"/>
+              </a:rPr>
+              <a:t>Experiments</a:t>
+            </a:r>
+            <a:endParaRPr lang="ko-KR" altLang="en-US" sz="3600" b="1" dirty="0">
+              <a:solidFill>
+                <a:schemeClr val="tx1">
+                  <a:lumMod val="85000"/>
+                  <a:lumOff val="15000"/>
+                </a:schemeClr>
+              </a:solidFill>
+              <a:latin typeface="나눔스퀘어 ExtraBold"/>
+              <a:cs typeface="Arial" panose="020B0604020202020204" pitchFamily="34" charset="0"/>
+            </a:endParaRPr>
+          </a:p>
+        </p:txBody>
+      </p:sp>
+      <p:sp>
+        <p:nvSpPr>
+          <p:cNvPr id="4" name="슬라이드 번호 개체 틀 3">
+            <a:extLst>
+              <a:ext uri="{FF2B5EF4-FFF2-40B4-BE49-F238E27FC236}">
+                <a16:creationId xmlns:a16="http://schemas.microsoft.com/office/drawing/2014/main" id="{4705CCFD-CA4E-4794-89D0-C3DF4603C893}"/>
+              </a:ext>
+            </a:extLst>
+          </p:cNvPr>
+          <p:cNvSpPr>
+            <a:spLocks noGrp="1"/>
+          </p:cNvSpPr>
+          <p:nvPr>
+            <p:ph type="sldNum" sz="quarter" idx="12"/>
+          </p:nvPr>
+        </p:nvSpPr>
+        <p:spPr/>
+        <p:txBody>
+          <a:bodyPr/>
+          <a:lstStyle/>
+          <a:p>
+            <a:fld id="{16A93642-25BD-4471-A422-0159119E9512}" type="slidenum">
+              <a:rPr lang="ko-KR" altLang="en-US" smtClean="0"/>
+              <a:pPr/>
+              <a:t>17</a:t>
+            </a:fld>
+            <a:endParaRPr lang="ko-KR" altLang="en-US" dirty="0"/>
+          </a:p>
+        </p:txBody>
+      </p:sp>
+      <p:sp>
+        <p:nvSpPr>
+          <p:cNvPr id="5" name="내용 개체 틀 4">
+            <a:extLst>
+              <a:ext uri="{FF2B5EF4-FFF2-40B4-BE49-F238E27FC236}">
+                <a16:creationId xmlns:a16="http://schemas.microsoft.com/office/drawing/2014/main" id="{FE700DB8-5F9A-A552-32F2-B9385DF8E13A}"/>
+              </a:ext>
+            </a:extLst>
+          </p:cNvPr>
+          <p:cNvSpPr>
+            <a:spLocks noGrp="1"/>
+          </p:cNvSpPr>
+          <p:nvPr>
+            <p:ph idx="1"/>
+          </p:nvPr>
+        </p:nvSpPr>
+        <p:spPr/>
+        <p:txBody>
+          <a:bodyPr>
+            <a:normAutofit/>
+          </a:bodyPr>
+          <a:lstStyle/>
+          <a:p>
+            <a:r>
+              <a:rPr lang="en-US" altLang="ko-KR" sz="2400" dirty="0"/>
+              <a:t>Benchmark tasks</a:t>
+            </a:r>
+          </a:p>
+          <a:p>
+            <a:pPr lvl="1"/>
+            <a:r>
+              <a:rPr lang="en-US" altLang="ko-KR" sz="2000" dirty="0"/>
+              <a:t>classifying academic papers into different subjects using the Web of Science </a:t>
+            </a:r>
+            <a:r>
+              <a:rPr lang="en-US" altLang="ko-KR" sz="2000" b="1" dirty="0"/>
+              <a:t>citation</a:t>
+            </a:r>
+            <a:r>
+              <a:rPr lang="en-US" altLang="ko-KR" sz="2000" dirty="0"/>
+              <a:t> dataset</a:t>
+            </a:r>
+          </a:p>
+          <a:p>
+            <a:pPr lvl="1"/>
+            <a:r>
+              <a:rPr lang="en-US" altLang="ko-KR" sz="2000" dirty="0"/>
+              <a:t>classifying </a:t>
+            </a:r>
+            <a:r>
+              <a:rPr lang="en-US" altLang="ko-KR" sz="2000" b="1" dirty="0"/>
+              <a:t>Reddit</a:t>
+            </a:r>
+            <a:r>
+              <a:rPr lang="en-US" altLang="ko-KR" sz="2000" dirty="0"/>
+              <a:t> posts as belonging to different communities</a:t>
+            </a:r>
+          </a:p>
+          <a:p>
+            <a:pPr lvl="1"/>
+            <a:r>
+              <a:rPr lang="en-US" altLang="ko-KR" sz="2000" dirty="0"/>
+              <a:t>classifying protein functions across various biological protein-protein interaction (</a:t>
+            </a:r>
+            <a:r>
+              <a:rPr lang="en-US" altLang="ko-KR" sz="2000" b="1" dirty="0"/>
+              <a:t>PPI</a:t>
+            </a:r>
+            <a:r>
+              <a:rPr lang="en-US" altLang="ko-KR" sz="2000" dirty="0"/>
+              <a:t>) graphs</a:t>
+            </a:r>
+          </a:p>
+        </p:txBody>
+      </p:sp>
+    </p:spTree>
+    <p:extLst>
+      <p:ext uri="{BB962C8B-B14F-4D97-AF65-F5344CB8AC3E}">
+        <p14:creationId xmlns:p14="http://schemas.microsoft.com/office/powerpoint/2010/main" val="2185792054"/>
+      </p:ext>
+    </p:extLst>
+  </p:cSld>
+  <p:clrMapOvr>
+    <a:masterClrMapping/>
+  </p:clrMapOvr>
+</p:sld>
+</file>
+
+<file path=ppt/slides/slide18.xml><?xml version="1.0" encoding="utf-8"?>
+<p:sld xmlns:a="http://schemas.openxmlformats.org/drawingml/2006/main" xmlns:r="http://schemas.openxmlformats.org/officeDocument/2006/relationships" xmlns:p="http://schemas.openxmlformats.org/presentationml/2006/main">
+  <p:cSld>
+    <p:spTree>
+      <p:nvGrpSpPr>
+        <p:cNvPr id="1" name=""/>
+        <p:cNvGrpSpPr/>
+        <p:nvPr/>
+      </p:nvGrpSpPr>
+      <p:grpSpPr>
+        <a:xfrm>
+          <a:off x="0" y="0"/>
+          <a:ext cx="0" cy="0"/>
+          <a:chOff x="0" y="0"/>
+          <a:chExt cx="0" cy="0"/>
+        </a:xfrm>
+      </p:grpSpPr>
+      <p:sp>
+        <p:nvSpPr>
+          <p:cNvPr id="2" name="제목 1">
+            <a:extLst>
+              <a:ext uri="{FF2B5EF4-FFF2-40B4-BE49-F238E27FC236}">
+                <a16:creationId xmlns:a16="http://schemas.microsoft.com/office/drawing/2014/main" id="{95CB7AEF-6056-404F-8222-D7A0008FE999}"/>
+              </a:ext>
+            </a:extLst>
+          </p:cNvPr>
+          <p:cNvSpPr>
+            <a:spLocks noGrp="1"/>
+          </p:cNvSpPr>
+          <p:nvPr>
+            <p:ph type="title"/>
+          </p:nvPr>
+        </p:nvSpPr>
+        <p:spPr/>
+        <p:txBody>
+          <a:bodyPr>
+            <a:normAutofit/>
+          </a:bodyPr>
+          <a:lstStyle/>
+          <a:p>
+            <a:r>
+              <a:rPr lang="en-US" altLang="ko-KR" sz="3600" b="1" dirty="0">
+                <a:solidFill>
+                  <a:schemeClr val="tx1">
+                    <a:lumMod val="85000"/>
+                    <a:lumOff val="15000"/>
+                  </a:schemeClr>
+                </a:solidFill>
+                <a:latin typeface="나눔스퀘어 ExtraBold"/>
+                <a:cs typeface="Arial" panose="020B0604020202020204" pitchFamily="34" charset="0"/>
+              </a:rPr>
+              <a:t>Experiments</a:t>
+            </a:r>
+            <a:endParaRPr lang="ko-KR" altLang="en-US" sz="3600" b="1" dirty="0">
+              <a:solidFill>
+                <a:schemeClr val="tx1">
+                  <a:lumMod val="85000"/>
+                  <a:lumOff val="15000"/>
+                </a:schemeClr>
+              </a:solidFill>
+              <a:latin typeface="나눔스퀘어 ExtraBold"/>
+              <a:cs typeface="Arial" panose="020B0604020202020204" pitchFamily="34" charset="0"/>
+            </a:endParaRPr>
+          </a:p>
+        </p:txBody>
+      </p:sp>
+      <p:sp>
+        <p:nvSpPr>
+          <p:cNvPr id="4" name="슬라이드 번호 개체 틀 3">
+            <a:extLst>
+              <a:ext uri="{FF2B5EF4-FFF2-40B4-BE49-F238E27FC236}">
+                <a16:creationId xmlns:a16="http://schemas.microsoft.com/office/drawing/2014/main" id="{4705CCFD-CA4E-4794-89D0-C3DF4603C893}"/>
+              </a:ext>
+            </a:extLst>
+          </p:cNvPr>
+          <p:cNvSpPr>
+            <a:spLocks noGrp="1"/>
+          </p:cNvSpPr>
+          <p:nvPr>
+            <p:ph type="sldNum" sz="quarter" idx="12"/>
+          </p:nvPr>
+        </p:nvSpPr>
+        <p:spPr/>
+        <p:txBody>
+          <a:bodyPr/>
+          <a:lstStyle/>
+          <a:p>
+            <a:fld id="{16A93642-25BD-4471-A422-0159119E9512}" type="slidenum">
+              <a:rPr lang="ko-KR" altLang="en-US" smtClean="0"/>
+              <a:pPr/>
+              <a:t>18</a:t>
+            </a:fld>
+            <a:endParaRPr lang="ko-KR" altLang="en-US" dirty="0"/>
+          </a:p>
+        </p:txBody>
+      </p:sp>
+      <p:sp>
+        <p:nvSpPr>
+          <p:cNvPr id="5" name="내용 개체 틀 4">
+            <a:extLst>
+              <a:ext uri="{FF2B5EF4-FFF2-40B4-BE49-F238E27FC236}">
+                <a16:creationId xmlns:a16="http://schemas.microsoft.com/office/drawing/2014/main" id="{FE700DB8-5F9A-A552-32F2-B9385DF8E13A}"/>
+              </a:ext>
+            </a:extLst>
+          </p:cNvPr>
+          <p:cNvSpPr>
+            <a:spLocks noGrp="1"/>
+          </p:cNvSpPr>
+          <p:nvPr>
+            <p:ph idx="1"/>
+          </p:nvPr>
+        </p:nvSpPr>
+        <p:spPr/>
+        <p:txBody>
+          <a:bodyPr>
+            <a:normAutofit/>
+          </a:bodyPr>
+          <a:lstStyle/>
+          <a:p>
+            <a:r>
+              <a:rPr lang="en-US" altLang="ko-KR" sz="2400" dirty="0"/>
+              <a:t>Baselines</a:t>
+            </a:r>
+          </a:p>
+          <a:p>
+            <a:pPr lvl="1"/>
+            <a:r>
+              <a:rPr lang="en-US" altLang="ko-KR" sz="2000" dirty="0"/>
+              <a:t>Random classifier</a:t>
+            </a:r>
+          </a:p>
+          <a:p>
+            <a:pPr lvl="1"/>
+            <a:r>
+              <a:rPr lang="en-US" altLang="ko-KR" sz="2000" dirty="0"/>
+              <a:t>Logistic regression feature-based classifier (Raw features)</a:t>
+            </a:r>
+          </a:p>
+          <a:p>
+            <a:pPr lvl="1"/>
+            <a:r>
+              <a:rPr lang="en-US" altLang="ko-KR" sz="2000" dirty="0" err="1"/>
+              <a:t>DeepWalk</a:t>
+            </a:r>
+            <a:endParaRPr lang="en-US" altLang="ko-KR" sz="2000" dirty="0"/>
+          </a:p>
+          <a:p>
+            <a:pPr lvl="1"/>
+            <a:r>
+              <a:rPr lang="en-US" altLang="ko-KR" sz="2000" dirty="0" err="1"/>
+              <a:t>DeepWalk</a:t>
+            </a:r>
+            <a:r>
+              <a:rPr lang="en-US" altLang="ko-KR" sz="2000" dirty="0"/>
+              <a:t> + Raw features</a:t>
+            </a:r>
+          </a:p>
+        </p:txBody>
+      </p:sp>
+    </p:spTree>
+    <p:extLst>
+      <p:ext uri="{BB962C8B-B14F-4D97-AF65-F5344CB8AC3E}">
+        <p14:creationId xmlns:p14="http://schemas.microsoft.com/office/powerpoint/2010/main" val="3438241809"/>
+      </p:ext>
+    </p:extLst>
+  </p:cSld>
+  <p:clrMapOvr>
+    <a:masterClrMapping/>
+  </p:clrMapOvr>
+</p:sld>
+</file>
+
+<file path=ppt/slides/slide19.xml><?xml version="1.0" encoding="utf-8"?>
+<p:sld xmlns:a="http://schemas.openxmlformats.org/drawingml/2006/main" xmlns:r="http://schemas.openxmlformats.org/officeDocument/2006/relationships" xmlns:p="http://schemas.openxmlformats.org/presentationml/2006/main">
+  <p:cSld>
+    <p:spTree>
+      <p:nvGrpSpPr>
+        <p:cNvPr id="1" name=""/>
+        <p:cNvGrpSpPr/>
+        <p:nvPr/>
+      </p:nvGrpSpPr>
+      <p:grpSpPr>
+        <a:xfrm>
+          <a:off x="0" y="0"/>
+          <a:ext cx="0" cy="0"/>
+          <a:chOff x="0" y="0"/>
+          <a:chExt cx="0" cy="0"/>
+        </a:xfrm>
+      </p:grpSpPr>
+      <p:sp>
+        <p:nvSpPr>
+          <p:cNvPr id="2" name="제목 1">
+            <a:extLst>
+              <a:ext uri="{FF2B5EF4-FFF2-40B4-BE49-F238E27FC236}">
+                <a16:creationId xmlns:a16="http://schemas.microsoft.com/office/drawing/2014/main" id="{95CB7AEF-6056-404F-8222-D7A0008FE999}"/>
+              </a:ext>
+            </a:extLst>
+          </p:cNvPr>
+          <p:cNvSpPr>
+            <a:spLocks noGrp="1"/>
+          </p:cNvSpPr>
+          <p:nvPr>
+            <p:ph type="title"/>
+          </p:nvPr>
+        </p:nvSpPr>
+        <p:spPr/>
+        <p:txBody>
+          <a:bodyPr>
+            <a:normAutofit/>
+          </a:bodyPr>
+          <a:lstStyle/>
+          <a:p>
+            <a:r>
+              <a:rPr lang="en-US" altLang="ko-KR" sz="3600" b="1" dirty="0">
+                <a:solidFill>
+                  <a:schemeClr val="tx1">
+                    <a:lumMod val="85000"/>
+                    <a:lumOff val="15000"/>
+                  </a:schemeClr>
+                </a:solidFill>
+                <a:latin typeface="나눔스퀘어 ExtraBold"/>
+                <a:cs typeface="Arial" panose="020B0604020202020204" pitchFamily="34" charset="0"/>
+              </a:rPr>
+              <a:t>Experiments</a:t>
+            </a:r>
+            <a:endParaRPr lang="ko-KR" altLang="en-US" sz="3600" b="1" dirty="0">
+              <a:solidFill>
+                <a:schemeClr val="tx1">
+                  <a:lumMod val="85000"/>
+                  <a:lumOff val="15000"/>
+                </a:schemeClr>
+              </a:solidFill>
+              <a:latin typeface="나눔스퀘어 ExtraBold"/>
+              <a:cs typeface="Arial" panose="020B0604020202020204" pitchFamily="34" charset="0"/>
+            </a:endParaRPr>
+          </a:p>
+        </p:txBody>
+      </p:sp>
+      <p:sp>
+        <p:nvSpPr>
+          <p:cNvPr id="4" name="슬라이드 번호 개체 틀 3">
+            <a:extLst>
+              <a:ext uri="{FF2B5EF4-FFF2-40B4-BE49-F238E27FC236}">
+                <a16:creationId xmlns:a16="http://schemas.microsoft.com/office/drawing/2014/main" id="{4705CCFD-CA4E-4794-89D0-C3DF4603C893}"/>
+              </a:ext>
+            </a:extLst>
+          </p:cNvPr>
+          <p:cNvSpPr>
+            <a:spLocks noGrp="1"/>
+          </p:cNvSpPr>
+          <p:nvPr>
+            <p:ph type="sldNum" sz="quarter" idx="12"/>
+          </p:nvPr>
+        </p:nvSpPr>
+        <p:spPr/>
+        <p:txBody>
+          <a:bodyPr/>
+          <a:lstStyle/>
+          <a:p>
+            <a:fld id="{16A93642-25BD-4471-A422-0159119E9512}" type="slidenum">
+              <a:rPr lang="ko-KR" altLang="en-US" smtClean="0"/>
+              <a:pPr/>
+              <a:t>19</a:t>
+            </a:fld>
+            <a:endParaRPr lang="ko-KR" altLang="en-US" dirty="0"/>
+          </a:p>
+        </p:txBody>
+      </p:sp>
+      <p:sp>
+        <p:nvSpPr>
+          <p:cNvPr id="8" name="내용 개체 틀 7">
+            <a:extLst>
+              <a:ext uri="{FF2B5EF4-FFF2-40B4-BE49-F238E27FC236}">
+                <a16:creationId xmlns:a16="http://schemas.microsoft.com/office/drawing/2014/main" id="{529404E6-DADD-3840-8D66-35A2B8EFAF02}"/>
+              </a:ext>
+            </a:extLst>
+          </p:cNvPr>
+          <p:cNvSpPr>
+            <a:spLocks noGrp="1"/>
+          </p:cNvSpPr>
+          <p:nvPr>
+            <p:ph idx="1"/>
+          </p:nvPr>
+        </p:nvSpPr>
+        <p:spPr>
+          <a:xfrm>
+            <a:off x="838200" y="1609725"/>
+            <a:ext cx="10515600" cy="4351338"/>
+          </a:xfrm>
+        </p:spPr>
+        <p:txBody>
+          <a:bodyPr>
+            <a:normAutofit/>
+          </a:bodyPr>
+          <a:lstStyle/>
+          <a:p>
+            <a:r>
+              <a:rPr lang="en-US" altLang="ko-KR" sz="2400" dirty="0"/>
+              <a:t>4.1 Inductive learning on evolving graphs: Citation and Reddit data</a:t>
+            </a:r>
+          </a:p>
+          <a:p>
+            <a:endParaRPr lang="en-US" altLang="ko-KR" sz="2200" dirty="0"/>
+          </a:p>
+          <a:p>
+            <a:pPr lvl="1"/>
+            <a:r>
+              <a:rPr lang="en-US" altLang="ko-KR" sz="2200" b="1" dirty="0"/>
+              <a:t>Citation: 302,424 nodes with an average degree of 9.15</a:t>
+            </a:r>
+            <a:endParaRPr lang="en-US" altLang="ko-KR" sz="2200" dirty="0"/>
+          </a:p>
+          <a:p>
+            <a:pPr lvl="1"/>
+            <a:r>
+              <a:rPr lang="en-US" altLang="ko-KR" sz="2200" b="1" dirty="0"/>
+              <a:t>Reddit: 232,965 nodes with an average degree of 492</a:t>
+            </a:r>
+            <a:endParaRPr lang="en-US" altLang="ko-KR" sz="2200" dirty="0"/>
+          </a:p>
+        </p:txBody>
+      </p:sp>
+    </p:spTree>
+    <p:extLst>
+      <p:ext uri="{BB962C8B-B14F-4D97-AF65-F5344CB8AC3E}">
+        <p14:creationId xmlns:p14="http://schemas.microsoft.com/office/powerpoint/2010/main" val="1598939270"/>
+      </p:ext>
+    </p:extLst>
+  </p:cSld>
+  <p:clrMapOvr>
+    <a:masterClrMapping/>
+  </p:clrMapOvr>
+</p:sld>
+</file>
+
 <file path=ppt/slides/slide2.xml><?xml version="1.0" encoding="utf-8"?>
 <p:sld xmlns:a="http://schemas.openxmlformats.org/drawingml/2006/main" xmlns:r="http://schemas.openxmlformats.org/officeDocument/2006/relationships" xmlns:p="http://schemas.openxmlformats.org/presentationml/2006/main">
   <p:cSld>
@@ -7646,6 +14139,1176 @@
 </p:sld>
 </file>
 
+<file path=ppt/slides/slide20.xml><?xml version="1.0" encoding="utf-8"?>
+<p:sld xmlns:a="http://schemas.openxmlformats.org/drawingml/2006/main" xmlns:r="http://schemas.openxmlformats.org/officeDocument/2006/relationships" xmlns:p="http://schemas.openxmlformats.org/presentationml/2006/main">
+  <p:cSld>
+    <p:spTree>
+      <p:nvGrpSpPr>
+        <p:cNvPr id="1" name=""/>
+        <p:cNvGrpSpPr/>
+        <p:nvPr/>
+      </p:nvGrpSpPr>
+      <p:grpSpPr>
+        <a:xfrm>
+          <a:off x="0" y="0"/>
+          <a:ext cx="0" cy="0"/>
+          <a:chOff x="0" y="0"/>
+          <a:chExt cx="0" cy="0"/>
+        </a:xfrm>
+      </p:grpSpPr>
+      <p:sp>
+        <p:nvSpPr>
+          <p:cNvPr id="2" name="제목 1">
+            <a:extLst>
+              <a:ext uri="{FF2B5EF4-FFF2-40B4-BE49-F238E27FC236}">
+                <a16:creationId xmlns:a16="http://schemas.microsoft.com/office/drawing/2014/main" id="{95CB7AEF-6056-404F-8222-D7A0008FE999}"/>
+              </a:ext>
+            </a:extLst>
+          </p:cNvPr>
+          <p:cNvSpPr>
+            <a:spLocks noGrp="1"/>
+          </p:cNvSpPr>
+          <p:nvPr>
+            <p:ph type="title"/>
+          </p:nvPr>
+        </p:nvSpPr>
+        <p:spPr/>
+        <p:txBody>
+          <a:bodyPr>
+            <a:normAutofit/>
+          </a:bodyPr>
+          <a:lstStyle/>
+          <a:p>
+            <a:r>
+              <a:rPr lang="en-US" altLang="ko-KR" sz="3600" b="1" dirty="0">
+                <a:solidFill>
+                  <a:schemeClr val="tx1">
+                    <a:lumMod val="85000"/>
+                    <a:lumOff val="15000"/>
+                  </a:schemeClr>
+                </a:solidFill>
+                <a:latin typeface="나눔스퀘어 ExtraBold"/>
+                <a:cs typeface="Arial" panose="020B0604020202020204" pitchFamily="34" charset="0"/>
+              </a:rPr>
+              <a:t>Experiments</a:t>
+            </a:r>
+            <a:endParaRPr lang="ko-KR" altLang="en-US" sz="3600" b="1" dirty="0">
+              <a:solidFill>
+                <a:schemeClr val="tx1">
+                  <a:lumMod val="85000"/>
+                  <a:lumOff val="15000"/>
+                </a:schemeClr>
+              </a:solidFill>
+              <a:latin typeface="나눔스퀘어 ExtraBold"/>
+              <a:cs typeface="Arial" panose="020B0604020202020204" pitchFamily="34" charset="0"/>
+            </a:endParaRPr>
+          </a:p>
+        </p:txBody>
+      </p:sp>
+      <p:sp>
+        <p:nvSpPr>
+          <p:cNvPr id="4" name="슬라이드 번호 개체 틀 3">
+            <a:extLst>
+              <a:ext uri="{FF2B5EF4-FFF2-40B4-BE49-F238E27FC236}">
+                <a16:creationId xmlns:a16="http://schemas.microsoft.com/office/drawing/2014/main" id="{4705CCFD-CA4E-4794-89D0-C3DF4603C893}"/>
+              </a:ext>
+            </a:extLst>
+          </p:cNvPr>
+          <p:cNvSpPr>
+            <a:spLocks noGrp="1"/>
+          </p:cNvSpPr>
+          <p:nvPr>
+            <p:ph type="sldNum" sz="quarter" idx="12"/>
+          </p:nvPr>
+        </p:nvSpPr>
+        <p:spPr/>
+        <p:txBody>
+          <a:bodyPr/>
+          <a:lstStyle/>
+          <a:p>
+            <a:fld id="{16A93642-25BD-4471-A422-0159119E9512}" type="slidenum">
+              <a:rPr lang="ko-KR" altLang="en-US" smtClean="0"/>
+              <a:pPr/>
+              <a:t>20</a:t>
+            </a:fld>
+            <a:endParaRPr lang="ko-KR" altLang="en-US" dirty="0"/>
+          </a:p>
+        </p:txBody>
+      </p:sp>
+      <p:sp>
+        <p:nvSpPr>
+          <p:cNvPr id="8" name="내용 개체 틀 7">
+            <a:extLst>
+              <a:ext uri="{FF2B5EF4-FFF2-40B4-BE49-F238E27FC236}">
+                <a16:creationId xmlns:a16="http://schemas.microsoft.com/office/drawing/2014/main" id="{529404E6-DADD-3840-8D66-35A2B8EFAF02}"/>
+              </a:ext>
+            </a:extLst>
+          </p:cNvPr>
+          <p:cNvSpPr>
+            <a:spLocks noGrp="1"/>
+          </p:cNvSpPr>
+          <p:nvPr>
+            <p:ph idx="1"/>
+          </p:nvPr>
+        </p:nvSpPr>
+        <p:spPr>
+          <a:xfrm>
+            <a:off x="838200" y="1609725"/>
+            <a:ext cx="10515600" cy="4351338"/>
+          </a:xfrm>
+        </p:spPr>
+        <p:txBody>
+          <a:bodyPr>
+            <a:normAutofit/>
+          </a:bodyPr>
+          <a:lstStyle/>
+          <a:p>
+            <a:r>
+              <a:rPr lang="en-US" altLang="ko-KR" sz="2400" dirty="0"/>
+              <a:t>4.1 Inductive learning on evolving graphs: Citation and Reddit data</a:t>
+            </a:r>
+            <a:endParaRPr lang="ko-KR" altLang="en-US" sz="2400" dirty="0"/>
+          </a:p>
+        </p:txBody>
+      </p:sp>
+      <p:pic>
+        <p:nvPicPr>
+          <p:cNvPr id="10" name="그림 9">
+            <a:extLst>
+              <a:ext uri="{FF2B5EF4-FFF2-40B4-BE49-F238E27FC236}">
+                <a16:creationId xmlns:a16="http://schemas.microsoft.com/office/drawing/2014/main" id="{B9264604-460C-5569-640A-8C933388E73F}"/>
+              </a:ext>
+            </a:extLst>
+          </p:cNvPr>
+          <p:cNvPicPr>
+            <a:picLocks noChangeAspect="1"/>
+          </p:cNvPicPr>
+          <p:nvPr/>
+        </p:nvPicPr>
+        <p:blipFill>
+          <a:blip r:embed="rId3"/>
+          <a:stretch>
+            <a:fillRect/>
+          </a:stretch>
+        </p:blipFill>
+        <p:spPr>
+          <a:xfrm>
+            <a:off x="1961573" y="2281008"/>
+            <a:ext cx="8268854" cy="3286584"/>
+          </a:xfrm>
+          <a:prstGeom prst="rect">
+            <a:avLst/>
+          </a:prstGeom>
+        </p:spPr>
+      </p:pic>
+      <p:sp>
+        <p:nvSpPr>
+          <p:cNvPr id="11" name="직사각형 10">
+            <a:extLst>
+              <a:ext uri="{FF2B5EF4-FFF2-40B4-BE49-F238E27FC236}">
+                <a16:creationId xmlns:a16="http://schemas.microsoft.com/office/drawing/2014/main" id="{1206C644-AA99-B0B9-F71A-005E6398095E}"/>
+              </a:ext>
+            </a:extLst>
+          </p:cNvPr>
+          <p:cNvSpPr/>
+          <p:nvPr/>
+        </p:nvSpPr>
+        <p:spPr>
+          <a:xfrm>
+            <a:off x="4216399" y="4009292"/>
+            <a:ext cx="3632201" cy="253219"/>
+          </a:xfrm>
+          <a:prstGeom prst="rect">
+            <a:avLst/>
+          </a:prstGeom>
+          <a:noFill/>
+          <a:ln w="28575">
+            <a:solidFill>
+              <a:srgbClr val="FF0000"/>
+            </a:solidFill>
+          </a:ln>
+        </p:spPr>
+        <p:style>
+          <a:lnRef idx="2">
+            <a:schemeClr val="accent1">
+              <a:shade val="50000"/>
+            </a:schemeClr>
+          </a:lnRef>
+          <a:fillRef idx="1">
+            <a:schemeClr val="accent1"/>
+          </a:fillRef>
+          <a:effectRef idx="0">
+            <a:schemeClr val="accent1"/>
+          </a:effectRef>
+          <a:fontRef idx="minor">
+            <a:schemeClr val="lt1"/>
+          </a:fontRef>
+        </p:style>
+        <p:txBody>
+          <a:bodyPr rtlCol="0" anchor="ctr"/>
+          <a:lstStyle/>
+          <a:p>
+            <a:pPr algn="ctr"/>
+            <a:endParaRPr lang="ko-KR" altLang="en-US"/>
+          </a:p>
+        </p:txBody>
+      </p:sp>
+      <p:sp>
+        <p:nvSpPr>
+          <p:cNvPr id="3" name="직사각형 2">
+            <a:extLst>
+              <a:ext uri="{FF2B5EF4-FFF2-40B4-BE49-F238E27FC236}">
+                <a16:creationId xmlns:a16="http://schemas.microsoft.com/office/drawing/2014/main" id="{7E5C44C5-43BC-FC24-BAA9-F1E5AF165F4E}"/>
+              </a:ext>
+            </a:extLst>
+          </p:cNvPr>
+          <p:cNvSpPr/>
+          <p:nvPr/>
+        </p:nvSpPr>
+        <p:spPr>
+          <a:xfrm>
+            <a:off x="4216399" y="4852831"/>
+            <a:ext cx="3632201" cy="253219"/>
+          </a:xfrm>
+          <a:prstGeom prst="rect">
+            <a:avLst/>
+          </a:prstGeom>
+          <a:noFill/>
+          <a:ln w="28575">
+            <a:solidFill>
+              <a:srgbClr val="FF0000"/>
+            </a:solidFill>
+          </a:ln>
+        </p:spPr>
+        <p:style>
+          <a:lnRef idx="2">
+            <a:schemeClr val="accent1">
+              <a:shade val="50000"/>
+            </a:schemeClr>
+          </a:lnRef>
+          <a:fillRef idx="1">
+            <a:schemeClr val="accent1"/>
+          </a:fillRef>
+          <a:effectRef idx="0">
+            <a:schemeClr val="accent1"/>
+          </a:effectRef>
+          <a:fontRef idx="minor">
+            <a:schemeClr val="lt1"/>
+          </a:fontRef>
+        </p:style>
+        <p:txBody>
+          <a:bodyPr rtlCol="0" anchor="ctr"/>
+          <a:lstStyle/>
+          <a:p>
+            <a:pPr algn="ctr"/>
+            <a:endParaRPr lang="ko-KR" altLang="en-US"/>
+          </a:p>
+        </p:txBody>
+      </p:sp>
+    </p:spTree>
+    <p:extLst>
+      <p:ext uri="{BB962C8B-B14F-4D97-AF65-F5344CB8AC3E}">
+        <p14:creationId xmlns:p14="http://schemas.microsoft.com/office/powerpoint/2010/main" val="3896266220"/>
+      </p:ext>
+    </p:extLst>
+  </p:cSld>
+  <p:clrMapOvr>
+    <a:masterClrMapping/>
+  </p:clrMapOvr>
+</p:sld>
+</file>
+
+<file path=ppt/slides/slide21.xml><?xml version="1.0" encoding="utf-8"?>
+<p:sld xmlns:a="http://schemas.openxmlformats.org/drawingml/2006/main" xmlns:r="http://schemas.openxmlformats.org/officeDocument/2006/relationships" xmlns:p="http://schemas.openxmlformats.org/presentationml/2006/main">
+  <p:cSld>
+    <p:spTree>
+      <p:nvGrpSpPr>
+        <p:cNvPr id="1" name=""/>
+        <p:cNvGrpSpPr/>
+        <p:nvPr/>
+      </p:nvGrpSpPr>
+      <p:grpSpPr>
+        <a:xfrm>
+          <a:off x="0" y="0"/>
+          <a:ext cx="0" cy="0"/>
+          <a:chOff x="0" y="0"/>
+          <a:chExt cx="0" cy="0"/>
+        </a:xfrm>
+      </p:grpSpPr>
+      <p:sp>
+        <p:nvSpPr>
+          <p:cNvPr id="2" name="제목 1">
+            <a:extLst>
+              <a:ext uri="{FF2B5EF4-FFF2-40B4-BE49-F238E27FC236}">
+                <a16:creationId xmlns:a16="http://schemas.microsoft.com/office/drawing/2014/main" id="{95CB7AEF-6056-404F-8222-D7A0008FE999}"/>
+              </a:ext>
+            </a:extLst>
+          </p:cNvPr>
+          <p:cNvSpPr>
+            <a:spLocks noGrp="1"/>
+          </p:cNvSpPr>
+          <p:nvPr>
+            <p:ph type="title"/>
+          </p:nvPr>
+        </p:nvSpPr>
+        <p:spPr/>
+        <p:txBody>
+          <a:bodyPr>
+            <a:normAutofit/>
+          </a:bodyPr>
+          <a:lstStyle/>
+          <a:p>
+            <a:r>
+              <a:rPr lang="en-US" altLang="ko-KR" sz="3600" b="1" dirty="0">
+                <a:solidFill>
+                  <a:schemeClr val="tx1">
+                    <a:lumMod val="85000"/>
+                    <a:lumOff val="15000"/>
+                  </a:schemeClr>
+                </a:solidFill>
+                <a:latin typeface="나눔스퀘어 ExtraBold"/>
+                <a:cs typeface="Arial" panose="020B0604020202020204" pitchFamily="34" charset="0"/>
+              </a:rPr>
+              <a:t>Experiments</a:t>
+            </a:r>
+            <a:endParaRPr lang="ko-KR" altLang="en-US" sz="3600" b="1" dirty="0">
+              <a:solidFill>
+                <a:schemeClr val="tx1">
+                  <a:lumMod val="85000"/>
+                  <a:lumOff val="15000"/>
+                </a:schemeClr>
+              </a:solidFill>
+              <a:latin typeface="나눔스퀘어 ExtraBold"/>
+              <a:cs typeface="Arial" panose="020B0604020202020204" pitchFamily="34" charset="0"/>
+            </a:endParaRPr>
+          </a:p>
+        </p:txBody>
+      </p:sp>
+      <p:sp>
+        <p:nvSpPr>
+          <p:cNvPr id="4" name="슬라이드 번호 개체 틀 3">
+            <a:extLst>
+              <a:ext uri="{FF2B5EF4-FFF2-40B4-BE49-F238E27FC236}">
+                <a16:creationId xmlns:a16="http://schemas.microsoft.com/office/drawing/2014/main" id="{4705CCFD-CA4E-4794-89D0-C3DF4603C893}"/>
+              </a:ext>
+            </a:extLst>
+          </p:cNvPr>
+          <p:cNvSpPr>
+            <a:spLocks noGrp="1"/>
+          </p:cNvSpPr>
+          <p:nvPr>
+            <p:ph type="sldNum" sz="quarter" idx="12"/>
+          </p:nvPr>
+        </p:nvSpPr>
+        <p:spPr/>
+        <p:txBody>
+          <a:bodyPr/>
+          <a:lstStyle/>
+          <a:p>
+            <a:fld id="{16A93642-25BD-4471-A422-0159119E9512}" type="slidenum">
+              <a:rPr lang="ko-KR" altLang="en-US" smtClean="0"/>
+              <a:pPr/>
+              <a:t>21</a:t>
+            </a:fld>
+            <a:endParaRPr lang="ko-KR" altLang="en-US" dirty="0"/>
+          </a:p>
+        </p:txBody>
+      </p:sp>
+      <p:sp>
+        <p:nvSpPr>
+          <p:cNvPr id="8" name="내용 개체 틀 7">
+            <a:extLst>
+              <a:ext uri="{FF2B5EF4-FFF2-40B4-BE49-F238E27FC236}">
+                <a16:creationId xmlns:a16="http://schemas.microsoft.com/office/drawing/2014/main" id="{529404E6-DADD-3840-8D66-35A2B8EFAF02}"/>
+              </a:ext>
+            </a:extLst>
+          </p:cNvPr>
+          <p:cNvSpPr>
+            <a:spLocks noGrp="1"/>
+          </p:cNvSpPr>
+          <p:nvPr>
+            <p:ph idx="1"/>
+          </p:nvPr>
+        </p:nvSpPr>
+        <p:spPr>
+          <a:xfrm>
+            <a:off x="838200" y="1609725"/>
+            <a:ext cx="10515600" cy="4351338"/>
+          </a:xfrm>
+        </p:spPr>
+        <p:txBody>
+          <a:bodyPr>
+            <a:normAutofit/>
+          </a:bodyPr>
+          <a:lstStyle/>
+          <a:p>
+            <a:r>
+              <a:rPr lang="en-US" altLang="ko-KR" sz="2400" dirty="0"/>
+              <a:t>4.2 Generalizing across graphs: Protein-protein interactions</a:t>
+            </a:r>
+            <a:endParaRPr lang="ko-KR" altLang="en-US" sz="3600" dirty="0"/>
+          </a:p>
+        </p:txBody>
+      </p:sp>
+      <p:pic>
+        <p:nvPicPr>
+          <p:cNvPr id="3" name="그림 2">
+            <a:extLst>
+              <a:ext uri="{FF2B5EF4-FFF2-40B4-BE49-F238E27FC236}">
+                <a16:creationId xmlns:a16="http://schemas.microsoft.com/office/drawing/2014/main" id="{C5F9092A-D318-8A45-BAAD-0D0E55E2A355}"/>
+              </a:ext>
+            </a:extLst>
+          </p:cNvPr>
+          <p:cNvPicPr>
+            <a:picLocks noChangeAspect="1"/>
+          </p:cNvPicPr>
+          <p:nvPr/>
+        </p:nvPicPr>
+        <p:blipFill>
+          <a:blip r:embed="rId3"/>
+          <a:stretch>
+            <a:fillRect/>
+          </a:stretch>
+        </p:blipFill>
+        <p:spPr>
+          <a:xfrm>
+            <a:off x="1961573" y="2281008"/>
+            <a:ext cx="8268854" cy="3286584"/>
+          </a:xfrm>
+          <a:prstGeom prst="rect">
+            <a:avLst/>
+          </a:prstGeom>
+        </p:spPr>
+      </p:pic>
+      <p:sp>
+        <p:nvSpPr>
+          <p:cNvPr id="5" name="직사각형 4">
+            <a:extLst>
+              <a:ext uri="{FF2B5EF4-FFF2-40B4-BE49-F238E27FC236}">
+                <a16:creationId xmlns:a16="http://schemas.microsoft.com/office/drawing/2014/main" id="{0EB74CF2-2BFF-79BF-9F05-775B0A00602A}"/>
+              </a:ext>
+            </a:extLst>
+          </p:cNvPr>
+          <p:cNvSpPr/>
+          <p:nvPr/>
+        </p:nvSpPr>
+        <p:spPr>
+          <a:xfrm>
+            <a:off x="7835900" y="4740812"/>
+            <a:ext cx="1892300" cy="379829"/>
+          </a:xfrm>
+          <a:prstGeom prst="rect">
+            <a:avLst/>
+          </a:prstGeom>
+          <a:noFill/>
+          <a:ln w="28575">
+            <a:solidFill>
+              <a:srgbClr val="FF0000"/>
+            </a:solidFill>
+          </a:ln>
+        </p:spPr>
+        <p:style>
+          <a:lnRef idx="2">
+            <a:schemeClr val="accent1">
+              <a:shade val="50000"/>
+            </a:schemeClr>
+          </a:lnRef>
+          <a:fillRef idx="1">
+            <a:schemeClr val="accent1"/>
+          </a:fillRef>
+          <a:effectRef idx="0">
+            <a:schemeClr val="accent1"/>
+          </a:effectRef>
+          <a:fontRef idx="minor">
+            <a:schemeClr val="lt1"/>
+          </a:fontRef>
+        </p:style>
+        <p:txBody>
+          <a:bodyPr rtlCol="0" anchor="ctr"/>
+          <a:lstStyle/>
+          <a:p>
+            <a:pPr algn="ctr"/>
+            <a:endParaRPr lang="ko-KR" altLang="en-US"/>
+          </a:p>
+        </p:txBody>
+      </p:sp>
+      <p:sp>
+        <p:nvSpPr>
+          <p:cNvPr id="6" name="직사각형 5">
+            <a:extLst>
+              <a:ext uri="{FF2B5EF4-FFF2-40B4-BE49-F238E27FC236}">
+                <a16:creationId xmlns:a16="http://schemas.microsoft.com/office/drawing/2014/main" id="{3F1EAD8B-B849-11CB-1783-305792ECC107}"/>
+              </a:ext>
+            </a:extLst>
+          </p:cNvPr>
+          <p:cNvSpPr/>
+          <p:nvPr/>
+        </p:nvSpPr>
+        <p:spPr>
+          <a:xfrm>
+            <a:off x="7847621" y="4344570"/>
+            <a:ext cx="1892300" cy="379829"/>
+          </a:xfrm>
+          <a:prstGeom prst="rect">
+            <a:avLst/>
+          </a:prstGeom>
+          <a:noFill/>
+          <a:ln w="28575">
+            <a:solidFill>
+              <a:schemeClr val="accent1"/>
+            </a:solidFill>
+          </a:ln>
+        </p:spPr>
+        <p:style>
+          <a:lnRef idx="2">
+            <a:schemeClr val="accent1">
+              <a:shade val="50000"/>
+            </a:schemeClr>
+          </a:lnRef>
+          <a:fillRef idx="1">
+            <a:schemeClr val="accent1"/>
+          </a:fillRef>
+          <a:effectRef idx="0">
+            <a:schemeClr val="accent1"/>
+          </a:effectRef>
+          <a:fontRef idx="minor">
+            <a:schemeClr val="lt1"/>
+          </a:fontRef>
+        </p:style>
+        <p:txBody>
+          <a:bodyPr rtlCol="0" anchor="ctr"/>
+          <a:lstStyle/>
+          <a:p>
+            <a:pPr algn="ctr"/>
+            <a:endParaRPr lang="ko-KR" altLang="en-US"/>
+          </a:p>
+        </p:txBody>
+      </p:sp>
+      <p:sp>
+        <p:nvSpPr>
+          <p:cNvPr id="7" name="직사각형 6">
+            <a:extLst>
+              <a:ext uri="{FF2B5EF4-FFF2-40B4-BE49-F238E27FC236}">
+                <a16:creationId xmlns:a16="http://schemas.microsoft.com/office/drawing/2014/main" id="{18E1B49A-0AB2-D662-217C-BACE4B17CAF7}"/>
+              </a:ext>
+            </a:extLst>
+          </p:cNvPr>
+          <p:cNvSpPr/>
+          <p:nvPr/>
+        </p:nvSpPr>
+        <p:spPr>
+          <a:xfrm>
+            <a:off x="7847621" y="3446046"/>
+            <a:ext cx="1892300" cy="379829"/>
+          </a:xfrm>
+          <a:prstGeom prst="rect">
+            <a:avLst/>
+          </a:prstGeom>
+          <a:noFill/>
+          <a:ln w="28575">
+            <a:solidFill>
+              <a:schemeClr val="accent6"/>
+            </a:solidFill>
+          </a:ln>
+        </p:spPr>
+        <p:style>
+          <a:lnRef idx="2">
+            <a:schemeClr val="accent1">
+              <a:shade val="50000"/>
+            </a:schemeClr>
+          </a:lnRef>
+          <a:fillRef idx="1">
+            <a:schemeClr val="accent1"/>
+          </a:fillRef>
+          <a:effectRef idx="0">
+            <a:schemeClr val="accent1"/>
+          </a:effectRef>
+          <a:fontRef idx="minor">
+            <a:schemeClr val="lt1"/>
+          </a:fontRef>
+        </p:style>
+        <p:txBody>
+          <a:bodyPr rtlCol="0" anchor="ctr"/>
+          <a:lstStyle/>
+          <a:p>
+            <a:pPr algn="ctr"/>
+            <a:endParaRPr lang="ko-KR" altLang="en-US"/>
+          </a:p>
+        </p:txBody>
+      </p:sp>
+    </p:spTree>
+    <p:extLst>
+      <p:ext uri="{BB962C8B-B14F-4D97-AF65-F5344CB8AC3E}">
+        <p14:creationId xmlns:p14="http://schemas.microsoft.com/office/powerpoint/2010/main" val="631245894"/>
+      </p:ext>
+    </p:extLst>
+  </p:cSld>
+  <p:clrMapOvr>
+    <a:masterClrMapping/>
+  </p:clrMapOvr>
+</p:sld>
+</file>
+
+<file path=ppt/slides/slide22.xml><?xml version="1.0" encoding="utf-8"?>
+<p:sld xmlns:a="http://schemas.openxmlformats.org/drawingml/2006/main" xmlns:r="http://schemas.openxmlformats.org/officeDocument/2006/relationships" xmlns:p="http://schemas.openxmlformats.org/presentationml/2006/main">
+  <p:cSld>
+    <p:spTree>
+      <p:nvGrpSpPr>
+        <p:cNvPr id="1" name=""/>
+        <p:cNvGrpSpPr/>
+        <p:nvPr/>
+      </p:nvGrpSpPr>
+      <p:grpSpPr>
+        <a:xfrm>
+          <a:off x="0" y="0"/>
+          <a:ext cx="0" cy="0"/>
+          <a:chOff x="0" y="0"/>
+          <a:chExt cx="0" cy="0"/>
+        </a:xfrm>
+      </p:grpSpPr>
+      <p:sp>
+        <p:nvSpPr>
+          <p:cNvPr id="2" name="제목 1">
+            <a:extLst>
+              <a:ext uri="{FF2B5EF4-FFF2-40B4-BE49-F238E27FC236}">
+                <a16:creationId xmlns:a16="http://schemas.microsoft.com/office/drawing/2014/main" id="{95CB7AEF-6056-404F-8222-D7A0008FE999}"/>
+              </a:ext>
+            </a:extLst>
+          </p:cNvPr>
+          <p:cNvSpPr>
+            <a:spLocks noGrp="1"/>
+          </p:cNvSpPr>
+          <p:nvPr>
+            <p:ph type="title"/>
+          </p:nvPr>
+        </p:nvSpPr>
+        <p:spPr/>
+        <p:txBody>
+          <a:bodyPr>
+            <a:normAutofit/>
+          </a:bodyPr>
+          <a:lstStyle/>
+          <a:p>
+            <a:r>
+              <a:rPr lang="en-US" altLang="ko-KR" sz="3600" b="1" dirty="0">
+                <a:solidFill>
+                  <a:schemeClr val="tx1">
+                    <a:lumMod val="85000"/>
+                    <a:lumOff val="15000"/>
+                  </a:schemeClr>
+                </a:solidFill>
+                <a:latin typeface="나눔스퀘어 ExtraBold"/>
+                <a:cs typeface="Arial" panose="020B0604020202020204" pitchFamily="34" charset="0"/>
+              </a:rPr>
+              <a:t>Experiments</a:t>
+            </a:r>
+            <a:endParaRPr lang="ko-KR" altLang="en-US" sz="3600" b="1" dirty="0">
+              <a:solidFill>
+                <a:schemeClr val="tx1">
+                  <a:lumMod val="85000"/>
+                  <a:lumOff val="15000"/>
+                </a:schemeClr>
+              </a:solidFill>
+              <a:latin typeface="나눔스퀘어 ExtraBold"/>
+              <a:cs typeface="Arial" panose="020B0604020202020204" pitchFamily="34" charset="0"/>
+            </a:endParaRPr>
+          </a:p>
+        </p:txBody>
+      </p:sp>
+      <p:sp>
+        <p:nvSpPr>
+          <p:cNvPr id="4" name="슬라이드 번호 개체 틀 3">
+            <a:extLst>
+              <a:ext uri="{FF2B5EF4-FFF2-40B4-BE49-F238E27FC236}">
+                <a16:creationId xmlns:a16="http://schemas.microsoft.com/office/drawing/2014/main" id="{4705CCFD-CA4E-4794-89D0-C3DF4603C893}"/>
+              </a:ext>
+            </a:extLst>
+          </p:cNvPr>
+          <p:cNvSpPr>
+            <a:spLocks noGrp="1"/>
+          </p:cNvSpPr>
+          <p:nvPr>
+            <p:ph type="sldNum" sz="quarter" idx="12"/>
+          </p:nvPr>
+        </p:nvSpPr>
+        <p:spPr/>
+        <p:txBody>
+          <a:bodyPr/>
+          <a:lstStyle/>
+          <a:p>
+            <a:fld id="{16A93642-25BD-4471-A422-0159119E9512}" type="slidenum">
+              <a:rPr lang="ko-KR" altLang="en-US" smtClean="0"/>
+              <a:pPr/>
+              <a:t>22</a:t>
+            </a:fld>
+            <a:endParaRPr lang="ko-KR" altLang="en-US" dirty="0"/>
+          </a:p>
+        </p:txBody>
+      </p:sp>
+      <p:sp>
+        <p:nvSpPr>
+          <p:cNvPr id="8" name="내용 개체 틀 7">
+            <a:extLst>
+              <a:ext uri="{FF2B5EF4-FFF2-40B4-BE49-F238E27FC236}">
+                <a16:creationId xmlns:a16="http://schemas.microsoft.com/office/drawing/2014/main" id="{529404E6-DADD-3840-8D66-35A2B8EFAF02}"/>
+              </a:ext>
+            </a:extLst>
+          </p:cNvPr>
+          <p:cNvSpPr>
+            <a:spLocks noGrp="1"/>
+          </p:cNvSpPr>
+          <p:nvPr>
+            <p:ph idx="1"/>
+          </p:nvPr>
+        </p:nvSpPr>
+        <p:spPr>
+          <a:xfrm>
+            <a:off x="838200" y="1609725"/>
+            <a:ext cx="10515600" cy="4351338"/>
+          </a:xfrm>
+        </p:spPr>
+        <p:txBody>
+          <a:bodyPr>
+            <a:normAutofit/>
+          </a:bodyPr>
+          <a:lstStyle/>
+          <a:p>
+            <a:r>
+              <a:rPr lang="en-US" altLang="ko-KR" sz="2400" dirty="0"/>
+              <a:t>4.3 Runtime and parameter sensitivity</a:t>
+            </a:r>
+            <a:endParaRPr lang="ko-KR" altLang="en-US" sz="4800" dirty="0"/>
+          </a:p>
+        </p:txBody>
+      </p:sp>
+      <p:pic>
+        <p:nvPicPr>
+          <p:cNvPr id="7" name="그림 6">
+            <a:extLst>
+              <a:ext uri="{FF2B5EF4-FFF2-40B4-BE49-F238E27FC236}">
+                <a16:creationId xmlns:a16="http://schemas.microsoft.com/office/drawing/2014/main" id="{15167EB0-ACA8-1E71-86B2-58D6914E7722}"/>
+              </a:ext>
+            </a:extLst>
+          </p:cNvPr>
+          <p:cNvPicPr>
+            <a:picLocks noChangeAspect="1"/>
+          </p:cNvPicPr>
+          <p:nvPr/>
+        </p:nvPicPr>
+        <p:blipFill>
+          <a:blip r:embed="rId3"/>
+          <a:stretch>
+            <a:fillRect/>
+          </a:stretch>
+        </p:blipFill>
+        <p:spPr>
+          <a:xfrm>
+            <a:off x="1731383" y="2091340"/>
+            <a:ext cx="8297433" cy="3696216"/>
+          </a:xfrm>
+          <a:prstGeom prst="rect">
+            <a:avLst/>
+          </a:prstGeom>
+        </p:spPr>
+      </p:pic>
+    </p:spTree>
+    <p:extLst>
+      <p:ext uri="{BB962C8B-B14F-4D97-AF65-F5344CB8AC3E}">
+        <p14:creationId xmlns:p14="http://schemas.microsoft.com/office/powerpoint/2010/main" val="4059417253"/>
+      </p:ext>
+    </p:extLst>
+  </p:cSld>
+  <p:clrMapOvr>
+    <a:masterClrMapping/>
+  </p:clrMapOvr>
+</p:sld>
+</file>
+
+<file path=ppt/slides/slide23.xml><?xml version="1.0" encoding="utf-8"?>
+<p:sld xmlns:a="http://schemas.openxmlformats.org/drawingml/2006/main" xmlns:r="http://schemas.openxmlformats.org/officeDocument/2006/relationships" xmlns:p="http://schemas.openxmlformats.org/presentationml/2006/main">
+  <p:cSld>
+    <p:spTree>
+      <p:nvGrpSpPr>
+        <p:cNvPr id="1" name=""/>
+        <p:cNvGrpSpPr/>
+        <p:nvPr/>
+      </p:nvGrpSpPr>
+      <p:grpSpPr>
+        <a:xfrm>
+          <a:off x="0" y="0"/>
+          <a:ext cx="0" cy="0"/>
+          <a:chOff x="0" y="0"/>
+          <a:chExt cx="0" cy="0"/>
+        </a:xfrm>
+      </p:grpSpPr>
+      <p:sp>
+        <p:nvSpPr>
+          <p:cNvPr id="2" name="제목 1">
+            <a:extLst>
+              <a:ext uri="{FF2B5EF4-FFF2-40B4-BE49-F238E27FC236}">
+                <a16:creationId xmlns:a16="http://schemas.microsoft.com/office/drawing/2014/main" id="{95CB7AEF-6056-404F-8222-D7A0008FE999}"/>
+              </a:ext>
+            </a:extLst>
+          </p:cNvPr>
+          <p:cNvSpPr>
+            <a:spLocks noGrp="1"/>
+          </p:cNvSpPr>
+          <p:nvPr>
+            <p:ph type="title"/>
+          </p:nvPr>
+        </p:nvSpPr>
+        <p:spPr/>
+        <p:txBody>
+          <a:bodyPr>
+            <a:normAutofit/>
+          </a:bodyPr>
+          <a:lstStyle/>
+          <a:p>
+            <a:r>
+              <a:rPr lang="en-US" altLang="ko-KR" sz="3600" b="1" dirty="0">
+                <a:solidFill>
+                  <a:schemeClr val="tx1">
+                    <a:lumMod val="85000"/>
+                    <a:lumOff val="15000"/>
+                  </a:schemeClr>
+                </a:solidFill>
+                <a:latin typeface="나눔스퀘어 ExtraBold"/>
+                <a:cs typeface="Arial" panose="020B0604020202020204" pitchFamily="34" charset="0"/>
+              </a:rPr>
+              <a:t>Experiments</a:t>
+            </a:r>
+            <a:endParaRPr lang="ko-KR" altLang="en-US" sz="3600" b="1" dirty="0">
+              <a:solidFill>
+                <a:schemeClr val="tx1">
+                  <a:lumMod val="85000"/>
+                  <a:lumOff val="15000"/>
+                </a:schemeClr>
+              </a:solidFill>
+              <a:latin typeface="나눔스퀘어 ExtraBold"/>
+              <a:cs typeface="Arial" panose="020B0604020202020204" pitchFamily="34" charset="0"/>
+            </a:endParaRPr>
+          </a:p>
+        </p:txBody>
+      </p:sp>
+      <p:sp>
+        <p:nvSpPr>
+          <p:cNvPr id="4" name="슬라이드 번호 개체 틀 3">
+            <a:extLst>
+              <a:ext uri="{FF2B5EF4-FFF2-40B4-BE49-F238E27FC236}">
+                <a16:creationId xmlns:a16="http://schemas.microsoft.com/office/drawing/2014/main" id="{4705CCFD-CA4E-4794-89D0-C3DF4603C893}"/>
+              </a:ext>
+            </a:extLst>
+          </p:cNvPr>
+          <p:cNvSpPr>
+            <a:spLocks noGrp="1"/>
+          </p:cNvSpPr>
+          <p:nvPr>
+            <p:ph type="sldNum" sz="quarter" idx="12"/>
+          </p:nvPr>
+        </p:nvSpPr>
+        <p:spPr/>
+        <p:txBody>
+          <a:bodyPr/>
+          <a:lstStyle/>
+          <a:p>
+            <a:fld id="{16A93642-25BD-4471-A422-0159119E9512}" type="slidenum">
+              <a:rPr lang="ko-KR" altLang="en-US" smtClean="0"/>
+              <a:pPr/>
+              <a:t>23</a:t>
+            </a:fld>
+            <a:endParaRPr lang="ko-KR" altLang="en-US" dirty="0"/>
+          </a:p>
+        </p:txBody>
+      </p:sp>
+      <p:sp>
+        <p:nvSpPr>
+          <p:cNvPr id="8" name="내용 개체 틀 7">
+            <a:extLst>
+              <a:ext uri="{FF2B5EF4-FFF2-40B4-BE49-F238E27FC236}">
+                <a16:creationId xmlns:a16="http://schemas.microsoft.com/office/drawing/2014/main" id="{529404E6-DADD-3840-8D66-35A2B8EFAF02}"/>
+              </a:ext>
+            </a:extLst>
+          </p:cNvPr>
+          <p:cNvSpPr>
+            <a:spLocks noGrp="1"/>
+          </p:cNvSpPr>
+          <p:nvPr>
+            <p:ph idx="1"/>
+          </p:nvPr>
+        </p:nvSpPr>
+        <p:spPr>
+          <a:xfrm>
+            <a:off x="838200" y="1609725"/>
+            <a:ext cx="10515600" cy="4351338"/>
+          </a:xfrm>
+        </p:spPr>
+        <p:txBody>
+          <a:bodyPr>
+            <a:normAutofit/>
+          </a:bodyPr>
+          <a:lstStyle/>
+          <a:p>
+            <a:r>
+              <a:rPr lang="en-US" altLang="ko-KR" sz="2400" dirty="0"/>
+              <a:t>4.4 Summary comparison between the different aggregator architectures</a:t>
+            </a:r>
+          </a:p>
+          <a:p>
+            <a:endParaRPr lang="en-US" altLang="ko-KR" sz="2400" dirty="0"/>
+          </a:p>
+          <a:p>
+            <a:pPr lvl="1"/>
+            <a:r>
+              <a:rPr lang="en-US" altLang="ko-KR" sz="2000" dirty="0"/>
+              <a:t>the </a:t>
+            </a:r>
+            <a:r>
+              <a:rPr lang="en-US" altLang="ko-KR" sz="2000" b="1" dirty="0"/>
+              <a:t>LSTM</a:t>
+            </a:r>
+            <a:r>
+              <a:rPr lang="en-US" altLang="ko-KR" sz="2000" dirty="0"/>
+              <a:t>- </a:t>
+            </a:r>
+            <a:r>
+              <a:rPr lang="en-US" altLang="ko-KR" sz="2000" b="1" dirty="0"/>
+              <a:t>and pool-based </a:t>
+            </a:r>
+            <a:r>
+              <a:rPr lang="en-US" altLang="ko-KR" sz="2000" dirty="0"/>
+              <a:t>aggregators </a:t>
+            </a:r>
+            <a:r>
+              <a:rPr lang="en-US" altLang="ko-KR" sz="2000" b="1" dirty="0"/>
+              <a:t>performed the best</a:t>
+            </a:r>
+            <a:r>
+              <a:rPr lang="en-US" altLang="ko-KR" sz="2000" dirty="0"/>
+              <a:t>, in terms of both average performance and number of experimental settings where they were the top-performing method</a:t>
+            </a:r>
+            <a:endParaRPr lang="ko-KR" altLang="en-US" sz="2800" dirty="0"/>
+          </a:p>
+        </p:txBody>
+      </p:sp>
+    </p:spTree>
+    <p:extLst>
+      <p:ext uri="{BB962C8B-B14F-4D97-AF65-F5344CB8AC3E}">
+        <p14:creationId xmlns:p14="http://schemas.microsoft.com/office/powerpoint/2010/main" val="2522142649"/>
+      </p:ext>
+    </p:extLst>
+  </p:cSld>
+  <p:clrMapOvr>
+    <a:masterClrMapping/>
+  </p:clrMapOvr>
+</p:sld>
+</file>
+
+<file path=ppt/slides/slide24.xml><?xml version="1.0" encoding="utf-8"?>
+<p:sld xmlns:a="http://schemas.openxmlformats.org/drawingml/2006/main" xmlns:r="http://schemas.openxmlformats.org/officeDocument/2006/relationships" xmlns:p="http://schemas.openxmlformats.org/presentationml/2006/main">
+  <p:cSld>
+    <p:spTree>
+      <p:nvGrpSpPr>
+        <p:cNvPr id="1" name=""/>
+        <p:cNvGrpSpPr/>
+        <p:nvPr/>
+      </p:nvGrpSpPr>
+      <p:grpSpPr>
+        <a:xfrm>
+          <a:off x="0" y="0"/>
+          <a:ext cx="0" cy="0"/>
+          <a:chOff x="0" y="0"/>
+          <a:chExt cx="0" cy="0"/>
+        </a:xfrm>
+      </p:grpSpPr>
+      <p:sp>
+        <p:nvSpPr>
+          <p:cNvPr id="2" name="제목 1">
+            <a:extLst>
+              <a:ext uri="{FF2B5EF4-FFF2-40B4-BE49-F238E27FC236}">
+                <a16:creationId xmlns:a16="http://schemas.microsoft.com/office/drawing/2014/main" id="{95CB7AEF-6056-404F-8222-D7A0008FE999}"/>
+              </a:ext>
+            </a:extLst>
+          </p:cNvPr>
+          <p:cNvSpPr>
+            <a:spLocks noGrp="1"/>
+          </p:cNvSpPr>
+          <p:nvPr>
+            <p:ph type="title"/>
+          </p:nvPr>
+        </p:nvSpPr>
+        <p:spPr/>
+        <p:txBody>
+          <a:bodyPr>
+            <a:normAutofit/>
+          </a:bodyPr>
+          <a:lstStyle/>
+          <a:p>
+            <a:r>
+              <a:rPr lang="en-US" altLang="ko-KR" sz="3600" b="1" dirty="0">
+                <a:solidFill>
+                  <a:schemeClr val="tx1">
+                    <a:lumMod val="85000"/>
+                    <a:lumOff val="15000"/>
+                  </a:schemeClr>
+                </a:solidFill>
+                <a:latin typeface="나눔스퀘어 ExtraBold"/>
+                <a:cs typeface="Arial" panose="020B0604020202020204" pitchFamily="34" charset="0"/>
+              </a:rPr>
+              <a:t>Conclusion</a:t>
+            </a:r>
+            <a:endParaRPr lang="ko-KR" altLang="en-US" sz="3600" b="1" dirty="0">
+              <a:solidFill>
+                <a:schemeClr val="tx1">
+                  <a:lumMod val="85000"/>
+                  <a:lumOff val="15000"/>
+                </a:schemeClr>
+              </a:solidFill>
+              <a:latin typeface="나눔스퀘어 ExtraBold"/>
+              <a:cs typeface="Arial" panose="020B0604020202020204" pitchFamily="34" charset="0"/>
+            </a:endParaRPr>
+          </a:p>
+        </p:txBody>
+      </p:sp>
+      <p:sp>
+        <p:nvSpPr>
+          <p:cNvPr id="4" name="슬라이드 번호 개체 틀 3">
+            <a:extLst>
+              <a:ext uri="{FF2B5EF4-FFF2-40B4-BE49-F238E27FC236}">
+                <a16:creationId xmlns:a16="http://schemas.microsoft.com/office/drawing/2014/main" id="{4705CCFD-CA4E-4794-89D0-C3DF4603C893}"/>
+              </a:ext>
+            </a:extLst>
+          </p:cNvPr>
+          <p:cNvSpPr>
+            <a:spLocks noGrp="1"/>
+          </p:cNvSpPr>
+          <p:nvPr>
+            <p:ph type="sldNum" sz="quarter" idx="12"/>
+          </p:nvPr>
+        </p:nvSpPr>
+        <p:spPr/>
+        <p:txBody>
+          <a:bodyPr/>
+          <a:lstStyle/>
+          <a:p>
+            <a:fld id="{16A93642-25BD-4471-A422-0159119E9512}" type="slidenum">
+              <a:rPr lang="ko-KR" altLang="en-US" smtClean="0"/>
+              <a:pPr/>
+              <a:t>24</a:t>
+            </a:fld>
+            <a:endParaRPr lang="ko-KR" altLang="en-US" dirty="0"/>
+          </a:p>
+        </p:txBody>
+      </p:sp>
+      <p:sp>
+        <p:nvSpPr>
+          <p:cNvPr id="8" name="내용 개체 틀 7">
+            <a:extLst>
+              <a:ext uri="{FF2B5EF4-FFF2-40B4-BE49-F238E27FC236}">
+                <a16:creationId xmlns:a16="http://schemas.microsoft.com/office/drawing/2014/main" id="{529404E6-DADD-3840-8D66-35A2B8EFAF02}"/>
+              </a:ext>
+            </a:extLst>
+          </p:cNvPr>
+          <p:cNvSpPr>
+            <a:spLocks noGrp="1"/>
+          </p:cNvSpPr>
+          <p:nvPr>
+            <p:ph idx="1"/>
+          </p:nvPr>
+        </p:nvSpPr>
+        <p:spPr>
+          <a:xfrm>
+            <a:off x="838200" y="1609725"/>
+            <a:ext cx="10515600" cy="4351338"/>
+          </a:xfrm>
+        </p:spPr>
+        <p:txBody>
+          <a:bodyPr>
+            <a:normAutofit/>
+          </a:bodyPr>
+          <a:lstStyle/>
+          <a:p>
+            <a:r>
+              <a:rPr lang="en-US" altLang="ko-KR" sz="2400" b="1" dirty="0" err="1"/>
+              <a:t>GraphSAGE</a:t>
+            </a:r>
+            <a:r>
+              <a:rPr lang="en-US" altLang="ko-KR" sz="2400" b="1" dirty="0"/>
+              <a:t> </a:t>
+            </a:r>
+            <a:r>
+              <a:rPr lang="en-US" altLang="ko-KR" sz="2400" dirty="0"/>
+              <a:t>introduced a novel approach that allows </a:t>
+            </a:r>
+            <a:r>
+              <a:rPr lang="en-US" altLang="ko-KR" sz="2400" b="1" dirty="0"/>
+              <a:t>embeddings </a:t>
+            </a:r>
+            <a:r>
+              <a:rPr lang="en-US" altLang="ko-KR" sz="2400" dirty="0"/>
+              <a:t>to be efficiently generated for </a:t>
+            </a:r>
+            <a:r>
+              <a:rPr lang="en-US" altLang="ko-KR" sz="2400" b="1" dirty="0"/>
+              <a:t>unseen nodes</a:t>
+            </a:r>
+          </a:p>
+          <a:p>
+            <a:r>
+              <a:rPr lang="en-US" altLang="ko-KR" sz="2400" dirty="0"/>
+              <a:t>effectively </a:t>
+            </a:r>
+            <a:r>
+              <a:rPr lang="en-US" altLang="ko-KR" sz="2400" b="1" dirty="0"/>
+              <a:t>trades off performance and runtime by sampling node </a:t>
+            </a:r>
+            <a:r>
+              <a:rPr lang="en-US" altLang="ko-KR" sz="2400" dirty="0"/>
+              <a:t>neighborhoods</a:t>
+            </a:r>
+            <a:endParaRPr lang="en-US" altLang="ko-KR" sz="2400" b="1" dirty="0"/>
+          </a:p>
+          <a:p>
+            <a:r>
+              <a:rPr lang="en-US" altLang="ko-KR" sz="2400" dirty="0"/>
+              <a:t>theoretical analysis </a:t>
+            </a:r>
+            <a:r>
+              <a:rPr lang="en-US" altLang="ko-KR" sz="2400" b="1" dirty="0"/>
+              <a:t>provides insight </a:t>
+            </a:r>
+            <a:r>
+              <a:rPr lang="en-US" altLang="ko-KR" sz="2400" dirty="0"/>
+              <a:t>into </a:t>
+            </a:r>
+            <a:r>
+              <a:rPr lang="en-US" altLang="ko-KR" sz="2400" b="1" dirty="0"/>
+              <a:t>how</a:t>
+            </a:r>
+            <a:r>
+              <a:rPr lang="en-US" altLang="ko-KR" sz="2400" dirty="0"/>
+              <a:t> </a:t>
+            </a:r>
+            <a:r>
+              <a:rPr lang="en-US" altLang="ko-KR" sz="2400" b="1" dirty="0"/>
+              <a:t>can learn about local graph structures</a:t>
+            </a:r>
+            <a:endParaRPr lang="ko-KR" altLang="en-US" sz="3600" b="1" dirty="0"/>
+          </a:p>
+        </p:txBody>
+      </p:sp>
+    </p:spTree>
+    <p:extLst>
+      <p:ext uri="{BB962C8B-B14F-4D97-AF65-F5344CB8AC3E}">
+        <p14:creationId xmlns:p14="http://schemas.microsoft.com/office/powerpoint/2010/main" val="3719729022"/>
+      </p:ext>
+    </p:extLst>
+  </p:cSld>
+  <p:clrMapOvr>
+    <a:masterClrMapping/>
+  </p:clrMapOvr>
+</p:sld>
+</file>
+
 <file path=ppt/slides/slide3.xml><?xml version="1.0" encoding="utf-8"?>
 <p:sld xmlns:a="http://schemas.openxmlformats.org/drawingml/2006/main" xmlns:r="http://schemas.openxmlformats.org/officeDocument/2006/relationships" xmlns:p="http://schemas.openxmlformats.org/presentationml/2006/main">
   <p:cSld>
@@ -7766,15 +15429,14 @@
             </a:r>
           </a:p>
           <a:p>
-            <a:pPr marL="889200" lvl="1" indent="-432000">
+            <a:pPr marL="457200" lvl="1" indent="0">
               <a:lnSpc>
                 <a:spcPct val="100000"/>
               </a:lnSpc>
               <a:buClr>
                 <a:srgbClr val="004F9E"/>
               </a:buClr>
-              <a:buFont typeface="Wingdings" panose="05000000000000000000" pitchFamily="2" charset="2"/>
-              <a:buChar char="§"/>
+              <a:buNone/>
             </a:pPr>
             <a:r>
               <a:rPr lang="en-US" altLang="ko-KR" sz="1600" b="1" dirty="0">
@@ -7843,15 +15505,14 @@
             </a:r>
           </a:p>
           <a:p>
-            <a:pPr marL="889200" lvl="1" indent="-432000">
+            <a:pPr marL="457200" lvl="1" indent="0">
               <a:lnSpc>
                 <a:spcPct val="100000"/>
               </a:lnSpc>
               <a:buClr>
                 <a:srgbClr val="004F9E"/>
               </a:buClr>
-              <a:buFont typeface="Wingdings" panose="05000000000000000000" pitchFamily="2" charset="2"/>
-              <a:buChar char="§"/>
+              <a:buNone/>
             </a:pPr>
             <a:r>
               <a:rPr lang="en-US" altLang="ko-KR" sz="1600" b="1" dirty="0">
@@ -9140,7 +16801,12 @@
             <p:ph idx="1"/>
           </p:nvPr>
         </p:nvSpPr>
-        <p:spPr/>
+        <p:spPr>
+          <a:xfrm>
+            <a:off x="838200" y="1658360"/>
+            <a:ext cx="10515600" cy="4351338"/>
+          </a:xfrm>
+        </p:spPr>
         <p:txBody>
           <a:bodyPr>
             <a:normAutofit/>

--- a/papers/review/GraphSAGE Review.pptx
+++ b/papers/review/GraphSAGE Review.pptx
@@ -5,7 +5,7 @@
     <p:sldMasterId id="2147483648" r:id="rId1"/>
   </p:sldMasterIdLst>
   <p:notesMasterIdLst>
-    <p:notesMasterId r:id="rId26"/>
+    <p:notesMasterId r:id="rId27"/>
   </p:notesMasterIdLst>
   <p:sldIdLst>
     <p:sldId id="256" r:id="rId2"/>
@@ -29,9 +29,10 @@
     <p:sldId id="275" r:id="rId20"/>
     <p:sldId id="282" r:id="rId21"/>
     <p:sldId id="278" r:id="rId22"/>
-    <p:sldId id="279" r:id="rId23"/>
-    <p:sldId id="280" r:id="rId24"/>
-    <p:sldId id="281" r:id="rId25"/>
+    <p:sldId id="283" r:id="rId23"/>
+    <p:sldId id="279" r:id="rId24"/>
+    <p:sldId id="280" r:id="rId25"/>
+    <p:sldId id="281" r:id="rId26"/>
   </p:sldIdLst>
   <p:sldSz cx="12192000" cy="6858000"/>
   <p:notesSz cx="6858000" cy="9144000"/>
@@ -231,7 +232,7 @@
           <a:p>
             <a:fld id="{B4BAEF34-DDA1-41A6-94BB-1D7567B3088F}" type="datetimeFigureOut">
               <a:rPr lang="ko-KR" altLang="en-US" smtClean="0"/>
-              <a:t>2023-01-23</a:t>
+              <a:t>2023-01-26</a:t>
             </a:fld>
             <a:endParaRPr lang="ko-KR" altLang="en-US"/>
           </a:p>
@@ -652,6 +653,19 @@
           </a:p>
           <a:p>
             <a:r>
+              <a:rPr lang="ko-KR" altLang="en-US" dirty="0"/>
+              <a:t>우선 기호에 대한 설명을 하자면</a:t>
+            </a:r>
+            <a:r>
+              <a:rPr lang="en-US" altLang="ko-KR" dirty="0"/>
+              <a:t>..</a:t>
+            </a:r>
+          </a:p>
+          <a:p>
+            <a:endParaRPr lang="en-US" altLang="ko-KR" dirty="0"/>
+          </a:p>
+          <a:p>
+            <a:r>
               <a:rPr lang="en-US" altLang="ko-KR" dirty="0"/>
               <a:t> v</a:t>
             </a:r>
@@ -753,101 +767,6 @@
               <a:t>의 개수</a:t>
             </a:r>
             <a:endParaRPr lang="en-US" altLang="ko-KR" dirty="0"/>
-          </a:p>
-          <a:p>
-            <a:endParaRPr lang="en-US" altLang="ko-KR" dirty="0"/>
-          </a:p>
-          <a:p>
-            <a:r>
-              <a:rPr lang="ko-KR" altLang="en-US" dirty="0"/>
-              <a:t>이전 </a:t>
-            </a:r>
-            <a:r>
-              <a:rPr lang="ko-KR" altLang="en-US" dirty="0" err="1"/>
-              <a:t>임베딩</a:t>
-            </a:r>
-            <a:r>
-              <a:rPr lang="ko-KR" altLang="en-US" dirty="0"/>
-              <a:t> 방식과 다르게</a:t>
-            </a:r>
-            <a:r>
-              <a:rPr lang="en-US" altLang="ko-KR" dirty="0"/>
-              <a:t>, loss function</a:t>
-            </a:r>
-            <a:r>
-              <a:rPr lang="ko-KR" altLang="en-US" dirty="0"/>
-              <a:t>이 적용되는 </a:t>
-            </a:r>
-            <a:r>
-              <a:rPr lang="en-US" altLang="ko-KR" dirty="0"/>
-              <a:t>Zu</a:t>
-            </a:r>
-            <a:r>
-              <a:rPr lang="ko-KR" altLang="en-US" dirty="0"/>
-              <a:t>는 노드의 이웃으로 부터 얻어지는 </a:t>
-            </a:r>
-            <a:r>
-              <a:rPr lang="en-US" altLang="ko-KR" dirty="0"/>
-              <a:t>features</a:t>
-            </a:r>
-            <a:r>
-              <a:rPr lang="ko-KR" altLang="en-US" dirty="0"/>
-              <a:t>로 인해 생성된다</a:t>
-            </a:r>
-            <a:r>
-              <a:rPr lang="en-US" altLang="ko-KR" dirty="0"/>
-              <a:t>.</a:t>
-            </a:r>
-          </a:p>
-          <a:p>
-            <a:r>
-              <a:rPr lang="ko-KR" altLang="en-US" dirty="0"/>
-              <a:t>이런 </a:t>
-            </a:r>
-            <a:r>
-              <a:rPr lang="en-US" altLang="ko-KR" dirty="0"/>
-              <a:t>loss function</a:t>
-            </a:r>
-            <a:r>
-              <a:rPr lang="ko-KR" altLang="en-US" dirty="0"/>
-              <a:t>으로 </a:t>
-            </a:r>
-            <a:r>
-              <a:rPr lang="ko-KR" altLang="en-US" dirty="0" err="1"/>
-              <a:t>이웃노드는</a:t>
-            </a:r>
-            <a:r>
-              <a:rPr lang="ko-KR" altLang="en-US" dirty="0"/>
-              <a:t> 유사도가 높은 </a:t>
-            </a:r>
-            <a:r>
-              <a:rPr lang="ko-KR" altLang="en-US" dirty="0" err="1"/>
-              <a:t>임베딩을</a:t>
-            </a:r>
-            <a:r>
-              <a:rPr lang="ko-KR" altLang="en-US" dirty="0"/>
-              <a:t> 갖도록</a:t>
-            </a:r>
-            <a:r>
-              <a:rPr lang="en-US" altLang="ko-KR" dirty="0"/>
-              <a:t>, </a:t>
-            </a:r>
-            <a:r>
-              <a:rPr lang="ko-KR" altLang="en-US" dirty="0"/>
-              <a:t>이웃이 아닌 노드는 유사도가 낮은 </a:t>
-            </a:r>
-            <a:r>
-              <a:rPr lang="ko-KR" altLang="en-US" dirty="0" err="1"/>
-              <a:t>임베딩을</a:t>
-            </a:r>
-            <a:r>
-              <a:rPr lang="ko-KR" altLang="en-US" dirty="0"/>
-              <a:t> 갖도록 학습이 이루어진다</a:t>
-            </a:r>
-            <a:r>
-              <a:rPr lang="en-US" altLang="ko-KR" dirty="0"/>
-              <a:t>.</a:t>
-            </a:r>
           </a:p>
           <a:p>
             <a:endParaRPr lang="en-US" altLang="ko-KR" dirty="0"/>
@@ -935,140 +854,72 @@
           <a:lstStyle/>
           <a:p>
             <a:r>
-              <a:rPr lang="ko-KR" altLang="en-US" dirty="0"/>
-              <a:t>이것이 </a:t>
-            </a:r>
-            <a:r>
-              <a:rPr lang="en-US" altLang="ko-KR" dirty="0" err="1"/>
-              <a:t>graphSAGE</a:t>
-            </a:r>
-            <a:r>
-              <a:rPr lang="en-US" altLang="ko-KR" dirty="0"/>
+              <a:rPr lang="ko-KR" altLang="en-US" dirty="0" err="1"/>
+              <a:t>로스함수</a:t>
+            </a:r>
+            <a:r>
+              <a:rPr lang="ko-KR" altLang="en-US" dirty="0"/>
+              <a:t> 내용을 살펴보면</a:t>
+            </a:r>
+            <a:r>
+              <a:rPr lang="en-US" altLang="ko-KR" dirty="0"/>
+              <a:t>,</a:t>
+            </a:r>
+          </a:p>
+          <a:p>
+            <a:r>
+              <a:rPr lang="ko-KR" altLang="en-US" dirty="0"/>
+              <a:t>첫번째 </a:t>
+            </a:r>
+            <a:r>
+              <a:rPr lang="ko-KR" altLang="en-US" dirty="0" err="1"/>
+              <a:t>손실값은</a:t>
+            </a:r>
+            <a:r>
+              <a:rPr lang="ko-KR" altLang="en-US" dirty="0"/>
               <a:t> </a:t>
             </a:r>
             <a:r>
-              <a:rPr lang="ko-KR" altLang="en-US" dirty="0"/>
-              <a:t>모델 파라미터 학습을 위한 손실함수</a:t>
-            </a:r>
-            <a:r>
-              <a:rPr lang="en-US" altLang="ko-KR" dirty="0"/>
-              <a:t>.</a:t>
-            </a:r>
-          </a:p>
-          <a:p>
-            <a:endParaRPr lang="en-US" altLang="ko-KR" dirty="0"/>
-          </a:p>
-          <a:p>
-            <a:r>
-              <a:rPr lang="en-US" altLang="ko-KR" dirty="0"/>
-              <a:t> v</a:t>
-            </a:r>
-            <a:r>
-              <a:rPr lang="ko-KR" altLang="en-US" dirty="0"/>
-              <a:t>는 랜덤워크를 통해 뽑은 고정된 숫자의 </a:t>
-            </a:r>
-            <a:r>
-              <a:rPr lang="en-US" altLang="ko-KR" dirty="0"/>
-              <a:t>u </a:t>
-            </a:r>
-            <a:r>
-              <a:rPr lang="ko-KR" altLang="en-US" dirty="0"/>
-              <a:t>이웃을 의미</a:t>
-            </a:r>
-            <a:r>
-              <a:rPr lang="en-US" altLang="ko-KR" dirty="0"/>
-              <a:t>.</a:t>
-            </a:r>
-          </a:p>
-          <a:p>
-            <a:r>
-              <a:rPr lang="en-US" altLang="ko-KR" dirty="0" err="1"/>
-              <a:t>Vn</a:t>
-            </a:r>
-            <a:r>
-              <a:rPr lang="ko-KR" altLang="en-US" dirty="0"/>
-              <a:t>은 </a:t>
-            </a:r>
-            <a:r>
-              <a:rPr lang="en-US" altLang="ko-KR" dirty="0"/>
-              <a:t>negative </a:t>
-            </a:r>
-            <a:r>
-              <a:rPr lang="ko-KR" altLang="en-US" dirty="0"/>
-              <a:t>노드로 이웃이 아닌 노드를 의미</a:t>
-            </a:r>
-            <a:r>
-              <a:rPr lang="en-US" altLang="ko-KR" dirty="0"/>
-              <a:t>.</a:t>
-            </a:r>
-          </a:p>
-          <a:p>
-            <a:r>
-              <a:rPr lang="ko-KR" altLang="en-US" dirty="0"/>
-              <a:t>시그마는 </a:t>
-            </a:r>
-            <a:r>
               <a:rPr lang="ko-KR" altLang="en-US" dirty="0" err="1"/>
-              <a:t>시그모이드</a:t>
-            </a:r>
-            <a:endParaRPr lang="en-US" altLang="ko-KR" dirty="0"/>
-          </a:p>
-          <a:p>
-            <a:r>
-              <a:rPr lang="en-US" altLang="ko-KR" dirty="0" err="1"/>
-              <a:t>Pn</a:t>
-            </a:r>
-            <a:r>
-              <a:rPr lang="ko-KR" altLang="en-US" dirty="0"/>
-              <a:t>은 </a:t>
-            </a:r>
-            <a:r>
-              <a:rPr lang="en-US" altLang="ko-KR" dirty="0"/>
-              <a:t>negative</a:t>
+              <a:t>타겟노드와</a:t>
+            </a:r>
+            <a:r>
+              <a:rPr lang="ko-KR" altLang="en-US" dirty="0"/>
+              <a:t> 이웃 노드 </a:t>
+            </a:r>
+            <a:r>
+              <a:rPr lang="ko-KR" altLang="en-US" dirty="0" err="1"/>
+              <a:t>임베딩의</a:t>
+            </a:r>
+            <a:r>
+              <a:rPr lang="ko-KR" altLang="en-US" dirty="0"/>
+              <a:t> 곱으로 이 값이 높을 수록 전체적인 로스는 작아지고</a:t>
+            </a:r>
+            <a:r>
+              <a:rPr lang="en-US" altLang="ko-KR" dirty="0"/>
+              <a:t>,</a:t>
+            </a:r>
+          </a:p>
+          <a:p>
+            <a:r>
+              <a:rPr lang="ko-KR" altLang="en-US" dirty="0"/>
+              <a:t>두번째 </a:t>
+            </a:r>
+            <a:r>
+              <a:rPr lang="ko-KR" altLang="en-US" dirty="0" err="1"/>
+              <a:t>손실값은</a:t>
             </a:r>
             <a:r>
               <a:rPr lang="ko-KR" altLang="en-US" dirty="0"/>
               <a:t> </a:t>
             </a:r>
             <a:r>
-              <a:rPr lang="en-US" altLang="ko-KR" dirty="0"/>
-              <a:t>sampling</a:t>
-            </a:r>
-            <a:r>
-              <a:rPr lang="ko-KR" altLang="en-US" dirty="0"/>
-              <a:t> </a:t>
-            </a:r>
-            <a:r>
-              <a:rPr lang="en-US" altLang="ko-KR" dirty="0"/>
-              <a:t>distribution</a:t>
-            </a:r>
-          </a:p>
-          <a:p>
-            <a:r>
-              <a:rPr lang="en-US" altLang="ko-KR" dirty="0"/>
-              <a:t>Q</a:t>
-            </a:r>
-            <a:r>
-              <a:rPr lang="ko-KR" altLang="en-US" dirty="0"/>
-              <a:t>는 </a:t>
-            </a:r>
-            <a:r>
-              <a:rPr lang="en-US" altLang="ko-KR" dirty="0"/>
-              <a:t>negative sample</a:t>
-            </a:r>
-            <a:r>
-              <a:rPr lang="ko-KR" altLang="en-US" dirty="0"/>
-              <a:t>의 개수</a:t>
-            </a:r>
-            <a:endParaRPr lang="en-US" altLang="ko-KR" dirty="0"/>
-          </a:p>
-          <a:p>
-            <a:endParaRPr lang="en-US" altLang="ko-KR" dirty="0"/>
-          </a:p>
-          <a:p>
-            <a:r>
-              <a:rPr lang="ko-KR" altLang="en-US" dirty="0"/>
-              <a:t>이전 </a:t>
+              <a:rPr lang="ko-KR" altLang="en-US" dirty="0" err="1"/>
+              <a:t>타겟노드와</a:t>
+            </a:r>
+            <a:r>
+              <a:rPr lang="ko-KR" altLang="en-US" dirty="0"/>
+              <a:t> 네거티브 이웃 노드의 </a:t>
             </a:r>
             <a:r>
               <a:rPr lang="ko-KR" altLang="en-US" dirty="0" err="1"/>
@@ -1076,31 +927,7 @@
             </a:r>
             <a:r>
               <a:rPr lang="ko-KR" altLang="en-US" dirty="0"/>
-              <a:t> 방식과 다르게</a:t>
-            </a:r>
-            <a:r>
-              <a:rPr lang="en-US" altLang="ko-KR" dirty="0"/>
-              <a:t>, loss function</a:t>
-            </a:r>
-            <a:r>
-              <a:rPr lang="ko-KR" altLang="en-US" dirty="0"/>
-              <a:t>이 적용되는 </a:t>
-            </a:r>
-            <a:r>
-              <a:rPr lang="en-US" altLang="ko-KR" dirty="0"/>
-              <a:t>Zu</a:t>
-            </a:r>
-            <a:r>
-              <a:rPr lang="ko-KR" altLang="en-US" dirty="0"/>
-              <a:t>는 노드의 이웃으로 부터 얻어지는 </a:t>
-            </a:r>
-            <a:r>
-              <a:rPr lang="en-US" altLang="ko-KR" dirty="0"/>
-              <a:t>features</a:t>
-            </a:r>
-            <a:r>
-              <a:rPr lang="ko-KR" altLang="en-US" dirty="0"/>
-              <a:t>로 인해 생성된다</a:t>
+              <a:t> 곱에 음수를 취한 형태로 이 값이 높을수록 전체적인 로스가 커진다</a:t>
             </a:r>
             <a:r>
               <a:rPr lang="en-US" altLang="ko-KR" dirty="0"/>
@@ -1244,6 +1071,44 @@
           <a:p>
             <a:r>
               <a:rPr lang="ko-KR" altLang="en-US" dirty="0"/>
+              <a:t>이번에는 이웃 노드 정보를 통합하는 </a:t>
+            </a:r>
+            <a:r>
+              <a:rPr lang="en-US" altLang="ko-KR" dirty="0" err="1"/>
+              <a:t>agg</a:t>
+            </a:r>
+            <a:r>
+              <a:rPr lang="en-US" altLang="ko-KR" dirty="0"/>
+              <a:t> </a:t>
+            </a:r>
+            <a:r>
+              <a:rPr lang="ko-KR" altLang="en-US" dirty="0"/>
+              <a:t>함수에 대해 </a:t>
+            </a:r>
+            <a:r>
+              <a:rPr lang="ko-KR" altLang="en-US" dirty="0" err="1"/>
+              <a:t>살펴볼건데</a:t>
+            </a:r>
+            <a:r>
+              <a:rPr lang="en-US" altLang="ko-KR" dirty="0"/>
+              <a:t>..</a:t>
+            </a:r>
+          </a:p>
+          <a:p>
+            <a:r>
+              <a:rPr lang="en-US" altLang="ko-KR" dirty="0"/>
+              <a:t>Agg</a:t>
+            </a:r>
+            <a:r>
+              <a:rPr lang="ko-KR" altLang="en-US" dirty="0"/>
+              <a:t>함수를 설정할 때 주의해야 할 것이 있다면</a:t>
+            </a:r>
+            <a:r>
+              <a:rPr lang="en-US" altLang="ko-KR" dirty="0"/>
+              <a:t>. </a:t>
+            </a:r>
+            <a:r>
+              <a:rPr lang="ko-KR" altLang="en-US" dirty="0"/>
               <a:t>그래프에서 노드는 </a:t>
             </a:r>
             <a:r>
@@ -1252,7 +1117,15 @@
             </a:r>
             <a:r>
               <a:rPr lang="ko-KR" altLang="en-US" dirty="0"/>
-              <a:t> 없다</a:t>
+              <a:t> </a:t>
+            </a:r>
+            <a:r>
+              <a:rPr lang="ko-KR" altLang="en-US" dirty="0" err="1"/>
+              <a:t>없라는</a:t>
+            </a:r>
+            <a:r>
+              <a:rPr lang="ko-KR" altLang="en-US" dirty="0"/>
+              <a:t> 점이다</a:t>
             </a:r>
             <a:r>
               <a:rPr lang="en-US" altLang="ko-KR" dirty="0"/>
@@ -1591,6 +1464,24 @@
               <a:t>.</a:t>
             </a:r>
           </a:p>
+          <a:p>
+            <a:endParaRPr lang="en-US" altLang="ko-KR" dirty="0"/>
+          </a:p>
+          <a:p>
+            <a:r>
+              <a:rPr lang="en-US" altLang="ko-KR" dirty="0"/>
+              <a:t>+ </a:t>
+            </a:r>
+            <a:r>
+              <a:rPr lang="ko-KR" altLang="en-US" dirty="0"/>
+              <a:t>추가 공부가 필요하고 비판적인 시각이 나올 수 있는 </a:t>
+            </a:r>
+            <a:r>
+              <a:rPr lang="ko-KR" altLang="en-US" dirty="0" err="1"/>
+              <a:t>부분이겠넴</a:t>
+            </a:r>
+            <a:endParaRPr lang="en-US" altLang="ko-KR" dirty="0"/>
+          </a:p>
         </p:txBody>
       </p:sp>
       <p:sp>
@@ -1675,107 +1566,11 @@
           <a:p>
             <a:r>
               <a:rPr lang="en-US" altLang="ko-KR" dirty="0"/>
-              <a:t>LSTM</a:t>
-            </a:r>
-            <a:r>
-              <a:rPr lang="ko-KR" altLang="en-US" dirty="0"/>
-              <a:t> </a:t>
-            </a:r>
-            <a:r>
-              <a:rPr lang="en-US" altLang="ko-KR" dirty="0" err="1"/>
-              <a:t>agg</a:t>
-            </a:r>
-            <a:r>
-              <a:rPr lang="en-US" altLang="ko-KR" dirty="0"/>
-              <a:t> </a:t>
-            </a:r>
-            <a:r>
-              <a:rPr lang="en-US" altLang="ko-KR" dirty="0" err="1"/>
-              <a:t>fuc</a:t>
-            </a:r>
-            <a:endParaRPr lang="en-US" altLang="ko-KR" dirty="0"/>
-          </a:p>
-          <a:p>
-            <a:endParaRPr lang="en-US" altLang="ko-KR" dirty="0"/>
-          </a:p>
-          <a:p>
-            <a:r>
-              <a:rPr lang="ko-KR" altLang="en-US" dirty="0"/>
-              <a:t>평균방식 대비 </a:t>
-            </a:r>
-            <a:r>
-              <a:rPr lang="en-US" altLang="ko-KR" dirty="0"/>
-              <a:t>LSTM</a:t>
-            </a:r>
-            <a:r>
-              <a:rPr lang="ko-KR" altLang="en-US" dirty="0"/>
-              <a:t>은 표현력이 강하다</a:t>
-            </a:r>
-            <a:r>
-              <a:rPr lang="en-US" altLang="ko-KR" dirty="0"/>
-              <a:t>.</a:t>
-            </a:r>
-          </a:p>
-          <a:p>
-            <a:r>
-              <a:rPr lang="ko-KR" altLang="en-US" dirty="0"/>
-              <a:t>하지만 기본적으로 </a:t>
-            </a:r>
-            <a:r>
-              <a:rPr lang="en-US" altLang="ko-KR" dirty="0"/>
-              <a:t>permutation invariant </a:t>
-            </a:r>
-            <a:r>
-              <a:rPr lang="ko-KR" altLang="en-US" dirty="0"/>
-              <a:t>하지 않다는 성질이 있는데</a:t>
-            </a:r>
-            <a:r>
-              <a:rPr lang="en-US" altLang="ko-KR" dirty="0"/>
-              <a:t>,</a:t>
-            </a:r>
-          </a:p>
-          <a:p>
-            <a:r>
-              <a:rPr lang="ko-KR" altLang="en-US" dirty="0"/>
-              <a:t>여기서는 </a:t>
-            </a:r>
-            <a:r>
-              <a:rPr lang="en-US" altLang="ko-KR" dirty="0"/>
-              <a:t>LSTM</a:t>
-            </a:r>
-            <a:r>
-              <a:rPr lang="ko-KR" altLang="en-US" dirty="0"/>
-              <a:t>을 이웃에 </a:t>
-            </a:r>
-            <a:r>
-              <a:rPr lang="en-US" altLang="ko-KR" dirty="0"/>
-              <a:t>random permutation</a:t>
-            </a:r>
-            <a:r>
-              <a:rPr lang="ko-KR" altLang="en-US" dirty="0"/>
-              <a:t>을 적용함으로써 순서가 없는 집합에도 </a:t>
-            </a:r>
-            <a:r>
-              <a:rPr lang="en-US" altLang="ko-KR" dirty="0"/>
-              <a:t>LSTM</a:t>
-            </a:r>
-            <a:r>
-              <a:rPr lang="ko-KR" altLang="en-US" dirty="0"/>
-              <a:t>을 적용하였다</a:t>
-            </a:r>
-            <a:r>
-              <a:rPr lang="en-US" altLang="ko-KR" dirty="0"/>
-              <a:t>.</a:t>
-            </a:r>
-          </a:p>
-          <a:p>
-            <a:r>
-              <a:rPr lang="en-US" altLang="ko-KR" dirty="0"/>
               <a:t>Max pooling</a:t>
             </a:r>
             <a:r>
               <a:rPr lang="ko-KR" altLang="en-US" dirty="0"/>
-              <a:t>을 적용함으로써 이웃 노드의 다른 측면을 효과적으로 </a:t>
+              <a:t>을 적용함으로써 이웃 노드의 특징을 효과적으로 </a:t>
             </a:r>
             <a:r>
               <a:rPr lang="ko-KR" altLang="en-US" dirty="0" err="1"/>
@@ -1886,6 +1681,14 @@
               <a:rPr lang="ko-KR" altLang="en-US" dirty="0"/>
               <a:t>학술 논문 분류</a:t>
             </a:r>
+            <a:r>
+              <a:rPr lang="en-US" altLang="ko-KR" dirty="0"/>
+              <a:t>.. </a:t>
+            </a:r>
+            <a:r>
+              <a:rPr lang="ko-KR" altLang="en-US" dirty="0"/>
+              <a:t>주제를 나눠주는 작업</a:t>
+            </a:r>
             <a:endParaRPr lang="en-US" altLang="ko-KR" dirty="0"/>
           </a:p>
           <a:p>
@@ -2093,7 +1896,15 @@
           <a:p>
             <a:r>
               <a:rPr lang="ko-KR" altLang="en-US" dirty="0"/>
-              <a:t>여기서는 노드의 전체적인 구조를 잘 파악하고 </a:t>
+              <a:t>여기서는 그래프의 전체적인 구조</a:t>
+            </a:r>
+            <a:r>
+              <a:rPr lang="en-US" altLang="ko-KR" dirty="0"/>
+              <a:t>, </a:t>
+            </a:r>
+            <a:r>
+              <a:rPr lang="ko-KR" altLang="en-US" dirty="0"/>
+              <a:t>노드의 맥락을 잘 파악하고 </a:t>
             </a:r>
             <a:r>
               <a:rPr lang="ko-KR" altLang="en-US" dirty="0" err="1"/>
@@ -3277,6 +3088,52 @@
             <a:endParaRPr lang="en-US" altLang="ko-KR" dirty="0"/>
           </a:p>
           <a:p>
+            <a:r>
+              <a:rPr lang="en-US" altLang="ko-KR" dirty="0"/>
+              <a:t>20</a:t>
+            </a:r>
+            <a:r>
+              <a:rPr lang="ko-KR" altLang="en-US" dirty="0"/>
+              <a:t>개 그래프가 있고</a:t>
+            </a:r>
+            <a:r>
+              <a:rPr lang="en-US" altLang="ko-KR" dirty="0"/>
+              <a:t>, </a:t>
+            </a:r>
+            <a:r>
+              <a:rPr lang="ko-KR" altLang="en-US" dirty="0"/>
+              <a:t>각 그래프는 </a:t>
+            </a:r>
+            <a:r>
+              <a:rPr lang="en-US" altLang="ko-KR" dirty="0"/>
+              <a:t>2373</a:t>
+            </a:r>
+            <a:r>
+              <a:rPr lang="ko-KR" altLang="en-US" dirty="0"/>
+              <a:t>개의 노드</a:t>
+            </a:r>
+            <a:r>
+              <a:rPr lang="en-US" altLang="ko-KR" dirty="0"/>
+              <a:t>, </a:t>
+            </a:r>
+            <a:r>
+              <a:rPr lang="ko-KR" altLang="en-US" dirty="0"/>
+              <a:t>평균 차수는 </a:t>
+            </a:r>
+            <a:r>
+              <a:rPr lang="en-US" altLang="ko-KR" dirty="0"/>
+              <a:t>28.8</a:t>
+            </a:r>
+            <a:r>
+              <a:rPr lang="ko-KR" altLang="en-US" dirty="0"/>
+              <a:t>입니다</a:t>
+            </a:r>
+            <a:r>
+              <a:rPr lang="en-US" altLang="ko-KR" dirty="0"/>
+              <a:t>.</a:t>
+            </a:r>
+          </a:p>
+          <a:p>
             <a:endParaRPr lang="en-US" altLang="ko-KR" dirty="0"/>
           </a:p>
           <a:p>
@@ -3959,136 +3816,404 @@
           <a:p>
             <a:r>
               <a:rPr lang="ko-KR" altLang="en-US" dirty="0"/>
-              <a:t>런타임</a:t>
-            </a:r>
-            <a:r>
-              <a:rPr lang="en-US" altLang="ko-KR" dirty="0"/>
+              <a:t>두번째 실험은 단백질 상호작용 그래프에서 단백질 역할을 구분하는 작업으로</a:t>
+            </a:r>
+            <a:r>
+              <a:rPr lang="en-US" altLang="ko-KR" dirty="0"/>
+              <a:t>,</a:t>
+            </a:r>
+          </a:p>
+          <a:p>
+            <a:r>
+              <a:rPr lang="ko-KR" altLang="en-US" dirty="0"/>
+              <a:t>그래프 구조 보다 노드의 역할에 대한 학습이 필요한 작업에 대한 성능을 평가하는 것이다</a:t>
+            </a:r>
+            <a:r>
+              <a:rPr lang="en-US" altLang="ko-KR" dirty="0"/>
+              <a:t>.</a:t>
+            </a:r>
+          </a:p>
+          <a:p>
+            <a:endParaRPr lang="en-US" altLang="ko-KR" dirty="0"/>
+          </a:p>
+          <a:p>
+            <a:endParaRPr lang="en-US" altLang="ko-KR" dirty="0"/>
+          </a:p>
+          <a:p>
+            <a:r>
+              <a:rPr lang="ko-KR" altLang="en-US" dirty="0"/>
+              <a:t>베이스라인 성능 대비 </a:t>
+            </a:r>
+            <a:r>
+              <a:rPr lang="en-US" altLang="ko-KR" dirty="0" err="1"/>
+              <a:t>graphSAGE</a:t>
+            </a:r>
+            <a:r>
+              <a:rPr lang="en-US" altLang="ko-KR" dirty="0"/>
+              <a:t> </a:t>
+            </a:r>
+            <a:r>
+              <a:rPr lang="ko-KR" altLang="en-US" dirty="0"/>
+              <a:t>성능이 더 높고</a:t>
+            </a:r>
+            <a:r>
+              <a:rPr lang="en-US" altLang="ko-KR" dirty="0"/>
+              <a:t>,</a:t>
+            </a:r>
+          </a:p>
+          <a:p>
+            <a:r>
+              <a:rPr lang="ko-KR" altLang="en-US" dirty="0"/>
+              <a:t>그중 </a:t>
+            </a:r>
+            <a:r>
+              <a:rPr lang="en-US" altLang="ko-KR" dirty="0"/>
+              <a:t>LSTM, pool</a:t>
+            </a:r>
+            <a:r>
+              <a:rPr lang="ko-KR" altLang="en-US" dirty="0"/>
+              <a:t> </a:t>
+            </a:r>
+            <a:r>
+              <a:rPr lang="en-US" altLang="ko-KR" dirty="0" err="1"/>
+              <a:t>agg</a:t>
+            </a:r>
+            <a:r>
+              <a:rPr lang="ko-KR" altLang="en-US" dirty="0"/>
+              <a:t>를 활용한 것이 </a:t>
+            </a:r>
+            <a:r>
+              <a:rPr lang="en-US" altLang="ko-KR" dirty="0" err="1"/>
+              <a:t>gcn</a:t>
+            </a:r>
+            <a:r>
+              <a:rPr lang="en-US" altLang="ko-KR" dirty="0"/>
+              <a:t>, mean </a:t>
+            </a:r>
+            <a:r>
+              <a:rPr lang="en-US" altLang="ko-KR" dirty="0" err="1"/>
+              <a:t>agg</a:t>
+            </a:r>
+            <a:r>
+              <a:rPr lang="ko-KR" altLang="en-US" dirty="0"/>
+              <a:t>보다 높은 성능을 보였다</a:t>
+            </a:r>
+            <a:r>
+              <a:rPr lang="en-US" altLang="ko-KR" dirty="0"/>
+              <a:t>.</a:t>
+            </a:r>
+          </a:p>
+          <a:p>
+            <a:endParaRPr lang="en-US" altLang="ko-KR" dirty="0"/>
+          </a:p>
+          <a:p>
+            <a:r>
+              <a:rPr lang="en-US" altLang="ko-KR" dirty="0"/>
+              <a:t>===</a:t>
+            </a:r>
+          </a:p>
+          <a:p>
+            <a:r>
+              <a:rPr lang="ko-KR" altLang="en-US" b="0" i="0" dirty="0">
+                <a:solidFill>
+                  <a:srgbClr val="000000"/>
+                </a:solidFill>
+                <a:effectLst/>
+                <a:latin typeface="noto"/>
+              </a:rPr>
+              <a:t>이제 우리는 커뮤니티 구조보다는 노드 역할에 대한 학습이 필요한 그래프 전반에 걸쳐 일반화하는 작업을 고려한다</a:t>
+            </a:r>
+            <a:r>
+              <a:rPr lang="en-US" altLang="ko-KR" b="0" i="0" dirty="0">
+                <a:solidFill>
+                  <a:srgbClr val="000000"/>
+                </a:solidFill>
+                <a:effectLst/>
+                <a:latin typeface="noto"/>
+              </a:rPr>
+              <a:t>. </a:t>
+            </a:r>
+            <a:r>
+              <a:rPr lang="ko-KR" altLang="en-US" b="0" i="0" dirty="0">
+                <a:solidFill>
+                  <a:srgbClr val="000000"/>
+                </a:solidFill>
+                <a:effectLst/>
+                <a:latin typeface="noto"/>
+              </a:rPr>
+              <a:t>우리는 각 그래프가 다른 인간 조직에 해당하는 다양한 단백질</a:t>
+            </a:r>
+            <a:r>
+              <a:rPr lang="en-US" altLang="ko-KR" b="0" i="0" dirty="0">
+                <a:solidFill>
+                  <a:srgbClr val="000000"/>
+                </a:solidFill>
+                <a:effectLst/>
+                <a:latin typeface="noto"/>
+              </a:rPr>
               <a:t>-</a:t>
             </a:r>
             <a:r>
-              <a:rPr lang="ko-KR" altLang="en-US" dirty="0"/>
-              <a:t>파라미터 상관관계를 나타냄</a:t>
-            </a:r>
-            <a:r>
-              <a:rPr lang="en-US" altLang="ko-KR" dirty="0"/>
-              <a:t>.</a:t>
-            </a:r>
-          </a:p>
-          <a:p>
-            <a:endParaRPr lang="en-US" altLang="ko-KR" dirty="0"/>
-          </a:p>
-          <a:p>
-            <a:r>
-              <a:rPr lang="en-US" altLang="ko-KR" dirty="0"/>
-              <a:t>A. </a:t>
-            </a:r>
-            <a:r>
-              <a:rPr lang="ko-KR" altLang="en-US" dirty="0"/>
-              <a:t>시간에 대해서는</a:t>
-            </a:r>
-            <a:r>
-              <a:rPr lang="en-US" altLang="ko-KR" dirty="0"/>
-              <a:t>..</a:t>
-            </a:r>
-          </a:p>
-          <a:p>
-            <a:r>
-              <a:rPr lang="en-US" altLang="ko-KR" dirty="0"/>
-              <a:t>Training </a:t>
-            </a:r>
-            <a:r>
-              <a:rPr lang="ko-KR" altLang="en-US" dirty="0"/>
-              <a:t>시간은 전체적으로 비슷하다</a:t>
-            </a:r>
-            <a:r>
-              <a:rPr lang="en-US" altLang="ko-KR" dirty="0"/>
-              <a:t>.</a:t>
-            </a:r>
-          </a:p>
-          <a:p>
-            <a:r>
-              <a:rPr lang="ko-KR" altLang="en-US" dirty="0"/>
-              <a:t>하지만 추론에 걸리는 시간은</a:t>
-            </a:r>
-            <a:r>
-              <a:rPr lang="en-US" altLang="ko-KR" dirty="0"/>
-              <a:t>, DW</a:t>
-            </a:r>
-            <a:r>
-              <a:rPr lang="ko-KR" altLang="en-US" dirty="0"/>
-              <a:t>에서는 </a:t>
-            </a:r>
-            <a:r>
-              <a:rPr lang="en-US" altLang="ko-KR" dirty="0"/>
-              <a:t>100-500</a:t>
-            </a:r>
-            <a:r>
-              <a:rPr lang="ko-KR" altLang="en-US" dirty="0"/>
-              <a:t>배 느려진다</a:t>
-            </a:r>
-            <a:r>
-              <a:rPr lang="en-US" altLang="ko-KR" dirty="0"/>
-              <a:t>.</a:t>
-            </a:r>
-          </a:p>
-          <a:p>
-            <a:endParaRPr lang="en-US" altLang="ko-KR" dirty="0"/>
-          </a:p>
-          <a:p>
-            <a:r>
-              <a:rPr lang="en-US" altLang="ko-KR" dirty="0"/>
-              <a:t>B. </a:t>
-            </a:r>
-            <a:r>
-              <a:rPr lang="ko-KR" altLang="en-US" dirty="0" err="1"/>
-              <a:t>샘플링하는</a:t>
-            </a:r>
-            <a:r>
-              <a:rPr lang="ko-KR" altLang="en-US" dirty="0"/>
-              <a:t> 이웃 개수에 관해서는</a:t>
-            </a:r>
-            <a:r>
-              <a:rPr lang="en-US" altLang="ko-KR" dirty="0"/>
-              <a:t>..</a:t>
-            </a:r>
-          </a:p>
-          <a:p>
-            <a:r>
-              <a:rPr lang="ko-KR" altLang="en-US" dirty="0"/>
-              <a:t>이웃의 크기를 증가시키면 </a:t>
-            </a:r>
-            <a:r>
-              <a:rPr lang="en-US" altLang="ko-KR" dirty="0"/>
+              <a:rPr lang="ko-KR" altLang="en-US" b="0" i="0" dirty="0">
+                <a:solidFill>
+                  <a:srgbClr val="000000"/>
+                </a:solidFill>
+                <a:effectLst/>
+                <a:latin typeface="noto"/>
+              </a:rPr>
+              <a:t>단백질 상호 작용</a:t>
+            </a:r>
+            <a:r>
+              <a:rPr lang="en-US" altLang="ko-KR" b="0" i="0" dirty="0">
+                <a:solidFill>
+                  <a:srgbClr val="000000"/>
+                </a:solidFill>
+                <a:effectLst/>
+                <a:latin typeface="noto"/>
+              </a:rPr>
+              <a:t>(PPI) </a:t>
+            </a:r>
+            <a:r>
+              <a:rPr lang="ko-KR" altLang="en-US" b="0" i="0" dirty="0">
+                <a:solidFill>
+                  <a:srgbClr val="000000"/>
+                </a:solidFill>
+                <a:effectLst/>
+                <a:latin typeface="noto"/>
+              </a:rPr>
+              <a:t>그래프에서 유전자 온톨로지의 세포 기능 측면에서 단백질 역할을 분류한다</a:t>
+            </a:r>
+            <a:r>
+              <a:rPr lang="en-US" altLang="ko-KR" b="0" i="0" dirty="0">
+                <a:solidFill>
+                  <a:srgbClr val="000000"/>
+                </a:solidFill>
+                <a:effectLst/>
+                <a:latin typeface="noto"/>
+              </a:rPr>
+              <a:t>[41]. </a:t>
+            </a:r>
+            <a:r>
+              <a:rPr lang="ko-KR" altLang="en-US" b="0" i="0" dirty="0">
+                <a:solidFill>
+                  <a:srgbClr val="000000"/>
+                </a:solidFill>
+                <a:effectLst/>
+                <a:latin typeface="noto"/>
+              </a:rPr>
+              <a:t>우리는 분자 서명 데이터베이스에서 수집한 위치 유전자 세트</a:t>
+            </a:r>
+            <a:r>
+              <a:rPr lang="en-US" altLang="ko-KR" b="0" i="0" dirty="0">
+                <a:solidFill>
+                  <a:srgbClr val="000000"/>
+                </a:solidFill>
+                <a:effectLst/>
+                <a:latin typeface="noto"/>
+              </a:rPr>
+              <a:t>, </a:t>
+            </a:r>
+            <a:r>
+              <a:rPr lang="ko-KR" altLang="en-US" b="0" i="0" dirty="0">
+                <a:solidFill>
+                  <a:srgbClr val="000000"/>
+                </a:solidFill>
+                <a:effectLst/>
+                <a:latin typeface="noto"/>
+              </a:rPr>
+              <a:t>모티브 유전자 세트 및 면역학적 서명을 특징 및 유전자 온톨로지 세트를 레이블</a:t>
+            </a:r>
+            <a:r>
+              <a:rPr lang="en-US" altLang="ko-KR" b="0" i="0" dirty="0">
+                <a:solidFill>
+                  <a:srgbClr val="000000"/>
+                </a:solidFill>
+                <a:effectLst/>
+                <a:latin typeface="noto"/>
+              </a:rPr>
+              <a:t>(</a:t>
+            </a:r>
+            <a:r>
+              <a:rPr lang="ko-KR" altLang="en-US" b="0" i="0" dirty="0">
+                <a:solidFill>
+                  <a:srgbClr val="000000"/>
+                </a:solidFill>
+                <a:effectLst/>
+                <a:latin typeface="noto"/>
+              </a:rPr>
+              <a:t>총 </a:t>
+            </a:r>
+            <a:r>
+              <a:rPr lang="en-US" altLang="ko-KR" b="0" i="0" dirty="0">
+                <a:solidFill>
+                  <a:srgbClr val="000000"/>
+                </a:solidFill>
+                <a:effectLst/>
+                <a:latin typeface="noto"/>
+              </a:rPr>
+              <a:t>121</a:t>
+            </a:r>
+            <a:r>
+              <a:rPr lang="ko-KR" altLang="en-US" b="0" i="0" dirty="0">
+                <a:solidFill>
+                  <a:srgbClr val="000000"/>
+                </a:solidFill>
+                <a:effectLst/>
+                <a:latin typeface="noto"/>
+              </a:rPr>
+              <a:t>개</a:t>
+            </a:r>
+            <a:r>
+              <a:rPr lang="en-US" altLang="ko-KR" b="0" i="0" dirty="0">
+                <a:solidFill>
+                  <a:srgbClr val="000000"/>
+                </a:solidFill>
+                <a:effectLst/>
+                <a:latin typeface="noto"/>
+              </a:rPr>
+              <a:t>)</a:t>
+            </a:r>
+            <a:r>
+              <a:rPr lang="ko-KR" altLang="en-US" b="0" i="0" dirty="0">
+                <a:solidFill>
+                  <a:srgbClr val="000000"/>
+                </a:solidFill>
+                <a:effectLst/>
+                <a:latin typeface="noto"/>
+              </a:rPr>
+              <a:t>로 사용한다</a:t>
+            </a:r>
+            <a:r>
+              <a:rPr lang="en-US" altLang="ko-KR" b="0" i="0" dirty="0">
+                <a:solidFill>
+                  <a:srgbClr val="000000"/>
+                </a:solidFill>
+                <a:effectLst/>
+                <a:latin typeface="noto"/>
+              </a:rPr>
+              <a:t>[34]. </a:t>
+            </a:r>
+            <a:r>
+              <a:rPr lang="ko-KR" altLang="en-US" b="0" i="0" dirty="0">
+                <a:solidFill>
+                  <a:srgbClr val="000000"/>
+                </a:solidFill>
+                <a:effectLst/>
+                <a:latin typeface="noto"/>
+              </a:rPr>
+              <a:t>평균 그래프에는 </a:t>
+            </a:r>
+            <a:r>
+              <a:rPr lang="en-US" altLang="ko-KR" b="0" i="0" dirty="0">
+                <a:solidFill>
+                  <a:srgbClr val="000000"/>
+                </a:solidFill>
+                <a:effectLst/>
+                <a:latin typeface="noto"/>
+              </a:rPr>
+              <a:t>2373</a:t>
+            </a:r>
+            <a:r>
+              <a:rPr lang="ko-KR" altLang="en-US" b="0" i="0" dirty="0">
+                <a:solidFill>
+                  <a:srgbClr val="000000"/>
+                </a:solidFill>
+                <a:effectLst/>
+                <a:latin typeface="noto"/>
+              </a:rPr>
+              <a:t>개의 노드가 있으며 평균 정도는 </a:t>
+            </a:r>
+            <a:r>
+              <a:rPr lang="en-US" altLang="ko-KR" b="0" i="0" dirty="0">
+                <a:solidFill>
+                  <a:srgbClr val="000000"/>
+                </a:solidFill>
+                <a:effectLst/>
+                <a:latin typeface="noto"/>
+              </a:rPr>
+              <a:t>28.8</a:t>
+            </a:r>
+            <a:r>
+              <a:rPr lang="ko-KR" altLang="en-US" b="0" i="0" dirty="0">
+                <a:solidFill>
+                  <a:srgbClr val="000000"/>
+                </a:solidFill>
+                <a:effectLst/>
+                <a:latin typeface="noto"/>
+              </a:rPr>
+              <a:t>입니다</a:t>
+            </a:r>
+            <a:r>
+              <a:rPr lang="en-US" altLang="ko-KR" b="0" i="0" dirty="0">
+                <a:solidFill>
+                  <a:srgbClr val="000000"/>
+                </a:solidFill>
+                <a:effectLst/>
+                <a:latin typeface="noto"/>
+              </a:rPr>
+              <a:t>. </a:t>
+            </a:r>
+            <a:r>
+              <a:rPr lang="ko-KR" altLang="en-US" b="0" i="0" dirty="0">
+                <a:solidFill>
+                  <a:srgbClr val="000000"/>
+                </a:solidFill>
+                <a:effectLst/>
+                <a:latin typeface="noto"/>
+              </a:rPr>
+              <a:t>우리는 </a:t>
+            </a:r>
+            <a:r>
+              <a:rPr lang="en-US" altLang="ko-KR" b="0" i="0" dirty="0">
+                <a:solidFill>
+                  <a:srgbClr val="000000"/>
+                </a:solidFill>
+                <a:effectLst/>
+                <a:latin typeface="noto"/>
+              </a:rPr>
+              <a:t>20</a:t>
+            </a:r>
+            <a:r>
+              <a:rPr lang="ko-KR" altLang="en-US" b="0" i="0" dirty="0">
+                <a:solidFill>
+                  <a:srgbClr val="000000"/>
+                </a:solidFill>
+                <a:effectLst/>
+                <a:latin typeface="noto"/>
+              </a:rPr>
+              <a:t>개의 그래프에 대한 모든 </a:t>
+            </a:r>
+            <a:r>
+              <a:rPr lang="ko-KR" altLang="en-US" b="0" i="0" dirty="0" err="1">
+                <a:solidFill>
+                  <a:srgbClr val="000000"/>
+                </a:solidFill>
+                <a:effectLst/>
+                <a:latin typeface="noto"/>
+              </a:rPr>
+              <a:t>알고리듬을</a:t>
+            </a:r>
+            <a:r>
+              <a:rPr lang="ko-KR" altLang="en-US" b="0" i="0" dirty="0">
+                <a:solidFill>
+                  <a:srgbClr val="000000"/>
+                </a:solidFill>
+                <a:effectLst/>
+                <a:latin typeface="noto"/>
+              </a:rPr>
+              <a:t> 훈련한 다음 두 개의 테스트 그래프에 대한 평균 예측 </a:t>
+            </a:r>
+            <a:r>
+              <a:rPr lang="en-US" altLang="ko-KR" b="0" i="0" dirty="0">
+                <a:solidFill>
+                  <a:srgbClr val="000000"/>
+                </a:solidFill>
+                <a:effectLst/>
+                <a:latin typeface="noto"/>
+              </a:rPr>
               <a:t>F1 </a:t>
             </a:r>
             <a:r>
-              <a:rPr lang="ko-KR" altLang="en-US" dirty="0"/>
-              <a:t>스코어가 증가하지만</a:t>
-            </a:r>
-            <a:r>
-              <a:rPr lang="en-US" altLang="ko-KR" dirty="0"/>
-              <a:t>, </a:t>
-            </a:r>
-            <a:r>
-              <a:rPr lang="ko-KR" altLang="en-US" dirty="0"/>
-              <a:t>점점 체감하는 것을 알 수 있었다</a:t>
-            </a:r>
-            <a:r>
-              <a:rPr lang="en-US" altLang="ko-KR" dirty="0"/>
-              <a:t>.</a:t>
-            </a:r>
-          </a:p>
-          <a:p>
-            <a:endParaRPr lang="en-US" altLang="ko-KR" dirty="0"/>
-          </a:p>
-          <a:p>
-            <a:r>
-              <a:rPr lang="en-US" altLang="ko-KR" dirty="0"/>
-              <a:t>===</a:t>
-            </a:r>
-          </a:p>
-          <a:p>
-            <a:r>
               <a:rPr lang="ko-KR" altLang="en-US" b="0" i="0" dirty="0">
                 <a:solidFill>
                   <a:srgbClr val="000000"/>
@@ -4096,7 +4221,7 @@
                 <a:effectLst/>
                 <a:latin typeface="noto"/>
               </a:rPr>
-              <a:t>그림 </a:t>
+              <a:t>점수를 훈련한다</a:t>
             </a:r>
             <a:r>
               <a:rPr lang="en-US" altLang="ko-KR" b="0" i="0" dirty="0">
@@ -4106,7 +4231,7 @@
                 <a:effectLst/>
                 <a:latin typeface="noto"/>
               </a:rPr>
-              <a:t>2.A</a:t>
+              <a:t>(</a:t>
             </a:r>
             <a:r>
               <a:rPr lang="ko-KR" altLang="en-US" b="0" i="0" dirty="0">
@@ -4116,7 +4241,7 @@
                 <a:effectLst/>
                 <a:latin typeface="noto"/>
               </a:rPr>
-              <a:t>에는 다양한 접근 방식에 대한 교육 및 테스트 실행 시간이 요약되어 있습니다</a:t>
+              <a:t>검증에 다른 두 개의 그래프를 사용</a:t>
             </a:r>
             <a:r>
               <a:rPr lang="en-US" altLang="ko-KR" b="0" i="0" dirty="0">
@@ -4126,6 +4251,46 @@
                 <a:effectLst/>
                 <a:latin typeface="noto"/>
               </a:rPr>
+              <a:t>). </a:t>
+            </a:r>
+            <a:r>
+              <a:rPr lang="ko-KR" altLang="en-US" b="0" i="0" dirty="0">
+                <a:solidFill>
+                  <a:srgbClr val="000000"/>
+                </a:solidFill>
+                <a:effectLst/>
+                <a:latin typeface="noto"/>
+              </a:rPr>
+              <a:t>표 </a:t>
+            </a:r>
+            <a:r>
+              <a:rPr lang="en-US" altLang="ko-KR" b="0" i="0" dirty="0">
+                <a:solidFill>
+                  <a:srgbClr val="000000"/>
+                </a:solidFill>
+                <a:effectLst/>
+                <a:latin typeface="noto"/>
+              </a:rPr>
+              <a:t>1</a:t>
+            </a:r>
+            <a:r>
+              <a:rPr lang="ko-KR" altLang="en-US" b="0" i="0" dirty="0">
+                <a:solidFill>
+                  <a:srgbClr val="000000"/>
+                </a:solidFill>
+                <a:effectLst/>
+                <a:latin typeface="noto"/>
+              </a:rPr>
+              <a:t>의 마지막 두 열은 이 데이터에 대한 다양한 접근 방식의 정확성을 요약한다</a:t>
+            </a:r>
+            <a:r>
+              <a:rPr lang="en-US" altLang="ko-KR" b="0" i="0" dirty="0">
+                <a:solidFill>
+                  <a:srgbClr val="000000"/>
+                </a:solidFill>
+                <a:effectLst/>
+                <a:latin typeface="noto"/>
+              </a:rPr>
               <a:t>. </a:t>
             </a:r>
             <a:r>
@@ -4136,7 +4301,7 @@
                 <a:effectLst/>
                 <a:latin typeface="noto"/>
               </a:rPr>
-              <a:t>방법에 대한 교육 시간은 유사하다</a:t>
+              <a:t>다시 한 번 우리는 </a:t>
             </a:r>
             <a:r>
               <a:rPr lang="en-US" altLang="ko-KR" b="0" i="0" dirty="0">
@@ -4146,7 +4311,97 @@
                 <a:effectLst/>
                 <a:latin typeface="noto"/>
               </a:rPr>
-              <a:t>(</a:t>
+              <a:t>LSTM </a:t>
+            </a:r>
+            <a:r>
+              <a:rPr lang="ko-KR" altLang="en-US" b="0" i="0" dirty="0">
+                <a:solidFill>
+                  <a:srgbClr val="000000"/>
+                </a:solidFill>
+                <a:effectLst/>
+                <a:latin typeface="noto"/>
+              </a:rPr>
+              <a:t>및 </a:t>
+            </a:r>
+            <a:r>
+              <a:rPr lang="ko-KR" altLang="en-US" b="0" i="0" dirty="0" err="1">
+                <a:solidFill>
+                  <a:srgbClr val="000000"/>
+                </a:solidFill>
+                <a:effectLst/>
+                <a:latin typeface="noto"/>
+              </a:rPr>
+              <a:t>풀링</a:t>
+            </a:r>
+            <a:r>
+              <a:rPr lang="ko-KR" altLang="en-US" b="0" i="0" dirty="0">
+                <a:solidFill>
+                  <a:srgbClr val="000000"/>
+                </a:solidFill>
+                <a:effectLst/>
+                <a:latin typeface="noto"/>
+              </a:rPr>
+              <a:t> 기반 </a:t>
+            </a:r>
+            <a:r>
+              <a:rPr lang="ko-KR" altLang="en-US" b="0" i="0" dirty="0" err="1">
+                <a:solidFill>
+                  <a:srgbClr val="000000"/>
+                </a:solidFill>
+                <a:effectLst/>
+                <a:latin typeface="noto"/>
+              </a:rPr>
+              <a:t>애그리게이터가</a:t>
+            </a:r>
+            <a:r>
+              <a:rPr lang="ko-KR" altLang="en-US" b="0" i="0" dirty="0">
+                <a:solidFill>
+                  <a:srgbClr val="000000"/>
+                </a:solidFill>
+                <a:effectLst/>
+                <a:latin typeface="noto"/>
+              </a:rPr>
+              <a:t> 평균 및 </a:t>
+            </a:r>
+            <a:r>
+              <a:rPr lang="en-US" altLang="ko-KR" b="0" i="0" dirty="0">
+                <a:solidFill>
+                  <a:srgbClr val="000000"/>
+                </a:solidFill>
+                <a:effectLst/>
+                <a:latin typeface="noto"/>
+              </a:rPr>
+              <a:t>GCN </a:t>
+            </a:r>
+            <a:r>
+              <a:rPr lang="ko-KR" altLang="en-US" b="0" i="0" dirty="0">
+                <a:solidFill>
+                  <a:srgbClr val="000000"/>
+                </a:solidFill>
+                <a:effectLst/>
+                <a:latin typeface="noto"/>
+              </a:rPr>
+              <a:t>기반 </a:t>
+            </a:r>
+            <a:r>
+              <a:rPr lang="ko-KR" altLang="en-US" b="0" i="0" dirty="0" err="1">
+                <a:solidFill>
+                  <a:srgbClr val="000000"/>
+                </a:solidFill>
+                <a:effectLst/>
+                <a:latin typeface="noto"/>
+              </a:rPr>
+              <a:t>애그리게이터에</a:t>
+            </a:r>
+            <a:r>
+              <a:rPr lang="ko-KR" altLang="en-US" b="0" i="0" dirty="0">
+                <a:solidFill>
+                  <a:srgbClr val="000000"/>
+                </a:solidFill>
+                <a:effectLst/>
+                <a:latin typeface="noto"/>
+              </a:rPr>
+              <a:t> 비해 상당한 이점을 제공함으로써 </a:t>
             </a:r>
             <a:r>
               <a:rPr lang="en-US" altLang="ko-KR" b="0" i="0" dirty="0" err="1">
@@ -4159,16 +4414,6 @@
               <a:t>GraphSAGE</a:t>
             </a:r>
             <a:r>
-              <a:rPr lang="en-US" altLang="ko-KR" b="0" i="0" dirty="0">
-                <a:solidFill>
-                  <a:srgbClr val="000000"/>
-                </a:solidFill>
-                <a:effectLst/>
-                <a:latin typeface="noto"/>
-              </a:rPr>
-              <a:t>-LSTM</a:t>
-            </a:r>
-            <a:r>
               <a:rPr lang="ko-KR" altLang="en-US" b="0" i="0" dirty="0">
                 <a:solidFill>
                   <a:srgbClr val="000000"/>
@@ -4176,367 +4421,7 @@
                 <a:effectLst/>
                 <a:latin typeface="noto"/>
               </a:rPr>
-              <a:t>이 가장 느림</a:t>
-            </a:r>
-            <a:r>
-              <a:rPr lang="en-US" altLang="ko-KR" b="0" i="0" dirty="0">
-                <a:solidFill>
-                  <a:srgbClr val="000000"/>
-                </a:solidFill>
-                <a:effectLst/>
-                <a:latin typeface="noto"/>
-              </a:rPr>
-              <a:t>). </a:t>
-            </a:r>
-            <a:r>
-              <a:rPr lang="ko-KR" altLang="en-US" b="0" i="0" dirty="0">
-                <a:solidFill>
-                  <a:srgbClr val="000000"/>
-                </a:solidFill>
-                <a:effectLst/>
-                <a:latin typeface="noto"/>
-              </a:rPr>
-              <a:t>그러나 보이지 않는 노드를 포함하기 위해 새로운 랜덤 워크를 샘플링하고 새로운 </a:t>
-            </a:r>
-            <a:r>
-              <a:rPr lang="en-US" altLang="ko-KR" b="0" i="0" dirty="0">
-                <a:solidFill>
-                  <a:srgbClr val="000000"/>
-                </a:solidFill>
-                <a:effectLst/>
-                <a:latin typeface="noto"/>
-              </a:rPr>
-              <a:t>SGD </a:t>
-            </a:r>
-            <a:r>
-              <a:rPr lang="ko-KR" altLang="en-US" b="0" i="0" dirty="0">
-                <a:solidFill>
-                  <a:srgbClr val="000000"/>
-                </a:solidFill>
-                <a:effectLst/>
-                <a:latin typeface="noto"/>
-              </a:rPr>
-              <a:t>라운드를 실행해야 하는 필요성으로 인해 </a:t>
-            </a:r>
-            <a:r>
-              <a:rPr lang="en-US" altLang="ko-KR" b="0" i="0" dirty="0" err="1">
-                <a:solidFill>
-                  <a:srgbClr val="000000"/>
-                </a:solidFill>
-                <a:effectLst/>
-                <a:latin typeface="noto"/>
-              </a:rPr>
-              <a:t>DeepWalk</a:t>
-            </a:r>
-            <a:r>
-              <a:rPr lang="ko-KR" altLang="en-US" b="0" i="0" dirty="0">
-                <a:solidFill>
-                  <a:srgbClr val="000000"/>
-                </a:solidFill>
-                <a:effectLst/>
-                <a:latin typeface="noto"/>
-              </a:rPr>
-              <a:t>는 테스트 시간이 </a:t>
-            </a:r>
-            <a:r>
-              <a:rPr lang="en-US" altLang="ko-KR" b="0" i="0" dirty="0">
-                <a:solidFill>
-                  <a:srgbClr val="000000"/>
-                </a:solidFill>
-                <a:effectLst/>
-                <a:latin typeface="noto"/>
-              </a:rPr>
-              <a:t>100-500</a:t>
-            </a:r>
-            <a:r>
-              <a:rPr lang="ko-KR" altLang="en-US" b="0" i="0" dirty="0">
-                <a:solidFill>
-                  <a:srgbClr val="000000"/>
-                </a:solidFill>
-                <a:effectLst/>
-                <a:latin typeface="noto"/>
-              </a:rPr>
-              <a:t>배 느려진다</a:t>
-            </a:r>
-            <a:r>
-              <a:rPr lang="en-US" altLang="ko-KR" b="0" i="0" dirty="0">
-                <a:solidFill>
-                  <a:srgbClr val="000000"/>
-                </a:solidFill>
-                <a:effectLst/>
-                <a:latin typeface="noto"/>
-              </a:rPr>
-              <a:t>. </a:t>
-            </a:r>
-            <a:r>
-              <a:rPr lang="en-US" altLang="ko-KR" b="0" i="0" dirty="0" err="1">
-                <a:solidFill>
-                  <a:srgbClr val="000000"/>
-                </a:solidFill>
-                <a:effectLst/>
-                <a:latin typeface="noto"/>
-              </a:rPr>
-              <a:t>GraphSAGE</a:t>
-            </a:r>
-            <a:r>
-              <a:rPr lang="en-US" altLang="ko-KR" b="0" i="0" dirty="0">
-                <a:solidFill>
-                  <a:srgbClr val="000000"/>
-                </a:solidFill>
-                <a:effectLst/>
-                <a:latin typeface="noto"/>
-              </a:rPr>
-              <a:t> </a:t>
-            </a:r>
-            <a:r>
-              <a:rPr lang="ko-KR" altLang="en-US" b="0" i="0" dirty="0">
-                <a:solidFill>
-                  <a:srgbClr val="000000"/>
-                </a:solidFill>
-                <a:effectLst/>
-                <a:latin typeface="noto"/>
-              </a:rPr>
-              <a:t>변형의 경우 설정 </a:t>
-            </a:r>
-            <a:r>
-              <a:rPr lang="en-US" altLang="ko-KR" b="0" i="0" dirty="0">
-                <a:solidFill>
-                  <a:srgbClr val="000000"/>
-                </a:solidFill>
-                <a:effectLst/>
-                <a:latin typeface="noto"/>
-              </a:rPr>
-              <a:t>K = 2</a:t>
-            </a:r>
-            <a:r>
-              <a:rPr lang="ko-KR" altLang="en-US" b="0" i="0" dirty="0">
-                <a:solidFill>
-                  <a:srgbClr val="000000"/>
-                </a:solidFill>
-                <a:effectLst/>
-                <a:latin typeface="noto"/>
-              </a:rPr>
-              <a:t>가 </a:t>
-            </a:r>
-            <a:r>
-              <a:rPr lang="en-US" altLang="ko-KR" b="0" i="0" dirty="0">
-                <a:solidFill>
-                  <a:srgbClr val="000000"/>
-                </a:solidFill>
-                <a:effectLst/>
-                <a:latin typeface="noto"/>
-              </a:rPr>
-              <a:t>K = 1</a:t>
-            </a:r>
-            <a:r>
-              <a:rPr lang="ko-KR" altLang="en-US" b="0" i="0" dirty="0">
-                <a:solidFill>
-                  <a:srgbClr val="000000"/>
-                </a:solidFill>
-                <a:effectLst/>
-                <a:latin typeface="noto"/>
-              </a:rPr>
-              <a:t>에 비해 평균 약 </a:t>
-            </a:r>
-            <a:r>
-              <a:rPr lang="en-US" altLang="ko-KR" b="0" i="0" dirty="0">
-                <a:solidFill>
-                  <a:srgbClr val="000000"/>
-                </a:solidFill>
-                <a:effectLst/>
-                <a:latin typeface="noto"/>
-              </a:rPr>
-              <a:t>10-15%</a:t>
-            </a:r>
-            <a:r>
-              <a:rPr lang="ko-KR" altLang="en-US" b="0" i="0" dirty="0">
-                <a:solidFill>
-                  <a:srgbClr val="000000"/>
-                </a:solidFill>
-                <a:effectLst/>
-                <a:latin typeface="noto"/>
-              </a:rPr>
-              <a:t>의 일관된 정확도 향상을 제공한다는 것을 발견했다</a:t>
-            </a:r>
-            <a:r>
-              <a:rPr lang="en-US" altLang="ko-KR" b="0" i="0" dirty="0">
-                <a:solidFill>
-                  <a:srgbClr val="000000"/>
-                </a:solidFill>
-                <a:effectLst/>
-                <a:latin typeface="noto"/>
-              </a:rPr>
-              <a:t>. </a:t>
-            </a:r>
-            <a:r>
-              <a:rPr lang="ko-KR" altLang="en-US" b="0" i="0" dirty="0">
-                <a:solidFill>
-                  <a:srgbClr val="000000"/>
-                </a:solidFill>
-                <a:effectLst/>
-                <a:latin typeface="noto"/>
-              </a:rPr>
-              <a:t>그러나 </a:t>
-            </a:r>
-            <a:r>
-              <a:rPr lang="en-US" altLang="ko-KR" b="0" i="0" dirty="0">
-                <a:solidFill>
-                  <a:srgbClr val="000000"/>
-                </a:solidFill>
-                <a:effectLst/>
-                <a:latin typeface="noto"/>
-              </a:rPr>
-              <a:t>2</a:t>
-            </a:r>
-            <a:r>
-              <a:rPr lang="ko-KR" altLang="en-US" b="0" i="0" dirty="0">
-                <a:solidFill>
-                  <a:srgbClr val="000000"/>
-                </a:solidFill>
-                <a:effectLst/>
-                <a:latin typeface="noto"/>
-              </a:rPr>
-              <a:t>를 초과하여 </a:t>
-            </a:r>
-            <a:r>
-              <a:rPr lang="en-US" altLang="ko-KR" b="0" i="0" dirty="0">
-                <a:solidFill>
-                  <a:srgbClr val="000000"/>
-                </a:solidFill>
-                <a:effectLst/>
-                <a:latin typeface="noto"/>
-              </a:rPr>
-              <a:t>K</a:t>
-            </a:r>
-            <a:r>
-              <a:rPr lang="ko-KR" altLang="en-US" b="0" i="0" dirty="0">
-                <a:solidFill>
-                  <a:srgbClr val="000000"/>
-                </a:solidFill>
-                <a:effectLst/>
-                <a:latin typeface="noto"/>
-              </a:rPr>
-              <a:t>를 증가시키면 성능에서 한계 수익률</a:t>
-            </a:r>
-            <a:r>
-              <a:rPr lang="en-US" altLang="ko-KR" b="0" i="0" dirty="0">
-                <a:solidFill>
-                  <a:srgbClr val="000000"/>
-                </a:solidFill>
-                <a:effectLst/>
-                <a:latin typeface="noto"/>
-              </a:rPr>
-              <a:t>(0-5%)</a:t>
-            </a:r>
-            <a:r>
-              <a:rPr lang="ko-KR" altLang="en-US" b="0" i="0" dirty="0">
-                <a:solidFill>
-                  <a:srgbClr val="000000"/>
-                </a:solidFill>
-                <a:effectLst/>
-                <a:latin typeface="noto"/>
-              </a:rPr>
-              <a:t>을 제공하는 동시에 이웃 샘플 크기에 따라 런타임을 </a:t>
-            </a:r>
-            <a:r>
-              <a:rPr lang="en-US" altLang="ko-KR" b="0" i="0" dirty="0">
-                <a:solidFill>
-                  <a:srgbClr val="000000"/>
-                </a:solidFill>
-                <a:effectLst/>
-                <a:latin typeface="noto"/>
-              </a:rPr>
-              <a:t>10-100×</a:t>
-            </a:r>
-            <a:r>
-              <a:rPr lang="ko-KR" altLang="en-US" b="0" i="0" dirty="0">
-                <a:solidFill>
-                  <a:srgbClr val="000000"/>
-                </a:solidFill>
-                <a:effectLst/>
-                <a:latin typeface="noto"/>
-              </a:rPr>
-              <a:t>의 엄청나게 큰 요인으로 증가시켰다</a:t>
-            </a:r>
-            <a:r>
-              <a:rPr lang="en-US" altLang="ko-KR" b="0" i="0" dirty="0">
-                <a:solidFill>
-                  <a:srgbClr val="000000"/>
-                </a:solidFill>
-                <a:effectLst/>
-                <a:latin typeface="noto"/>
-              </a:rPr>
-              <a:t>. </a:t>
-            </a:r>
-            <a:r>
-              <a:rPr lang="ko-KR" altLang="en-US" b="0" i="0" dirty="0">
-                <a:solidFill>
-                  <a:srgbClr val="000000"/>
-                </a:solidFill>
-                <a:effectLst/>
-                <a:latin typeface="noto"/>
-              </a:rPr>
-              <a:t>우리는 또한 대규모 이웃 표본 추출에 대한 수익이 감소하는 것을 발견했다</a:t>
-            </a:r>
-            <a:r>
-              <a:rPr lang="en-US" altLang="ko-KR" b="0" i="0" dirty="0">
-                <a:solidFill>
-                  <a:srgbClr val="000000"/>
-                </a:solidFill>
-                <a:effectLst/>
-                <a:latin typeface="noto"/>
-              </a:rPr>
-              <a:t>(</a:t>
-            </a:r>
-            <a:r>
-              <a:rPr lang="ko-KR" altLang="en-US" b="0" i="0" dirty="0">
-                <a:solidFill>
-                  <a:srgbClr val="000000"/>
-                </a:solidFill>
-                <a:effectLst/>
-                <a:latin typeface="noto"/>
-              </a:rPr>
-              <a:t>그림 </a:t>
-            </a:r>
-            <a:r>
-              <a:rPr lang="en-US" altLang="ko-KR" b="0" i="0" dirty="0">
-                <a:solidFill>
-                  <a:srgbClr val="000000"/>
-                </a:solidFill>
-                <a:effectLst/>
-                <a:latin typeface="noto"/>
-              </a:rPr>
-              <a:t>2).B)</a:t>
-            </a:r>
-            <a:r>
-              <a:rPr lang="ko-KR" altLang="en-US" b="0" i="0" dirty="0">
-                <a:solidFill>
-                  <a:srgbClr val="000000"/>
-                </a:solidFill>
-                <a:effectLst/>
-                <a:latin typeface="noto"/>
-              </a:rPr>
-              <a:t>따라서 하위 샘플링 이웃에 의해 유도된 더 높은 분산에도 불구하고 </a:t>
-            </a:r>
-            <a:r>
-              <a:rPr lang="en-US" altLang="ko-KR" b="0" i="0" dirty="0" err="1">
-                <a:solidFill>
-                  <a:srgbClr val="000000"/>
-                </a:solidFill>
-                <a:effectLst/>
-                <a:latin typeface="noto"/>
-              </a:rPr>
-              <a:t>GraphSAGE</a:t>
-            </a:r>
-            <a:r>
-              <a:rPr lang="ko-KR" altLang="en-US" b="0" i="0" dirty="0">
-                <a:solidFill>
-                  <a:srgbClr val="000000"/>
-                </a:solidFill>
-                <a:effectLst/>
-                <a:latin typeface="noto"/>
-              </a:rPr>
-              <a:t>는 여전히 강력한 예측 정확도를 유지하면서 런타임을 크게 향상시킬 수 있다</a:t>
+              <a:t>가 기준 접근 방식을 크게 능가한다는 것을 알 수 있다</a:t>
             </a:r>
             <a:r>
               <a:rPr lang="en-US" altLang="ko-KR" b="0" i="0" dirty="0">
@@ -4578,7 +4463,7 @@
     </p:spTree>
     <p:extLst>
       <p:ext uri="{BB962C8B-B14F-4D97-AF65-F5344CB8AC3E}">
-        <p14:creationId xmlns:p14="http://schemas.microsoft.com/office/powerpoint/2010/main" val="98256622"/>
+        <p14:creationId xmlns:p14="http://schemas.microsoft.com/office/powerpoint/2010/main" val="644567632"/>
       </p:ext>
     </p:extLst>
   </p:cSld>
@@ -4632,14 +4517,149 @@
           <a:bodyPr/>
           <a:lstStyle/>
           <a:p>
+            <a:r>
+              <a:rPr lang="ko-KR" altLang="en-US" dirty="0"/>
+              <a:t>런타임</a:t>
+            </a:r>
+            <a:r>
+              <a:rPr lang="en-US" altLang="ko-KR" dirty="0"/>
+              <a:t>-</a:t>
+            </a:r>
+            <a:r>
+              <a:rPr lang="ko-KR" altLang="en-US" dirty="0"/>
+              <a:t>파라미터 상관관계를 나타냄</a:t>
+            </a:r>
+            <a:r>
+              <a:rPr lang="en-US" altLang="ko-KR" dirty="0"/>
+              <a:t>.</a:t>
+            </a:r>
+          </a:p>
+          <a:p>
             <a:endParaRPr lang="en-US" altLang="ko-KR" dirty="0"/>
           </a:p>
           <a:p>
+            <a:r>
+              <a:rPr lang="en-US" altLang="ko-KR" dirty="0"/>
+              <a:t>A. </a:t>
+            </a:r>
+            <a:r>
+              <a:rPr lang="ko-KR" altLang="en-US" dirty="0"/>
+              <a:t>시간에 대해서는</a:t>
+            </a:r>
+            <a:r>
+              <a:rPr lang="en-US" altLang="ko-KR" dirty="0"/>
+              <a:t>..</a:t>
+            </a:r>
+          </a:p>
+          <a:p>
+            <a:r>
+              <a:rPr lang="en-US" altLang="ko-KR" dirty="0"/>
+              <a:t>Training </a:t>
+            </a:r>
+            <a:r>
+              <a:rPr lang="ko-KR" altLang="en-US" dirty="0"/>
+              <a:t>시간은 전체적으로 비슷하다</a:t>
+            </a:r>
+            <a:r>
+              <a:rPr lang="en-US" altLang="ko-KR" dirty="0"/>
+              <a:t>.</a:t>
+            </a:r>
+          </a:p>
+          <a:p>
+            <a:r>
+              <a:rPr lang="ko-KR" altLang="en-US" dirty="0"/>
+              <a:t>하지만 추론에 걸리는 시간은</a:t>
+            </a:r>
+            <a:r>
+              <a:rPr lang="en-US" altLang="ko-KR" dirty="0"/>
+              <a:t>, DW</a:t>
+            </a:r>
+            <a:r>
+              <a:rPr lang="ko-KR" altLang="en-US" dirty="0"/>
+              <a:t>에서는 추론을 </a:t>
+            </a:r>
+            <a:r>
+              <a:rPr lang="ko-KR" altLang="en-US" dirty="0" err="1"/>
+              <a:t>할때도</a:t>
+            </a:r>
+            <a:r>
+              <a:rPr lang="ko-KR" altLang="en-US" dirty="0"/>
+              <a:t> </a:t>
+            </a:r>
+            <a:r>
+              <a:rPr lang="en-US" altLang="ko-KR" dirty="0"/>
+              <a:t>SGD</a:t>
+            </a:r>
+            <a:r>
+              <a:rPr lang="ko-KR" altLang="en-US" dirty="0"/>
+              <a:t>를 계속 돌려야 하기 때문에 </a:t>
+            </a:r>
+            <a:r>
+              <a:rPr lang="en-US" altLang="ko-KR" dirty="0"/>
+              <a:t>100-500</a:t>
+            </a:r>
+            <a:r>
+              <a:rPr lang="ko-KR" altLang="en-US" dirty="0"/>
+              <a:t>배 느려진다</a:t>
+            </a:r>
+            <a:r>
+              <a:rPr lang="en-US" altLang="ko-KR" dirty="0"/>
+              <a:t>.</a:t>
+            </a:r>
+          </a:p>
+          <a:p>
             <a:endParaRPr lang="en-US" altLang="ko-KR" dirty="0"/>
           </a:p>
           <a:p>
             <a:r>
               <a:rPr lang="en-US" altLang="ko-KR" dirty="0"/>
+              <a:t>B. </a:t>
+            </a:r>
+            <a:r>
+              <a:rPr lang="ko-KR" altLang="en-US" dirty="0" err="1"/>
+              <a:t>샘플링하는</a:t>
+            </a:r>
+            <a:r>
+              <a:rPr lang="ko-KR" altLang="en-US" dirty="0"/>
+              <a:t> 이웃 개수에 관해서는</a:t>
+            </a:r>
+            <a:r>
+              <a:rPr lang="en-US" altLang="ko-KR" dirty="0"/>
+              <a:t>..</a:t>
+            </a:r>
+          </a:p>
+          <a:p>
+            <a:r>
+              <a:rPr lang="ko-KR" altLang="en-US" dirty="0"/>
+              <a:t>이웃의 크기를 증가시키면 </a:t>
+            </a:r>
+            <a:r>
+              <a:rPr lang="en-US" altLang="ko-KR" dirty="0"/>
+              <a:t>F1 </a:t>
+            </a:r>
+            <a:r>
+              <a:rPr lang="ko-KR" altLang="en-US" dirty="0"/>
+              <a:t>스코어가 증가하지만</a:t>
+            </a:r>
+            <a:r>
+              <a:rPr lang="en-US" altLang="ko-KR" dirty="0"/>
+              <a:t>, </a:t>
+            </a:r>
+            <a:r>
+              <a:rPr lang="ko-KR" altLang="en-US" dirty="0"/>
+              <a:t>점점 체감하는 것을 알 수 있었다</a:t>
+            </a:r>
+            <a:r>
+              <a:rPr lang="en-US" altLang="ko-KR" dirty="0"/>
+              <a:t>.</a:t>
+            </a:r>
+          </a:p>
+          <a:p>
+            <a:endParaRPr lang="en-US" altLang="ko-KR" dirty="0"/>
+          </a:p>
+          <a:p>
+            <a:r>
+              <a:rPr lang="en-US" altLang="ko-KR" dirty="0"/>
               <a:t>===</a:t>
             </a:r>
           </a:p>
@@ -4652,7 +4672,7 @@
                 <a:effectLst/>
                 <a:latin typeface="noto"/>
               </a:rPr>
-              <a:t>전반적으로</a:t>
+              <a:t>그림 </a:t>
             </a:r>
             <a:r>
               <a:rPr lang="en-US" altLang="ko-KR" b="0" i="0" dirty="0">
@@ -4662,7 +4682,7 @@
                 <a:effectLst/>
                 <a:latin typeface="noto"/>
               </a:rPr>
-              <a:t>, </a:t>
+              <a:t>2.A</a:t>
             </a:r>
             <a:r>
               <a:rPr lang="ko-KR" altLang="en-US" b="0" i="0" dirty="0">
@@ -4672,7 +4692,7 @@
                 <a:effectLst/>
                 <a:latin typeface="noto"/>
               </a:rPr>
-              <a:t>우리는 </a:t>
+              <a:t>에는 다양한 접근 방식에 대한 교육 및 테스트 실행 시간이 요약되어 있습니다</a:t>
             </a:r>
             <a:r>
               <a:rPr lang="en-US" altLang="ko-KR" b="0" i="0" dirty="0">
@@ -4682,7 +4702,7 @@
                 <a:effectLst/>
                 <a:latin typeface="noto"/>
               </a:rPr>
-              <a:t>LSTM </a:t>
+              <a:t>. </a:t>
             </a:r>
             <a:r>
               <a:rPr lang="ko-KR" altLang="en-US" b="0" i="0" dirty="0">
@@ -4692,17 +4712,37 @@
                 <a:effectLst/>
                 <a:latin typeface="noto"/>
               </a:rPr>
-              <a:t>기반 및 풀 기반 </a:t>
-            </a:r>
-            <a:r>
-              <a:rPr lang="ko-KR" altLang="en-US" b="0" i="0" dirty="0" err="1">
-                <a:solidFill>
-                  <a:srgbClr val="000000"/>
-                </a:solidFill>
-                <a:effectLst/>
-                <a:latin typeface="noto"/>
-              </a:rPr>
-              <a:t>애그리게이터가</a:t>
+              <a:t>방법에 대한 교육 시간은 유사하다</a:t>
+            </a:r>
+            <a:r>
+              <a:rPr lang="en-US" altLang="ko-KR" b="0" i="0" dirty="0">
+                <a:solidFill>
+                  <a:srgbClr val="000000"/>
+                </a:solidFill>
+                <a:effectLst/>
+                <a:latin typeface="noto"/>
+              </a:rPr>
+              <a:t>(</a:t>
+            </a:r>
+            <a:r>
+              <a:rPr lang="en-US" altLang="ko-KR" b="0" i="0" dirty="0" err="1">
+                <a:solidFill>
+                  <a:srgbClr val="000000"/>
+                </a:solidFill>
+                <a:effectLst/>
+                <a:latin typeface="noto"/>
+              </a:rPr>
+              <a:t>GraphSAGE</a:t>
+            </a:r>
+            <a:r>
+              <a:rPr lang="en-US" altLang="ko-KR" b="0" i="0" dirty="0">
+                <a:solidFill>
+                  <a:srgbClr val="000000"/>
+                </a:solidFill>
+                <a:effectLst/>
+                <a:latin typeface="noto"/>
+              </a:rPr>
+              <a:t>-LSTM</a:t>
             </a:r>
             <a:r>
               <a:rPr lang="ko-KR" altLang="en-US" b="0" i="0" dirty="0">
@@ -4712,7 +4752,7 @@
                 <a:effectLst/>
                 <a:latin typeface="noto"/>
               </a:rPr>
-              <a:t> 최고 성능의 방법이었던 평균 성능과 실험 설정 수 측면에서 모두 가장 우수한 성능을 보였다</a:t>
+              <a:t>이 가장 느림</a:t>
             </a:r>
             <a:r>
               <a:rPr lang="en-US" altLang="ko-KR" b="0" i="0" dirty="0">
@@ -4722,6 +4762,306 @@
                 <a:effectLst/>
                 <a:latin typeface="noto"/>
               </a:rPr>
+              <a:t>). </a:t>
+            </a:r>
+            <a:r>
+              <a:rPr lang="ko-KR" altLang="en-US" b="0" i="0" dirty="0">
+                <a:solidFill>
+                  <a:srgbClr val="000000"/>
+                </a:solidFill>
+                <a:effectLst/>
+                <a:latin typeface="noto"/>
+              </a:rPr>
+              <a:t>그러나 보이지 않는 노드를 포함하기 위해 새로운 랜덤 워크를 샘플링하고 새로운 </a:t>
+            </a:r>
+            <a:r>
+              <a:rPr lang="en-US" altLang="ko-KR" b="0" i="0" dirty="0">
+                <a:solidFill>
+                  <a:srgbClr val="000000"/>
+                </a:solidFill>
+                <a:effectLst/>
+                <a:latin typeface="noto"/>
+              </a:rPr>
+              <a:t>SGD </a:t>
+            </a:r>
+            <a:r>
+              <a:rPr lang="ko-KR" altLang="en-US" b="0" i="0" dirty="0">
+                <a:solidFill>
+                  <a:srgbClr val="000000"/>
+                </a:solidFill>
+                <a:effectLst/>
+                <a:latin typeface="noto"/>
+              </a:rPr>
+              <a:t>라운드를 실행해야 하는 필요성으로 인해 </a:t>
+            </a:r>
+            <a:r>
+              <a:rPr lang="en-US" altLang="ko-KR" b="0" i="0" dirty="0" err="1">
+                <a:solidFill>
+                  <a:srgbClr val="000000"/>
+                </a:solidFill>
+                <a:effectLst/>
+                <a:latin typeface="noto"/>
+              </a:rPr>
+              <a:t>DeepWalk</a:t>
+            </a:r>
+            <a:r>
+              <a:rPr lang="ko-KR" altLang="en-US" b="0" i="0" dirty="0">
+                <a:solidFill>
+                  <a:srgbClr val="000000"/>
+                </a:solidFill>
+                <a:effectLst/>
+                <a:latin typeface="noto"/>
+              </a:rPr>
+              <a:t>는 테스트 시간이 </a:t>
+            </a:r>
+            <a:r>
+              <a:rPr lang="en-US" altLang="ko-KR" b="0" i="0" dirty="0">
+                <a:solidFill>
+                  <a:srgbClr val="000000"/>
+                </a:solidFill>
+                <a:effectLst/>
+                <a:latin typeface="noto"/>
+              </a:rPr>
+              <a:t>100-500</a:t>
+            </a:r>
+            <a:r>
+              <a:rPr lang="ko-KR" altLang="en-US" b="0" i="0" dirty="0">
+                <a:solidFill>
+                  <a:srgbClr val="000000"/>
+                </a:solidFill>
+                <a:effectLst/>
+                <a:latin typeface="noto"/>
+              </a:rPr>
+              <a:t>배 느려진다</a:t>
+            </a:r>
+            <a:r>
+              <a:rPr lang="en-US" altLang="ko-KR" b="0" i="0" dirty="0">
+                <a:solidFill>
+                  <a:srgbClr val="000000"/>
+                </a:solidFill>
+                <a:effectLst/>
+                <a:latin typeface="noto"/>
+              </a:rPr>
+              <a:t>. </a:t>
+            </a:r>
+            <a:r>
+              <a:rPr lang="en-US" altLang="ko-KR" b="0" i="0" dirty="0" err="1">
+                <a:solidFill>
+                  <a:srgbClr val="000000"/>
+                </a:solidFill>
+                <a:effectLst/>
+                <a:latin typeface="noto"/>
+              </a:rPr>
+              <a:t>GraphSAGE</a:t>
+            </a:r>
+            <a:r>
+              <a:rPr lang="en-US" altLang="ko-KR" b="0" i="0" dirty="0">
+                <a:solidFill>
+                  <a:srgbClr val="000000"/>
+                </a:solidFill>
+                <a:effectLst/>
+                <a:latin typeface="noto"/>
+              </a:rPr>
+              <a:t> </a:t>
+            </a:r>
+            <a:r>
+              <a:rPr lang="ko-KR" altLang="en-US" b="0" i="0" dirty="0">
+                <a:solidFill>
+                  <a:srgbClr val="000000"/>
+                </a:solidFill>
+                <a:effectLst/>
+                <a:latin typeface="noto"/>
+              </a:rPr>
+              <a:t>변형의 경우 설정 </a:t>
+            </a:r>
+            <a:r>
+              <a:rPr lang="en-US" altLang="ko-KR" b="0" i="0" dirty="0">
+                <a:solidFill>
+                  <a:srgbClr val="000000"/>
+                </a:solidFill>
+                <a:effectLst/>
+                <a:latin typeface="noto"/>
+              </a:rPr>
+              <a:t>K = 2</a:t>
+            </a:r>
+            <a:r>
+              <a:rPr lang="ko-KR" altLang="en-US" b="0" i="0" dirty="0">
+                <a:solidFill>
+                  <a:srgbClr val="000000"/>
+                </a:solidFill>
+                <a:effectLst/>
+                <a:latin typeface="noto"/>
+              </a:rPr>
+              <a:t>가 </a:t>
+            </a:r>
+            <a:r>
+              <a:rPr lang="en-US" altLang="ko-KR" b="0" i="0" dirty="0">
+                <a:solidFill>
+                  <a:srgbClr val="000000"/>
+                </a:solidFill>
+                <a:effectLst/>
+                <a:latin typeface="noto"/>
+              </a:rPr>
+              <a:t>K = 1</a:t>
+            </a:r>
+            <a:r>
+              <a:rPr lang="ko-KR" altLang="en-US" b="0" i="0" dirty="0">
+                <a:solidFill>
+                  <a:srgbClr val="000000"/>
+                </a:solidFill>
+                <a:effectLst/>
+                <a:latin typeface="noto"/>
+              </a:rPr>
+              <a:t>에 비해 평균 약 </a:t>
+            </a:r>
+            <a:r>
+              <a:rPr lang="en-US" altLang="ko-KR" b="0" i="0" dirty="0">
+                <a:solidFill>
+                  <a:srgbClr val="000000"/>
+                </a:solidFill>
+                <a:effectLst/>
+                <a:latin typeface="noto"/>
+              </a:rPr>
+              <a:t>10-15%</a:t>
+            </a:r>
+            <a:r>
+              <a:rPr lang="ko-KR" altLang="en-US" b="0" i="0" dirty="0">
+                <a:solidFill>
+                  <a:srgbClr val="000000"/>
+                </a:solidFill>
+                <a:effectLst/>
+                <a:latin typeface="noto"/>
+              </a:rPr>
+              <a:t>의 일관된 정확도 향상을 제공한다는 것을 발견했다</a:t>
+            </a:r>
+            <a:r>
+              <a:rPr lang="en-US" altLang="ko-KR" b="0" i="0" dirty="0">
+                <a:solidFill>
+                  <a:srgbClr val="000000"/>
+                </a:solidFill>
+                <a:effectLst/>
+                <a:latin typeface="noto"/>
+              </a:rPr>
+              <a:t>. </a:t>
+            </a:r>
+            <a:r>
+              <a:rPr lang="ko-KR" altLang="en-US" b="0" i="0" dirty="0">
+                <a:solidFill>
+                  <a:srgbClr val="000000"/>
+                </a:solidFill>
+                <a:effectLst/>
+                <a:latin typeface="noto"/>
+              </a:rPr>
+              <a:t>그러나 </a:t>
+            </a:r>
+            <a:r>
+              <a:rPr lang="en-US" altLang="ko-KR" b="0" i="0" dirty="0">
+                <a:solidFill>
+                  <a:srgbClr val="000000"/>
+                </a:solidFill>
+                <a:effectLst/>
+                <a:latin typeface="noto"/>
+              </a:rPr>
+              <a:t>2</a:t>
+            </a:r>
+            <a:r>
+              <a:rPr lang="ko-KR" altLang="en-US" b="0" i="0" dirty="0">
+                <a:solidFill>
+                  <a:srgbClr val="000000"/>
+                </a:solidFill>
+                <a:effectLst/>
+                <a:latin typeface="noto"/>
+              </a:rPr>
+              <a:t>를 초과하여 </a:t>
+            </a:r>
+            <a:r>
+              <a:rPr lang="en-US" altLang="ko-KR" b="0" i="0" dirty="0">
+                <a:solidFill>
+                  <a:srgbClr val="000000"/>
+                </a:solidFill>
+                <a:effectLst/>
+                <a:latin typeface="noto"/>
+              </a:rPr>
+              <a:t>K</a:t>
+            </a:r>
+            <a:r>
+              <a:rPr lang="ko-KR" altLang="en-US" b="0" i="0" dirty="0">
+                <a:solidFill>
+                  <a:srgbClr val="000000"/>
+                </a:solidFill>
+                <a:effectLst/>
+                <a:latin typeface="noto"/>
+              </a:rPr>
+              <a:t>를 증가시키면 성능에서 한계 수익률</a:t>
+            </a:r>
+            <a:r>
+              <a:rPr lang="en-US" altLang="ko-KR" b="0" i="0" dirty="0">
+                <a:solidFill>
+                  <a:srgbClr val="000000"/>
+                </a:solidFill>
+                <a:effectLst/>
+                <a:latin typeface="noto"/>
+              </a:rPr>
+              <a:t>(0-5%)</a:t>
+            </a:r>
+            <a:r>
+              <a:rPr lang="ko-KR" altLang="en-US" b="0" i="0" dirty="0">
+                <a:solidFill>
+                  <a:srgbClr val="000000"/>
+                </a:solidFill>
+                <a:effectLst/>
+                <a:latin typeface="noto"/>
+              </a:rPr>
+              <a:t>을 제공하는 동시에 이웃 샘플 크기에 따라 런타임을 </a:t>
+            </a:r>
+            <a:r>
+              <a:rPr lang="en-US" altLang="ko-KR" b="0" i="0" dirty="0">
+                <a:solidFill>
+                  <a:srgbClr val="000000"/>
+                </a:solidFill>
+                <a:effectLst/>
+                <a:latin typeface="noto"/>
+              </a:rPr>
+              <a:t>10-100×</a:t>
+            </a:r>
+            <a:r>
+              <a:rPr lang="ko-KR" altLang="en-US" b="0" i="0" dirty="0">
+                <a:solidFill>
+                  <a:srgbClr val="000000"/>
+                </a:solidFill>
+                <a:effectLst/>
+                <a:latin typeface="noto"/>
+              </a:rPr>
+              <a:t>의 엄청나게 큰 요인으로 증가시켰다</a:t>
+            </a:r>
+            <a:r>
+              <a:rPr lang="en-US" altLang="ko-KR" b="0" i="0" dirty="0">
+                <a:solidFill>
+                  <a:srgbClr val="000000"/>
+                </a:solidFill>
+                <a:effectLst/>
+                <a:latin typeface="noto"/>
+              </a:rPr>
+              <a:t>. </a:t>
+            </a:r>
+            <a:r>
+              <a:rPr lang="ko-KR" altLang="en-US" b="0" i="0" dirty="0">
+                <a:solidFill>
+                  <a:srgbClr val="000000"/>
+                </a:solidFill>
+                <a:effectLst/>
+                <a:latin typeface="noto"/>
+              </a:rPr>
+              <a:t>우리는 또한 대규모 이웃 표본 추출에 대한 수익이 감소하는 것을 발견했다</a:t>
+            </a:r>
+            <a:r>
+              <a:rPr lang="en-US" altLang="ko-KR" b="0" i="0" dirty="0">
+                <a:solidFill>
+                  <a:srgbClr val="000000"/>
+                </a:solidFill>
+                <a:effectLst/>
+                <a:latin typeface="noto"/>
+              </a:rPr>
               <a:t>(</a:t>
             </a:r>
             <a:r>
@@ -4732,7 +5072,7 @@
                 <a:effectLst/>
                 <a:latin typeface="noto"/>
               </a:rPr>
-              <a:t>표 </a:t>
+              <a:t>그림 </a:t>
             </a:r>
             <a:r>
               <a:rPr lang="en-US" altLang="ko-KR" b="0" i="0" dirty="0">
@@ -4742,7 +5082,7 @@
                 <a:effectLst/>
                 <a:latin typeface="noto"/>
               </a:rPr>
-              <a:t>1). </a:t>
+              <a:t>2).B)</a:t>
             </a:r>
             <a:r>
               <a:rPr lang="ko-KR" altLang="en-US" b="0" i="0" dirty="0">
@@ -4752,7 +5092,27 @@
                 <a:effectLst/>
                 <a:latin typeface="noto"/>
               </a:rPr>
-              <a:t>이러한 추세에 대한 보다 정량적인 통찰력을 제공하기 위해</a:t>
+              <a:t>따라서 하위 샘플링 이웃에 의해 유도된 더 높은 분산에도 불구하고 </a:t>
+            </a:r>
+            <a:r>
+              <a:rPr lang="en-US" altLang="ko-KR" b="0" i="0" dirty="0" err="1">
+                <a:solidFill>
+                  <a:srgbClr val="000000"/>
+                </a:solidFill>
+                <a:effectLst/>
+                <a:latin typeface="noto"/>
+              </a:rPr>
+              <a:t>GraphSAGE</a:t>
+            </a:r>
+            <a:r>
+              <a:rPr lang="ko-KR" altLang="en-US" b="0" i="0" dirty="0">
+                <a:solidFill>
+                  <a:srgbClr val="000000"/>
+                </a:solidFill>
+                <a:effectLst/>
+                <a:latin typeface="noto"/>
+              </a:rPr>
+              <a:t>는 여전히 강력한 예측 정확도를 유지하면서 런타임을 크게 향상시킬 수 있다</a:t>
             </a:r>
             <a:r>
               <a:rPr lang="en-US" altLang="ko-KR" b="0" i="0" dirty="0">
@@ -4762,717 +5122,7 @@
                 <a:effectLst/>
                 <a:latin typeface="noto"/>
               </a:rPr>
-              <a:t>, </a:t>
-            </a:r>
-            <a:r>
-              <a:rPr lang="ko-KR" altLang="en-US" b="0" i="0" dirty="0">
-                <a:solidFill>
-                  <a:srgbClr val="000000"/>
-                </a:solidFill>
-                <a:effectLst/>
-                <a:latin typeface="noto"/>
-              </a:rPr>
-              <a:t>우리는 </a:t>
-            </a:r>
-            <a:r>
-              <a:rPr lang="en-US" altLang="ko-KR" b="0" i="0" dirty="0">
-                <a:solidFill>
-                  <a:srgbClr val="000000"/>
-                </a:solidFill>
-                <a:effectLst/>
-                <a:latin typeface="noto"/>
-              </a:rPr>
-              <a:t>6</a:t>
-            </a:r>
-            <a:r>
-              <a:rPr lang="ko-KR" altLang="en-US" b="0" i="0" dirty="0">
-                <a:solidFill>
-                  <a:srgbClr val="000000"/>
-                </a:solidFill>
-                <a:effectLst/>
-                <a:latin typeface="noto"/>
-              </a:rPr>
-              <a:t>개의 다른 실험 설정</a:t>
-            </a:r>
-            <a:r>
-              <a:rPr lang="en-US" altLang="ko-KR" b="0" i="0" dirty="0">
-                <a:solidFill>
-                  <a:srgbClr val="000000"/>
-                </a:solidFill>
-                <a:effectLst/>
-                <a:latin typeface="noto"/>
-              </a:rPr>
-              <a:t>(</a:t>
-            </a:r>
-            <a:r>
-              <a:rPr lang="ko-KR" altLang="en-US" b="0" i="0" dirty="0">
-                <a:solidFill>
-                  <a:srgbClr val="000000"/>
-                </a:solidFill>
-                <a:effectLst/>
-                <a:latin typeface="noto"/>
-              </a:rPr>
-              <a:t>즉</a:t>
-            </a:r>
-            <a:r>
-              <a:rPr lang="en-US" altLang="ko-KR" b="0" i="0" dirty="0">
-                <a:solidFill>
-                  <a:srgbClr val="000000"/>
-                </a:solidFill>
-                <a:effectLst/>
-                <a:latin typeface="noto"/>
-              </a:rPr>
-              <a:t>, (3</a:t>
-            </a:r>
-            <a:r>
-              <a:rPr lang="ko-KR" altLang="en-US" b="0" i="0" dirty="0">
-                <a:solidFill>
-                  <a:srgbClr val="000000"/>
-                </a:solidFill>
-                <a:effectLst/>
-                <a:latin typeface="noto"/>
-              </a:rPr>
-              <a:t>개의 데이터 세트</a:t>
-            </a:r>
-            <a:r>
-              <a:rPr lang="en-US" altLang="ko-KR" b="0" i="0" dirty="0">
-                <a:solidFill>
-                  <a:srgbClr val="000000"/>
-                </a:solidFill>
-                <a:effectLst/>
-                <a:latin typeface="noto"/>
-              </a:rPr>
-              <a:t>) × (</a:t>
-            </a:r>
-            <a:r>
-              <a:rPr lang="ko-KR" altLang="en-US" b="0" i="0" dirty="0">
-                <a:solidFill>
-                  <a:srgbClr val="000000"/>
-                </a:solidFill>
-                <a:effectLst/>
-                <a:latin typeface="noto"/>
-              </a:rPr>
-              <a:t>감독되지 않은 대 감독된</a:t>
-            </a:r>
-            <a:r>
-              <a:rPr lang="en-US" altLang="ko-KR" b="0" i="0" dirty="0">
-                <a:solidFill>
-                  <a:srgbClr val="000000"/>
-                </a:solidFill>
-                <a:effectLst/>
-                <a:latin typeface="noto"/>
-              </a:rPr>
-              <a:t>)</a:t>
-            </a:r>
-            <a:r>
-              <a:rPr lang="ko-KR" altLang="en-US" b="0" i="0" dirty="0">
-                <a:solidFill>
-                  <a:srgbClr val="000000"/>
-                </a:solidFill>
-                <a:effectLst/>
-                <a:latin typeface="noto"/>
-              </a:rPr>
-              <a:t>을 각각 시험으로 간주하고 어떤 성능 추세가 일반화될 가능성이 있는지 고려한다</a:t>
-            </a:r>
-            <a:r>
-              <a:rPr lang="en-US" altLang="ko-KR" b="0" i="0" dirty="0">
-                <a:solidFill>
-                  <a:srgbClr val="000000"/>
-                </a:solidFill>
-                <a:effectLst/>
-                <a:latin typeface="noto"/>
-              </a:rPr>
-              <a:t>. </a:t>
-            </a:r>
-            <a:r>
-              <a:rPr lang="ko-KR" altLang="en-US" b="0" i="0" dirty="0">
-                <a:solidFill>
-                  <a:srgbClr val="000000"/>
-                </a:solidFill>
-                <a:effectLst/>
-                <a:latin typeface="noto"/>
-              </a:rPr>
-              <a:t>특히</a:t>
-            </a:r>
-            <a:r>
-              <a:rPr lang="en-US" altLang="ko-KR" b="0" i="0" dirty="0">
-                <a:solidFill>
-                  <a:srgbClr val="000000"/>
-                </a:solidFill>
-                <a:effectLst/>
-                <a:latin typeface="noto"/>
-              </a:rPr>
-              <a:t>, </a:t>
-            </a:r>
-            <a:r>
-              <a:rPr lang="ko-KR" altLang="en-US" b="0" i="0" dirty="0">
-                <a:solidFill>
-                  <a:srgbClr val="000000"/>
-                </a:solidFill>
-                <a:effectLst/>
-                <a:latin typeface="noto"/>
-              </a:rPr>
-              <a:t>우리는 </a:t>
-            </a:r>
-            <a:r>
-              <a:rPr lang="ko-KR" altLang="en-US" b="0" i="0" dirty="0" err="1">
-                <a:solidFill>
-                  <a:srgbClr val="000000"/>
-                </a:solidFill>
-                <a:effectLst/>
-                <a:latin typeface="noto"/>
-              </a:rPr>
-              <a:t>비모수</a:t>
-            </a:r>
-            <a:r>
-              <a:rPr lang="ko-KR" altLang="en-US" b="0" i="0" dirty="0">
-                <a:solidFill>
-                  <a:srgbClr val="000000"/>
-                </a:solidFill>
-                <a:effectLst/>
-                <a:latin typeface="noto"/>
-              </a:rPr>
-              <a:t> </a:t>
-            </a:r>
-            <a:r>
-              <a:rPr lang="en-US" altLang="ko-KR" b="0" i="0" dirty="0">
-                <a:solidFill>
-                  <a:srgbClr val="000000"/>
-                </a:solidFill>
-                <a:effectLst/>
-                <a:latin typeface="noto"/>
-              </a:rPr>
-              <a:t>Wilcoxon Signed-Rank Test[33]</a:t>
-            </a:r>
-            <a:r>
-              <a:rPr lang="ko-KR" altLang="en-US" b="0" i="0" dirty="0">
-                <a:solidFill>
-                  <a:srgbClr val="000000"/>
-                </a:solidFill>
-                <a:effectLst/>
-                <a:latin typeface="noto"/>
-              </a:rPr>
-              <a:t>를 사용하여 해당되는 경우 </a:t>
-            </a:r>
-            <a:r>
-              <a:rPr lang="en-US" altLang="ko-KR" b="0" i="0" dirty="0">
-                <a:solidFill>
-                  <a:srgbClr val="000000"/>
-                </a:solidFill>
-                <a:effectLst/>
-                <a:latin typeface="noto"/>
-              </a:rPr>
-              <a:t>T-</a:t>
-            </a:r>
-            <a:r>
-              <a:rPr lang="ko-KR" altLang="en-US" b="0" i="0" dirty="0">
-                <a:solidFill>
-                  <a:srgbClr val="000000"/>
-                </a:solidFill>
-                <a:effectLst/>
-                <a:latin typeface="noto"/>
-              </a:rPr>
-              <a:t>통계 및 </a:t>
-            </a:r>
-            <a:r>
-              <a:rPr lang="en-US" altLang="ko-KR" b="0" i="0" dirty="0">
-                <a:solidFill>
-                  <a:srgbClr val="000000"/>
-                </a:solidFill>
-                <a:effectLst/>
-                <a:latin typeface="noto"/>
-              </a:rPr>
-              <a:t>p-</a:t>
-            </a:r>
-            <a:r>
-              <a:rPr lang="ko-KR" altLang="en-US" b="0" i="0" dirty="0">
-                <a:solidFill>
-                  <a:srgbClr val="000000"/>
-                </a:solidFill>
-                <a:effectLst/>
-                <a:latin typeface="noto"/>
-              </a:rPr>
-              <a:t>값을 보고하여 시험 전반에 걸쳐 다른 </a:t>
-            </a:r>
-            <a:r>
-              <a:rPr lang="ko-KR" altLang="en-US" b="0" i="0" dirty="0" err="1">
-                <a:solidFill>
-                  <a:srgbClr val="000000"/>
-                </a:solidFill>
-                <a:effectLst/>
-                <a:latin typeface="noto"/>
-              </a:rPr>
-              <a:t>집계자</a:t>
-            </a:r>
-            <a:r>
-              <a:rPr lang="ko-KR" altLang="en-US" b="0" i="0" dirty="0">
-                <a:solidFill>
-                  <a:srgbClr val="000000"/>
-                </a:solidFill>
-                <a:effectLst/>
-                <a:latin typeface="noto"/>
-              </a:rPr>
-              <a:t> 간의 차이를 </a:t>
-            </a:r>
-            <a:r>
-              <a:rPr lang="ko-KR" altLang="en-US" b="0" i="0" dirty="0" err="1">
-                <a:solidFill>
-                  <a:srgbClr val="000000"/>
-                </a:solidFill>
-                <a:effectLst/>
-                <a:latin typeface="noto"/>
-              </a:rPr>
-              <a:t>정량화한다</a:t>
-            </a:r>
-            <a:r>
-              <a:rPr lang="en-US" altLang="ko-KR" b="0" i="0" dirty="0">
-                <a:solidFill>
-                  <a:srgbClr val="000000"/>
-                </a:solidFill>
-                <a:effectLst/>
-                <a:latin typeface="noto"/>
-              </a:rPr>
-              <a:t>. </a:t>
-            </a:r>
-            <a:r>
-              <a:rPr lang="ko-KR" altLang="en-US" b="0" i="0" dirty="0">
-                <a:solidFill>
-                  <a:srgbClr val="000000"/>
-                </a:solidFill>
-                <a:effectLst/>
-                <a:latin typeface="noto"/>
-              </a:rPr>
-              <a:t>이 방법은 순위 기반이며 기본적으로 새로운 실험 환경에서 특정 접근법이 다른 접근법을 능가할 것으로 예상하는지 여부를 테스트한다</a:t>
-            </a:r>
-            <a:r>
-              <a:rPr lang="en-US" altLang="ko-KR" b="0" i="0" dirty="0">
-                <a:solidFill>
-                  <a:srgbClr val="000000"/>
-                </a:solidFill>
-                <a:effectLst/>
-                <a:latin typeface="noto"/>
-              </a:rPr>
-              <a:t>. 6</a:t>
-            </a:r>
-            <a:r>
-              <a:rPr lang="ko-KR" altLang="en-US" b="0" i="0" dirty="0">
-                <a:solidFill>
-                  <a:srgbClr val="000000"/>
-                </a:solidFill>
-                <a:effectLst/>
-                <a:latin typeface="noto"/>
-              </a:rPr>
-              <a:t>개의 서로 다른 설정의 작은 표본 크기를 고려할 때</a:t>
-            </a:r>
-            <a:r>
-              <a:rPr lang="en-US" altLang="ko-KR" b="0" i="0" dirty="0">
-                <a:solidFill>
-                  <a:srgbClr val="000000"/>
-                </a:solidFill>
-                <a:effectLst/>
-                <a:latin typeface="noto"/>
-              </a:rPr>
-              <a:t>, </a:t>
-            </a:r>
-            <a:r>
-              <a:rPr lang="ko-KR" altLang="en-US" b="0" i="0" dirty="0">
-                <a:solidFill>
-                  <a:srgbClr val="000000"/>
-                </a:solidFill>
-                <a:effectLst/>
-                <a:latin typeface="noto"/>
-              </a:rPr>
-              <a:t>이 유의성 테스트는 다소 약하다</a:t>
-            </a:r>
-            <a:r>
-              <a:rPr lang="en-US" altLang="ko-KR" b="0" i="0" dirty="0">
-                <a:solidFill>
-                  <a:srgbClr val="000000"/>
-                </a:solidFill>
-                <a:effectLst/>
-                <a:latin typeface="noto"/>
-              </a:rPr>
-              <a:t>. </a:t>
-            </a:r>
-            <a:r>
-              <a:rPr lang="ko-KR" altLang="en-US" b="0" i="0" dirty="0">
-                <a:solidFill>
-                  <a:srgbClr val="000000"/>
-                </a:solidFill>
-                <a:effectLst/>
-                <a:latin typeface="noto"/>
-              </a:rPr>
-              <a:t>그럼에도 불구하고 </a:t>
-            </a:r>
-            <a:r>
-              <a:rPr lang="en-US" altLang="ko-KR" b="0" i="0" dirty="0">
-                <a:solidFill>
-                  <a:srgbClr val="000000"/>
-                </a:solidFill>
-                <a:effectLst/>
-                <a:latin typeface="noto"/>
-              </a:rPr>
-              <a:t>T-</a:t>
-            </a:r>
-            <a:r>
-              <a:rPr lang="ko-KR" altLang="en-US" b="0" i="0" dirty="0">
-                <a:solidFill>
-                  <a:srgbClr val="000000"/>
-                </a:solidFill>
-                <a:effectLst/>
-                <a:latin typeface="noto"/>
-              </a:rPr>
-              <a:t>통계 및 관련 </a:t>
-            </a:r>
-            <a:r>
-              <a:rPr lang="en-US" altLang="ko-KR" b="0" i="0" dirty="0">
-                <a:solidFill>
-                  <a:srgbClr val="000000"/>
-                </a:solidFill>
-                <a:effectLst/>
-                <a:latin typeface="noto"/>
-              </a:rPr>
-              <a:t>p-</a:t>
-            </a:r>
-            <a:r>
-              <a:rPr lang="ko-KR" altLang="en-US" b="0" i="0" dirty="0">
-                <a:solidFill>
-                  <a:srgbClr val="000000"/>
-                </a:solidFill>
-                <a:effectLst/>
-                <a:latin typeface="noto"/>
-              </a:rPr>
-              <a:t>값은 집계기의 상대적 성능을 평가하는 데 유용한 정량적 측정이다</a:t>
-            </a:r>
-            <a:r>
-              <a:rPr lang="en-US" altLang="ko-KR" b="0" i="0" dirty="0">
-                <a:solidFill>
-                  <a:srgbClr val="000000"/>
-                </a:solidFill>
-                <a:effectLst/>
-                <a:latin typeface="noto"/>
-              </a:rPr>
-              <a:t>. </a:t>
-            </a:r>
-            <a:r>
-              <a:rPr lang="ko-KR" altLang="en-US" b="0" i="0" dirty="0">
-                <a:solidFill>
-                  <a:srgbClr val="000000"/>
-                </a:solidFill>
-                <a:effectLst/>
-                <a:latin typeface="noto"/>
-              </a:rPr>
-              <a:t>우리는 </a:t>
-            </a:r>
-            <a:r>
-              <a:rPr lang="en-US" altLang="ko-KR" b="0" i="0" dirty="0">
-                <a:solidFill>
-                  <a:srgbClr val="000000"/>
-                </a:solidFill>
-                <a:effectLst/>
-                <a:latin typeface="noto"/>
-              </a:rPr>
-              <a:t>LSTM, </a:t>
-            </a:r>
-            <a:r>
-              <a:rPr lang="ko-KR" altLang="en-US" b="0" i="0" dirty="0">
-                <a:solidFill>
-                  <a:srgbClr val="000000"/>
-                </a:solidFill>
-                <a:effectLst/>
-                <a:latin typeface="noto"/>
-              </a:rPr>
-              <a:t>풀 기반 및 평균 기반 집계가 모두 </a:t>
-            </a:r>
-            <a:r>
-              <a:rPr lang="en-US" altLang="ko-KR" b="0" i="0" dirty="0">
-                <a:solidFill>
-                  <a:srgbClr val="000000"/>
-                </a:solidFill>
-                <a:effectLst/>
-                <a:latin typeface="noto"/>
-              </a:rPr>
-              <a:t>GCN </a:t>
-            </a:r>
-            <a:r>
-              <a:rPr lang="ko-KR" altLang="en-US" b="0" i="0" dirty="0">
-                <a:solidFill>
-                  <a:srgbClr val="000000"/>
-                </a:solidFill>
-                <a:effectLst/>
-                <a:latin typeface="noto"/>
-              </a:rPr>
-              <a:t>기반 접근 방식에 비해 통계적으로 유의미한 이득을 제공한다는 것을 알 수 있다</a:t>
-            </a:r>
-            <a:r>
-              <a:rPr lang="en-US" altLang="ko-KR" b="0" i="0" dirty="0">
-                <a:solidFill>
-                  <a:srgbClr val="000000"/>
-                </a:solidFill>
-                <a:effectLst/>
-                <a:latin typeface="noto"/>
-              </a:rPr>
-              <a:t>(T = 1.0, p = 0.02). </a:t>
-            </a:r>
-            <a:r>
-              <a:rPr lang="ko-KR" altLang="en-US" b="0" i="0" dirty="0">
-                <a:solidFill>
-                  <a:srgbClr val="000000"/>
-                </a:solidFill>
-                <a:effectLst/>
-                <a:latin typeface="noto"/>
-              </a:rPr>
-              <a:t>그러나 평균 기반 </a:t>
-            </a:r>
-            <a:r>
-              <a:rPr lang="ko-KR" altLang="en-US" b="0" i="0" dirty="0" err="1">
-                <a:solidFill>
-                  <a:srgbClr val="000000"/>
-                </a:solidFill>
-                <a:effectLst/>
-                <a:latin typeface="noto"/>
-              </a:rPr>
-              <a:t>애그리게이터에</a:t>
-            </a:r>
-            <a:r>
-              <a:rPr lang="ko-KR" altLang="en-US" b="0" i="0" dirty="0">
-                <a:solidFill>
-                  <a:srgbClr val="000000"/>
-                </a:solidFill>
-                <a:effectLst/>
-                <a:latin typeface="noto"/>
-              </a:rPr>
-              <a:t> 대한 </a:t>
-            </a:r>
-            <a:r>
-              <a:rPr lang="en-US" altLang="ko-KR" b="0" i="0" dirty="0">
-                <a:solidFill>
-                  <a:srgbClr val="000000"/>
-                </a:solidFill>
-                <a:effectLst/>
-                <a:latin typeface="noto"/>
-              </a:rPr>
-              <a:t>LSTM</a:t>
-            </a:r>
-            <a:r>
-              <a:rPr lang="ko-KR" altLang="en-US" b="0" i="0" dirty="0">
-                <a:solidFill>
-                  <a:srgbClr val="000000"/>
-                </a:solidFill>
-                <a:effectLst/>
-                <a:latin typeface="noto"/>
-              </a:rPr>
-              <a:t>과 풀 접근법의 이득은 더 미미하다</a:t>
-            </a:r>
-            <a:r>
-              <a:rPr lang="en-US" altLang="ko-KR" b="0" i="0" dirty="0">
-                <a:solidFill>
-                  <a:srgbClr val="000000"/>
-                </a:solidFill>
-                <a:effectLst/>
-                <a:latin typeface="noto"/>
-              </a:rPr>
-              <a:t>(LSTM</a:t>
-            </a:r>
-            <a:r>
-              <a:rPr lang="ko-KR" altLang="en-US" b="0" i="0" dirty="0">
-                <a:solidFill>
-                  <a:srgbClr val="000000"/>
-                </a:solidFill>
-                <a:effectLst/>
-                <a:latin typeface="noto"/>
-              </a:rPr>
-              <a:t>을 평균에 비교하는 </a:t>
-            </a:r>
-            <a:r>
-              <a:rPr lang="en-US" altLang="ko-KR" b="0" i="0" dirty="0">
-                <a:solidFill>
-                  <a:srgbClr val="000000"/>
-                </a:solidFill>
-                <a:effectLst/>
-                <a:latin typeface="noto"/>
-              </a:rPr>
-              <a:t>T = 1.5, p = 0.03, </a:t>
-            </a:r>
-            <a:r>
-              <a:rPr lang="ko-KR" altLang="en-US" b="0" i="0" dirty="0">
-                <a:solidFill>
-                  <a:srgbClr val="000000"/>
-                </a:solidFill>
-                <a:effectLst/>
-                <a:latin typeface="noto"/>
-              </a:rPr>
-              <a:t>풀을 평균에 비교하는 </a:t>
-            </a:r>
-            <a:r>
-              <a:rPr lang="en-US" altLang="ko-KR" b="0" i="0" dirty="0">
-                <a:solidFill>
-                  <a:srgbClr val="000000"/>
-                </a:solidFill>
-                <a:effectLst/>
-                <a:latin typeface="noto"/>
-              </a:rPr>
-              <a:t>T = 4.5, p = 0.10). LSTM</a:t>
-            </a:r>
-            <a:r>
-              <a:rPr lang="ko-KR" altLang="en-US" b="0" i="0" dirty="0">
-                <a:solidFill>
-                  <a:srgbClr val="000000"/>
-                </a:solidFill>
-                <a:effectLst/>
-                <a:latin typeface="noto"/>
-              </a:rPr>
-              <a:t>과 풀 접근법 사이에는 큰 차이가 없다</a:t>
-            </a:r>
-            <a:r>
-              <a:rPr lang="en-US" altLang="ko-KR" b="0" i="0" dirty="0">
-                <a:solidFill>
-                  <a:srgbClr val="000000"/>
-                </a:solidFill>
-                <a:effectLst/>
-                <a:latin typeface="noto"/>
-              </a:rPr>
-              <a:t>(T = 10.0, p = 0.46). </a:t>
-            </a:r>
-            <a:r>
-              <a:rPr lang="ko-KR" altLang="en-US" b="0" i="0" dirty="0">
-                <a:solidFill>
-                  <a:srgbClr val="000000"/>
-                </a:solidFill>
-                <a:effectLst/>
-                <a:latin typeface="noto"/>
-              </a:rPr>
-              <a:t>그러나 </a:t>
-            </a:r>
-            <a:r>
-              <a:rPr lang="en-US" altLang="ko-KR" b="0" i="0" dirty="0" err="1">
-                <a:solidFill>
-                  <a:srgbClr val="000000"/>
-                </a:solidFill>
-                <a:effectLst/>
-                <a:latin typeface="noto"/>
-              </a:rPr>
-              <a:t>GraphSAGE</a:t>
-            </a:r>
-            <a:r>
-              <a:rPr lang="en-US" altLang="ko-KR" b="0" i="0" dirty="0">
-                <a:solidFill>
-                  <a:srgbClr val="000000"/>
-                </a:solidFill>
-                <a:effectLst/>
-                <a:latin typeface="noto"/>
-              </a:rPr>
-              <a:t>-LSTM</a:t>
-            </a:r>
-            <a:r>
-              <a:rPr lang="ko-KR" altLang="en-US" b="0" i="0" dirty="0">
-                <a:solidFill>
-                  <a:srgbClr val="000000"/>
-                </a:solidFill>
-                <a:effectLst/>
-                <a:latin typeface="noto"/>
-              </a:rPr>
-              <a:t>은 </a:t>
-            </a:r>
-            <a:r>
-              <a:rPr lang="en-US" altLang="ko-KR" b="0" i="0" dirty="0" err="1">
-                <a:solidFill>
-                  <a:srgbClr val="000000"/>
-                </a:solidFill>
-                <a:effectLst/>
-                <a:latin typeface="noto"/>
-              </a:rPr>
-              <a:t>GraphSAGE</a:t>
-            </a:r>
-            <a:r>
-              <a:rPr lang="en-US" altLang="ko-KR" b="0" i="0" dirty="0">
-                <a:solidFill>
-                  <a:srgbClr val="000000"/>
-                </a:solidFill>
-                <a:effectLst/>
-                <a:latin typeface="noto"/>
-              </a:rPr>
-              <a:t>-pool</a:t>
-            </a:r>
-            <a:r>
-              <a:rPr lang="ko-KR" altLang="en-US" b="0" i="0" dirty="0">
-                <a:solidFill>
-                  <a:srgbClr val="000000"/>
-                </a:solidFill>
-                <a:effectLst/>
-                <a:latin typeface="noto"/>
-              </a:rPr>
-              <a:t>보다 상당히 느리며</a:t>
-            </a:r>
-            <a:r>
-              <a:rPr lang="en-US" altLang="ko-KR" b="0" i="0" dirty="0">
-                <a:solidFill>
-                  <a:srgbClr val="000000"/>
-                </a:solidFill>
-                <a:effectLst/>
-                <a:latin typeface="noto"/>
-              </a:rPr>
-              <a:t>(2</a:t>
-            </a:r>
-            <a:r>
-              <a:rPr lang="ko-KR" altLang="en-US" b="0" i="0" dirty="0">
-                <a:solidFill>
-                  <a:srgbClr val="000000"/>
-                </a:solidFill>
-                <a:effectLst/>
-                <a:latin typeface="noto"/>
-              </a:rPr>
-              <a:t>배 이상</a:t>
-            </a:r>
-            <a:r>
-              <a:rPr lang="en-US" altLang="ko-KR" b="0" i="0" dirty="0">
-                <a:solidFill>
-                  <a:srgbClr val="000000"/>
-                </a:solidFill>
-                <a:effectLst/>
-                <a:latin typeface="noto"/>
-              </a:rPr>
-              <a:t>), </a:t>
-            </a:r>
-            <a:r>
-              <a:rPr lang="ko-KR" altLang="en-US" b="0" i="0" dirty="0" err="1">
-                <a:solidFill>
-                  <a:srgbClr val="000000"/>
-                </a:solidFill>
-                <a:effectLst/>
-                <a:latin typeface="noto"/>
-              </a:rPr>
-              <a:t>풀링</a:t>
-            </a:r>
-            <a:r>
-              <a:rPr lang="ko-KR" altLang="en-US" b="0" i="0" dirty="0">
-                <a:solidFill>
-                  <a:srgbClr val="000000"/>
-                </a:solidFill>
-                <a:effectLst/>
-                <a:latin typeface="noto"/>
-              </a:rPr>
-              <a:t> 기반 </a:t>
-            </a:r>
-            <a:r>
-              <a:rPr lang="ko-KR" altLang="en-US" b="0" i="0" dirty="0" err="1">
-                <a:solidFill>
-                  <a:srgbClr val="000000"/>
-                </a:solidFill>
-                <a:effectLst/>
-                <a:latin typeface="noto"/>
-              </a:rPr>
-              <a:t>애그리게이터는</a:t>
-            </a:r>
-            <a:r>
-              <a:rPr lang="ko-KR" altLang="en-US" b="0" i="0" dirty="0">
-                <a:solidFill>
-                  <a:srgbClr val="000000"/>
-                </a:solidFill>
-                <a:effectLst/>
-                <a:latin typeface="noto"/>
-              </a:rPr>
-              <a:t> 전체적으로 약간의 우위를 제공할 수 있다</a:t>
+              <a:t>.</a:t>
             </a:r>
             <a:endParaRPr lang="en-US" altLang="ko-KR" dirty="0"/>
           </a:p>
@@ -5504,7 +5154,7 @@
     </p:spTree>
     <p:extLst>
       <p:ext uri="{BB962C8B-B14F-4D97-AF65-F5344CB8AC3E}">
-        <p14:creationId xmlns:p14="http://schemas.microsoft.com/office/powerpoint/2010/main" val="634979794"/>
+        <p14:creationId xmlns:p14="http://schemas.microsoft.com/office/powerpoint/2010/main" val="98256622"/>
       </p:ext>
     </p:extLst>
   </p:cSld>
@@ -5558,6 +5208,971 @@
           <a:bodyPr/>
           <a:lstStyle/>
           <a:p>
+            <a:r>
+              <a:rPr lang="ko-KR" altLang="en-US" dirty="0"/>
+              <a:t>실험을 통해 서로 다른 </a:t>
+            </a:r>
+            <a:r>
+              <a:rPr lang="en-US" altLang="ko-KR" dirty="0" err="1"/>
+              <a:t>agg</a:t>
+            </a:r>
+            <a:r>
+              <a:rPr lang="ko-KR" altLang="en-US" dirty="0"/>
+              <a:t>를 사용했을 때 결과를 비교하자면</a:t>
+            </a:r>
+            <a:r>
+              <a:rPr lang="en-US" altLang="ko-KR" dirty="0"/>
+              <a:t>.. </a:t>
+            </a:r>
+            <a:r>
+              <a:rPr lang="en-US" altLang="ko-KR" dirty="0" err="1"/>
+              <a:t>graphSAGE</a:t>
+            </a:r>
+            <a:r>
+              <a:rPr lang="ko-KR" altLang="en-US" dirty="0"/>
+              <a:t>는 </a:t>
+            </a:r>
+            <a:r>
+              <a:rPr lang="en-US" altLang="ko-KR" dirty="0"/>
+              <a:t>LSTM, pool </a:t>
+            </a:r>
+            <a:r>
+              <a:rPr lang="ko-KR" altLang="en-US" dirty="0" err="1"/>
+              <a:t>애그리게이터가</a:t>
+            </a:r>
+            <a:r>
+              <a:rPr lang="ko-KR" altLang="en-US" dirty="0"/>
+              <a:t> 가장 좋은 퍼포먼스를 보이는 것을 증명했다</a:t>
+            </a:r>
+            <a:r>
+              <a:rPr lang="en-US" altLang="ko-KR" dirty="0"/>
+              <a:t>.</a:t>
+            </a:r>
+          </a:p>
+          <a:p>
+            <a:endParaRPr lang="en-US" altLang="ko-KR" dirty="0"/>
+          </a:p>
+          <a:p>
+            <a:r>
+              <a:rPr lang="en-US" altLang="ko-KR" dirty="0"/>
+              <a:t>===</a:t>
+            </a:r>
+          </a:p>
+          <a:p>
+            <a:r>
+              <a:rPr lang="ko-KR" altLang="en-US" b="0" i="0" dirty="0">
+                <a:solidFill>
+                  <a:srgbClr val="000000"/>
+                </a:solidFill>
+                <a:effectLst/>
+                <a:latin typeface="noto"/>
+              </a:rPr>
+              <a:t>전반적으로</a:t>
+            </a:r>
+            <a:r>
+              <a:rPr lang="en-US" altLang="ko-KR" b="0" i="0" dirty="0">
+                <a:solidFill>
+                  <a:srgbClr val="000000"/>
+                </a:solidFill>
+                <a:effectLst/>
+                <a:latin typeface="noto"/>
+              </a:rPr>
+              <a:t>, </a:t>
+            </a:r>
+            <a:r>
+              <a:rPr lang="ko-KR" altLang="en-US" b="0" i="0" dirty="0">
+                <a:solidFill>
+                  <a:srgbClr val="000000"/>
+                </a:solidFill>
+                <a:effectLst/>
+                <a:latin typeface="noto"/>
+              </a:rPr>
+              <a:t>우리는 </a:t>
+            </a:r>
+            <a:r>
+              <a:rPr lang="en-US" altLang="ko-KR" b="0" i="0" dirty="0">
+                <a:solidFill>
+                  <a:srgbClr val="000000"/>
+                </a:solidFill>
+                <a:effectLst/>
+                <a:latin typeface="noto"/>
+              </a:rPr>
+              <a:t>LSTM </a:t>
+            </a:r>
+            <a:r>
+              <a:rPr lang="ko-KR" altLang="en-US" b="0" i="0" dirty="0">
+                <a:solidFill>
+                  <a:srgbClr val="000000"/>
+                </a:solidFill>
+                <a:effectLst/>
+                <a:latin typeface="noto"/>
+              </a:rPr>
+              <a:t>기반 및 풀 기반 </a:t>
+            </a:r>
+            <a:r>
+              <a:rPr lang="ko-KR" altLang="en-US" b="0" i="0" dirty="0" err="1">
+                <a:solidFill>
+                  <a:srgbClr val="000000"/>
+                </a:solidFill>
+                <a:effectLst/>
+                <a:latin typeface="noto"/>
+              </a:rPr>
+              <a:t>애그리게이터가</a:t>
+            </a:r>
+            <a:r>
+              <a:rPr lang="ko-KR" altLang="en-US" b="0" i="0" dirty="0">
+                <a:solidFill>
+                  <a:srgbClr val="000000"/>
+                </a:solidFill>
+                <a:effectLst/>
+                <a:latin typeface="noto"/>
+              </a:rPr>
+              <a:t> 최고 성능의 방법이었던 평균 성능과 실험 설정 수 측면에서 모두 가장 우수한 성능을 보였다</a:t>
+            </a:r>
+            <a:r>
+              <a:rPr lang="en-US" altLang="ko-KR" b="0" i="0" dirty="0">
+                <a:solidFill>
+                  <a:srgbClr val="000000"/>
+                </a:solidFill>
+                <a:effectLst/>
+                <a:latin typeface="noto"/>
+              </a:rPr>
+              <a:t>(</a:t>
+            </a:r>
+            <a:r>
+              <a:rPr lang="ko-KR" altLang="en-US" b="0" i="0" dirty="0">
+                <a:solidFill>
+                  <a:srgbClr val="000000"/>
+                </a:solidFill>
+                <a:effectLst/>
+                <a:latin typeface="noto"/>
+              </a:rPr>
+              <a:t>표 </a:t>
+            </a:r>
+            <a:r>
+              <a:rPr lang="en-US" altLang="ko-KR" b="0" i="0" dirty="0">
+                <a:solidFill>
+                  <a:srgbClr val="000000"/>
+                </a:solidFill>
+                <a:effectLst/>
+                <a:latin typeface="noto"/>
+              </a:rPr>
+              <a:t>1). </a:t>
+            </a:r>
+            <a:r>
+              <a:rPr lang="ko-KR" altLang="en-US" b="0" i="0" dirty="0">
+                <a:solidFill>
+                  <a:srgbClr val="000000"/>
+                </a:solidFill>
+                <a:effectLst/>
+                <a:latin typeface="noto"/>
+              </a:rPr>
+              <a:t>이러한 추세에 대한 보다 정량적인 통찰력을 제공하기 위해</a:t>
+            </a:r>
+            <a:r>
+              <a:rPr lang="en-US" altLang="ko-KR" b="0" i="0" dirty="0">
+                <a:solidFill>
+                  <a:srgbClr val="000000"/>
+                </a:solidFill>
+                <a:effectLst/>
+                <a:latin typeface="noto"/>
+              </a:rPr>
+              <a:t>, </a:t>
+            </a:r>
+            <a:r>
+              <a:rPr lang="ko-KR" altLang="en-US" b="0" i="0" dirty="0">
+                <a:solidFill>
+                  <a:srgbClr val="000000"/>
+                </a:solidFill>
+                <a:effectLst/>
+                <a:latin typeface="noto"/>
+              </a:rPr>
+              <a:t>우리는 </a:t>
+            </a:r>
+            <a:r>
+              <a:rPr lang="en-US" altLang="ko-KR" b="0" i="0" dirty="0">
+                <a:solidFill>
+                  <a:srgbClr val="000000"/>
+                </a:solidFill>
+                <a:effectLst/>
+                <a:latin typeface="noto"/>
+              </a:rPr>
+              <a:t>6</a:t>
+            </a:r>
+            <a:r>
+              <a:rPr lang="ko-KR" altLang="en-US" b="0" i="0" dirty="0">
+                <a:solidFill>
+                  <a:srgbClr val="000000"/>
+                </a:solidFill>
+                <a:effectLst/>
+                <a:latin typeface="noto"/>
+              </a:rPr>
+              <a:t>개의 다른 실험 설정</a:t>
+            </a:r>
+            <a:r>
+              <a:rPr lang="en-US" altLang="ko-KR" b="0" i="0" dirty="0">
+                <a:solidFill>
+                  <a:srgbClr val="000000"/>
+                </a:solidFill>
+                <a:effectLst/>
+                <a:latin typeface="noto"/>
+              </a:rPr>
+              <a:t>(</a:t>
+            </a:r>
+            <a:r>
+              <a:rPr lang="ko-KR" altLang="en-US" b="0" i="0" dirty="0">
+                <a:solidFill>
+                  <a:srgbClr val="000000"/>
+                </a:solidFill>
+                <a:effectLst/>
+                <a:latin typeface="noto"/>
+              </a:rPr>
+              <a:t>즉</a:t>
+            </a:r>
+            <a:r>
+              <a:rPr lang="en-US" altLang="ko-KR" b="0" i="0" dirty="0">
+                <a:solidFill>
+                  <a:srgbClr val="000000"/>
+                </a:solidFill>
+                <a:effectLst/>
+                <a:latin typeface="noto"/>
+              </a:rPr>
+              <a:t>, (3</a:t>
+            </a:r>
+            <a:r>
+              <a:rPr lang="ko-KR" altLang="en-US" b="0" i="0" dirty="0">
+                <a:solidFill>
+                  <a:srgbClr val="000000"/>
+                </a:solidFill>
+                <a:effectLst/>
+                <a:latin typeface="noto"/>
+              </a:rPr>
+              <a:t>개의 데이터 세트</a:t>
+            </a:r>
+            <a:r>
+              <a:rPr lang="en-US" altLang="ko-KR" b="0" i="0" dirty="0">
+                <a:solidFill>
+                  <a:srgbClr val="000000"/>
+                </a:solidFill>
+                <a:effectLst/>
+                <a:latin typeface="noto"/>
+              </a:rPr>
+              <a:t>) × (</a:t>
+            </a:r>
+            <a:r>
+              <a:rPr lang="ko-KR" altLang="en-US" b="0" i="0" dirty="0">
+                <a:solidFill>
+                  <a:srgbClr val="000000"/>
+                </a:solidFill>
+                <a:effectLst/>
+                <a:latin typeface="noto"/>
+              </a:rPr>
+              <a:t>감독되지 않은 대 감독된</a:t>
+            </a:r>
+            <a:r>
+              <a:rPr lang="en-US" altLang="ko-KR" b="0" i="0" dirty="0">
+                <a:solidFill>
+                  <a:srgbClr val="000000"/>
+                </a:solidFill>
+                <a:effectLst/>
+                <a:latin typeface="noto"/>
+              </a:rPr>
+              <a:t>)</a:t>
+            </a:r>
+            <a:r>
+              <a:rPr lang="ko-KR" altLang="en-US" b="0" i="0" dirty="0">
+                <a:solidFill>
+                  <a:srgbClr val="000000"/>
+                </a:solidFill>
+                <a:effectLst/>
+                <a:latin typeface="noto"/>
+              </a:rPr>
+              <a:t>을 각각 시험으로 간주하고 어떤 성능 추세가 일반화될 가능성이 있는지 고려한다</a:t>
+            </a:r>
+            <a:r>
+              <a:rPr lang="en-US" altLang="ko-KR" b="0" i="0" dirty="0">
+                <a:solidFill>
+                  <a:srgbClr val="000000"/>
+                </a:solidFill>
+                <a:effectLst/>
+                <a:latin typeface="noto"/>
+              </a:rPr>
+              <a:t>. </a:t>
+            </a:r>
+            <a:r>
+              <a:rPr lang="ko-KR" altLang="en-US" b="0" i="0" dirty="0">
+                <a:solidFill>
+                  <a:srgbClr val="000000"/>
+                </a:solidFill>
+                <a:effectLst/>
+                <a:latin typeface="noto"/>
+              </a:rPr>
+              <a:t>특히</a:t>
+            </a:r>
+            <a:r>
+              <a:rPr lang="en-US" altLang="ko-KR" b="0" i="0" dirty="0">
+                <a:solidFill>
+                  <a:srgbClr val="000000"/>
+                </a:solidFill>
+                <a:effectLst/>
+                <a:latin typeface="noto"/>
+              </a:rPr>
+              <a:t>, </a:t>
+            </a:r>
+            <a:r>
+              <a:rPr lang="ko-KR" altLang="en-US" b="0" i="0" dirty="0">
+                <a:solidFill>
+                  <a:srgbClr val="000000"/>
+                </a:solidFill>
+                <a:effectLst/>
+                <a:latin typeface="noto"/>
+              </a:rPr>
+              <a:t>우리는 </a:t>
+            </a:r>
+            <a:r>
+              <a:rPr lang="ko-KR" altLang="en-US" b="0" i="0" dirty="0" err="1">
+                <a:solidFill>
+                  <a:srgbClr val="000000"/>
+                </a:solidFill>
+                <a:effectLst/>
+                <a:latin typeface="noto"/>
+              </a:rPr>
+              <a:t>비모수</a:t>
+            </a:r>
+            <a:r>
+              <a:rPr lang="ko-KR" altLang="en-US" b="0" i="0" dirty="0">
+                <a:solidFill>
+                  <a:srgbClr val="000000"/>
+                </a:solidFill>
+                <a:effectLst/>
+                <a:latin typeface="noto"/>
+              </a:rPr>
+              <a:t> </a:t>
+            </a:r>
+            <a:r>
+              <a:rPr lang="en-US" altLang="ko-KR" b="0" i="0" dirty="0">
+                <a:solidFill>
+                  <a:srgbClr val="000000"/>
+                </a:solidFill>
+                <a:effectLst/>
+                <a:latin typeface="noto"/>
+              </a:rPr>
+              <a:t>Wilcoxon Signed-Rank Test[33]</a:t>
+            </a:r>
+            <a:r>
+              <a:rPr lang="ko-KR" altLang="en-US" b="0" i="0" dirty="0">
+                <a:solidFill>
+                  <a:srgbClr val="000000"/>
+                </a:solidFill>
+                <a:effectLst/>
+                <a:latin typeface="noto"/>
+              </a:rPr>
+              <a:t>를 사용하여 해당되는 경우 </a:t>
+            </a:r>
+            <a:r>
+              <a:rPr lang="en-US" altLang="ko-KR" b="0" i="0" dirty="0">
+                <a:solidFill>
+                  <a:srgbClr val="000000"/>
+                </a:solidFill>
+                <a:effectLst/>
+                <a:latin typeface="noto"/>
+              </a:rPr>
+              <a:t>T-</a:t>
+            </a:r>
+            <a:r>
+              <a:rPr lang="ko-KR" altLang="en-US" b="0" i="0" dirty="0">
+                <a:solidFill>
+                  <a:srgbClr val="000000"/>
+                </a:solidFill>
+                <a:effectLst/>
+                <a:latin typeface="noto"/>
+              </a:rPr>
+              <a:t>통계 및 </a:t>
+            </a:r>
+            <a:r>
+              <a:rPr lang="en-US" altLang="ko-KR" b="0" i="0" dirty="0">
+                <a:solidFill>
+                  <a:srgbClr val="000000"/>
+                </a:solidFill>
+                <a:effectLst/>
+                <a:latin typeface="noto"/>
+              </a:rPr>
+              <a:t>p-</a:t>
+            </a:r>
+            <a:r>
+              <a:rPr lang="ko-KR" altLang="en-US" b="0" i="0" dirty="0">
+                <a:solidFill>
+                  <a:srgbClr val="000000"/>
+                </a:solidFill>
+                <a:effectLst/>
+                <a:latin typeface="noto"/>
+              </a:rPr>
+              <a:t>값을 보고하여 시험 전반에 걸쳐 다른 </a:t>
+            </a:r>
+            <a:r>
+              <a:rPr lang="ko-KR" altLang="en-US" b="0" i="0" dirty="0" err="1">
+                <a:solidFill>
+                  <a:srgbClr val="000000"/>
+                </a:solidFill>
+                <a:effectLst/>
+                <a:latin typeface="noto"/>
+              </a:rPr>
+              <a:t>집계자</a:t>
+            </a:r>
+            <a:r>
+              <a:rPr lang="ko-KR" altLang="en-US" b="0" i="0" dirty="0">
+                <a:solidFill>
+                  <a:srgbClr val="000000"/>
+                </a:solidFill>
+                <a:effectLst/>
+                <a:latin typeface="noto"/>
+              </a:rPr>
+              <a:t> 간의 차이를 </a:t>
+            </a:r>
+            <a:r>
+              <a:rPr lang="ko-KR" altLang="en-US" b="0" i="0" dirty="0" err="1">
+                <a:solidFill>
+                  <a:srgbClr val="000000"/>
+                </a:solidFill>
+                <a:effectLst/>
+                <a:latin typeface="noto"/>
+              </a:rPr>
+              <a:t>정량화한다</a:t>
+            </a:r>
+            <a:r>
+              <a:rPr lang="en-US" altLang="ko-KR" b="0" i="0" dirty="0">
+                <a:solidFill>
+                  <a:srgbClr val="000000"/>
+                </a:solidFill>
+                <a:effectLst/>
+                <a:latin typeface="noto"/>
+              </a:rPr>
+              <a:t>. </a:t>
+            </a:r>
+            <a:r>
+              <a:rPr lang="ko-KR" altLang="en-US" b="0" i="0" dirty="0">
+                <a:solidFill>
+                  <a:srgbClr val="000000"/>
+                </a:solidFill>
+                <a:effectLst/>
+                <a:latin typeface="noto"/>
+              </a:rPr>
+              <a:t>이 방법은 순위 기반이며 기본적으로 새로운 실험 환경에서 특정 접근법이 다른 접근법을 능가할 것으로 예상하는지 여부를 테스트한다</a:t>
+            </a:r>
+            <a:r>
+              <a:rPr lang="en-US" altLang="ko-KR" b="0" i="0" dirty="0">
+                <a:solidFill>
+                  <a:srgbClr val="000000"/>
+                </a:solidFill>
+                <a:effectLst/>
+                <a:latin typeface="noto"/>
+              </a:rPr>
+              <a:t>. 6</a:t>
+            </a:r>
+            <a:r>
+              <a:rPr lang="ko-KR" altLang="en-US" b="0" i="0" dirty="0">
+                <a:solidFill>
+                  <a:srgbClr val="000000"/>
+                </a:solidFill>
+                <a:effectLst/>
+                <a:latin typeface="noto"/>
+              </a:rPr>
+              <a:t>개의 서로 다른 설정의 작은 표본 크기를 고려할 때</a:t>
+            </a:r>
+            <a:r>
+              <a:rPr lang="en-US" altLang="ko-KR" b="0" i="0" dirty="0">
+                <a:solidFill>
+                  <a:srgbClr val="000000"/>
+                </a:solidFill>
+                <a:effectLst/>
+                <a:latin typeface="noto"/>
+              </a:rPr>
+              <a:t>, </a:t>
+            </a:r>
+            <a:r>
+              <a:rPr lang="ko-KR" altLang="en-US" b="0" i="0" dirty="0">
+                <a:solidFill>
+                  <a:srgbClr val="000000"/>
+                </a:solidFill>
+                <a:effectLst/>
+                <a:latin typeface="noto"/>
+              </a:rPr>
+              <a:t>이 유의성 테스트는 다소 약하다</a:t>
+            </a:r>
+            <a:r>
+              <a:rPr lang="en-US" altLang="ko-KR" b="0" i="0" dirty="0">
+                <a:solidFill>
+                  <a:srgbClr val="000000"/>
+                </a:solidFill>
+                <a:effectLst/>
+                <a:latin typeface="noto"/>
+              </a:rPr>
+              <a:t>. </a:t>
+            </a:r>
+            <a:r>
+              <a:rPr lang="ko-KR" altLang="en-US" b="0" i="0" dirty="0">
+                <a:solidFill>
+                  <a:srgbClr val="000000"/>
+                </a:solidFill>
+                <a:effectLst/>
+                <a:latin typeface="noto"/>
+              </a:rPr>
+              <a:t>그럼에도 불구하고 </a:t>
+            </a:r>
+            <a:r>
+              <a:rPr lang="en-US" altLang="ko-KR" b="0" i="0" dirty="0">
+                <a:solidFill>
+                  <a:srgbClr val="000000"/>
+                </a:solidFill>
+                <a:effectLst/>
+                <a:latin typeface="noto"/>
+              </a:rPr>
+              <a:t>T-</a:t>
+            </a:r>
+            <a:r>
+              <a:rPr lang="ko-KR" altLang="en-US" b="0" i="0" dirty="0">
+                <a:solidFill>
+                  <a:srgbClr val="000000"/>
+                </a:solidFill>
+                <a:effectLst/>
+                <a:latin typeface="noto"/>
+              </a:rPr>
+              <a:t>통계 및 관련 </a:t>
+            </a:r>
+            <a:r>
+              <a:rPr lang="en-US" altLang="ko-KR" b="0" i="0" dirty="0">
+                <a:solidFill>
+                  <a:srgbClr val="000000"/>
+                </a:solidFill>
+                <a:effectLst/>
+                <a:latin typeface="noto"/>
+              </a:rPr>
+              <a:t>p-</a:t>
+            </a:r>
+            <a:r>
+              <a:rPr lang="ko-KR" altLang="en-US" b="0" i="0" dirty="0">
+                <a:solidFill>
+                  <a:srgbClr val="000000"/>
+                </a:solidFill>
+                <a:effectLst/>
+                <a:latin typeface="noto"/>
+              </a:rPr>
+              <a:t>값은 집계기의 상대적 성능을 평가하는 데 유용한 정량적 측정이다</a:t>
+            </a:r>
+            <a:r>
+              <a:rPr lang="en-US" altLang="ko-KR" b="0" i="0" dirty="0">
+                <a:solidFill>
+                  <a:srgbClr val="000000"/>
+                </a:solidFill>
+                <a:effectLst/>
+                <a:latin typeface="noto"/>
+              </a:rPr>
+              <a:t>. </a:t>
+            </a:r>
+            <a:r>
+              <a:rPr lang="ko-KR" altLang="en-US" b="0" i="0" dirty="0">
+                <a:solidFill>
+                  <a:srgbClr val="000000"/>
+                </a:solidFill>
+                <a:effectLst/>
+                <a:latin typeface="noto"/>
+              </a:rPr>
+              <a:t>우리는 </a:t>
+            </a:r>
+            <a:r>
+              <a:rPr lang="en-US" altLang="ko-KR" b="0" i="0" dirty="0">
+                <a:solidFill>
+                  <a:srgbClr val="000000"/>
+                </a:solidFill>
+                <a:effectLst/>
+                <a:latin typeface="noto"/>
+              </a:rPr>
+              <a:t>LSTM, </a:t>
+            </a:r>
+            <a:r>
+              <a:rPr lang="ko-KR" altLang="en-US" b="0" i="0" dirty="0">
+                <a:solidFill>
+                  <a:srgbClr val="000000"/>
+                </a:solidFill>
+                <a:effectLst/>
+                <a:latin typeface="noto"/>
+              </a:rPr>
+              <a:t>풀 기반 및 평균 기반 집계가 모두 </a:t>
+            </a:r>
+            <a:r>
+              <a:rPr lang="en-US" altLang="ko-KR" b="0" i="0" dirty="0">
+                <a:solidFill>
+                  <a:srgbClr val="000000"/>
+                </a:solidFill>
+                <a:effectLst/>
+                <a:latin typeface="noto"/>
+              </a:rPr>
+              <a:t>GCN </a:t>
+            </a:r>
+            <a:r>
+              <a:rPr lang="ko-KR" altLang="en-US" b="0" i="0" dirty="0">
+                <a:solidFill>
+                  <a:srgbClr val="000000"/>
+                </a:solidFill>
+                <a:effectLst/>
+                <a:latin typeface="noto"/>
+              </a:rPr>
+              <a:t>기반 접근 방식에 비해 통계적으로 유의미한 이득을 제공한다는 것을 알 수 있다</a:t>
+            </a:r>
+            <a:r>
+              <a:rPr lang="en-US" altLang="ko-KR" b="0" i="0" dirty="0">
+                <a:solidFill>
+                  <a:srgbClr val="000000"/>
+                </a:solidFill>
+                <a:effectLst/>
+                <a:latin typeface="noto"/>
+              </a:rPr>
+              <a:t>(T = 1.0, p = 0.02). </a:t>
+            </a:r>
+            <a:r>
+              <a:rPr lang="ko-KR" altLang="en-US" b="0" i="0" dirty="0">
+                <a:solidFill>
+                  <a:srgbClr val="000000"/>
+                </a:solidFill>
+                <a:effectLst/>
+                <a:latin typeface="noto"/>
+              </a:rPr>
+              <a:t>그러나 평균 기반 </a:t>
+            </a:r>
+            <a:r>
+              <a:rPr lang="ko-KR" altLang="en-US" b="0" i="0" dirty="0" err="1">
+                <a:solidFill>
+                  <a:srgbClr val="000000"/>
+                </a:solidFill>
+                <a:effectLst/>
+                <a:latin typeface="noto"/>
+              </a:rPr>
+              <a:t>애그리게이터에</a:t>
+            </a:r>
+            <a:r>
+              <a:rPr lang="ko-KR" altLang="en-US" b="0" i="0" dirty="0">
+                <a:solidFill>
+                  <a:srgbClr val="000000"/>
+                </a:solidFill>
+                <a:effectLst/>
+                <a:latin typeface="noto"/>
+              </a:rPr>
+              <a:t> 대한 </a:t>
+            </a:r>
+            <a:r>
+              <a:rPr lang="en-US" altLang="ko-KR" b="0" i="0" dirty="0">
+                <a:solidFill>
+                  <a:srgbClr val="000000"/>
+                </a:solidFill>
+                <a:effectLst/>
+                <a:latin typeface="noto"/>
+              </a:rPr>
+              <a:t>LSTM</a:t>
+            </a:r>
+            <a:r>
+              <a:rPr lang="ko-KR" altLang="en-US" b="0" i="0" dirty="0">
+                <a:solidFill>
+                  <a:srgbClr val="000000"/>
+                </a:solidFill>
+                <a:effectLst/>
+                <a:latin typeface="noto"/>
+              </a:rPr>
+              <a:t>과 풀 접근법의 이득은 더 미미하다</a:t>
+            </a:r>
+            <a:r>
+              <a:rPr lang="en-US" altLang="ko-KR" b="0" i="0" dirty="0">
+                <a:solidFill>
+                  <a:srgbClr val="000000"/>
+                </a:solidFill>
+                <a:effectLst/>
+                <a:latin typeface="noto"/>
+              </a:rPr>
+              <a:t>(LSTM</a:t>
+            </a:r>
+            <a:r>
+              <a:rPr lang="ko-KR" altLang="en-US" b="0" i="0" dirty="0">
+                <a:solidFill>
+                  <a:srgbClr val="000000"/>
+                </a:solidFill>
+                <a:effectLst/>
+                <a:latin typeface="noto"/>
+              </a:rPr>
+              <a:t>을 평균에 비교하는 </a:t>
+            </a:r>
+            <a:r>
+              <a:rPr lang="en-US" altLang="ko-KR" b="0" i="0" dirty="0">
+                <a:solidFill>
+                  <a:srgbClr val="000000"/>
+                </a:solidFill>
+                <a:effectLst/>
+                <a:latin typeface="noto"/>
+              </a:rPr>
+              <a:t>T = 1.5, p = 0.03, </a:t>
+            </a:r>
+            <a:r>
+              <a:rPr lang="ko-KR" altLang="en-US" b="0" i="0" dirty="0">
+                <a:solidFill>
+                  <a:srgbClr val="000000"/>
+                </a:solidFill>
+                <a:effectLst/>
+                <a:latin typeface="noto"/>
+              </a:rPr>
+              <a:t>풀을 평균에 비교하는 </a:t>
+            </a:r>
+            <a:r>
+              <a:rPr lang="en-US" altLang="ko-KR" b="0" i="0" dirty="0">
+                <a:solidFill>
+                  <a:srgbClr val="000000"/>
+                </a:solidFill>
+                <a:effectLst/>
+                <a:latin typeface="noto"/>
+              </a:rPr>
+              <a:t>T = 4.5, p = 0.10). LSTM</a:t>
+            </a:r>
+            <a:r>
+              <a:rPr lang="ko-KR" altLang="en-US" b="0" i="0" dirty="0">
+                <a:solidFill>
+                  <a:srgbClr val="000000"/>
+                </a:solidFill>
+                <a:effectLst/>
+                <a:latin typeface="noto"/>
+              </a:rPr>
+              <a:t>과 풀 접근법 사이에는 큰 차이가 없다</a:t>
+            </a:r>
+            <a:r>
+              <a:rPr lang="en-US" altLang="ko-KR" b="0" i="0" dirty="0">
+                <a:solidFill>
+                  <a:srgbClr val="000000"/>
+                </a:solidFill>
+                <a:effectLst/>
+                <a:latin typeface="noto"/>
+              </a:rPr>
+              <a:t>(T = 10.0, p = 0.46). </a:t>
+            </a:r>
+            <a:r>
+              <a:rPr lang="ko-KR" altLang="en-US" b="0" i="0" dirty="0">
+                <a:solidFill>
+                  <a:srgbClr val="000000"/>
+                </a:solidFill>
+                <a:effectLst/>
+                <a:latin typeface="noto"/>
+              </a:rPr>
+              <a:t>그러나 </a:t>
+            </a:r>
+            <a:r>
+              <a:rPr lang="en-US" altLang="ko-KR" b="0" i="0" dirty="0" err="1">
+                <a:solidFill>
+                  <a:srgbClr val="000000"/>
+                </a:solidFill>
+                <a:effectLst/>
+                <a:latin typeface="noto"/>
+              </a:rPr>
+              <a:t>GraphSAGE</a:t>
+            </a:r>
+            <a:r>
+              <a:rPr lang="en-US" altLang="ko-KR" b="0" i="0" dirty="0">
+                <a:solidFill>
+                  <a:srgbClr val="000000"/>
+                </a:solidFill>
+                <a:effectLst/>
+                <a:latin typeface="noto"/>
+              </a:rPr>
+              <a:t>-LSTM</a:t>
+            </a:r>
+            <a:r>
+              <a:rPr lang="ko-KR" altLang="en-US" b="0" i="0" dirty="0">
+                <a:solidFill>
+                  <a:srgbClr val="000000"/>
+                </a:solidFill>
+                <a:effectLst/>
+                <a:latin typeface="noto"/>
+              </a:rPr>
+              <a:t>은 </a:t>
+            </a:r>
+            <a:r>
+              <a:rPr lang="en-US" altLang="ko-KR" b="0" i="0" dirty="0" err="1">
+                <a:solidFill>
+                  <a:srgbClr val="000000"/>
+                </a:solidFill>
+                <a:effectLst/>
+                <a:latin typeface="noto"/>
+              </a:rPr>
+              <a:t>GraphSAGE</a:t>
+            </a:r>
+            <a:r>
+              <a:rPr lang="en-US" altLang="ko-KR" b="0" i="0" dirty="0">
+                <a:solidFill>
+                  <a:srgbClr val="000000"/>
+                </a:solidFill>
+                <a:effectLst/>
+                <a:latin typeface="noto"/>
+              </a:rPr>
+              <a:t>-pool</a:t>
+            </a:r>
+            <a:r>
+              <a:rPr lang="ko-KR" altLang="en-US" b="0" i="0" dirty="0">
+                <a:solidFill>
+                  <a:srgbClr val="000000"/>
+                </a:solidFill>
+                <a:effectLst/>
+                <a:latin typeface="noto"/>
+              </a:rPr>
+              <a:t>보다 상당히 느리며</a:t>
+            </a:r>
+            <a:r>
+              <a:rPr lang="en-US" altLang="ko-KR" b="0" i="0" dirty="0">
+                <a:solidFill>
+                  <a:srgbClr val="000000"/>
+                </a:solidFill>
+                <a:effectLst/>
+                <a:latin typeface="noto"/>
+              </a:rPr>
+              <a:t>(2</a:t>
+            </a:r>
+            <a:r>
+              <a:rPr lang="ko-KR" altLang="en-US" b="0" i="0" dirty="0">
+                <a:solidFill>
+                  <a:srgbClr val="000000"/>
+                </a:solidFill>
+                <a:effectLst/>
+                <a:latin typeface="noto"/>
+              </a:rPr>
+              <a:t>배 이상</a:t>
+            </a:r>
+            <a:r>
+              <a:rPr lang="en-US" altLang="ko-KR" b="0" i="0" dirty="0">
+                <a:solidFill>
+                  <a:srgbClr val="000000"/>
+                </a:solidFill>
+                <a:effectLst/>
+                <a:latin typeface="noto"/>
+              </a:rPr>
+              <a:t>), </a:t>
+            </a:r>
+            <a:r>
+              <a:rPr lang="ko-KR" altLang="en-US" b="0" i="0" dirty="0" err="1">
+                <a:solidFill>
+                  <a:srgbClr val="000000"/>
+                </a:solidFill>
+                <a:effectLst/>
+                <a:latin typeface="noto"/>
+              </a:rPr>
+              <a:t>풀링</a:t>
+            </a:r>
+            <a:r>
+              <a:rPr lang="ko-KR" altLang="en-US" b="0" i="0" dirty="0">
+                <a:solidFill>
+                  <a:srgbClr val="000000"/>
+                </a:solidFill>
+                <a:effectLst/>
+                <a:latin typeface="noto"/>
+              </a:rPr>
+              <a:t> 기반 </a:t>
+            </a:r>
+            <a:r>
+              <a:rPr lang="ko-KR" altLang="en-US" b="0" i="0" dirty="0" err="1">
+                <a:solidFill>
+                  <a:srgbClr val="000000"/>
+                </a:solidFill>
+                <a:effectLst/>
+                <a:latin typeface="noto"/>
+              </a:rPr>
+              <a:t>애그리게이터는</a:t>
+            </a:r>
+            <a:r>
+              <a:rPr lang="ko-KR" altLang="en-US" b="0" i="0" dirty="0">
+                <a:solidFill>
+                  <a:srgbClr val="000000"/>
+                </a:solidFill>
+                <a:effectLst/>
+                <a:latin typeface="noto"/>
+              </a:rPr>
+              <a:t> 전체적으로 약간의 우위를 제공할 수 있다</a:t>
+            </a:r>
+            <a:endParaRPr lang="en-US" altLang="ko-KR" dirty="0"/>
+          </a:p>
+        </p:txBody>
+      </p:sp>
+      <p:sp>
+        <p:nvSpPr>
+          <p:cNvPr id="4" name="슬라이드 번호 개체 틀 3"/>
+          <p:cNvSpPr>
+            <a:spLocks noGrp="1"/>
+          </p:cNvSpPr>
+          <p:nvPr>
+            <p:ph type="sldNum" sz="quarter" idx="5"/>
+          </p:nvPr>
+        </p:nvSpPr>
+        <p:spPr/>
+        <p:txBody>
+          <a:bodyPr/>
+          <a:lstStyle/>
+          <a:p>
+            <a:fld id="{E3508E54-26A4-461A-9177-07CC1B35B5F2}" type="slidenum">
+              <a:rPr lang="ko-KR" altLang="en-US" smtClean="0"/>
+              <a:t>24</a:t>
+            </a:fld>
+            <a:endParaRPr lang="ko-KR" altLang="en-US"/>
+          </a:p>
+        </p:txBody>
+      </p:sp>
+    </p:spTree>
+    <p:extLst>
+      <p:ext uri="{BB962C8B-B14F-4D97-AF65-F5344CB8AC3E}">
+        <p14:creationId xmlns:p14="http://schemas.microsoft.com/office/powerpoint/2010/main" val="634979794"/>
+      </p:ext>
+    </p:extLst>
+  </p:cSld>
+  <p:clrMapOvr>
+    <a:masterClrMapping/>
+  </p:clrMapOvr>
+</p:notes>
+</file>
+
+<file path=ppt/notesSlides/notesSlide24.xml><?xml version="1.0" encoding="utf-8"?>
+<p:notes xmlns:a="http://schemas.openxmlformats.org/drawingml/2006/main" xmlns:r="http://schemas.openxmlformats.org/officeDocument/2006/relationships" xmlns:p="http://schemas.openxmlformats.org/presentationml/2006/main">
+  <p:cSld>
+    <p:spTree>
+      <p:nvGrpSpPr>
+        <p:cNvPr id="1" name=""/>
+        <p:cNvGrpSpPr/>
+        <p:nvPr/>
+      </p:nvGrpSpPr>
+      <p:grpSpPr>
+        <a:xfrm>
+          <a:off x="0" y="0"/>
+          <a:ext cx="0" cy="0"/>
+          <a:chOff x="0" y="0"/>
+          <a:chExt cx="0" cy="0"/>
+        </a:xfrm>
+      </p:grpSpPr>
+      <p:sp>
+        <p:nvSpPr>
+          <p:cNvPr id="2" name="슬라이드 이미지 개체 틀 1"/>
+          <p:cNvSpPr>
+            <a:spLocks noGrp="1" noRot="1" noChangeAspect="1"/>
+          </p:cNvSpPr>
+          <p:nvPr>
+            <p:ph type="sldImg"/>
+          </p:nvPr>
+        </p:nvSpPr>
+        <p:spPr/>
+      </p:sp>
+      <p:sp>
+        <p:nvSpPr>
+          <p:cNvPr id="3" name="슬라이드 노트 개체 틀 2"/>
+          <p:cNvSpPr>
+            <a:spLocks noGrp="1"/>
+          </p:cNvSpPr>
+          <p:nvPr>
+            <p:ph type="body" idx="1"/>
+          </p:nvPr>
+        </p:nvSpPr>
+        <p:spPr/>
+        <p:txBody>
+          <a:bodyPr/>
+          <a:lstStyle/>
+          <a:p>
             <a:pPr marL="228600" indent="-228600">
               <a:buAutoNum type="arabicPeriod"/>
             </a:pPr>
@@ -5639,10 +6254,9 @@
               <a:t>ㅇㅇ</a:t>
             </a:r>
             <a:r>
-              <a:rPr lang="en-US" altLang="ko-KR"/>
+              <a:rPr lang="en-US" altLang="ko-KR" dirty="0"/>
               <a:t>..</a:t>
             </a:r>
-            <a:endParaRPr lang="en-US" altLang="ko-KR" dirty="0"/>
           </a:p>
         </p:txBody>
       </p:sp>
@@ -5663,7 +6277,7 @@
           <a:p>
             <a:fld id="{E3508E54-26A4-461A-9177-07CC1B35B5F2}" type="slidenum">
               <a:rPr lang="ko-KR" altLang="en-US" smtClean="0"/>
-              <a:t>24</a:t>
+              <a:t>25</a:t>
             </a:fld>
             <a:endParaRPr lang="ko-KR" altLang="en-US"/>
           </a:p>
@@ -5983,7 +6597,7 @@
             </a:r>
             <a:r>
               <a:rPr lang="en-US" altLang="ko-KR" dirty="0"/>
-              <a:t>/</a:t>
+              <a:t>.</a:t>
             </a:r>
             <a:endParaRPr lang="ko-KR" altLang="en-US" dirty="0"/>
           </a:p>
@@ -6087,7 +6701,7 @@
             </a:r>
             <a:r>
               <a:rPr lang="ko-KR" altLang="en-US" dirty="0"/>
-              <a:t> 계산할 수 있는 방법이 필요하다는 필요에 의해 </a:t>
+              <a:t> 계산할 수 있는 방법의 필요성 아래에 </a:t>
             </a:r>
             <a:r>
               <a:rPr lang="en-US" altLang="ko-KR" dirty="0" err="1"/>
@@ -6105,7 +6719,7 @@
           <a:p>
             <a:r>
               <a:rPr lang="ko-KR" altLang="en-US" dirty="0"/>
-              <a:t>그래프 세이지에 대해 그림으로 표현되어 있습니다</a:t>
+              <a:t>그래프 세이지에 대한 전반적인 설명이 그림으로 표현되어 있습니다</a:t>
             </a:r>
             <a:r>
               <a:rPr lang="en-US" altLang="ko-KR" dirty="0"/>
@@ -6113,7 +6727,55 @@
             </a:r>
           </a:p>
           <a:p>
+            <a:r>
+              <a:rPr lang="ko-KR" altLang="en-US" dirty="0" err="1"/>
+              <a:t>뉴럴넷을</a:t>
+            </a:r>
+            <a:r>
+              <a:rPr lang="ko-KR" altLang="en-US" dirty="0"/>
+              <a:t> 활용한 노드 </a:t>
+            </a:r>
+            <a:r>
+              <a:rPr lang="ko-KR" altLang="en-US" dirty="0" err="1"/>
+              <a:t>임베딩</a:t>
+            </a:r>
+            <a:r>
+              <a:rPr lang="ko-KR" altLang="en-US" dirty="0"/>
+              <a:t> 방식의 기본적인 원리는</a:t>
+            </a:r>
+            <a:r>
+              <a:rPr lang="en-US" altLang="ko-KR" dirty="0"/>
+              <a:t>, </a:t>
+            </a:r>
+            <a:r>
+              <a:rPr lang="ko-KR" altLang="en-US" dirty="0"/>
+              <a:t>한 노드의 </a:t>
+            </a:r>
+            <a:r>
+              <a:rPr lang="ko-KR" altLang="en-US" dirty="0" err="1"/>
+              <a:t>피쳐는</a:t>
+            </a:r>
+            <a:r>
+              <a:rPr lang="ko-KR" altLang="en-US" dirty="0"/>
+              <a:t> 이웃 노드와 상호작용을 통해 형성된다는 것입니다</a:t>
+            </a:r>
+            <a:r>
+              <a:rPr lang="en-US" altLang="ko-KR" dirty="0"/>
+              <a:t>.</a:t>
+            </a:r>
+          </a:p>
+          <a:p>
             <a:endParaRPr lang="en-US" altLang="ko-KR" dirty="0"/>
+          </a:p>
+          <a:p>
+            <a:r>
+              <a:rPr lang="ko-KR" altLang="en-US" dirty="0"/>
+              <a:t>따라서 그래프 세이지는</a:t>
+            </a:r>
+            <a:r>
+              <a:rPr lang="en-US" altLang="ko-KR" dirty="0"/>
+              <a:t>,..</a:t>
+            </a:r>
           </a:p>
           <a:p>
             <a:r>
@@ -6164,6 +6826,30 @@
             </a:r>
             <a:r>
               <a:rPr lang="en-US" altLang="ko-KR" dirty="0"/>
+              <a:t>. </a:t>
+            </a:r>
+            <a:r>
+              <a:rPr lang="ko-KR" altLang="en-US" dirty="0"/>
+              <a:t>통합 방법은 평균</a:t>
+            </a:r>
+            <a:r>
+              <a:rPr lang="en-US" altLang="ko-KR" dirty="0"/>
+              <a:t>, LSTM, pooling </a:t>
+            </a:r>
+            <a:r>
+              <a:rPr lang="ko-KR" altLang="en-US" dirty="0"/>
+              <a:t>등</a:t>
+            </a:r>
+            <a:r>
+              <a:rPr lang="en-US" altLang="ko-KR" dirty="0"/>
+              <a:t>.. </a:t>
+            </a:r>
+            <a:r>
+              <a:rPr lang="ko-KR" altLang="en-US" dirty="0"/>
+              <a:t>다양한 방법이 있습니다</a:t>
+            </a:r>
+            <a:r>
+              <a:rPr lang="en-US" altLang="ko-KR" dirty="0"/>
               <a:t>.</a:t>
             </a:r>
           </a:p>
@@ -6178,7 +6864,7 @@
             </a:r>
             <a:r>
               <a:rPr lang="ko-KR" altLang="en-US" dirty="0"/>
-              <a:t>통합된 정보를 활용해 타겟 노드의 컨텍스트나 레이블을 추론합니다</a:t>
+              <a:t>통합된 정보를 활용해 타겟 노드의 레이블을 추론합니다</a:t>
             </a:r>
             <a:r>
               <a:rPr lang="en-US" altLang="ko-KR" dirty="0"/>
@@ -6269,6 +6955,16 @@
           <a:p>
             <a:r>
               <a:rPr lang="ko-KR" altLang="en-US" dirty="0"/>
+              <a:t>그래프 세이지에 대해 더 구체적으로 알아보자면</a:t>
+            </a:r>
+            <a:r>
+              <a:rPr lang="en-US" altLang="ko-KR" dirty="0"/>
+              <a:t>,</a:t>
+            </a:r>
+          </a:p>
+          <a:p>
+            <a:r>
+              <a:rPr lang="ko-KR" altLang="en-US" dirty="0"/>
               <a:t>그래프 세이지의 핵심은 노드의 이웃으로부터 정보를 </a:t>
             </a:r>
             <a:r>
@@ -6315,7 +7011,19 @@
             </a:r>
             <a:r>
               <a:rPr lang="ko-KR" altLang="en-US" dirty="0"/>
-              <a:t> 생성하는 알고리즘을 살펴본 다음</a:t>
+              <a:t> 생성하는 </a:t>
+            </a:r>
+            <a:r>
+              <a:rPr lang="en-US" altLang="ko-KR" dirty="0"/>
+              <a:t>forward </a:t>
+            </a:r>
+            <a:r>
+              <a:rPr lang="en-US" altLang="ko-KR" dirty="0" err="1"/>
+              <a:t>propogation</a:t>
+            </a:r>
+            <a:r>
+              <a:rPr lang="ko-KR" altLang="en-US" dirty="0"/>
+              <a:t> 알고리즘을 살펴본 다음</a:t>
             </a:r>
             <a:r>
               <a:rPr lang="en-US" altLang="ko-KR" dirty="0"/>
@@ -6689,7 +7397,15 @@
             </a:pPr>
             <a:r>
               <a:rPr lang="ko-KR" altLang="en-US" dirty="0"/>
-              <a:t>타겟 노드의 모든 이웃에 대해 반복을 할 것</a:t>
+              <a:t>해당 </a:t>
+            </a:r>
+            <a:r>
+              <a:rPr lang="en-US" altLang="ko-KR" dirty="0"/>
+              <a:t>deps</a:t>
+            </a:r>
+            <a:r>
+              <a:rPr lang="ko-KR" altLang="en-US" dirty="0"/>
+              <a:t>에서 타겟 노드의 모든 이웃에 대해 반복을 할 것</a:t>
             </a:r>
             <a:endParaRPr lang="en-US" altLang="ko-KR" dirty="0"/>
           </a:p>
@@ -6897,6 +7613,52 @@
           </a:p>
           <a:p>
             <a:endParaRPr lang="en-US" altLang="ko-KR" dirty="0"/>
+          </a:p>
+          <a:p>
+            <a:r>
+              <a:rPr lang="ko-KR" altLang="en-US" dirty="0"/>
+              <a:t>수식으로 </a:t>
+            </a:r>
+            <a:r>
+              <a:rPr lang="ko-KR" altLang="en-US" dirty="0" err="1"/>
+              <a:t>써놓으니</a:t>
+            </a:r>
+            <a:r>
+              <a:rPr lang="ko-KR" altLang="en-US" dirty="0"/>
+              <a:t> 복잡한데</a:t>
+            </a:r>
+            <a:r>
+              <a:rPr lang="en-US" altLang="ko-KR" dirty="0"/>
+              <a:t>,</a:t>
+            </a:r>
+          </a:p>
+          <a:p>
+            <a:r>
+              <a:rPr lang="ko-KR" altLang="en-US" dirty="0"/>
+              <a:t>직관적으로 이해하자면 한마디로 타겟 노드의 성질은 이웃 노드의 성질을 통합하고 합쳐서 형성된다는 것</a:t>
+            </a:r>
+            <a:r>
+              <a:rPr lang="en-US" altLang="ko-KR" dirty="0"/>
+              <a:t>.</a:t>
+            </a:r>
+          </a:p>
+          <a:p>
+            <a:r>
+              <a:rPr lang="ko-KR" altLang="en-US" dirty="0"/>
+              <a:t>더 쉽게 말하자면 자신과 이웃과의 관계를 적당히 잘 계산해서 자신의 </a:t>
+            </a:r>
+            <a:r>
+              <a:rPr lang="en-US" altLang="ko-KR" dirty="0"/>
+              <a:t>rep</a:t>
+            </a:r>
+            <a:r>
+              <a:rPr lang="ko-KR" altLang="en-US" dirty="0"/>
+              <a:t>을 결정한다</a:t>
+            </a:r>
+            <a:r>
+              <a:rPr lang="en-US" altLang="ko-KR" dirty="0"/>
+              <a:t>.</a:t>
+            </a:r>
           </a:p>
         </p:txBody>
       </p:sp>
@@ -7020,7 +7782,14 @@
             </a:r>
           </a:p>
           <a:p>
-            <a:endParaRPr lang="en-US" altLang="ko-KR" dirty="0"/>
+            <a:r>
+              <a:rPr lang="ko-KR" altLang="en-US" dirty="0"/>
+              <a:t>계산할 때 일정한 크기를 유지하기 위해서다</a:t>
+            </a:r>
+            <a:r>
+              <a:rPr lang="en-US" altLang="ko-KR" dirty="0"/>
+              <a:t>.</a:t>
+            </a:r>
           </a:p>
         </p:txBody>
       </p:sp>
@@ -7103,6 +7872,49 @@
         <p:txBody>
           <a:bodyPr/>
           <a:lstStyle/>
+          <a:p>
+            <a:r>
+              <a:rPr lang="ko-KR" altLang="en-US" dirty="0"/>
+              <a:t>앞에서는 이미 모델 파라미터가 학습되어 있다고 가정해서</a:t>
+            </a:r>
+            <a:r>
+              <a:rPr lang="en-US" altLang="ko-KR" dirty="0"/>
+              <a:t>, </a:t>
+            </a:r>
+            <a:r>
+              <a:rPr lang="ko-KR" altLang="en-US" dirty="0"/>
+              <a:t>전체적인 </a:t>
+            </a:r>
+            <a:r>
+              <a:rPr lang="en-US" altLang="ko-KR" dirty="0" err="1"/>
+              <a:t>graphSAGE</a:t>
+            </a:r>
+            <a:r>
+              <a:rPr lang="en-US" altLang="ko-KR" dirty="0"/>
+              <a:t> </a:t>
+            </a:r>
+            <a:r>
+              <a:rPr lang="ko-KR" altLang="en-US" dirty="0"/>
+              <a:t>모델 방법론을 제시했고</a:t>
+            </a:r>
+            <a:r>
+              <a:rPr lang="en-US" altLang="ko-KR" dirty="0"/>
+              <a:t>.</a:t>
+            </a:r>
+          </a:p>
+          <a:p>
+            <a:r>
+              <a:rPr lang="ko-KR" altLang="en-US" dirty="0"/>
+              <a:t>이제는 모델 파라미터 학습 방법 자체를 다룬다</a:t>
+            </a:r>
+            <a:r>
+              <a:rPr lang="en-US" altLang="ko-KR" dirty="0"/>
+              <a:t>.</a:t>
+            </a:r>
+          </a:p>
+          <a:p>
+            <a:endParaRPr lang="en-US" altLang="ko-KR" dirty="0"/>
+          </a:p>
           <a:p>
             <a:r>
               <a:rPr lang="en-US" altLang="ko-KR" dirty="0"/>
@@ -11869,7 +12681,11 @@
                 </a:r>
                 <a:r>
                   <a:rPr lang="en-US" altLang="ko-KR" sz="2200" dirty="0"/>
-                  <a:t>and parameters of aggregator functions via stochastic gradient decent.</a:t>
+                  <a:t>and parameters of aggregator functions via </a:t>
+                </a:r>
+                <a:r>
+                  <a:rPr lang="en-US" altLang="ko-KR" sz="2200" b="1" dirty="0"/>
+                  <a:t>stochastic gradient decent.</a:t>
                 </a:r>
               </a:p>
               <a:p>
@@ -12060,41 +12876,197 @@
           </a:p>
         </p:txBody>
       </p:sp>
-      <p:sp>
-        <p:nvSpPr>
-          <p:cNvPr id="5" name="내용 개체 틀 4">
-            <a:extLst>
-              <a:ext uri="{FF2B5EF4-FFF2-40B4-BE49-F238E27FC236}">
-                <a16:creationId xmlns:a16="http://schemas.microsoft.com/office/drawing/2014/main" id="{FE700DB8-5F9A-A552-32F2-B9385DF8E13A}"/>
-              </a:ext>
-            </a:extLst>
-          </p:cNvPr>
-          <p:cNvSpPr>
-            <a:spLocks noGrp="1"/>
-          </p:cNvSpPr>
-          <p:nvPr>
-            <p:ph idx="1"/>
-          </p:nvPr>
-        </p:nvSpPr>
-        <p:spPr/>
-        <p:txBody>
-          <a:bodyPr>
-            <a:normAutofit/>
-          </a:bodyPr>
-          <a:lstStyle/>
-          <a:p>
-            <a:r>
-              <a:rPr lang="en-US" altLang="ko-KR" sz="2400" dirty="0"/>
-              <a:t>3.2 Learning the parameters of </a:t>
-            </a:r>
-            <a:r>
-              <a:rPr lang="en-US" altLang="ko-KR" sz="2400" dirty="0" err="1"/>
-              <a:t>GraphSAGE</a:t>
-            </a:r>
-            <a:endParaRPr lang="en-US" altLang="ko-KR" sz="2400" dirty="0"/>
-          </a:p>
-        </p:txBody>
-      </p:sp>
+      <mc:AlternateContent xmlns:mc="http://schemas.openxmlformats.org/markup-compatibility/2006" xmlns:a14="http://schemas.microsoft.com/office/drawing/2010/main">
+        <mc:Choice Requires="a14">
+          <p:sp>
+            <p:nvSpPr>
+              <p:cNvPr id="5" name="내용 개체 틀 4">
+                <a:extLst>
+                  <a:ext uri="{FF2B5EF4-FFF2-40B4-BE49-F238E27FC236}">
+                    <a16:creationId xmlns:a16="http://schemas.microsoft.com/office/drawing/2014/main" id="{FE700DB8-5F9A-A552-32F2-B9385DF8E13A}"/>
+                  </a:ext>
+                </a:extLst>
+              </p:cNvPr>
+              <p:cNvSpPr>
+                <a:spLocks noGrp="1"/>
+              </p:cNvSpPr>
+              <p:nvPr>
+                <p:ph idx="1"/>
+              </p:nvPr>
+            </p:nvSpPr>
+            <p:spPr/>
+            <p:txBody>
+              <a:bodyPr>
+                <a:normAutofit/>
+              </a:bodyPr>
+              <a:lstStyle/>
+              <a:p>
+                <a:r>
+                  <a:rPr lang="en-US" altLang="ko-KR" sz="2400" dirty="0"/>
+                  <a:t>3.2 Learning the parameters of </a:t>
+                </a:r>
+                <a:r>
+                  <a:rPr lang="en-US" altLang="ko-KR" sz="2400" dirty="0" err="1"/>
+                  <a:t>GraphSAGE</a:t>
+                </a:r>
+                <a:endParaRPr lang="en-US" altLang="ko-KR" sz="2400" dirty="0"/>
+              </a:p>
+              <a:p>
+                <a:endParaRPr lang="en-US" altLang="ko-KR" sz="2400" dirty="0"/>
+              </a:p>
+              <a:p>
+                <a:endParaRPr lang="en-US" altLang="ko-KR" sz="2400" dirty="0"/>
+              </a:p>
+              <a:p>
+                <a:endParaRPr lang="en-US" altLang="ko-KR" sz="2400" dirty="0"/>
+              </a:p>
+              <a:p>
+                <a:r>
+                  <a:rPr lang="en-US" altLang="ko-KR" sz="2000" dirty="0"/>
+                  <a:t>v: node that co-occurs near u on fixed-length random walk</a:t>
+                </a:r>
+              </a:p>
+              <a:p>
+                <a14:m>
+                  <m:oMath xmlns:m="http://schemas.openxmlformats.org/officeDocument/2006/math">
+                    <m:r>
+                      <a:rPr lang="ko-KR" altLang="en-US" sz="2000" i="1" smtClean="0">
+                        <a:latin typeface="Cambria Math" panose="02040503050406030204" pitchFamily="18" charset="0"/>
+                      </a:rPr>
+                      <m:t>𝜎</m:t>
+                    </m:r>
+                    <m:r>
+                      <a:rPr lang="en-US" altLang="ko-KR" sz="2000" b="0" i="1" smtClean="0">
+                        <a:latin typeface="Cambria Math" panose="02040503050406030204" pitchFamily="18" charset="0"/>
+                      </a:rPr>
+                      <m:t>:</m:t>
+                    </m:r>
+                  </m:oMath>
+                </a14:m>
+                <a:r>
+                  <a:rPr lang="en-US" altLang="ko-KR" sz="2000" dirty="0"/>
+                  <a:t> sigmoid</a:t>
+                </a:r>
+              </a:p>
+              <a:p>
+                <a14:m>
+                  <m:oMath xmlns:m="http://schemas.openxmlformats.org/officeDocument/2006/math">
+                    <m:sSub>
+                      <m:sSubPr>
+                        <m:ctrlPr>
+                          <a:rPr lang="en-US" altLang="ko-KR" sz="2000" i="1" smtClean="0">
+                            <a:latin typeface="Cambria Math" panose="02040503050406030204" pitchFamily="18" charset="0"/>
+                          </a:rPr>
+                        </m:ctrlPr>
+                      </m:sSubPr>
+                      <m:e>
+                        <m:r>
+                          <a:rPr lang="en-US" altLang="ko-KR" sz="2000" b="0" i="1" smtClean="0">
+                            <a:latin typeface="Cambria Math" panose="02040503050406030204" pitchFamily="18" charset="0"/>
+                          </a:rPr>
+                          <m:t>𝑃</m:t>
+                        </m:r>
+                      </m:e>
+                      <m:sub>
+                        <m:r>
+                          <a:rPr lang="en-US" altLang="ko-KR" sz="2000" b="0" i="1" smtClean="0">
+                            <a:latin typeface="Cambria Math" panose="02040503050406030204" pitchFamily="18" charset="0"/>
+                          </a:rPr>
+                          <m:t>𝑛</m:t>
+                        </m:r>
+                      </m:sub>
+                    </m:sSub>
+                  </m:oMath>
+                </a14:m>
+                <a:r>
+                  <a:rPr lang="en-US" altLang="ko-KR" sz="2000" dirty="0"/>
+                  <a:t>: negative sampling distribution</a:t>
+                </a:r>
+              </a:p>
+              <a:p>
+                <a:r>
+                  <a:rPr lang="en-US" altLang="ko-KR" sz="2000" dirty="0"/>
+                  <a:t>Q: number of negative samples</a:t>
+                </a:r>
+              </a:p>
+              <a:p>
+                <a14:m>
+                  <m:oMath xmlns:m="http://schemas.openxmlformats.org/officeDocument/2006/math">
+                    <m:sSub>
+                      <m:sSubPr>
+                        <m:ctrlPr>
+                          <a:rPr lang="en-US" altLang="ko-KR" sz="2000" i="1" smtClean="0">
+                            <a:latin typeface="Cambria Math" panose="02040503050406030204" pitchFamily="18" charset="0"/>
+                          </a:rPr>
+                        </m:ctrlPr>
+                      </m:sSubPr>
+                      <m:e>
+                        <m:r>
+                          <a:rPr lang="en-US" altLang="ko-KR" sz="2000" b="0" i="1" smtClean="0">
+                            <a:latin typeface="Cambria Math" panose="02040503050406030204" pitchFamily="18" charset="0"/>
+                          </a:rPr>
+                          <m:t>𝑣</m:t>
+                        </m:r>
+                      </m:e>
+                      <m:sub>
+                        <m:r>
+                          <a:rPr lang="en-US" altLang="ko-KR" sz="2000" b="0" i="1" smtClean="0">
+                            <a:latin typeface="Cambria Math" panose="02040503050406030204" pitchFamily="18" charset="0"/>
+                          </a:rPr>
+                          <m:t>𝑛</m:t>
+                        </m:r>
+                      </m:sub>
+                    </m:sSub>
+                  </m:oMath>
+                </a14:m>
+                <a:r>
+                  <a:rPr lang="en-US" altLang="ko-KR" sz="2000" dirty="0"/>
+                  <a:t>: negative neighbor</a:t>
+                </a:r>
+              </a:p>
+            </p:txBody>
+          </p:sp>
+        </mc:Choice>
+        <mc:Fallback xmlns="">
+          <p:sp>
+            <p:nvSpPr>
+              <p:cNvPr id="5" name="내용 개체 틀 4">
+                <a:extLst>
+                  <a:ext uri="{FF2B5EF4-FFF2-40B4-BE49-F238E27FC236}">
+                    <a16:creationId xmlns:a16="http://schemas.microsoft.com/office/drawing/2014/main" id="{FE700DB8-5F9A-A552-32F2-B9385DF8E13A}"/>
+                  </a:ext>
+                </a:extLst>
+              </p:cNvPr>
+              <p:cNvSpPr>
+                <a:spLocks noGrp="1" noRot="1" noChangeAspect="1" noMove="1" noResize="1" noEditPoints="1" noAdjustHandles="1" noChangeArrowheads="1" noChangeShapeType="1" noTextEdit="1"/>
+              </p:cNvSpPr>
+              <p:nvPr>
+                <p:ph idx="1"/>
+              </p:nvPr>
+            </p:nvSpPr>
+            <p:spPr>
+              <a:blipFill>
+                <a:blip r:embed="rId3"/>
+                <a:stretch>
+                  <a:fillRect l="-812" t="-1961"/>
+                </a:stretch>
+              </a:blipFill>
+            </p:spPr>
+            <p:txBody>
+              <a:bodyPr/>
+              <a:lstStyle/>
+              <a:p>
+                <a:r>
+                  <a:rPr lang="ko-KR" altLang="en-US">
+                    <a:noFill/>
+                  </a:rPr>
+                  <a:t> </a:t>
+                </a:r>
+              </a:p>
+            </p:txBody>
+          </p:sp>
+        </mc:Fallback>
+      </mc:AlternateContent>
       <p:pic>
         <p:nvPicPr>
           <p:cNvPr id="8" name="그림 7">
@@ -12110,7 +13082,7 @@
           <p:nvPr/>
         </p:nvPicPr>
         <p:blipFill>
-          <a:blip r:embed="rId3"/>
+          <a:blip r:embed="rId4"/>
           <a:stretch>
             <a:fillRect/>
           </a:stretch>
@@ -12247,41 +13219,200 @@
           </a:p>
         </p:txBody>
       </p:sp>
-      <p:sp>
-        <p:nvSpPr>
-          <p:cNvPr id="5" name="내용 개체 틀 4">
-            <a:extLst>
-              <a:ext uri="{FF2B5EF4-FFF2-40B4-BE49-F238E27FC236}">
-                <a16:creationId xmlns:a16="http://schemas.microsoft.com/office/drawing/2014/main" id="{FE700DB8-5F9A-A552-32F2-B9385DF8E13A}"/>
-              </a:ext>
-            </a:extLst>
-          </p:cNvPr>
-          <p:cNvSpPr>
-            <a:spLocks noGrp="1"/>
-          </p:cNvSpPr>
-          <p:nvPr>
-            <p:ph idx="1"/>
-          </p:nvPr>
-        </p:nvSpPr>
-        <p:spPr/>
-        <p:txBody>
-          <a:bodyPr>
-            <a:normAutofit/>
-          </a:bodyPr>
-          <a:lstStyle/>
-          <a:p>
-            <a:r>
-              <a:rPr lang="en-US" altLang="ko-KR" sz="2400" dirty="0"/>
-              <a:t>3.2 Learning the parameters of </a:t>
-            </a:r>
-            <a:r>
-              <a:rPr lang="en-US" altLang="ko-KR" sz="2400" dirty="0" err="1"/>
-              <a:t>GraphSAGE</a:t>
-            </a:r>
-            <a:endParaRPr lang="en-US" altLang="ko-KR" sz="2400" dirty="0"/>
-          </a:p>
-        </p:txBody>
-      </p:sp>
+      <mc:AlternateContent xmlns:mc="http://schemas.openxmlformats.org/markup-compatibility/2006" xmlns:a14="http://schemas.microsoft.com/office/drawing/2010/main">
+        <mc:Choice Requires="a14">
+          <p:sp>
+            <p:nvSpPr>
+              <p:cNvPr id="5" name="내용 개체 틀 4">
+                <a:extLst>
+                  <a:ext uri="{FF2B5EF4-FFF2-40B4-BE49-F238E27FC236}">
+                    <a16:creationId xmlns:a16="http://schemas.microsoft.com/office/drawing/2014/main" id="{FE700DB8-5F9A-A552-32F2-B9385DF8E13A}"/>
+                  </a:ext>
+                </a:extLst>
+              </p:cNvPr>
+              <p:cNvSpPr>
+                <a:spLocks noGrp="1"/>
+              </p:cNvSpPr>
+              <p:nvPr>
+                <p:ph idx="1"/>
+              </p:nvPr>
+            </p:nvSpPr>
+            <p:spPr/>
+            <p:txBody>
+              <a:bodyPr>
+                <a:normAutofit/>
+              </a:bodyPr>
+              <a:lstStyle/>
+              <a:p>
+                <a:r>
+                  <a:rPr lang="en-US" altLang="ko-KR" sz="2400" dirty="0"/>
+                  <a:t>3.2 Learning the parameters of </a:t>
+                </a:r>
+                <a:r>
+                  <a:rPr lang="en-US" altLang="ko-KR" sz="2400" dirty="0" err="1"/>
+                  <a:t>GraphSAGE</a:t>
+                </a:r>
+                <a:endParaRPr lang="en-US" altLang="ko-KR" sz="2400" dirty="0"/>
+              </a:p>
+              <a:p>
+                <a:endParaRPr lang="en-US" altLang="ko-KR" sz="2400" dirty="0"/>
+              </a:p>
+              <a:p>
+                <a:endParaRPr lang="en-US" altLang="ko-KR" sz="2400" dirty="0"/>
+              </a:p>
+              <a:p>
+                <a:endParaRPr lang="en-US" altLang="ko-KR" sz="2400" dirty="0"/>
+              </a:p>
+              <a:p>
+                <a:r>
+                  <a:rPr lang="en-US" altLang="ko-KR" sz="2000" dirty="0"/>
+                  <a:t>v: node that co-occurs near u on fixed-length random walk</a:t>
+                </a:r>
+              </a:p>
+              <a:p>
+                <a14:m>
+                  <m:oMath xmlns:m="http://schemas.openxmlformats.org/officeDocument/2006/math">
+                    <m:r>
+                      <a:rPr lang="ko-KR" altLang="en-US" sz="2000" i="1" smtClean="0">
+                        <a:latin typeface="Cambria Math" panose="02040503050406030204" pitchFamily="18" charset="0"/>
+                      </a:rPr>
+                      <m:t>𝜎</m:t>
+                    </m:r>
+                    <m:r>
+                      <a:rPr lang="en-US" altLang="ko-KR" sz="2000" b="0" i="1" smtClean="0">
+                        <a:latin typeface="Cambria Math" panose="02040503050406030204" pitchFamily="18" charset="0"/>
+                      </a:rPr>
+                      <m:t>:</m:t>
+                    </m:r>
+                  </m:oMath>
+                </a14:m>
+                <a:r>
+                  <a:rPr lang="en-US" altLang="ko-KR" sz="2000" dirty="0"/>
+                  <a:t> sigmoid</a:t>
+                </a:r>
+              </a:p>
+              <a:p>
+                <a14:m>
+                  <m:oMath xmlns:m="http://schemas.openxmlformats.org/officeDocument/2006/math">
+                    <m:sSub>
+                      <m:sSubPr>
+                        <m:ctrlPr>
+                          <a:rPr lang="en-US" altLang="ko-KR" sz="2000" i="1" smtClean="0">
+                            <a:latin typeface="Cambria Math" panose="02040503050406030204" pitchFamily="18" charset="0"/>
+                          </a:rPr>
+                        </m:ctrlPr>
+                      </m:sSubPr>
+                      <m:e>
+                        <m:r>
+                          <a:rPr lang="en-US" altLang="ko-KR" sz="2000" b="0" i="1" smtClean="0">
+                            <a:latin typeface="Cambria Math" panose="02040503050406030204" pitchFamily="18" charset="0"/>
+                          </a:rPr>
+                          <m:t>𝑃</m:t>
+                        </m:r>
+                      </m:e>
+                      <m:sub>
+                        <m:r>
+                          <a:rPr lang="en-US" altLang="ko-KR" sz="2000" b="0" i="1" smtClean="0">
+                            <a:latin typeface="Cambria Math" panose="02040503050406030204" pitchFamily="18" charset="0"/>
+                          </a:rPr>
+                          <m:t>𝑛</m:t>
+                        </m:r>
+                      </m:sub>
+                    </m:sSub>
+                  </m:oMath>
+                </a14:m>
+                <a:r>
+                  <a:rPr lang="en-US" altLang="ko-KR" sz="2000" dirty="0"/>
+                  <a:t>: negative sampling distribution</a:t>
+                </a:r>
+              </a:p>
+              <a:p>
+                <a:r>
+                  <a:rPr lang="en-US" altLang="ko-KR" sz="2000" dirty="0"/>
+                  <a:t>Q: number of negative samples</a:t>
+                </a:r>
+              </a:p>
+              <a:p>
+                <a14:m>
+                  <m:oMath xmlns:m="http://schemas.openxmlformats.org/officeDocument/2006/math">
+                    <m:sSub>
+                      <m:sSubPr>
+                        <m:ctrlPr>
+                          <a:rPr lang="en-US" altLang="ko-KR" sz="2000" i="1" smtClean="0">
+                            <a:latin typeface="Cambria Math" panose="02040503050406030204" pitchFamily="18" charset="0"/>
+                          </a:rPr>
+                        </m:ctrlPr>
+                      </m:sSubPr>
+                      <m:e>
+                        <m:r>
+                          <a:rPr lang="en-US" altLang="ko-KR" sz="2000" b="0" i="1" smtClean="0">
+                            <a:latin typeface="Cambria Math" panose="02040503050406030204" pitchFamily="18" charset="0"/>
+                          </a:rPr>
+                          <m:t>𝑣</m:t>
+                        </m:r>
+                      </m:e>
+                      <m:sub>
+                        <m:r>
+                          <a:rPr lang="en-US" altLang="ko-KR" sz="2000" b="0" i="1" smtClean="0">
+                            <a:latin typeface="Cambria Math" panose="02040503050406030204" pitchFamily="18" charset="0"/>
+                          </a:rPr>
+                          <m:t>𝑛</m:t>
+                        </m:r>
+                      </m:sub>
+                    </m:sSub>
+                  </m:oMath>
+                </a14:m>
+                <a:r>
+                  <a:rPr lang="en-US" altLang="ko-KR" sz="2000" dirty="0"/>
+                  <a:t>: negative neighbor</a:t>
+                </a:r>
+              </a:p>
+              <a:p>
+                <a:endParaRPr lang="en-US" altLang="ko-KR" sz="2400" dirty="0"/>
+              </a:p>
+            </p:txBody>
+          </p:sp>
+        </mc:Choice>
+        <mc:Fallback xmlns="">
+          <p:sp>
+            <p:nvSpPr>
+              <p:cNvPr id="5" name="내용 개체 틀 4">
+                <a:extLst>
+                  <a:ext uri="{FF2B5EF4-FFF2-40B4-BE49-F238E27FC236}">
+                    <a16:creationId xmlns:a16="http://schemas.microsoft.com/office/drawing/2014/main" id="{FE700DB8-5F9A-A552-32F2-B9385DF8E13A}"/>
+                  </a:ext>
+                </a:extLst>
+              </p:cNvPr>
+              <p:cNvSpPr>
+                <a:spLocks noGrp="1" noRot="1" noChangeAspect="1" noMove="1" noResize="1" noEditPoints="1" noAdjustHandles="1" noChangeArrowheads="1" noChangeShapeType="1" noTextEdit="1"/>
+              </p:cNvSpPr>
+              <p:nvPr>
+                <p:ph idx="1"/>
+              </p:nvPr>
+            </p:nvSpPr>
+            <p:spPr>
+              <a:blipFill>
+                <a:blip r:embed="rId3"/>
+                <a:stretch>
+                  <a:fillRect l="-812" t="-1961"/>
+                </a:stretch>
+              </a:blipFill>
+            </p:spPr>
+            <p:txBody>
+              <a:bodyPr/>
+              <a:lstStyle/>
+              <a:p>
+                <a:r>
+                  <a:rPr lang="ko-KR" altLang="en-US">
+                    <a:noFill/>
+                  </a:rPr>
+                  <a:t> </a:t>
+                </a:r>
+              </a:p>
+            </p:txBody>
+          </p:sp>
+        </mc:Fallback>
+      </mc:AlternateContent>
       <p:pic>
         <p:nvPicPr>
           <p:cNvPr id="8" name="그림 7">
@@ -12297,7 +13428,7 @@
           <p:nvPr/>
         </p:nvPicPr>
         <p:blipFill>
-          <a:blip r:embed="rId3"/>
+          <a:blip r:embed="rId4"/>
           <a:stretch>
             <a:fillRect/>
           </a:stretch>
@@ -12326,8 +13457,8 @@
         </p:nvSpPr>
         <p:spPr>
           <a:xfrm>
-            <a:off x="3558721" y="2648856"/>
-            <a:ext cx="2130879" cy="754744"/>
+            <a:off x="4724400" y="2648856"/>
+            <a:ext cx="965200" cy="754744"/>
           </a:xfrm>
           <a:prstGeom prst="rect">
             <a:avLst/>
@@ -12378,8 +13509,8 @@
         </p:nvSpPr>
         <p:spPr>
           <a:xfrm>
-            <a:off x="7762421" y="2648856"/>
-            <a:ext cx="2331357" cy="754744"/>
+            <a:off x="8539089" y="2648856"/>
+            <a:ext cx="1554689" cy="754744"/>
           </a:xfrm>
           <a:prstGeom prst="rect">
             <a:avLst/>
@@ -14405,6 +15536,50 @@
           </a:p>
         </p:txBody>
       </p:sp>
+      <p:sp>
+        <p:nvSpPr>
+          <p:cNvPr id="5" name="TextBox 4">
+            <a:extLst>
+              <a:ext uri="{FF2B5EF4-FFF2-40B4-BE49-F238E27FC236}">
+                <a16:creationId xmlns:a16="http://schemas.microsoft.com/office/drawing/2014/main" id="{3C02469D-ACEF-44CC-9D45-16B80E4B90A4}"/>
+              </a:ext>
+            </a:extLst>
+          </p:cNvPr>
+          <p:cNvSpPr txBox="1"/>
+          <p:nvPr/>
+        </p:nvSpPr>
+        <p:spPr>
+          <a:xfrm>
+            <a:off x="4216399" y="5567592"/>
+            <a:ext cx="4056744" cy="369332"/>
+          </a:xfrm>
+          <a:prstGeom prst="rect">
+            <a:avLst/>
+          </a:prstGeom>
+          <a:noFill/>
+        </p:spPr>
+        <p:txBody>
+          <a:bodyPr wrap="square" rtlCol="0">
+            <a:spAutoFit/>
+          </a:bodyPr>
+          <a:lstStyle/>
+          <a:p>
+            <a:r>
+              <a:rPr lang="en-US" altLang="ko-KR" b="1" dirty="0">
+                <a:solidFill>
+                  <a:srgbClr val="FF0000"/>
+                </a:solidFill>
+              </a:rPr>
+              <a:t>13.8%    29.1%    19.7%    37.2%</a:t>
+            </a:r>
+            <a:endParaRPr lang="ko-KR" altLang="en-US" b="1" dirty="0">
+              <a:solidFill>
+                <a:srgbClr val="FF0000"/>
+              </a:solidFill>
+            </a:endParaRPr>
+          </a:p>
+        </p:txBody>
+      </p:sp>
     </p:spTree>
     <p:extLst>
       <p:ext uri="{BB962C8B-B14F-4D97-AF65-F5344CB8AC3E}">
@@ -14509,6 +15684,184 @@
               <a:rPr lang="ko-KR" altLang="en-US" smtClean="0"/>
               <a:pPr/>
               <a:t>21</a:t>
+            </a:fld>
+            <a:endParaRPr lang="ko-KR" altLang="en-US" dirty="0"/>
+          </a:p>
+        </p:txBody>
+      </p:sp>
+      <p:sp>
+        <p:nvSpPr>
+          <p:cNvPr id="8" name="내용 개체 틀 7">
+            <a:extLst>
+              <a:ext uri="{FF2B5EF4-FFF2-40B4-BE49-F238E27FC236}">
+                <a16:creationId xmlns:a16="http://schemas.microsoft.com/office/drawing/2014/main" id="{529404E6-DADD-3840-8D66-35A2B8EFAF02}"/>
+              </a:ext>
+            </a:extLst>
+          </p:cNvPr>
+          <p:cNvSpPr>
+            <a:spLocks noGrp="1"/>
+          </p:cNvSpPr>
+          <p:nvPr>
+            <p:ph idx="1"/>
+          </p:nvPr>
+        </p:nvSpPr>
+        <p:spPr>
+          <a:xfrm>
+            <a:off x="838200" y="1609725"/>
+            <a:ext cx="10515600" cy="4351338"/>
+          </a:xfrm>
+        </p:spPr>
+        <p:txBody>
+          <a:bodyPr>
+            <a:normAutofit/>
+          </a:bodyPr>
+          <a:lstStyle/>
+          <a:p>
+            <a:r>
+              <a:rPr lang="en-US" altLang="ko-KR" sz="2400" dirty="0"/>
+              <a:t>4.2 Generalizing across graphs: Protein-protein interactions</a:t>
+            </a:r>
+          </a:p>
+          <a:p>
+            <a:endParaRPr lang="en-US" altLang="ko-KR" sz="2400" dirty="0"/>
+          </a:p>
+          <a:p>
+            <a:pPr lvl="1"/>
+            <a:r>
+              <a:rPr lang="en-US" altLang="ko-KR" sz="2000" dirty="0"/>
+              <a:t>It </a:t>
+            </a:r>
+            <a:r>
+              <a:rPr lang="en-US" altLang="ko-KR" sz="2000" b="1" dirty="0"/>
+              <a:t>requires</a:t>
+            </a:r>
+            <a:r>
+              <a:rPr lang="ko-KR" altLang="en-US" sz="2000" b="1" dirty="0"/>
+              <a:t> </a:t>
+            </a:r>
+            <a:r>
+              <a:rPr lang="en-US" altLang="ko-KR" sz="2000" b="1" dirty="0"/>
+              <a:t>learning about node roles </a:t>
+            </a:r>
+            <a:r>
+              <a:rPr lang="en-US" altLang="ko-KR" sz="2000" dirty="0"/>
+              <a:t>rather than community structure</a:t>
+            </a:r>
+          </a:p>
+          <a:p>
+            <a:pPr lvl="1"/>
+            <a:r>
+              <a:rPr lang="en-US" altLang="ko-KR" sz="2000" dirty="0"/>
+              <a:t>We have 20 graphs and average graph contains 2373 nodes, with an average degree of 28.8</a:t>
+            </a:r>
+            <a:endParaRPr lang="ko-KR" altLang="en-US" sz="2000" dirty="0"/>
+          </a:p>
+        </p:txBody>
+      </p:sp>
+    </p:spTree>
+    <p:extLst>
+      <p:ext uri="{BB962C8B-B14F-4D97-AF65-F5344CB8AC3E}">
+        <p14:creationId xmlns:p14="http://schemas.microsoft.com/office/powerpoint/2010/main" val="631245894"/>
+      </p:ext>
+    </p:extLst>
+  </p:cSld>
+  <p:clrMapOvr>
+    <a:masterClrMapping/>
+  </p:clrMapOvr>
+</p:sld>
+</file>
+
+<file path=ppt/slides/slide22.xml><?xml version="1.0" encoding="utf-8"?>
+<p:sld xmlns:a="http://schemas.openxmlformats.org/drawingml/2006/main" xmlns:r="http://schemas.openxmlformats.org/officeDocument/2006/relationships" xmlns:p="http://schemas.openxmlformats.org/presentationml/2006/main">
+  <p:cSld>
+    <p:spTree>
+      <p:nvGrpSpPr>
+        <p:cNvPr id="1" name=""/>
+        <p:cNvGrpSpPr/>
+        <p:nvPr/>
+      </p:nvGrpSpPr>
+      <p:grpSpPr>
+        <a:xfrm>
+          <a:off x="0" y="0"/>
+          <a:ext cx="0" cy="0"/>
+          <a:chOff x="0" y="0"/>
+          <a:chExt cx="0" cy="0"/>
+        </a:xfrm>
+      </p:grpSpPr>
+      <p:sp>
+        <p:nvSpPr>
+          <p:cNvPr id="2" name="제목 1">
+            <a:extLst>
+              <a:ext uri="{FF2B5EF4-FFF2-40B4-BE49-F238E27FC236}">
+                <a16:creationId xmlns:a16="http://schemas.microsoft.com/office/drawing/2014/main" id="{95CB7AEF-6056-404F-8222-D7A0008FE999}"/>
+              </a:ext>
+            </a:extLst>
+          </p:cNvPr>
+          <p:cNvSpPr>
+            <a:spLocks noGrp="1"/>
+          </p:cNvSpPr>
+          <p:nvPr>
+            <p:ph type="title"/>
+          </p:nvPr>
+        </p:nvSpPr>
+        <p:spPr/>
+        <p:txBody>
+          <a:bodyPr>
+            <a:normAutofit/>
+          </a:bodyPr>
+          <a:lstStyle/>
+          <a:p>
+            <a:r>
+              <a:rPr lang="en-US" altLang="ko-KR" sz="3600" b="1" dirty="0">
+                <a:solidFill>
+                  <a:schemeClr val="tx1">
+                    <a:lumMod val="85000"/>
+                    <a:lumOff val="15000"/>
+                  </a:schemeClr>
+                </a:solidFill>
+                <a:latin typeface="나눔스퀘어 ExtraBold"/>
+                <a:cs typeface="Arial" panose="020B0604020202020204" pitchFamily="34" charset="0"/>
+              </a:rPr>
+              <a:t>Experiments</a:t>
+            </a:r>
+            <a:endParaRPr lang="ko-KR" altLang="en-US" sz="3600" b="1" dirty="0">
+              <a:solidFill>
+                <a:schemeClr val="tx1">
+                  <a:lumMod val="85000"/>
+                  <a:lumOff val="15000"/>
+                </a:schemeClr>
+              </a:solidFill>
+              <a:latin typeface="나눔스퀘어 ExtraBold"/>
+              <a:cs typeface="Arial" panose="020B0604020202020204" pitchFamily="34" charset="0"/>
+            </a:endParaRPr>
+          </a:p>
+        </p:txBody>
+      </p:sp>
+      <p:sp>
+        <p:nvSpPr>
+          <p:cNvPr id="4" name="슬라이드 번호 개체 틀 3">
+            <a:extLst>
+              <a:ext uri="{FF2B5EF4-FFF2-40B4-BE49-F238E27FC236}">
+                <a16:creationId xmlns:a16="http://schemas.microsoft.com/office/drawing/2014/main" id="{4705CCFD-CA4E-4794-89D0-C3DF4603C893}"/>
+              </a:ext>
+            </a:extLst>
+          </p:cNvPr>
+          <p:cNvSpPr>
+            <a:spLocks noGrp="1"/>
+          </p:cNvSpPr>
+          <p:nvPr>
+            <p:ph type="sldNum" sz="quarter" idx="12"/>
+          </p:nvPr>
+        </p:nvSpPr>
+        <p:spPr/>
+        <p:txBody>
+          <a:bodyPr/>
+          <a:lstStyle/>
+          <a:p>
+            <a:fld id="{16A93642-25BD-4471-A422-0159119E9512}" type="slidenum">
+              <a:rPr lang="ko-KR" altLang="en-US" smtClean="0"/>
+              <a:pPr/>
+              <a:t>22</a:t>
             </a:fld>
             <a:endParaRPr lang="ko-KR" altLang="en-US" dirty="0"/>
           </a:p>
@@ -14739,7 +16092,7 @@
     </p:spTree>
     <p:extLst>
       <p:ext uri="{BB962C8B-B14F-4D97-AF65-F5344CB8AC3E}">
-        <p14:creationId xmlns:p14="http://schemas.microsoft.com/office/powerpoint/2010/main" val="631245894"/>
+        <p14:creationId xmlns:p14="http://schemas.microsoft.com/office/powerpoint/2010/main" val="1732406833"/>
       </p:ext>
     </p:extLst>
   </p:cSld>
@@ -14749,7 +16102,7 @@
 </p:sld>
 </file>
 
-<file path=ppt/slides/slide22.xml><?xml version="1.0" encoding="utf-8"?>
+<file path=ppt/slides/slide23.xml><?xml version="1.0" encoding="utf-8"?>
 <p:sld xmlns:a="http://schemas.openxmlformats.org/drawingml/2006/main" xmlns:r="http://schemas.openxmlformats.org/officeDocument/2006/relationships" xmlns:p="http://schemas.openxmlformats.org/presentationml/2006/main">
   <p:cSld>
     <p:spTree>
@@ -14839,7 +16192,7 @@
             <a:fld id="{16A93642-25BD-4471-A422-0159119E9512}" type="slidenum">
               <a:rPr lang="ko-KR" altLang="en-US" smtClean="0"/>
               <a:pPr/>
-              <a:t>22</a:t>
+              <a:t>23</a:t>
             </a:fld>
             <a:endParaRPr lang="ko-KR" altLang="en-US" dirty="0"/>
           </a:p>
@@ -14924,185 +16277,6 @@
 </p:sld>
 </file>
 
-<file path=ppt/slides/slide23.xml><?xml version="1.0" encoding="utf-8"?>
-<p:sld xmlns:a="http://schemas.openxmlformats.org/drawingml/2006/main" xmlns:r="http://schemas.openxmlformats.org/officeDocument/2006/relationships" xmlns:p="http://schemas.openxmlformats.org/presentationml/2006/main">
-  <p:cSld>
-    <p:spTree>
-      <p:nvGrpSpPr>
-        <p:cNvPr id="1" name=""/>
-        <p:cNvGrpSpPr/>
-        <p:nvPr/>
-      </p:nvGrpSpPr>
-      <p:grpSpPr>
-        <a:xfrm>
-          <a:off x="0" y="0"/>
-          <a:ext cx="0" cy="0"/>
-          <a:chOff x="0" y="0"/>
-          <a:chExt cx="0" cy="0"/>
-        </a:xfrm>
-      </p:grpSpPr>
-      <p:sp>
-        <p:nvSpPr>
-          <p:cNvPr id="2" name="제목 1">
-            <a:extLst>
-              <a:ext uri="{FF2B5EF4-FFF2-40B4-BE49-F238E27FC236}">
-                <a16:creationId xmlns:a16="http://schemas.microsoft.com/office/drawing/2014/main" id="{95CB7AEF-6056-404F-8222-D7A0008FE999}"/>
-              </a:ext>
-            </a:extLst>
-          </p:cNvPr>
-          <p:cNvSpPr>
-            <a:spLocks noGrp="1"/>
-          </p:cNvSpPr>
-          <p:nvPr>
-            <p:ph type="title"/>
-          </p:nvPr>
-        </p:nvSpPr>
-        <p:spPr/>
-        <p:txBody>
-          <a:bodyPr>
-            <a:normAutofit/>
-          </a:bodyPr>
-          <a:lstStyle/>
-          <a:p>
-            <a:r>
-              <a:rPr lang="en-US" altLang="ko-KR" sz="3600" b="1" dirty="0">
-                <a:solidFill>
-                  <a:schemeClr val="tx1">
-                    <a:lumMod val="85000"/>
-                    <a:lumOff val="15000"/>
-                  </a:schemeClr>
-                </a:solidFill>
-                <a:latin typeface="나눔스퀘어 ExtraBold"/>
-                <a:cs typeface="Arial" panose="020B0604020202020204" pitchFamily="34" charset="0"/>
-              </a:rPr>
-              <a:t>Experiments</a:t>
-            </a:r>
-            <a:endParaRPr lang="ko-KR" altLang="en-US" sz="3600" b="1" dirty="0">
-              <a:solidFill>
-                <a:schemeClr val="tx1">
-                  <a:lumMod val="85000"/>
-                  <a:lumOff val="15000"/>
-                </a:schemeClr>
-              </a:solidFill>
-              <a:latin typeface="나눔스퀘어 ExtraBold"/>
-              <a:cs typeface="Arial" panose="020B0604020202020204" pitchFamily="34" charset="0"/>
-            </a:endParaRPr>
-          </a:p>
-        </p:txBody>
-      </p:sp>
-      <p:sp>
-        <p:nvSpPr>
-          <p:cNvPr id="4" name="슬라이드 번호 개체 틀 3">
-            <a:extLst>
-              <a:ext uri="{FF2B5EF4-FFF2-40B4-BE49-F238E27FC236}">
-                <a16:creationId xmlns:a16="http://schemas.microsoft.com/office/drawing/2014/main" id="{4705CCFD-CA4E-4794-89D0-C3DF4603C893}"/>
-              </a:ext>
-            </a:extLst>
-          </p:cNvPr>
-          <p:cNvSpPr>
-            <a:spLocks noGrp="1"/>
-          </p:cNvSpPr>
-          <p:nvPr>
-            <p:ph type="sldNum" sz="quarter" idx="12"/>
-          </p:nvPr>
-        </p:nvSpPr>
-        <p:spPr/>
-        <p:txBody>
-          <a:bodyPr/>
-          <a:lstStyle/>
-          <a:p>
-            <a:fld id="{16A93642-25BD-4471-A422-0159119E9512}" type="slidenum">
-              <a:rPr lang="ko-KR" altLang="en-US" smtClean="0"/>
-              <a:pPr/>
-              <a:t>23</a:t>
-            </a:fld>
-            <a:endParaRPr lang="ko-KR" altLang="en-US" dirty="0"/>
-          </a:p>
-        </p:txBody>
-      </p:sp>
-      <p:sp>
-        <p:nvSpPr>
-          <p:cNvPr id="8" name="내용 개체 틀 7">
-            <a:extLst>
-              <a:ext uri="{FF2B5EF4-FFF2-40B4-BE49-F238E27FC236}">
-                <a16:creationId xmlns:a16="http://schemas.microsoft.com/office/drawing/2014/main" id="{529404E6-DADD-3840-8D66-35A2B8EFAF02}"/>
-              </a:ext>
-            </a:extLst>
-          </p:cNvPr>
-          <p:cNvSpPr>
-            <a:spLocks noGrp="1"/>
-          </p:cNvSpPr>
-          <p:nvPr>
-            <p:ph idx="1"/>
-          </p:nvPr>
-        </p:nvSpPr>
-        <p:spPr>
-          <a:xfrm>
-            <a:off x="838200" y="1609725"/>
-            <a:ext cx="10515600" cy="4351338"/>
-          </a:xfrm>
-        </p:spPr>
-        <p:txBody>
-          <a:bodyPr>
-            <a:normAutofit/>
-          </a:bodyPr>
-          <a:lstStyle/>
-          <a:p>
-            <a:r>
-              <a:rPr lang="en-US" altLang="ko-KR" sz="2400" dirty="0"/>
-              <a:t>4.4 Summary comparison between the different aggregator architectures</a:t>
-            </a:r>
-          </a:p>
-          <a:p>
-            <a:endParaRPr lang="en-US" altLang="ko-KR" sz="2400" dirty="0"/>
-          </a:p>
-          <a:p>
-            <a:pPr lvl="1"/>
-            <a:r>
-              <a:rPr lang="en-US" altLang="ko-KR" sz="2000" dirty="0"/>
-              <a:t>the </a:t>
-            </a:r>
-            <a:r>
-              <a:rPr lang="en-US" altLang="ko-KR" sz="2000" b="1" dirty="0"/>
-              <a:t>LSTM</a:t>
-            </a:r>
-            <a:r>
-              <a:rPr lang="en-US" altLang="ko-KR" sz="2000" dirty="0"/>
-              <a:t>- </a:t>
-            </a:r>
-            <a:r>
-              <a:rPr lang="en-US" altLang="ko-KR" sz="2000" b="1" dirty="0"/>
-              <a:t>and pool-based </a:t>
-            </a:r>
-            <a:r>
-              <a:rPr lang="en-US" altLang="ko-KR" sz="2000" dirty="0"/>
-              <a:t>aggregators </a:t>
-            </a:r>
-            <a:r>
-              <a:rPr lang="en-US" altLang="ko-KR" sz="2000" b="1" dirty="0"/>
-              <a:t>performed the best</a:t>
-            </a:r>
-            <a:r>
-              <a:rPr lang="en-US" altLang="ko-KR" sz="2000" dirty="0"/>
-              <a:t>, in terms of both average performance and number of experimental settings where they were the top-performing method</a:t>
-            </a:r>
-            <a:endParaRPr lang="ko-KR" altLang="en-US" sz="2800" dirty="0"/>
-          </a:p>
-        </p:txBody>
-      </p:sp>
-    </p:spTree>
-    <p:extLst>
-      <p:ext uri="{BB962C8B-B14F-4D97-AF65-F5344CB8AC3E}">
-        <p14:creationId xmlns:p14="http://schemas.microsoft.com/office/powerpoint/2010/main" val="2522142649"/>
-      </p:ext>
-    </p:extLst>
-  </p:cSld>
-  <p:clrMapOvr>
-    <a:masterClrMapping/>
-  </p:clrMapOvr>
-</p:sld>
-</file>
-
 <file path=ppt/slides/slide24.xml><?xml version="1.0" encoding="utf-8"?>
 <p:sld xmlns:a="http://schemas.openxmlformats.org/drawingml/2006/main" xmlns:r="http://schemas.openxmlformats.org/officeDocument/2006/relationships" xmlns:p="http://schemas.openxmlformats.org/presentationml/2006/main">
   <p:cSld>
@@ -15154,7 +16328,7 @@
                 <a:latin typeface="나눔스퀘어 ExtraBold"/>
                 <a:cs typeface="Arial" panose="020B0604020202020204" pitchFamily="34" charset="0"/>
               </a:rPr>
-              <a:t>Conclusion</a:t>
+              <a:t>Experiments</a:t>
             </a:r>
             <a:endParaRPr lang="ko-KR" altLang="en-US" sz="3600" b="1" dirty="0">
               <a:solidFill>
@@ -15228,71 +16402,250 @@
           <a:lstStyle/>
           <a:p>
             <a:r>
-              <a:rPr lang="en-US" altLang="ko-KR" sz="2400" b="1" dirty="0" err="1"/>
+              <a:rPr lang="en-US" altLang="ko-KR" sz="2400" dirty="0"/>
+              <a:t>4.4 Summary comparison between the different aggregator architectures</a:t>
+            </a:r>
+          </a:p>
+          <a:p>
+            <a:endParaRPr lang="en-US" altLang="ko-KR" sz="2400" dirty="0"/>
+          </a:p>
+          <a:p>
+            <a:pPr lvl="1"/>
+            <a:r>
+              <a:rPr lang="en-US" altLang="ko-KR" sz="2000" dirty="0"/>
+              <a:t>the </a:t>
+            </a:r>
+            <a:r>
+              <a:rPr lang="en-US" altLang="ko-KR" sz="2000" b="1" dirty="0"/>
+              <a:t>LSTM</a:t>
+            </a:r>
+            <a:r>
+              <a:rPr lang="en-US" altLang="ko-KR" sz="2000" dirty="0"/>
+              <a:t>- </a:t>
+            </a:r>
+            <a:r>
+              <a:rPr lang="en-US" altLang="ko-KR" sz="2000" b="1" dirty="0"/>
+              <a:t>and pool-based </a:t>
+            </a:r>
+            <a:r>
+              <a:rPr lang="en-US" altLang="ko-KR" sz="2000" dirty="0"/>
+              <a:t>aggregators </a:t>
+            </a:r>
+            <a:r>
+              <a:rPr lang="en-US" altLang="ko-KR" sz="2000" b="1" dirty="0"/>
+              <a:t>performed the best</a:t>
+            </a:r>
+            <a:r>
+              <a:rPr lang="en-US" altLang="ko-KR" sz="2000" dirty="0"/>
+              <a:t>, in terms of both average performance and number of experimental settings where they were the top-performing method</a:t>
+            </a:r>
+            <a:endParaRPr lang="ko-KR" altLang="en-US" sz="2800" dirty="0"/>
+          </a:p>
+        </p:txBody>
+      </p:sp>
+    </p:spTree>
+    <p:extLst>
+      <p:ext uri="{BB962C8B-B14F-4D97-AF65-F5344CB8AC3E}">
+        <p14:creationId xmlns:p14="http://schemas.microsoft.com/office/powerpoint/2010/main" val="2522142649"/>
+      </p:ext>
+    </p:extLst>
+  </p:cSld>
+  <p:clrMapOvr>
+    <a:masterClrMapping/>
+  </p:clrMapOvr>
+</p:sld>
+</file>
+
+<file path=ppt/slides/slide25.xml><?xml version="1.0" encoding="utf-8"?>
+<p:sld xmlns:a="http://schemas.openxmlformats.org/drawingml/2006/main" xmlns:r="http://schemas.openxmlformats.org/officeDocument/2006/relationships" xmlns:p="http://schemas.openxmlformats.org/presentationml/2006/main">
+  <p:cSld>
+    <p:spTree>
+      <p:nvGrpSpPr>
+        <p:cNvPr id="1" name=""/>
+        <p:cNvGrpSpPr/>
+        <p:nvPr/>
+      </p:nvGrpSpPr>
+      <p:grpSpPr>
+        <a:xfrm>
+          <a:off x="0" y="0"/>
+          <a:ext cx="0" cy="0"/>
+          <a:chOff x="0" y="0"/>
+          <a:chExt cx="0" cy="0"/>
+        </a:xfrm>
+      </p:grpSpPr>
+      <p:sp>
+        <p:nvSpPr>
+          <p:cNvPr id="2" name="제목 1">
+            <a:extLst>
+              <a:ext uri="{FF2B5EF4-FFF2-40B4-BE49-F238E27FC236}">
+                <a16:creationId xmlns:a16="http://schemas.microsoft.com/office/drawing/2014/main" id="{95CB7AEF-6056-404F-8222-D7A0008FE999}"/>
+              </a:ext>
+            </a:extLst>
+          </p:cNvPr>
+          <p:cNvSpPr>
+            <a:spLocks noGrp="1"/>
+          </p:cNvSpPr>
+          <p:nvPr>
+            <p:ph type="title"/>
+          </p:nvPr>
+        </p:nvSpPr>
+        <p:spPr/>
+        <p:txBody>
+          <a:bodyPr>
+            <a:normAutofit/>
+          </a:bodyPr>
+          <a:lstStyle/>
+          <a:p>
+            <a:r>
+              <a:rPr lang="en-US" altLang="ko-KR" sz="3600" b="1" dirty="0">
+                <a:solidFill>
+                  <a:schemeClr val="tx1">
+                    <a:lumMod val="85000"/>
+                    <a:lumOff val="15000"/>
+                  </a:schemeClr>
+                </a:solidFill>
+                <a:latin typeface="나눔스퀘어 ExtraBold"/>
+                <a:cs typeface="Arial" panose="020B0604020202020204" pitchFamily="34" charset="0"/>
+              </a:rPr>
+              <a:t>Conclusion</a:t>
+            </a:r>
+            <a:endParaRPr lang="ko-KR" altLang="en-US" sz="3600" b="1" dirty="0">
+              <a:solidFill>
+                <a:schemeClr val="tx1">
+                  <a:lumMod val="85000"/>
+                  <a:lumOff val="15000"/>
+                </a:schemeClr>
+              </a:solidFill>
+              <a:latin typeface="나눔스퀘어 ExtraBold"/>
+              <a:cs typeface="Arial" panose="020B0604020202020204" pitchFamily="34" charset="0"/>
+            </a:endParaRPr>
+          </a:p>
+        </p:txBody>
+      </p:sp>
+      <p:sp>
+        <p:nvSpPr>
+          <p:cNvPr id="4" name="슬라이드 번호 개체 틀 3">
+            <a:extLst>
+              <a:ext uri="{FF2B5EF4-FFF2-40B4-BE49-F238E27FC236}">
+                <a16:creationId xmlns:a16="http://schemas.microsoft.com/office/drawing/2014/main" id="{4705CCFD-CA4E-4794-89D0-C3DF4603C893}"/>
+              </a:ext>
+            </a:extLst>
+          </p:cNvPr>
+          <p:cNvSpPr>
+            <a:spLocks noGrp="1"/>
+          </p:cNvSpPr>
+          <p:nvPr>
+            <p:ph type="sldNum" sz="quarter" idx="12"/>
+          </p:nvPr>
+        </p:nvSpPr>
+        <p:spPr/>
+        <p:txBody>
+          <a:bodyPr/>
+          <a:lstStyle/>
+          <a:p>
+            <a:fld id="{16A93642-25BD-4471-A422-0159119E9512}" type="slidenum">
+              <a:rPr lang="ko-KR" altLang="en-US" smtClean="0"/>
+              <a:pPr/>
+              <a:t>25</a:t>
+            </a:fld>
+            <a:endParaRPr lang="ko-KR" altLang="en-US" dirty="0"/>
+          </a:p>
+        </p:txBody>
+      </p:sp>
+      <p:sp>
+        <p:nvSpPr>
+          <p:cNvPr id="8" name="내용 개체 틀 7">
+            <a:extLst>
+              <a:ext uri="{FF2B5EF4-FFF2-40B4-BE49-F238E27FC236}">
+                <a16:creationId xmlns:a16="http://schemas.microsoft.com/office/drawing/2014/main" id="{529404E6-DADD-3840-8D66-35A2B8EFAF02}"/>
+              </a:ext>
+            </a:extLst>
+          </p:cNvPr>
+          <p:cNvSpPr>
+            <a:spLocks noGrp="1"/>
+          </p:cNvSpPr>
+          <p:nvPr>
+            <p:ph idx="1"/>
+          </p:nvPr>
+        </p:nvSpPr>
+        <p:spPr>
+          <a:xfrm>
+            <a:off x="838200" y="1609725"/>
+            <a:ext cx="10515600" cy="4351338"/>
+          </a:xfrm>
+        </p:spPr>
+        <p:txBody>
+          <a:bodyPr>
+            <a:normAutofit/>
+          </a:bodyPr>
+          <a:lstStyle/>
+          <a:p>
+            <a:r>
+              <a:rPr lang="en-US" altLang="ko-KR" sz="2200" b="1" dirty="0" err="1"/>
               <a:t>GraphSAGE</a:t>
             </a:r>
             <a:r>
-              <a:rPr lang="en-US" altLang="ko-KR" sz="2400" b="1" dirty="0"/>
+              <a:rPr lang="en-US" altLang="ko-KR" sz="2200" b="1" dirty="0"/>
               <a:t> </a:t>
             </a:r>
             <a:r>
-              <a:rPr lang="en-US" altLang="ko-KR" sz="2400" dirty="0"/>
+              <a:rPr lang="en-US" altLang="ko-KR" sz="2200" dirty="0"/>
               <a:t>introduced a novel approach that allows </a:t>
             </a:r>
             <a:r>
-              <a:rPr lang="en-US" altLang="ko-KR" sz="2400" b="1" dirty="0"/>
+              <a:rPr lang="en-US" altLang="ko-KR" sz="2200" b="1" dirty="0"/>
               <a:t>embeddings </a:t>
             </a:r>
             <a:r>
-              <a:rPr lang="en-US" altLang="ko-KR" sz="2400" dirty="0"/>
+              <a:rPr lang="en-US" altLang="ko-KR" sz="2200" dirty="0"/>
               <a:t>to be efficiently generated for </a:t>
             </a:r>
             <a:r>
-              <a:rPr lang="en-US" altLang="ko-KR" sz="2400" b="1" dirty="0"/>
+              <a:rPr lang="en-US" altLang="ko-KR" sz="2200" b="1" dirty="0"/>
               <a:t>unseen nodes</a:t>
             </a:r>
           </a:p>
           <a:p>
             <a:r>
-              <a:rPr lang="en-US" altLang="ko-KR" sz="2400" dirty="0"/>
+              <a:rPr lang="en-US" altLang="ko-KR" sz="2200" dirty="0"/>
               <a:t>effectively </a:t>
             </a:r>
             <a:r>
-              <a:rPr lang="en-US" altLang="ko-KR" sz="2400" b="1" dirty="0"/>
+              <a:rPr lang="en-US" altLang="ko-KR" sz="2200" b="1" dirty="0"/>
               <a:t>trades off performance and runtime by sampling node </a:t>
             </a:r>
             <a:r>
-              <a:rPr lang="en-US" altLang="ko-KR" sz="2400" dirty="0"/>
+              <a:rPr lang="en-US" altLang="ko-KR" sz="2200" dirty="0"/>
               <a:t>neighborhoods</a:t>
             </a:r>
-            <a:endParaRPr lang="en-US" altLang="ko-KR" sz="2400" b="1" dirty="0"/>
-          </a:p>
-          <a:p>
-            <a:r>
-              <a:rPr lang="en-US" altLang="ko-KR" sz="2400" dirty="0"/>
+            <a:endParaRPr lang="en-US" altLang="ko-KR" sz="2200" b="1" dirty="0"/>
+          </a:p>
+          <a:p>
+            <a:r>
+              <a:rPr lang="en-US" altLang="ko-KR" sz="2200" dirty="0"/>
               <a:t>theoretical analysis </a:t>
             </a:r>
             <a:r>
-              <a:rPr lang="en-US" altLang="ko-KR" sz="2400" b="1" dirty="0"/>
+              <a:rPr lang="en-US" altLang="ko-KR" sz="2200" b="1" dirty="0"/>
               <a:t>provides insight </a:t>
             </a:r>
             <a:r>
-              <a:rPr lang="en-US" altLang="ko-KR" sz="2400" dirty="0"/>
+              <a:rPr lang="en-US" altLang="ko-KR" sz="2200" dirty="0"/>
               <a:t>into </a:t>
             </a:r>
             <a:r>
-              <a:rPr lang="en-US" altLang="ko-KR" sz="2400" b="1" dirty="0"/>
+              <a:rPr lang="en-US" altLang="ko-KR" sz="2200" b="1" dirty="0"/>
               <a:t>how</a:t>
             </a:r>
             <a:r>
-              <a:rPr lang="en-US" altLang="ko-KR" sz="2400" dirty="0"/>
+              <a:rPr lang="en-US" altLang="ko-KR" sz="2200" dirty="0"/>
               <a:t> </a:t>
             </a:r>
             <a:r>
-              <a:rPr lang="en-US" altLang="ko-KR" sz="2400" b="1" dirty="0"/>
+              <a:rPr lang="en-US" altLang="ko-KR" sz="2200" b="1" dirty="0"/>
               <a:t>can learn about local graph structures</a:t>
             </a:r>
-            <a:endParaRPr lang="ko-KR" altLang="en-US" sz="3600" b="1" dirty="0"/>
+            <a:endParaRPr lang="ko-KR" altLang="en-US" sz="2200" b="1" dirty="0"/>
           </a:p>
         </p:txBody>
       </p:sp>
@@ -15937,32 +17290,6 @@
             </a:r>
           </a:p>
           <a:p>
-            <a:pPr marL="1346400" lvl="2" indent="-432000">
-              <a:lnSpc>
-                <a:spcPct val="100000"/>
-              </a:lnSpc>
-              <a:buClr>
-                <a:srgbClr val="004F9E"/>
-              </a:buClr>
-              <a:buFont typeface="Wingdings" panose="05000000000000000000" pitchFamily="2" charset="2"/>
-              <a:buChar char="§"/>
-            </a:pPr>
-            <a:r>
-              <a:rPr lang="en-US" altLang="ko-KR" sz="1600" dirty="0">
-                <a:solidFill>
-                  <a:schemeClr val="tx1">
-                    <a:lumMod val="85000"/>
-                    <a:lumOff val="15000"/>
-                  </a:schemeClr>
-                </a:solidFill>
-                <a:latin typeface="나눔스퀘어 ExtraBold" panose="020B0600000101010101" pitchFamily="50" charset="-127"/>
-                <a:ea typeface="나눔스퀘어 ExtraBold" panose="020B0600000101010101" pitchFamily="50" charset="-127"/>
-                <a:cs typeface="Arial" panose="020B0604020202020204" pitchFamily="34" charset="0"/>
-              </a:rPr>
-              <a:t>= supervised-learning</a:t>
-            </a:r>
-          </a:p>
-          <a:p>
             <a:pPr marL="889200" lvl="1" indent="-432000">
               <a:lnSpc>
                 <a:spcPct val="100000"/>
@@ -16037,32 +17364,6 @@
                 <a:cs typeface="Arial" panose="020B0604020202020204" pitchFamily="34" charset="0"/>
               </a:rPr>
               <a:t> from train/test data</a:t>
-            </a:r>
-          </a:p>
-          <a:p>
-            <a:pPr marL="1346400" lvl="2" indent="-432000">
-              <a:lnSpc>
-                <a:spcPct val="100000"/>
-              </a:lnSpc>
-              <a:buClr>
-                <a:srgbClr val="004F9E"/>
-              </a:buClr>
-              <a:buFont typeface="Wingdings" panose="05000000000000000000" pitchFamily="2" charset="2"/>
-              <a:buChar char="§"/>
-            </a:pPr>
-            <a:r>
-              <a:rPr lang="en-US" altLang="ko-KR" sz="1600" dirty="0">
-                <a:solidFill>
-                  <a:schemeClr val="tx1">
-                    <a:lumMod val="85000"/>
-                    <a:lumOff val="15000"/>
-                  </a:schemeClr>
-                </a:solidFill>
-                <a:latin typeface="나눔스퀘어 ExtraBold" panose="020B0600000101010101" pitchFamily="50" charset="-127"/>
-                <a:ea typeface="나눔스퀘어 ExtraBold" panose="020B0600000101010101" pitchFamily="50" charset="-127"/>
-                <a:cs typeface="Arial" panose="020B0604020202020204" pitchFamily="34" charset="0"/>
-              </a:rPr>
-              <a:t>=semi-supervised-learning</a:t>
             </a:r>
           </a:p>
         </p:txBody>
@@ -16417,32 +17718,6 @@
             </a:r>
           </a:p>
           <a:p>
-            <a:pPr marL="1346400" lvl="2" indent="-432000">
-              <a:lnSpc>
-                <a:spcPct val="100000"/>
-              </a:lnSpc>
-              <a:buClr>
-                <a:srgbClr val="004F9E"/>
-              </a:buClr>
-              <a:buFont typeface="Wingdings" panose="05000000000000000000" pitchFamily="2" charset="2"/>
-              <a:buChar char="§"/>
-            </a:pPr>
-            <a:r>
-              <a:rPr lang="en-US" altLang="ko-KR" sz="1600" dirty="0">
-                <a:solidFill>
-                  <a:schemeClr val="tx1">
-                    <a:lumMod val="85000"/>
-                    <a:lumOff val="15000"/>
-                  </a:schemeClr>
-                </a:solidFill>
-                <a:latin typeface="나눔스퀘어 ExtraBold" panose="020B0600000101010101" pitchFamily="50" charset="-127"/>
-                <a:ea typeface="나눔스퀘어 ExtraBold" panose="020B0600000101010101" pitchFamily="50" charset="-127"/>
-                <a:cs typeface="Arial" panose="020B0604020202020204" pitchFamily="34" charset="0"/>
-              </a:rPr>
-              <a:t>= supervised-learning</a:t>
-            </a:r>
-          </a:p>
-          <a:p>
             <a:pPr marL="889200" lvl="1" indent="-432000">
               <a:lnSpc>
                 <a:spcPct val="100000"/>
@@ -16517,32 +17792,6 @@
                 <a:cs typeface="Arial" panose="020B0604020202020204" pitchFamily="34" charset="0"/>
               </a:rPr>
               <a:t> from train/test data</a:t>
-            </a:r>
-          </a:p>
-          <a:p>
-            <a:pPr marL="1346400" lvl="2" indent="-432000">
-              <a:lnSpc>
-                <a:spcPct val="100000"/>
-              </a:lnSpc>
-              <a:buClr>
-                <a:srgbClr val="004F9E"/>
-              </a:buClr>
-              <a:buFont typeface="Wingdings" panose="05000000000000000000" pitchFamily="2" charset="2"/>
-              <a:buChar char="§"/>
-            </a:pPr>
-            <a:r>
-              <a:rPr lang="en-US" altLang="ko-KR" sz="1600" dirty="0">
-                <a:solidFill>
-                  <a:schemeClr val="tx1">
-                    <a:lumMod val="85000"/>
-                    <a:lumOff val="15000"/>
-                  </a:schemeClr>
-                </a:solidFill>
-                <a:latin typeface="나눔스퀘어 ExtraBold" panose="020B0600000101010101" pitchFamily="50" charset="-127"/>
-                <a:ea typeface="나눔스퀘어 ExtraBold" panose="020B0600000101010101" pitchFamily="50" charset="-127"/>
-                <a:cs typeface="Arial" panose="020B0604020202020204" pitchFamily="34" charset="0"/>
-              </a:rPr>
-              <a:t>=semi-supervised-learning</a:t>
             </a:r>
           </a:p>
         </p:txBody>
@@ -17546,13 +18795,16 @@
           <a:p>
             <a:pPr lvl="2"/>
             <a:r>
-              <a:rPr lang="en-US" altLang="ko-KR" sz="1800" dirty="0"/>
+              <a:rPr lang="en-US" altLang="ko-KR" dirty="0"/>
               <a:t>define N(v) as a fixed-size</a:t>
             </a:r>
           </a:p>
           <a:p>
             <a:pPr lvl="2"/>
-            <a:endParaRPr lang="en-US" altLang="ko-KR" dirty="0"/>
+            <a:r>
+              <a:rPr lang="en-US" altLang="ko-KR" dirty="0"/>
+              <a:t>in order to keep the computational footprint of each batch fixed</a:t>
+            </a:r>
           </a:p>
           <a:p>
             <a:pPr lvl="2"/>
@@ -17582,8 +18834,8 @@
         </p:blipFill>
         <p:spPr>
           <a:xfrm>
-            <a:off x="7973160" y="2696187"/>
-            <a:ext cx="2457793" cy="2610214"/>
+            <a:off x="8831289" y="1164409"/>
+            <a:ext cx="2132352" cy="2264591"/>
           </a:xfrm>
           <a:prstGeom prst="rect">
             <a:avLst/>

--- a/papers/review/GraphSAGE Review.pptx
+++ b/papers/review/GraphSAGE Review.pptx
@@ -232,7 +232,7 @@
           <a:p>
             <a:fld id="{B4BAEF34-DDA1-41A6-94BB-1D7567B3088F}" type="datetimeFigureOut">
               <a:rPr lang="ko-KR" altLang="en-US" smtClean="0"/>
-              <a:t>2023-01-26</a:t>
+              <a:t>2023-01-27</a:t>
             </a:fld>
             <a:endParaRPr lang="ko-KR" altLang="en-US"/>
           </a:p>
@@ -6394,15 +6394,12 @@
             </a:r>
             <a:r>
               <a:rPr lang="ko-KR" altLang="en-US" dirty="0"/>
-              <a:t>트레인 데이터를 모두 사용하여 적절한 군집으로 만들고 추론을 하는 방식으로 준지도학습이라고 할 수 있음</a:t>
+              <a:t>트레인 데이터를 모두 사용하여 적절한 군집으로 만들고 추론을 하는 방식이다</a:t>
             </a:r>
             <a:r>
               <a:rPr lang="en-US" altLang="ko-KR" dirty="0"/>
               <a:t>.</a:t>
             </a:r>
-          </a:p>
-          <a:p>
-            <a:endParaRPr lang="ko-KR" altLang="en-US" dirty="0"/>
           </a:p>
         </p:txBody>
       </p:sp>
@@ -6957,28 +6954,7 @@
               <a:rPr lang="ko-KR" altLang="en-US" dirty="0"/>
               <a:t>그래프 세이지에 대해 더 구체적으로 알아보자면</a:t>
             </a:r>
-            <a:r>
-              <a:rPr lang="en-US" altLang="ko-KR" dirty="0"/>
-              <a:t>,</a:t>
-            </a:r>
-          </a:p>
-          <a:p>
-            <a:r>
-              <a:rPr lang="ko-KR" altLang="en-US" dirty="0"/>
-              <a:t>그래프 세이지의 핵심은 노드의 이웃으로부터 정보를 </a:t>
-            </a:r>
-            <a:r>
-              <a:rPr lang="en-US" altLang="ko-KR" dirty="0" err="1"/>
-              <a:t>aggregat</a:t>
-            </a:r>
-            <a:r>
-              <a:rPr lang="ko-KR" altLang="en-US" dirty="0"/>
-              <a:t>하는 방법입니다</a:t>
-            </a:r>
-            <a:r>
-              <a:rPr lang="en-US" altLang="ko-KR" dirty="0"/>
-              <a:t>.</a:t>
-            </a:r>
+            <a:endParaRPr lang="en-US" altLang="ko-KR" dirty="0"/>
           </a:p>
           <a:p>
             <a:r>
@@ -7042,6 +7018,12 @@
             <a:r>
               <a:rPr lang="en-US" altLang="ko-KR" dirty="0"/>
               <a:t>.</a:t>
+            </a:r>
+          </a:p>
+          <a:p>
+            <a:r>
+              <a:rPr lang="en-US" altLang="ko-KR" dirty="0"/>
+              <a:t>,</a:t>
             </a:r>
           </a:p>
           <a:p>
@@ -7348,6 +7330,47 @@
         <p:txBody>
           <a:bodyPr/>
           <a:lstStyle/>
+          <a:p>
+            <a:pPr marL="0" marR="0" lvl="0" indent="0" algn="l" defTabSz="914400" rtl="0" eaLnBrk="1" fontAlgn="auto" latinLnBrk="1" hangingPunct="1">
+              <a:lnSpc>
+                <a:spcPct val="100000"/>
+              </a:lnSpc>
+              <a:spcBef>
+                <a:spcPts val="0"/>
+              </a:spcBef>
+              <a:spcAft>
+                <a:spcPts val="0"/>
+              </a:spcAft>
+              <a:buClrTx/>
+              <a:buSzTx/>
+              <a:buFontTx/>
+              <a:buNone/>
+              <a:tabLst/>
+              <a:defRPr/>
+            </a:pPr>
+            <a:r>
+              <a:rPr lang="ko-KR" altLang="en-US" dirty="0"/>
+              <a:t>그래프 세이지의 핵심은 노드의 이웃으로부터 정보를 </a:t>
+            </a:r>
+            <a:r>
+              <a:rPr lang="en-US" altLang="ko-KR" dirty="0" err="1"/>
+              <a:t>aggregat</a:t>
+            </a:r>
+            <a:r>
+              <a:rPr lang="ko-KR" altLang="en-US" dirty="0"/>
+              <a:t>하는 방법입니다</a:t>
+            </a:r>
+            <a:r>
+              <a:rPr lang="en-US" altLang="ko-KR" dirty="0"/>
+              <a:t>.</a:t>
+            </a:r>
+          </a:p>
+          <a:p>
+            <a:pPr marL="0" indent="0">
+              <a:buNone/>
+            </a:pPr>
+            <a:endParaRPr lang="en-US" altLang="ko-KR" dirty="0"/>
+          </a:p>
           <a:p>
             <a:pPr marL="228600" indent="-228600">
               <a:buAutoNum type="arabicPeriod"/>
@@ -17363,8 +17386,57 @@
                 <a:ea typeface="나눔스퀘어 ExtraBold" panose="020B0600000101010101" pitchFamily="50" charset="-127"/>
                 <a:cs typeface="Arial" panose="020B0604020202020204" pitchFamily="34" charset="0"/>
               </a:rPr>
-              <a:t> from train/test data</a:t>
-            </a:r>
+              <a:t> from the whole of dataset</a:t>
+            </a:r>
+          </a:p>
+          <a:p>
+            <a:pPr marL="1346400" lvl="2" indent="-432000">
+              <a:lnSpc>
+                <a:spcPct val="100000"/>
+              </a:lnSpc>
+              <a:buClr>
+                <a:srgbClr val="004F9E"/>
+              </a:buClr>
+              <a:buFont typeface="Wingdings" panose="05000000000000000000" pitchFamily="2" charset="2"/>
+              <a:buChar char="§"/>
+            </a:pPr>
+            <a:r>
+              <a:rPr lang="en-US" altLang="ko-KR" sz="1600" dirty="0">
+                <a:solidFill>
+                  <a:schemeClr val="tx1">
+                    <a:lumMod val="85000"/>
+                    <a:lumOff val="15000"/>
+                  </a:schemeClr>
+                </a:solidFill>
+                <a:latin typeface="나눔스퀘어 ExtraBold" panose="020B0600000101010101" pitchFamily="50" charset="-127"/>
+                <a:ea typeface="나눔스퀘어 ExtraBold" panose="020B0600000101010101" pitchFamily="50" charset="-127"/>
+                <a:cs typeface="Arial" panose="020B0604020202020204" pitchFamily="34" charset="0"/>
+              </a:rPr>
+              <a:t>Make use of the patterns</a:t>
+            </a:r>
+          </a:p>
+          <a:p>
+            <a:pPr marL="1346400" lvl="2" indent="-432000">
+              <a:lnSpc>
+                <a:spcPct val="100000"/>
+              </a:lnSpc>
+              <a:buClr>
+                <a:srgbClr val="004F9E"/>
+              </a:buClr>
+              <a:buFont typeface="Wingdings" panose="05000000000000000000" pitchFamily="2" charset="2"/>
+              <a:buChar char="§"/>
+            </a:pPr>
+            <a:endParaRPr lang="en-US" altLang="ko-KR" sz="1600" dirty="0">
+              <a:solidFill>
+                <a:schemeClr val="tx1">
+                  <a:lumMod val="85000"/>
+                  <a:lumOff val="15000"/>
+                </a:schemeClr>
+              </a:solidFill>
+              <a:latin typeface="나눔스퀘어 ExtraBold" panose="020B0600000101010101" pitchFamily="50" charset="-127"/>
+              <a:ea typeface="나눔스퀘어 ExtraBold" panose="020B0600000101010101" pitchFamily="50" charset="-127"/>
+              <a:cs typeface="Arial" panose="020B0604020202020204" pitchFamily="34" charset="0"/>
+            </a:endParaRPr>
           </a:p>
         </p:txBody>
       </p:sp>
@@ -17791,7 +17863,33 @@
                 <a:ea typeface="나눔스퀘어 ExtraBold" panose="020B0600000101010101" pitchFamily="50" charset="-127"/>
                 <a:cs typeface="Arial" panose="020B0604020202020204" pitchFamily="34" charset="0"/>
               </a:rPr>
-              <a:t> from train/test data</a:t>
+              <a:t> from the whole of dataset</a:t>
+            </a:r>
+          </a:p>
+          <a:p>
+            <a:pPr marL="1346400" lvl="2" indent="-432000">
+              <a:lnSpc>
+                <a:spcPct val="100000"/>
+              </a:lnSpc>
+              <a:buClr>
+                <a:srgbClr val="004F9E"/>
+              </a:buClr>
+              <a:buFont typeface="Wingdings" panose="05000000000000000000" pitchFamily="2" charset="2"/>
+              <a:buChar char="§"/>
+            </a:pPr>
+            <a:r>
+              <a:rPr lang="en-US" altLang="ko-KR" sz="1600" dirty="0">
+                <a:solidFill>
+                  <a:schemeClr val="tx1">
+                    <a:lumMod val="85000"/>
+                    <a:lumOff val="15000"/>
+                  </a:schemeClr>
+                </a:solidFill>
+                <a:latin typeface="나눔스퀘어 ExtraBold" panose="020B0600000101010101" pitchFamily="50" charset="-127"/>
+                <a:ea typeface="나눔스퀘어 ExtraBold" panose="020B0600000101010101" pitchFamily="50" charset="-127"/>
+                <a:cs typeface="Arial" panose="020B0604020202020204" pitchFamily="34" charset="0"/>
+              </a:rPr>
+              <a:t>Make use of the patterns</a:t>
             </a:r>
           </a:p>
         </p:txBody>
